--- a/js-data-types/Data_types.pptx
+++ b/js-data-types/Data_types.pptx
@@ -5,31 +5,22 @@
     <p:sldMasterId id="2147483936" r:id="rId1"/>
   </p:sldMasterIdLst>
   <p:notesMasterIdLst>
-    <p:notesMasterId r:id="rId24"/>
+    <p:notesMasterId r:id="rId15"/>
   </p:notesMasterIdLst>
   <p:sldIdLst>
     <p:sldId id="284" r:id="rId2"/>
-    <p:sldId id="283" r:id="rId3"/>
-    <p:sldId id="351" r:id="rId4"/>
-    <p:sldId id="334" r:id="rId5"/>
-    <p:sldId id="335" r:id="rId6"/>
-    <p:sldId id="336" r:id="rId7"/>
-    <p:sldId id="291" r:id="rId8"/>
-    <p:sldId id="384" r:id="rId9"/>
-    <p:sldId id="414" r:id="rId10"/>
-    <p:sldId id="416" r:id="rId11"/>
-    <p:sldId id="417" r:id="rId12"/>
-    <p:sldId id="418" r:id="rId13"/>
-    <p:sldId id="419" r:id="rId14"/>
-    <p:sldId id="420" r:id="rId15"/>
-    <p:sldId id="304" r:id="rId16"/>
-    <p:sldId id="461" r:id="rId17"/>
-    <p:sldId id="348" r:id="rId18"/>
-    <p:sldId id="441" r:id="rId19"/>
-    <p:sldId id="353" r:id="rId20"/>
-    <p:sldId id="436" r:id="rId21"/>
-    <p:sldId id="292" r:id="rId22"/>
-    <p:sldId id="305" r:id="rId23"/>
+    <p:sldId id="417" r:id="rId3"/>
+    <p:sldId id="418" r:id="rId4"/>
+    <p:sldId id="419" r:id="rId5"/>
+    <p:sldId id="420" r:id="rId6"/>
+    <p:sldId id="304" r:id="rId7"/>
+    <p:sldId id="461" r:id="rId8"/>
+    <p:sldId id="348" r:id="rId9"/>
+    <p:sldId id="441" r:id="rId10"/>
+    <p:sldId id="353" r:id="rId11"/>
+    <p:sldId id="436" r:id="rId12"/>
+    <p:sldId id="292" r:id="rId13"/>
+    <p:sldId id="305" r:id="rId14"/>
   </p:sldIdLst>
   <p:sldSz cx="9144000" cy="6858000" type="screen4x3"/>
   <p:notesSz cx="6858000" cy="9144000"/>
@@ -230,7 +221,7 @@
             <a:fld id="{83C55866-C109-46F5-A1A5-A583FE70736B}" type="datetimeFigureOut">
               <a:rPr lang="be-BY" smtClean="0"/>
               <a:pPr/>
-              <a:t>27.08.2015</a:t>
+              <a:t>28.08.2015</a:t>
             </a:fld>
             <a:endParaRPr lang="be-BY"/>
           </a:p>
@@ -588,813 +579,6 @@
 </p:notes>
 </file>
 
-<file path=ppt/notesSlides/notesSlide10.xml><?xml version="1.0" encoding="utf-8"?>
-<p:notes xmlns:a="http://schemas.openxmlformats.org/drawingml/2006/main" xmlns:r="http://schemas.openxmlformats.org/officeDocument/2006/relationships" xmlns:p="http://schemas.openxmlformats.org/presentationml/2006/main">
-  <p:cSld>
-    <p:spTree>
-      <p:nvGrpSpPr>
-        <p:cNvPr id="1" name=""/>
-        <p:cNvGrpSpPr/>
-        <p:nvPr/>
-      </p:nvGrpSpPr>
-      <p:grpSpPr>
-        <a:xfrm>
-          <a:off x="0" y="0"/>
-          <a:ext cx="0" cy="0"/>
-          <a:chOff x="0" y="0"/>
-          <a:chExt cx="0" cy="0"/>
-        </a:xfrm>
-      </p:grpSpPr>
-      <p:sp>
-        <p:nvSpPr>
-          <p:cNvPr id="140290" name="Rectangle 7"/>
-          <p:cNvSpPr>
-            <a:spLocks noGrp="1" noChangeArrowheads="1"/>
-          </p:cNvSpPr>
-          <p:nvPr>
-            <p:ph type="sldNum" sz="quarter" idx="5"/>
-          </p:nvPr>
-        </p:nvSpPr>
-        <p:spPr bwMode="auto">
-          <a:noFill/>
-          <a:ln>
-            <a:miter lim="800000"/>
-            <a:headEnd/>
-            <a:tailEnd/>
-          </a:ln>
-        </p:spPr>
-        <p:txBody>
-          <a:bodyPr wrap="square" numCol="1" anchorCtr="0" compatLnSpc="1">
-            <a:prstTxWarp prst="textNoShape">
-              <a:avLst/>
-            </a:prstTxWarp>
-          </a:bodyPr>
-          <a:lstStyle/>
-          <a:p>
-            <a:fld id="{DDF8DAA0-153C-4A28-85EC-0D41E4AA0736}" type="slidenum">
-              <a:rPr lang="en-US" smtClean="0"/>
-              <a:pPr/>
-              <a:t>10</a:t>
-            </a:fld>
-            <a:endParaRPr lang="en-US" smtClean="0"/>
-          </a:p>
-        </p:txBody>
-      </p:sp>
-      <p:sp>
-        <p:nvSpPr>
-          <p:cNvPr id="140291" name="Rectangle 2"/>
-          <p:cNvSpPr>
-            <a:spLocks noGrp="1" noRot="1" noChangeAspect="1" noChangeArrowheads="1" noTextEdit="1"/>
-          </p:cNvSpPr>
-          <p:nvPr>
-            <p:ph type="sldImg"/>
-          </p:nvPr>
-        </p:nvSpPr>
-        <p:spPr bwMode="auto">
-          <a:noFill/>
-          <a:ln>
-            <a:solidFill>
-              <a:srgbClr val="000000"/>
-            </a:solidFill>
-            <a:miter lim="800000"/>
-            <a:headEnd/>
-            <a:tailEnd/>
-          </a:ln>
-        </p:spPr>
-      </p:sp>
-      <p:sp>
-        <p:nvSpPr>
-          <p:cNvPr id="140292" name="Rectangle 3"/>
-          <p:cNvSpPr>
-            <a:spLocks noGrp="1" noChangeArrowheads="1"/>
-          </p:cNvSpPr>
-          <p:nvPr>
-            <p:ph type="body" idx="1"/>
-          </p:nvPr>
-        </p:nvSpPr>
-        <p:spPr bwMode="auto">
-          <a:noFill/>
-        </p:spPr>
-        <p:txBody>
-          <a:bodyPr wrap="square" numCol="1" anchor="t" anchorCtr="0" compatLnSpc="1">
-            <a:prstTxWarp prst="textNoShape">
-              <a:avLst/>
-            </a:prstTxWarp>
-          </a:bodyPr>
-          <a:lstStyle/>
-          <a:p>
-            <a:pPr eaLnBrk="1" hangingPunct="1">
-              <a:spcBef>
-                <a:spcPct val="0"/>
-              </a:spcBef>
-            </a:pPr>
-            <a:endParaRPr lang="be-BY" smtClean="0"/>
-          </a:p>
-        </p:txBody>
-      </p:sp>
-    </p:spTree>
-    <p:extLst>
-      <p:ext uri="{BB962C8B-B14F-4D97-AF65-F5344CB8AC3E}">
-        <p14:creationId xmlns:p14="http://schemas.microsoft.com/office/powerpoint/2010/main" val="2182607708"/>
-      </p:ext>
-    </p:extLst>
-  </p:cSld>
-  <p:clrMapOvr>
-    <a:masterClrMapping/>
-  </p:clrMapOvr>
-</p:notes>
-</file>
-
-<file path=ppt/notesSlides/notesSlide11.xml><?xml version="1.0" encoding="utf-8"?>
-<p:notes xmlns:a="http://schemas.openxmlformats.org/drawingml/2006/main" xmlns:r="http://schemas.openxmlformats.org/officeDocument/2006/relationships" xmlns:p="http://schemas.openxmlformats.org/presentationml/2006/main">
-  <p:cSld>
-    <p:spTree>
-      <p:nvGrpSpPr>
-        <p:cNvPr id="1" name=""/>
-        <p:cNvGrpSpPr/>
-        <p:nvPr/>
-      </p:nvGrpSpPr>
-      <p:grpSpPr>
-        <a:xfrm>
-          <a:off x="0" y="0"/>
-          <a:ext cx="0" cy="0"/>
-          <a:chOff x="0" y="0"/>
-          <a:chExt cx="0" cy="0"/>
-        </a:xfrm>
-      </p:grpSpPr>
-      <p:sp>
-        <p:nvSpPr>
-          <p:cNvPr id="2" name="Slide Image Placeholder 1"/>
-          <p:cNvSpPr>
-            <a:spLocks noGrp="1" noRot="1" noChangeAspect="1"/>
-          </p:cNvSpPr>
-          <p:nvPr>
-            <p:ph type="sldImg"/>
-          </p:nvPr>
-        </p:nvSpPr>
-        <p:spPr/>
-      </p:sp>
-      <p:sp>
-        <p:nvSpPr>
-          <p:cNvPr id="3" name="Notes Placeholder 2"/>
-          <p:cNvSpPr>
-            <a:spLocks noGrp="1"/>
-          </p:cNvSpPr>
-          <p:nvPr>
-            <p:ph type="body" idx="1"/>
-          </p:nvPr>
-        </p:nvSpPr>
-        <p:spPr/>
-        <p:txBody>
-          <a:bodyPr/>
-          <a:lstStyle/>
-          <a:p>
-            <a:endParaRPr lang="en-US" dirty="0"/>
-          </a:p>
-        </p:txBody>
-      </p:sp>
-      <p:sp>
-        <p:nvSpPr>
-          <p:cNvPr id="4" name="Slide Number Placeholder 3"/>
-          <p:cNvSpPr>
-            <a:spLocks noGrp="1"/>
-          </p:cNvSpPr>
-          <p:nvPr>
-            <p:ph type="sldNum" sz="quarter" idx="10"/>
-          </p:nvPr>
-        </p:nvSpPr>
-        <p:spPr/>
-        <p:txBody>
-          <a:bodyPr/>
-          <a:lstStyle/>
-          <a:p>
-            <a:fld id="{B6DB43F0-FEFD-424B-AFAA-1D3C2B01CC9C}" type="slidenum">
-              <a:rPr lang="be-BY" smtClean="0"/>
-              <a:pPr/>
-              <a:t>11</a:t>
-            </a:fld>
-            <a:endParaRPr lang="be-BY"/>
-          </a:p>
-        </p:txBody>
-      </p:sp>
-    </p:spTree>
-    <p:extLst>
-      <p:ext uri="{BB962C8B-B14F-4D97-AF65-F5344CB8AC3E}">
-        <p14:creationId xmlns:p14="http://schemas.microsoft.com/office/powerpoint/2010/main" val="2547060751"/>
-      </p:ext>
-    </p:extLst>
-  </p:cSld>
-  <p:clrMapOvr>
-    <a:masterClrMapping/>
-  </p:clrMapOvr>
-</p:notes>
-</file>
-
-<file path=ppt/notesSlides/notesSlide12.xml><?xml version="1.0" encoding="utf-8"?>
-<p:notes xmlns:a="http://schemas.openxmlformats.org/drawingml/2006/main" xmlns:r="http://schemas.openxmlformats.org/officeDocument/2006/relationships" xmlns:p="http://schemas.openxmlformats.org/presentationml/2006/main">
-  <p:cSld>
-    <p:spTree>
-      <p:nvGrpSpPr>
-        <p:cNvPr id="1" name=""/>
-        <p:cNvGrpSpPr/>
-        <p:nvPr/>
-      </p:nvGrpSpPr>
-      <p:grpSpPr>
-        <a:xfrm>
-          <a:off x="0" y="0"/>
-          <a:ext cx="0" cy="0"/>
-          <a:chOff x="0" y="0"/>
-          <a:chExt cx="0" cy="0"/>
-        </a:xfrm>
-      </p:grpSpPr>
-      <p:sp>
-        <p:nvSpPr>
-          <p:cNvPr id="2" name="Slide Image Placeholder 1"/>
-          <p:cNvSpPr>
-            <a:spLocks noGrp="1" noRot="1" noChangeAspect="1"/>
-          </p:cNvSpPr>
-          <p:nvPr>
-            <p:ph type="sldImg"/>
-          </p:nvPr>
-        </p:nvSpPr>
-        <p:spPr/>
-      </p:sp>
-      <p:sp>
-        <p:nvSpPr>
-          <p:cNvPr id="3" name="Notes Placeholder 2"/>
-          <p:cNvSpPr>
-            <a:spLocks noGrp="1"/>
-          </p:cNvSpPr>
-          <p:nvPr>
-            <p:ph type="body" idx="1"/>
-          </p:nvPr>
-        </p:nvSpPr>
-        <p:spPr/>
-        <p:txBody>
-          <a:bodyPr/>
-          <a:lstStyle/>
-          <a:p>
-            <a:endParaRPr lang="en-US" dirty="0"/>
-          </a:p>
-        </p:txBody>
-      </p:sp>
-      <p:sp>
-        <p:nvSpPr>
-          <p:cNvPr id="4" name="Slide Number Placeholder 3"/>
-          <p:cNvSpPr>
-            <a:spLocks noGrp="1"/>
-          </p:cNvSpPr>
-          <p:nvPr>
-            <p:ph type="sldNum" sz="quarter" idx="10"/>
-          </p:nvPr>
-        </p:nvSpPr>
-        <p:spPr/>
-        <p:txBody>
-          <a:bodyPr/>
-          <a:lstStyle/>
-          <a:p>
-            <a:fld id="{B6DB43F0-FEFD-424B-AFAA-1D3C2B01CC9C}" type="slidenum">
-              <a:rPr lang="be-BY" smtClean="0"/>
-              <a:pPr/>
-              <a:t>12</a:t>
-            </a:fld>
-            <a:endParaRPr lang="be-BY"/>
-          </a:p>
-        </p:txBody>
-      </p:sp>
-    </p:spTree>
-    <p:extLst>
-      <p:ext uri="{BB962C8B-B14F-4D97-AF65-F5344CB8AC3E}">
-        <p14:creationId xmlns:p14="http://schemas.microsoft.com/office/powerpoint/2010/main" val="2547060751"/>
-      </p:ext>
-    </p:extLst>
-  </p:cSld>
-  <p:clrMapOvr>
-    <a:masterClrMapping/>
-  </p:clrMapOvr>
-</p:notes>
-</file>
-
-<file path=ppt/notesSlides/notesSlide13.xml><?xml version="1.0" encoding="utf-8"?>
-<p:notes xmlns:a="http://schemas.openxmlformats.org/drawingml/2006/main" xmlns:r="http://schemas.openxmlformats.org/officeDocument/2006/relationships" xmlns:p="http://schemas.openxmlformats.org/presentationml/2006/main">
-  <p:cSld>
-    <p:spTree>
-      <p:nvGrpSpPr>
-        <p:cNvPr id="1" name=""/>
-        <p:cNvGrpSpPr/>
-        <p:nvPr/>
-      </p:nvGrpSpPr>
-      <p:grpSpPr>
-        <a:xfrm>
-          <a:off x="0" y="0"/>
-          <a:ext cx="0" cy="0"/>
-          <a:chOff x="0" y="0"/>
-          <a:chExt cx="0" cy="0"/>
-        </a:xfrm>
-      </p:grpSpPr>
-      <p:sp>
-        <p:nvSpPr>
-          <p:cNvPr id="2" name="Slide Image Placeholder 1"/>
-          <p:cNvSpPr>
-            <a:spLocks noGrp="1" noRot="1" noChangeAspect="1"/>
-          </p:cNvSpPr>
-          <p:nvPr>
-            <p:ph type="sldImg"/>
-          </p:nvPr>
-        </p:nvSpPr>
-        <p:spPr/>
-      </p:sp>
-      <p:sp>
-        <p:nvSpPr>
-          <p:cNvPr id="3" name="Notes Placeholder 2"/>
-          <p:cNvSpPr>
-            <a:spLocks noGrp="1"/>
-          </p:cNvSpPr>
-          <p:nvPr>
-            <p:ph type="body" idx="1"/>
-          </p:nvPr>
-        </p:nvSpPr>
-        <p:spPr/>
-        <p:txBody>
-          <a:bodyPr>
-            <a:normAutofit/>
-          </a:bodyPr>
-          <a:lstStyle/>
-          <a:p>
-            <a:endParaRPr lang="en-US" dirty="0"/>
-          </a:p>
-        </p:txBody>
-      </p:sp>
-      <p:sp>
-        <p:nvSpPr>
-          <p:cNvPr id="4" name="Slide Number Placeholder 3"/>
-          <p:cNvSpPr>
-            <a:spLocks noGrp="1"/>
-          </p:cNvSpPr>
-          <p:nvPr>
-            <p:ph type="sldNum" sz="quarter" idx="10"/>
-          </p:nvPr>
-        </p:nvSpPr>
-        <p:spPr/>
-        <p:txBody>
-          <a:bodyPr/>
-          <a:lstStyle/>
-          <a:p>
-            <a:fld id="{B6DB43F0-FEFD-424B-AFAA-1D3C2B01CC9C}" type="slidenum">
-              <a:rPr lang="be-BY" smtClean="0"/>
-              <a:pPr/>
-              <a:t>14</a:t>
-            </a:fld>
-            <a:endParaRPr lang="be-BY"/>
-          </a:p>
-        </p:txBody>
-      </p:sp>
-    </p:spTree>
-    <p:extLst>
-      <p:ext uri="{BB962C8B-B14F-4D97-AF65-F5344CB8AC3E}">
-        <p14:creationId xmlns:p14="http://schemas.microsoft.com/office/powerpoint/2010/main" val="369111961"/>
-      </p:ext>
-    </p:extLst>
-  </p:cSld>
-  <p:clrMapOvr>
-    <a:masterClrMapping/>
-  </p:clrMapOvr>
-</p:notes>
-</file>
-
-<file path=ppt/notesSlides/notesSlide14.xml><?xml version="1.0" encoding="utf-8"?>
-<p:notes xmlns:a="http://schemas.openxmlformats.org/drawingml/2006/main" xmlns:r="http://schemas.openxmlformats.org/officeDocument/2006/relationships" xmlns:p="http://schemas.openxmlformats.org/presentationml/2006/main">
-  <p:cSld>
-    <p:spTree>
-      <p:nvGrpSpPr>
-        <p:cNvPr id="1" name=""/>
-        <p:cNvGrpSpPr/>
-        <p:nvPr/>
-      </p:nvGrpSpPr>
-      <p:grpSpPr>
-        <a:xfrm>
-          <a:off x="0" y="0"/>
-          <a:ext cx="0" cy="0"/>
-          <a:chOff x="0" y="0"/>
-          <a:chExt cx="0" cy="0"/>
-        </a:xfrm>
-      </p:grpSpPr>
-      <p:sp>
-        <p:nvSpPr>
-          <p:cNvPr id="2" name="Slide Image Placeholder 1"/>
-          <p:cNvSpPr>
-            <a:spLocks noGrp="1" noRot="1" noChangeAspect="1"/>
-          </p:cNvSpPr>
-          <p:nvPr>
-            <p:ph type="sldImg"/>
-          </p:nvPr>
-        </p:nvSpPr>
-        <p:spPr/>
-      </p:sp>
-      <p:sp>
-        <p:nvSpPr>
-          <p:cNvPr id="3" name="Notes Placeholder 2"/>
-          <p:cNvSpPr>
-            <a:spLocks noGrp="1"/>
-          </p:cNvSpPr>
-          <p:nvPr>
-            <p:ph type="body" idx="1"/>
-          </p:nvPr>
-        </p:nvSpPr>
-        <p:spPr/>
-        <p:txBody>
-          <a:bodyPr>
-            <a:normAutofit/>
-          </a:bodyPr>
-          <a:lstStyle/>
-          <a:p>
-            <a:endParaRPr lang="en-US" i="0" dirty="0"/>
-          </a:p>
-        </p:txBody>
-      </p:sp>
-      <p:sp>
-        <p:nvSpPr>
-          <p:cNvPr id="4" name="Slide Number Placeholder 3"/>
-          <p:cNvSpPr>
-            <a:spLocks noGrp="1"/>
-          </p:cNvSpPr>
-          <p:nvPr>
-            <p:ph type="sldNum" sz="quarter" idx="10"/>
-          </p:nvPr>
-        </p:nvSpPr>
-        <p:spPr/>
-        <p:txBody>
-          <a:bodyPr/>
-          <a:lstStyle/>
-          <a:p>
-            <a:fld id="{B6DB43F0-FEFD-424B-AFAA-1D3C2B01CC9C}" type="slidenum">
-              <a:rPr lang="be-BY" smtClean="0"/>
-              <a:pPr/>
-              <a:t>15</a:t>
-            </a:fld>
-            <a:endParaRPr lang="be-BY"/>
-          </a:p>
-        </p:txBody>
-      </p:sp>
-    </p:spTree>
-    <p:extLst>
-      <p:ext uri="{BB962C8B-B14F-4D97-AF65-F5344CB8AC3E}">
-        <p14:creationId xmlns:p14="http://schemas.microsoft.com/office/powerpoint/2010/main" val="1703317087"/>
-      </p:ext>
-    </p:extLst>
-  </p:cSld>
-  <p:clrMapOvr>
-    <a:masterClrMapping/>
-  </p:clrMapOvr>
-</p:notes>
-</file>
-
-<file path=ppt/notesSlides/notesSlide15.xml><?xml version="1.0" encoding="utf-8"?>
-<p:notes xmlns:a="http://schemas.openxmlformats.org/drawingml/2006/main" xmlns:r="http://schemas.openxmlformats.org/officeDocument/2006/relationships" xmlns:p="http://schemas.openxmlformats.org/presentationml/2006/main">
-  <p:cSld>
-    <p:spTree>
-      <p:nvGrpSpPr>
-        <p:cNvPr id="1" name=""/>
-        <p:cNvGrpSpPr/>
-        <p:nvPr/>
-      </p:nvGrpSpPr>
-      <p:grpSpPr>
-        <a:xfrm>
-          <a:off x="0" y="0"/>
-          <a:ext cx="0" cy="0"/>
-          <a:chOff x="0" y="0"/>
-          <a:chExt cx="0" cy="0"/>
-        </a:xfrm>
-      </p:grpSpPr>
-      <p:sp>
-        <p:nvSpPr>
-          <p:cNvPr id="2" name="Slide Image Placeholder 1"/>
-          <p:cNvSpPr>
-            <a:spLocks noGrp="1" noRot="1" noChangeAspect="1"/>
-          </p:cNvSpPr>
-          <p:nvPr>
-            <p:ph type="sldImg"/>
-          </p:nvPr>
-        </p:nvSpPr>
-        <p:spPr/>
-      </p:sp>
-      <p:sp>
-        <p:nvSpPr>
-          <p:cNvPr id="3" name="Notes Placeholder 2"/>
-          <p:cNvSpPr>
-            <a:spLocks noGrp="1"/>
-          </p:cNvSpPr>
-          <p:nvPr>
-            <p:ph type="body" idx="1"/>
-          </p:nvPr>
-        </p:nvSpPr>
-        <p:spPr/>
-        <p:txBody>
-          <a:bodyPr>
-            <a:normAutofit/>
-          </a:bodyPr>
-          <a:lstStyle/>
-          <a:p>
-            <a:endParaRPr lang="en-US" i="0" dirty="0"/>
-          </a:p>
-        </p:txBody>
-      </p:sp>
-      <p:sp>
-        <p:nvSpPr>
-          <p:cNvPr id="4" name="Slide Number Placeholder 3"/>
-          <p:cNvSpPr>
-            <a:spLocks noGrp="1"/>
-          </p:cNvSpPr>
-          <p:nvPr>
-            <p:ph type="sldNum" sz="quarter" idx="10"/>
-          </p:nvPr>
-        </p:nvSpPr>
-        <p:spPr/>
-        <p:txBody>
-          <a:bodyPr/>
-          <a:lstStyle/>
-          <a:p>
-            <a:fld id="{B6DB43F0-FEFD-424B-AFAA-1D3C2B01CC9C}" type="slidenum">
-              <a:rPr lang="be-BY" smtClean="0"/>
-              <a:pPr/>
-              <a:t>16</a:t>
-            </a:fld>
-            <a:endParaRPr lang="be-BY"/>
-          </a:p>
-        </p:txBody>
-      </p:sp>
-    </p:spTree>
-    <p:extLst>
-      <p:ext uri="{BB962C8B-B14F-4D97-AF65-F5344CB8AC3E}">
-        <p14:creationId xmlns:p14="http://schemas.microsoft.com/office/powerpoint/2010/main" val="43877703"/>
-      </p:ext>
-    </p:extLst>
-  </p:cSld>
-  <p:clrMapOvr>
-    <a:masterClrMapping/>
-  </p:clrMapOvr>
-</p:notes>
-</file>
-
-<file path=ppt/notesSlides/notesSlide16.xml><?xml version="1.0" encoding="utf-8"?>
-<p:notes xmlns:a="http://schemas.openxmlformats.org/drawingml/2006/main" xmlns:r="http://schemas.openxmlformats.org/officeDocument/2006/relationships" xmlns:p="http://schemas.openxmlformats.org/presentationml/2006/main">
-  <p:cSld>
-    <p:spTree>
-      <p:nvGrpSpPr>
-        <p:cNvPr id="1" name=""/>
-        <p:cNvGrpSpPr/>
-        <p:nvPr/>
-      </p:nvGrpSpPr>
-      <p:grpSpPr>
-        <a:xfrm>
-          <a:off x="0" y="0"/>
-          <a:ext cx="0" cy="0"/>
-          <a:chOff x="0" y="0"/>
-          <a:chExt cx="0" cy="0"/>
-        </a:xfrm>
-      </p:grpSpPr>
-      <p:sp>
-        <p:nvSpPr>
-          <p:cNvPr id="2" name="Slide Image Placeholder 1"/>
-          <p:cNvSpPr>
-            <a:spLocks noGrp="1" noRot="1" noChangeAspect="1"/>
-          </p:cNvSpPr>
-          <p:nvPr>
-            <p:ph type="sldImg"/>
-          </p:nvPr>
-        </p:nvSpPr>
-        <p:spPr/>
-      </p:sp>
-      <p:sp>
-        <p:nvSpPr>
-          <p:cNvPr id="3" name="Notes Placeholder 2"/>
-          <p:cNvSpPr>
-            <a:spLocks noGrp="1"/>
-          </p:cNvSpPr>
-          <p:nvPr>
-            <p:ph type="body" idx="1"/>
-          </p:nvPr>
-        </p:nvSpPr>
-        <p:spPr/>
-        <p:txBody>
-          <a:bodyPr>
-            <a:normAutofit/>
-          </a:bodyPr>
-          <a:lstStyle/>
-          <a:p>
-            <a:endParaRPr lang="en-US" i="0" dirty="0"/>
-          </a:p>
-        </p:txBody>
-      </p:sp>
-      <p:sp>
-        <p:nvSpPr>
-          <p:cNvPr id="4" name="Slide Number Placeholder 3"/>
-          <p:cNvSpPr>
-            <a:spLocks noGrp="1"/>
-          </p:cNvSpPr>
-          <p:nvPr>
-            <p:ph type="sldNum" sz="quarter" idx="10"/>
-          </p:nvPr>
-        </p:nvSpPr>
-        <p:spPr/>
-        <p:txBody>
-          <a:bodyPr/>
-          <a:lstStyle/>
-          <a:p>
-            <a:fld id="{B6DB43F0-FEFD-424B-AFAA-1D3C2B01CC9C}" type="slidenum">
-              <a:rPr lang="be-BY" smtClean="0"/>
-              <a:pPr/>
-              <a:t>17</a:t>
-            </a:fld>
-            <a:endParaRPr lang="be-BY"/>
-          </a:p>
-        </p:txBody>
-      </p:sp>
-    </p:spTree>
-    <p:extLst>
-      <p:ext uri="{BB962C8B-B14F-4D97-AF65-F5344CB8AC3E}">
-        <p14:creationId xmlns:p14="http://schemas.microsoft.com/office/powerpoint/2010/main" val="365853423"/>
-      </p:ext>
-    </p:extLst>
-  </p:cSld>
-  <p:clrMapOvr>
-    <a:masterClrMapping/>
-  </p:clrMapOvr>
-</p:notes>
-</file>
-
-<file path=ppt/notesSlides/notesSlide17.xml><?xml version="1.0" encoding="utf-8"?>
-<p:notes xmlns:a="http://schemas.openxmlformats.org/drawingml/2006/main" xmlns:r="http://schemas.openxmlformats.org/officeDocument/2006/relationships" xmlns:p="http://schemas.openxmlformats.org/presentationml/2006/main">
-  <p:cSld>
-    <p:spTree>
-      <p:nvGrpSpPr>
-        <p:cNvPr id="1" name=""/>
-        <p:cNvGrpSpPr/>
-        <p:nvPr/>
-      </p:nvGrpSpPr>
-      <p:grpSpPr>
-        <a:xfrm>
-          <a:off x="0" y="0"/>
-          <a:ext cx="0" cy="0"/>
-          <a:chOff x="0" y="0"/>
-          <a:chExt cx="0" cy="0"/>
-        </a:xfrm>
-      </p:grpSpPr>
-      <p:sp>
-        <p:nvSpPr>
-          <p:cNvPr id="2" name="Slide Image Placeholder 1"/>
-          <p:cNvSpPr>
-            <a:spLocks noGrp="1" noRot="1" noChangeAspect="1"/>
-          </p:cNvSpPr>
-          <p:nvPr>
-            <p:ph type="sldImg"/>
-          </p:nvPr>
-        </p:nvSpPr>
-        <p:spPr/>
-      </p:sp>
-      <p:sp>
-        <p:nvSpPr>
-          <p:cNvPr id="3" name="Notes Placeholder 2"/>
-          <p:cNvSpPr>
-            <a:spLocks noGrp="1"/>
-          </p:cNvSpPr>
-          <p:nvPr>
-            <p:ph type="body" idx="1"/>
-          </p:nvPr>
-        </p:nvSpPr>
-        <p:spPr/>
-        <p:txBody>
-          <a:bodyPr>
-            <a:normAutofit/>
-          </a:bodyPr>
-          <a:lstStyle/>
-          <a:p>
-            <a:endParaRPr lang="ru-RU" baseline="0" dirty="0" smtClean="0"/>
-          </a:p>
-        </p:txBody>
-      </p:sp>
-      <p:sp>
-        <p:nvSpPr>
-          <p:cNvPr id="4" name="Slide Number Placeholder 3"/>
-          <p:cNvSpPr>
-            <a:spLocks noGrp="1"/>
-          </p:cNvSpPr>
-          <p:nvPr>
-            <p:ph type="sldNum" sz="quarter" idx="10"/>
-          </p:nvPr>
-        </p:nvSpPr>
-        <p:spPr/>
-        <p:txBody>
-          <a:bodyPr/>
-          <a:lstStyle/>
-          <a:p>
-            <a:fld id="{B6DB43F0-FEFD-424B-AFAA-1D3C2B01CC9C}" type="slidenum">
-              <a:rPr lang="be-BY" smtClean="0"/>
-              <a:pPr/>
-              <a:t>19</a:t>
-            </a:fld>
-            <a:endParaRPr lang="be-BY"/>
-          </a:p>
-        </p:txBody>
-      </p:sp>
-    </p:spTree>
-    <p:extLst>
-      <p:ext uri="{BB962C8B-B14F-4D97-AF65-F5344CB8AC3E}">
-        <p14:creationId xmlns:p14="http://schemas.microsoft.com/office/powerpoint/2010/main" val="2053847389"/>
-      </p:ext>
-    </p:extLst>
-  </p:cSld>
-  <p:clrMapOvr>
-    <a:masterClrMapping/>
-  </p:clrMapOvr>
-</p:notes>
-</file>
-
-<file path=ppt/notesSlides/notesSlide18.xml><?xml version="1.0" encoding="utf-8"?>
-<p:notes xmlns:a="http://schemas.openxmlformats.org/drawingml/2006/main" xmlns:r="http://schemas.openxmlformats.org/officeDocument/2006/relationships" xmlns:p="http://schemas.openxmlformats.org/presentationml/2006/main">
-  <p:cSld>
-    <p:spTree>
-      <p:nvGrpSpPr>
-        <p:cNvPr id="1" name=""/>
-        <p:cNvGrpSpPr/>
-        <p:nvPr/>
-      </p:nvGrpSpPr>
-      <p:grpSpPr>
-        <a:xfrm>
-          <a:off x="0" y="0"/>
-          <a:ext cx="0" cy="0"/>
-          <a:chOff x="0" y="0"/>
-          <a:chExt cx="0" cy="0"/>
-        </a:xfrm>
-      </p:grpSpPr>
-      <p:sp>
-        <p:nvSpPr>
-          <p:cNvPr id="2" name="Slide Image Placeholder 1"/>
-          <p:cNvSpPr>
-            <a:spLocks noGrp="1" noRot="1" noChangeAspect="1"/>
-          </p:cNvSpPr>
-          <p:nvPr>
-            <p:ph type="sldImg"/>
-          </p:nvPr>
-        </p:nvSpPr>
-        <p:spPr/>
-      </p:sp>
-      <p:sp>
-        <p:nvSpPr>
-          <p:cNvPr id="3" name="Notes Placeholder 2"/>
-          <p:cNvSpPr>
-            <a:spLocks noGrp="1"/>
-          </p:cNvSpPr>
-          <p:nvPr>
-            <p:ph type="body" idx="1"/>
-          </p:nvPr>
-        </p:nvSpPr>
-        <p:spPr/>
-        <p:txBody>
-          <a:bodyPr/>
-          <a:lstStyle/>
-          <a:p>
-            <a:endParaRPr lang="en-US"/>
-          </a:p>
-        </p:txBody>
-      </p:sp>
-      <p:sp>
-        <p:nvSpPr>
-          <p:cNvPr id="4" name="Slide Number Placeholder 3"/>
-          <p:cNvSpPr>
-            <a:spLocks noGrp="1"/>
-          </p:cNvSpPr>
-          <p:nvPr>
-            <p:ph type="sldNum" sz="quarter" idx="10"/>
-          </p:nvPr>
-        </p:nvSpPr>
-        <p:spPr/>
-        <p:txBody>
-          <a:bodyPr/>
-          <a:lstStyle/>
-          <a:p>
-            <a:fld id="{B6DB43F0-FEFD-424B-AFAA-1D3C2B01CC9C}" type="slidenum">
-              <a:rPr lang="be-BY" smtClean="0"/>
-              <a:pPr/>
-              <a:t>22</a:t>
-            </a:fld>
-            <a:endParaRPr lang="be-BY"/>
-          </a:p>
-        </p:txBody>
-      </p:sp>
-    </p:spTree>
-    <p:extLst>
-      <p:ext uri="{BB962C8B-B14F-4D97-AF65-F5344CB8AC3E}">
-        <p14:creationId xmlns:p14="http://schemas.microsoft.com/office/powerpoint/2010/main" val="1623665328"/>
-      </p:ext>
-    </p:extLst>
-  </p:cSld>
-  <p:clrMapOvr>
-    <a:masterClrMapping/>
-  </p:clrMapOvr>
-</p:notes>
-</file>
-
 <file path=ppt/notesSlides/notesSlide2.xml><?xml version="1.0" encoding="utf-8"?>
 <p:notes xmlns:a="http://schemas.openxmlformats.org/drawingml/2006/main" xmlns:r="http://schemas.openxmlformats.org/officeDocument/2006/relationships" xmlns:p="http://schemas.openxmlformats.org/presentationml/2006/main">
   <p:cSld>
@@ -1436,9 +620,7 @@
         </p:nvSpPr>
         <p:spPr/>
         <p:txBody>
-          <a:bodyPr>
-            <a:normAutofit/>
-          </a:bodyPr>
+          <a:bodyPr/>
           <a:lstStyle/>
           <a:p>
             <a:endParaRPr lang="en-US" dirty="0"/>
@@ -1472,7 +654,7 @@
     </p:spTree>
     <p:extLst>
       <p:ext uri="{BB962C8B-B14F-4D97-AF65-F5344CB8AC3E}">
-        <p14:creationId xmlns:p14="http://schemas.microsoft.com/office/powerpoint/2010/main" val="119913396"/>
+        <p14:creationId xmlns:p14="http://schemas.microsoft.com/office/powerpoint/2010/main" val="2547060751"/>
       </p:ext>
     </p:extLst>
   </p:cSld>
@@ -1523,9 +705,7 @@
         </p:nvSpPr>
         <p:spPr/>
         <p:txBody>
-          <a:bodyPr>
-            <a:normAutofit/>
-          </a:bodyPr>
+          <a:bodyPr/>
           <a:lstStyle/>
           <a:p>
             <a:endParaRPr lang="en-US" dirty="0"/>
@@ -1559,7 +739,7 @@
     </p:spTree>
     <p:extLst>
       <p:ext uri="{BB962C8B-B14F-4D97-AF65-F5344CB8AC3E}">
-        <p14:creationId xmlns:p14="http://schemas.microsoft.com/office/powerpoint/2010/main" val="1457053210"/>
+        <p14:creationId xmlns:p14="http://schemas.microsoft.com/office/powerpoint/2010/main" val="2547060751"/>
       </p:ext>
     </p:extLst>
   </p:cSld>
@@ -1637,7 +817,7 @@
             <a:fld id="{B6DB43F0-FEFD-424B-AFAA-1D3C2B01CC9C}" type="slidenum">
               <a:rPr lang="be-BY" smtClean="0"/>
               <a:pPr/>
-              <a:t>4</a:t>
+              <a:t>5</a:t>
             </a:fld>
             <a:endParaRPr lang="be-BY"/>
           </a:p>
@@ -1646,7 +826,7 @@
     </p:spTree>
     <p:extLst>
       <p:ext uri="{BB962C8B-B14F-4D97-AF65-F5344CB8AC3E}">
-        <p14:creationId xmlns:p14="http://schemas.microsoft.com/office/powerpoint/2010/main" val="3114785338"/>
+        <p14:creationId xmlns:p14="http://schemas.microsoft.com/office/powerpoint/2010/main" val="369111961"/>
       </p:ext>
     </p:extLst>
   </p:cSld>
@@ -1702,7 +882,7 @@
           </a:bodyPr>
           <a:lstStyle/>
           <a:p>
-            <a:endParaRPr lang="en-US" dirty="0"/>
+            <a:endParaRPr lang="en-US" i="0" dirty="0"/>
           </a:p>
         </p:txBody>
       </p:sp>
@@ -1724,7 +904,7 @@
             <a:fld id="{B6DB43F0-FEFD-424B-AFAA-1D3C2B01CC9C}" type="slidenum">
               <a:rPr lang="be-BY" smtClean="0"/>
               <a:pPr/>
-              <a:t>5</a:t>
+              <a:t>6</a:t>
             </a:fld>
             <a:endParaRPr lang="be-BY"/>
           </a:p>
@@ -1733,7 +913,7 @@
     </p:spTree>
     <p:extLst>
       <p:ext uri="{BB962C8B-B14F-4D97-AF65-F5344CB8AC3E}">
-        <p14:creationId xmlns:p14="http://schemas.microsoft.com/office/powerpoint/2010/main" val="444974667"/>
+        <p14:creationId xmlns:p14="http://schemas.microsoft.com/office/powerpoint/2010/main" val="1703317087"/>
       </p:ext>
     </p:extLst>
   </p:cSld>
@@ -1789,7 +969,7 @@
           </a:bodyPr>
           <a:lstStyle/>
           <a:p>
-            <a:endParaRPr lang="en-US" dirty="0"/>
+            <a:endParaRPr lang="en-US" i="0" dirty="0"/>
           </a:p>
         </p:txBody>
       </p:sp>
@@ -1811,7 +991,7 @@
             <a:fld id="{B6DB43F0-FEFD-424B-AFAA-1D3C2B01CC9C}" type="slidenum">
               <a:rPr lang="be-BY" smtClean="0"/>
               <a:pPr/>
-              <a:t>6</a:t>
+              <a:t>7</a:t>
             </a:fld>
             <a:endParaRPr lang="be-BY"/>
           </a:p>
@@ -1820,7 +1000,7 @@
     </p:spTree>
     <p:extLst>
       <p:ext uri="{BB962C8B-B14F-4D97-AF65-F5344CB8AC3E}">
-        <p14:creationId xmlns:p14="http://schemas.microsoft.com/office/powerpoint/2010/main" val="283218407"/>
+        <p14:creationId xmlns:p14="http://schemas.microsoft.com/office/powerpoint/2010/main" val="43877703"/>
       </p:ext>
     </p:extLst>
   </p:cSld>
@@ -1876,7 +1056,7 @@
           </a:bodyPr>
           <a:lstStyle/>
           <a:p>
-            <a:endParaRPr lang="en-US" dirty="0"/>
+            <a:endParaRPr lang="en-US" i="0" dirty="0"/>
           </a:p>
         </p:txBody>
       </p:sp>
@@ -1898,7 +1078,7 @@
             <a:fld id="{B6DB43F0-FEFD-424B-AFAA-1D3C2B01CC9C}" type="slidenum">
               <a:rPr lang="be-BY" smtClean="0"/>
               <a:pPr/>
-              <a:t>7</a:t>
+              <a:t>8</a:t>
             </a:fld>
             <a:endParaRPr lang="be-BY"/>
           </a:p>
@@ -1907,7 +1087,7 @@
     </p:spTree>
     <p:extLst>
       <p:ext uri="{BB962C8B-B14F-4D97-AF65-F5344CB8AC3E}">
-        <p14:creationId xmlns:p14="http://schemas.microsoft.com/office/powerpoint/2010/main" val="3180170839"/>
+        <p14:creationId xmlns:p14="http://schemas.microsoft.com/office/powerpoint/2010/main" val="365853423"/>
       </p:ext>
     </p:extLst>
   </p:cSld>
@@ -1963,17 +1143,7 @@
           </a:bodyPr>
           <a:lstStyle/>
           <a:p>
-            <a:endParaRPr lang="en-US" baseline="0" dirty="0" smtClean="0"/>
-          </a:p>
-          <a:p>
             <a:endParaRPr lang="ru-RU" baseline="0" dirty="0" smtClean="0"/>
-          </a:p>
-          <a:p>
-            <a:r>
-              <a:rPr lang="en-US" baseline="0" dirty="0" smtClean="0"/>
-              <a:t> </a:t>
-            </a:r>
-            <a:endParaRPr lang="en-US" dirty="0"/>
           </a:p>
         </p:txBody>
       </p:sp>
@@ -1995,7 +1165,7 @@
             <a:fld id="{B6DB43F0-FEFD-424B-AFAA-1D3C2B01CC9C}" type="slidenum">
               <a:rPr lang="be-BY" smtClean="0"/>
               <a:pPr/>
-              <a:t>8</a:t>
+              <a:t>10</a:t>
             </a:fld>
             <a:endParaRPr lang="be-BY"/>
           </a:p>
@@ -2004,7 +1174,7 @@
     </p:spTree>
     <p:extLst>
       <p:ext uri="{BB962C8B-B14F-4D97-AF65-F5344CB8AC3E}">
-        <p14:creationId xmlns:p14="http://schemas.microsoft.com/office/powerpoint/2010/main" val="2546446920"/>
+        <p14:creationId xmlns:p14="http://schemas.microsoft.com/office/powerpoint/2010/main" val="2053847389"/>
       </p:ext>
     </p:extLst>
   </p:cSld>
@@ -2055,12 +1225,10 @@
         </p:nvSpPr>
         <p:spPr/>
         <p:txBody>
-          <a:bodyPr>
-            <a:normAutofit/>
-          </a:bodyPr>
-          <a:lstStyle/>
-          <a:p>
-            <a:endParaRPr lang="en-US" dirty="0"/>
+          <a:bodyPr/>
+          <a:lstStyle/>
+          <a:p>
+            <a:endParaRPr lang="en-US"/>
           </a:p>
         </p:txBody>
       </p:sp>
@@ -2082,7 +1250,7 @@
             <a:fld id="{B6DB43F0-FEFD-424B-AFAA-1D3C2B01CC9C}" type="slidenum">
               <a:rPr lang="be-BY" smtClean="0"/>
               <a:pPr/>
-              <a:t>9</a:t>
+              <a:t>13</a:t>
             </a:fld>
             <a:endParaRPr lang="be-BY"/>
           </a:p>
@@ -2091,7 +1259,7 @@
     </p:spTree>
     <p:extLst>
       <p:ext uri="{BB962C8B-B14F-4D97-AF65-F5344CB8AC3E}">
-        <p14:creationId xmlns:p14="http://schemas.microsoft.com/office/powerpoint/2010/main" val="388840562"/>
+        <p14:creationId xmlns:p14="http://schemas.microsoft.com/office/powerpoint/2010/main" val="1623665328"/>
       </p:ext>
     </p:extLst>
   </p:cSld>
@@ -2283,7 +1451,7 @@
             <a:fld id="{ADF9D30C-D1AE-43D8-9AC8-81DD3F555E58}" type="datetimeFigureOut">
               <a:rPr lang="be-BY" smtClean="0"/>
               <a:pPr/>
-              <a:t>27.08.2015</a:t>
+              <a:t>28.08.2015</a:t>
             </a:fld>
             <a:endParaRPr lang="be-BY"/>
           </a:p>
@@ -2450,7 +1618,7 @@
             <a:fld id="{ADF9D30C-D1AE-43D8-9AC8-81DD3F555E58}" type="datetimeFigureOut">
               <a:rPr lang="be-BY" smtClean="0"/>
               <a:pPr/>
-              <a:t>27.08.2015</a:t>
+              <a:t>28.08.2015</a:t>
             </a:fld>
             <a:endParaRPr lang="be-BY"/>
           </a:p>
@@ -2627,7 +1795,7 @@
             <a:fld id="{ADF9D30C-D1AE-43D8-9AC8-81DD3F555E58}" type="datetimeFigureOut">
               <a:rPr lang="be-BY" smtClean="0"/>
               <a:pPr/>
-              <a:t>27.08.2015</a:t>
+              <a:t>28.08.2015</a:t>
             </a:fld>
             <a:endParaRPr lang="be-BY"/>
           </a:p>
@@ -2794,7 +1962,7 @@
             <a:fld id="{ADF9D30C-D1AE-43D8-9AC8-81DD3F555E58}" type="datetimeFigureOut">
               <a:rPr lang="be-BY" smtClean="0"/>
               <a:pPr/>
-              <a:t>27.08.2015</a:t>
+              <a:t>28.08.2015</a:t>
             </a:fld>
             <a:endParaRPr lang="be-BY"/>
           </a:p>
@@ -3037,7 +2205,7 @@
             <a:fld id="{ADF9D30C-D1AE-43D8-9AC8-81DD3F555E58}" type="datetimeFigureOut">
               <a:rPr lang="be-BY" smtClean="0"/>
               <a:pPr/>
-              <a:t>27.08.2015</a:t>
+              <a:t>28.08.2015</a:t>
             </a:fld>
             <a:endParaRPr lang="be-BY"/>
           </a:p>
@@ -3322,7 +2490,7 @@
             <a:fld id="{ADF9D30C-D1AE-43D8-9AC8-81DD3F555E58}" type="datetimeFigureOut">
               <a:rPr lang="be-BY" smtClean="0"/>
               <a:pPr/>
-              <a:t>27.08.2015</a:t>
+              <a:t>28.08.2015</a:t>
             </a:fld>
             <a:endParaRPr lang="be-BY"/>
           </a:p>
@@ -3741,7 +2909,7 @@
             <a:fld id="{ADF9D30C-D1AE-43D8-9AC8-81DD3F555E58}" type="datetimeFigureOut">
               <a:rPr lang="be-BY" smtClean="0"/>
               <a:pPr/>
-              <a:t>27.08.2015</a:t>
+              <a:t>28.08.2015</a:t>
             </a:fld>
             <a:endParaRPr lang="be-BY"/>
           </a:p>
@@ -3856,7 +3024,7 @@
             <a:fld id="{ADF9D30C-D1AE-43D8-9AC8-81DD3F555E58}" type="datetimeFigureOut">
               <a:rPr lang="be-BY" smtClean="0"/>
               <a:pPr/>
-              <a:t>27.08.2015</a:t>
+              <a:t>28.08.2015</a:t>
             </a:fld>
             <a:endParaRPr lang="be-BY"/>
           </a:p>
@@ -3948,7 +3116,7 @@
             <a:fld id="{ADF9D30C-D1AE-43D8-9AC8-81DD3F555E58}" type="datetimeFigureOut">
               <a:rPr lang="be-BY" smtClean="0"/>
               <a:pPr/>
-              <a:t>27.08.2015</a:t>
+              <a:t>28.08.2015</a:t>
             </a:fld>
             <a:endParaRPr lang="be-BY"/>
           </a:p>
@@ -4222,7 +3390,7 @@
             <a:fld id="{ADF9D30C-D1AE-43D8-9AC8-81DD3F555E58}" type="datetimeFigureOut">
               <a:rPr lang="be-BY" smtClean="0"/>
               <a:pPr/>
-              <a:t>27.08.2015</a:t>
+              <a:t>28.08.2015</a:t>
             </a:fld>
             <a:endParaRPr lang="be-BY"/>
           </a:p>
@@ -4472,7 +3640,7 @@
             <a:fld id="{ADF9D30C-D1AE-43D8-9AC8-81DD3F555E58}" type="datetimeFigureOut">
               <a:rPr lang="be-BY" smtClean="0"/>
               <a:pPr/>
-              <a:t>27.08.2015</a:t>
+              <a:t>28.08.2015</a:t>
             </a:fld>
             <a:endParaRPr lang="be-BY"/>
           </a:p>
@@ -4682,7 +3850,7 @@
             <a:fld id="{ADF9D30C-D1AE-43D8-9AC8-81DD3F555E58}" type="datetimeFigureOut">
               <a:rPr lang="be-BY" smtClean="0"/>
               <a:pPr/>
-              <a:t>27.08.2015</a:t>
+              <a:t>28.08.2015</a:t>
             </a:fld>
             <a:endParaRPr lang="be-BY"/>
           </a:p>
@@ -5349,2400 +4517,6 @@
 </file>
 
 <file path=ppt/slides/slide10.xml><?xml version="1.0" encoding="utf-8"?>
-<p:sld xmlns:a="http://schemas.openxmlformats.org/drawingml/2006/main" xmlns:r="http://schemas.openxmlformats.org/officeDocument/2006/relationships" xmlns:p="http://schemas.openxmlformats.org/presentationml/2006/main">
-  <p:cSld>
-    <p:spTree>
-      <p:nvGrpSpPr>
-        <p:cNvPr id="1" name=""/>
-        <p:cNvGrpSpPr/>
-        <p:nvPr/>
-      </p:nvGrpSpPr>
-      <p:grpSpPr>
-        <a:xfrm>
-          <a:off x="0" y="0"/>
-          <a:ext cx="0" cy="0"/>
-          <a:chOff x="0" y="0"/>
-          <a:chExt cx="0" cy="0"/>
-        </a:xfrm>
-      </p:grpSpPr>
-      <p:sp>
-        <p:nvSpPr>
-          <p:cNvPr id="89091" name="Rectangle 3"/>
-          <p:cNvSpPr>
-            <a:spLocks noGrp="1" noChangeArrowheads="1"/>
-          </p:cNvSpPr>
-          <p:nvPr>
-            <p:ph type="body" idx="1"/>
-          </p:nvPr>
-        </p:nvSpPr>
-        <p:spPr/>
-        <p:txBody>
-          <a:bodyPr>
-            <a:normAutofit/>
-          </a:bodyPr>
-          <a:lstStyle/>
-          <a:p>
-            <a:pPr eaLnBrk="1" hangingPunct="1"/>
-            <a:r>
-              <a:rPr lang="en-US" sz="2400" dirty="0" smtClean="0"/>
-              <a:t>Equal and not equal</a:t>
-            </a:r>
-          </a:p>
-          <a:p>
-            <a:pPr eaLnBrk="1" hangingPunct="1"/>
-            <a:endParaRPr lang="en-US" sz="2400" dirty="0" smtClean="0"/>
-          </a:p>
-          <a:p>
-            <a:pPr eaLnBrk="1" hangingPunct="1"/>
-            <a:r>
-              <a:rPr lang="en-US" sz="2400" dirty="0" smtClean="0"/>
-              <a:t>These operators can do type coercion</a:t>
-            </a:r>
-          </a:p>
-          <a:p>
-            <a:pPr eaLnBrk="1" hangingPunct="1"/>
-            <a:endParaRPr lang="en-US" sz="2400" dirty="0" smtClean="0"/>
-          </a:p>
-          <a:p>
-            <a:pPr eaLnBrk="1" hangingPunct="1"/>
-            <a:r>
-              <a:rPr lang="en-US" sz="2400" dirty="0" smtClean="0"/>
-              <a:t>It is always better to use </a:t>
-            </a:r>
-            <a:r>
-              <a:rPr lang="en-US" sz="2400" b="1" dirty="0" smtClean="0"/>
-              <a:t>===</a:t>
-            </a:r>
-            <a:r>
-              <a:rPr lang="en-US" sz="2400" dirty="0" smtClean="0"/>
-              <a:t> and </a:t>
-            </a:r>
-            <a:r>
-              <a:rPr lang="en-US" sz="2400" b="1" dirty="0" smtClean="0"/>
-              <a:t>!==</a:t>
-            </a:r>
-            <a:r>
-              <a:rPr lang="en-US" sz="2400" dirty="0" smtClean="0"/>
-              <a:t>, which do not do type coercion.</a:t>
-            </a:r>
-          </a:p>
-        </p:txBody>
-      </p:sp>
-      <p:sp>
-        <p:nvSpPr>
-          <p:cNvPr id="4" name="Заголовок 1"/>
-          <p:cNvSpPr txBox="1">
-            <a:spLocks/>
-          </p:cNvSpPr>
-          <p:nvPr/>
-        </p:nvSpPr>
-        <p:spPr>
-          <a:xfrm>
-            <a:off x="642910" y="142852"/>
-            <a:ext cx="7772400" cy="528640"/>
-          </a:xfrm>
-          <a:prstGeom prst="rect">
-            <a:avLst/>
-          </a:prstGeom>
-        </p:spPr>
-        <p:txBody>
-          <a:bodyPr vert="horz" lIns="91440" tIns="45720" rIns="91440" bIns="45720" rtlCol="0" anchor="ctr">
-            <a:noAutofit/>
-          </a:bodyPr>
-          <a:lstStyle/>
-          <a:p>
-            <a:pPr marL="0" marR="0" lvl="0" indent="0" algn="ctr" defTabSz="914400" rtl="0" eaLnBrk="1" fontAlgn="auto" latinLnBrk="0" hangingPunct="1">
-              <a:lnSpc>
-                <a:spcPct val="100000"/>
-              </a:lnSpc>
-              <a:spcBef>
-                <a:spcPct val="0"/>
-              </a:spcBef>
-              <a:spcAft>
-                <a:spcPts val="0"/>
-              </a:spcAft>
-              <a:buClrTx/>
-              <a:buSzTx/>
-              <a:buFontTx/>
-              <a:buNone/>
-              <a:tabLst/>
-              <a:defRPr/>
-            </a:pPr>
-            <a:r>
-              <a:rPr lang="en-US" sz="4000" b="1" dirty="0" smtClean="0">
-                <a:solidFill>
-                  <a:schemeClr val="tx1">
-                    <a:lumMod val="65000"/>
-                    <a:lumOff val="35000"/>
-                  </a:schemeClr>
-                </a:solidFill>
-                <a:latin typeface="+mj-lt"/>
-                <a:ea typeface="+mj-ea"/>
-                <a:cs typeface="+mj-cs"/>
-              </a:rPr>
-              <a:t>==  !=</a:t>
-            </a:r>
-            <a:endParaRPr kumimoji="0" lang="en-US" sz="4000" b="1" i="0" u="none" strike="noStrike" kern="1200" cap="none" spc="0" normalizeH="0" baseline="0" noProof="0" dirty="0">
-              <a:ln>
-                <a:noFill/>
-              </a:ln>
-              <a:solidFill>
-                <a:schemeClr val="tx1">
-                  <a:lumMod val="65000"/>
-                  <a:lumOff val="35000"/>
-                </a:schemeClr>
-              </a:solidFill>
-              <a:effectLst/>
-              <a:uLnTx/>
-              <a:uFillTx/>
-              <a:latin typeface="+mj-lt"/>
-              <a:ea typeface="+mj-ea"/>
-              <a:cs typeface="+mj-cs"/>
-            </a:endParaRPr>
-          </a:p>
-        </p:txBody>
-      </p:sp>
-    </p:spTree>
-    <p:extLst>
-      <p:ext uri="{BB962C8B-B14F-4D97-AF65-F5344CB8AC3E}">
-        <p14:creationId xmlns:p14="http://schemas.microsoft.com/office/powerpoint/2010/main" val="3641987200"/>
-      </p:ext>
-    </p:extLst>
-  </p:cSld>
-  <p:clrMapOvr>
-    <a:masterClrMapping/>
-  </p:clrMapOvr>
-  <p:transition/>
-  <p:timing>
-    <p:tnLst>
-      <p:par>
-        <p:cTn id="1" dur="indefinite" restart="never" nodeType="tmRoot"/>
-      </p:par>
-    </p:tnLst>
-  </p:timing>
-</p:sld>
-</file>
-
-<file path=ppt/slides/slide11.xml><?xml version="1.0" encoding="utf-8"?>
-<p:sld xmlns:a="http://schemas.openxmlformats.org/drawingml/2006/main" xmlns:r="http://schemas.openxmlformats.org/officeDocument/2006/relationships" xmlns:p="http://schemas.openxmlformats.org/presentationml/2006/main">
-  <p:cSld>
-    <p:spTree>
-      <p:nvGrpSpPr>
-        <p:cNvPr id="1" name=""/>
-        <p:cNvGrpSpPr/>
-        <p:nvPr/>
-      </p:nvGrpSpPr>
-      <p:grpSpPr>
-        <a:xfrm>
-          <a:off x="0" y="0"/>
-          <a:ext cx="0" cy="0"/>
-          <a:chOff x="0" y="0"/>
-          <a:chExt cx="0" cy="0"/>
-        </a:xfrm>
-      </p:grpSpPr>
-      <p:sp>
-        <p:nvSpPr>
-          <p:cNvPr id="90115" name="Rectangle 3"/>
-          <p:cNvSpPr>
-            <a:spLocks noGrp="1" noChangeArrowheads="1"/>
-          </p:cNvSpPr>
-          <p:nvPr>
-            <p:ph type="body" idx="1"/>
-          </p:nvPr>
-        </p:nvSpPr>
-        <p:spPr>
-          <a:xfrm>
-            <a:off x="500034" y="857232"/>
-            <a:ext cx="8229600" cy="4525963"/>
-          </a:xfrm>
-        </p:spPr>
-        <p:txBody>
-          <a:bodyPr>
-            <a:normAutofit/>
-          </a:bodyPr>
-          <a:lstStyle/>
-          <a:p>
-            <a:pPr eaLnBrk="1" hangingPunct="1">
-              <a:lnSpc>
-                <a:spcPct val="80000"/>
-              </a:lnSpc>
-            </a:pPr>
-            <a:r>
-              <a:rPr lang="da-DK" sz="2400" b="1" dirty="0" smtClean="0"/>
-              <a:t>'' == '0'          // false</a:t>
-            </a:r>
-          </a:p>
-          <a:p>
-            <a:pPr eaLnBrk="1" hangingPunct="1">
-              <a:lnSpc>
-                <a:spcPct val="80000"/>
-              </a:lnSpc>
-            </a:pPr>
-            <a:r>
-              <a:rPr lang="da-DK" sz="2400" b="1" dirty="0" smtClean="0"/>
-              <a:t>0 == ''            // true</a:t>
-            </a:r>
-          </a:p>
-          <a:p>
-            <a:pPr eaLnBrk="1" hangingPunct="1">
-              <a:lnSpc>
-                <a:spcPct val="80000"/>
-              </a:lnSpc>
-            </a:pPr>
-            <a:r>
-              <a:rPr lang="da-DK" sz="2400" b="1" dirty="0" smtClean="0"/>
-              <a:t>0 == '0'           // true</a:t>
-            </a:r>
-          </a:p>
-          <a:p>
-            <a:pPr eaLnBrk="1" hangingPunct="1">
-              <a:lnSpc>
-                <a:spcPct val="80000"/>
-              </a:lnSpc>
-            </a:pPr>
-            <a:endParaRPr lang="da-DK" sz="2400" b="1" dirty="0" smtClean="0"/>
-          </a:p>
-          <a:p>
-            <a:pPr eaLnBrk="1" hangingPunct="1">
-              <a:lnSpc>
-                <a:spcPct val="80000"/>
-              </a:lnSpc>
-            </a:pPr>
-            <a:r>
-              <a:rPr lang="da-DK" sz="2400" b="1" dirty="0" smtClean="0"/>
-              <a:t>false == 'false'   // false</a:t>
-            </a:r>
-          </a:p>
-          <a:p>
-            <a:pPr eaLnBrk="1" hangingPunct="1">
-              <a:lnSpc>
-                <a:spcPct val="80000"/>
-              </a:lnSpc>
-            </a:pPr>
-            <a:r>
-              <a:rPr lang="da-DK" sz="2400" b="1" dirty="0" smtClean="0"/>
-              <a:t>false == '0'       // true</a:t>
-            </a:r>
-          </a:p>
-          <a:p>
-            <a:pPr eaLnBrk="1" hangingPunct="1">
-              <a:lnSpc>
-                <a:spcPct val="80000"/>
-              </a:lnSpc>
-            </a:pPr>
-            <a:endParaRPr lang="da-DK" sz="2400" b="1" dirty="0" smtClean="0"/>
-          </a:p>
-          <a:p>
-            <a:pPr eaLnBrk="1" hangingPunct="1">
-              <a:lnSpc>
-                <a:spcPct val="80000"/>
-              </a:lnSpc>
-            </a:pPr>
-            <a:r>
-              <a:rPr lang="da-DK" sz="2400" b="1" dirty="0" smtClean="0"/>
-              <a:t>false == undefined // false</a:t>
-            </a:r>
-          </a:p>
-          <a:p>
-            <a:pPr eaLnBrk="1" hangingPunct="1">
-              <a:lnSpc>
-                <a:spcPct val="80000"/>
-              </a:lnSpc>
-            </a:pPr>
-            <a:r>
-              <a:rPr lang="da-DK" sz="2400" b="1" dirty="0" smtClean="0"/>
-              <a:t>false == null      // false</a:t>
-            </a:r>
-          </a:p>
-          <a:p>
-            <a:pPr eaLnBrk="1" hangingPunct="1">
-              <a:lnSpc>
-                <a:spcPct val="80000"/>
-              </a:lnSpc>
-            </a:pPr>
-            <a:r>
-              <a:rPr lang="da-DK" sz="2400" b="1" dirty="0" smtClean="0"/>
-              <a:t>null == undefined  // true</a:t>
-            </a:r>
-          </a:p>
-          <a:p>
-            <a:pPr eaLnBrk="1" hangingPunct="1">
-              <a:lnSpc>
-                <a:spcPct val="80000"/>
-              </a:lnSpc>
-            </a:pPr>
-            <a:endParaRPr lang="da-DK" sz="2400" b="1" dirty="0" smtClean="0"/>
-          </a:p>
-          <a:p>
-            <a:pPr eaLnBrk="1" hangingPunct="1">
-              <a:lnSpc>
-                <a:spcPct val="80000"/>
-              </a:lnSpc>
-            </a:pPr>
-            <a:r>
-              <a:rPr lang="da-DK" sz="2400" b="1" dirty="0" smtClean="0"/>
-              <a:t>‘ \t\r\n ' == 0    // true</a:t>
-            </a:r>
-            <a:endParaRPr lang="en-US" sz="2400" b="1" dirty="0" smtClean="0"/>
-          </a:p>
-        </p:txBody>
-      </p:sp>
-      <p:sp>
-        <p:nvSpPr>
-          <p:cNvPr id="4" name="Заголовок 1"/>
-          <p:cNvSpPr txBox="1">
-            <a:spLocks/>
-          </p:cNvSpPr>
-          <p:nvPr/>
-        </p:nvSpPr>
-        <p:spPr>
-          <a:xfrm>
-            <a:off x="642910" y="142852"/>
-            <a:ext cx="7772400" cy="528640"/>
-          </a:xfrm>
-          <a:prstGeom prst="rect">
-            <a:avLst/>
-          </a:prstGeom>
-        </p:spPr>
-        <p:txBody>
-          <a:bodyPr vert="horz" lIns="91440" tIns="45720" rIns="91440" bIns="45720" rtlCol="0" anchor="ctr">
-            <a:noAutofit/>
-          </a:bodyPr>
-          <a:lstStyle/>
-          <a:p>
-            <a:pPr marL="0" marR="0" lvl="0" indent="0" algn="ctr" defTabSz="914400" rtl="0" eaLnBrk="1" fontAlgn="auto" latinLnBrk="0" hangingPunct="1">
-              <a:lnSpc>
-                <a:spcPct val="100000"/>
-              </a:lnSpc>
-              <a:spcBef>
-                <a:spcPct val="0"/>
-              </a:spcBef>
-              <a:spcAft>
-                <a:spcPts val="0"/>
-              </a:spcAft>
-              <a:buClrTx/>
-              <a:buSzTx/>
-              <a:buFontTx/>
-              <a:buNone/>
-              <a:tabLst/>
-              <a:defRPr/>
-            </a:pPr>
-            <a:r>
-              <a:rPr lang="en-US" sz="4000" b="1" dirty="0" smtClean="0">
-                <a:solidFill>
-                  <a:schemeClr val="tx1">
-                    <a:lumMod val="65000"/>
-                    <a:lumOff val="35000"/>
-                  </a:schemeClr>
-                </a:solidFill>
-                <a:latin typeface="+mj-lt"/>
-                <a:ea typeface="+mj-ea"/>
-                <a:cs typeface="+mj-cs"/>
-              </a:rPr>
-              <a:t>Evils of type coercion</a:t>
-            </a:r>
-            <a:endParaRPr kumimoji="0" lang="en-US" sz="4000" b="1" i="0" u="none" strike="noStrike" kern="1200" cap="none" spc="0" normalizeH="0" baseline="0" noProof="0" dirty="0">
-              <a:ln>
-                <a:noFill/>
-              </a:ln>
-              <a:solidFill>
-                <a:schemeClr val="tx1">
-                  <a:lumMod val="65000"/>
-                  <a:lumOff val="35000"/>
-                </a:schemeClr>
-              </a:solidFill>
-              <a:effectLst/>
-              <a:uLnTx/>
-              <a:uFillTx/>
-              <a:latin typeface="+mj-lt"/>
-              <a:ea typeface="+mj-ea"/>
-              <a:cs typeface="+mj-cs"/>
-            </a:endParaRPr>
-          </a:p>
-        </p:txBody>
-      </p:sp>
-    </p:spTree>
-    <p:extLst>
-      <p:ext uri="{BB962C8B-B14F-4D97-AF65-F5344CB8AC3E}">
-        <p14:creationId xmlns:p14="http://schemas.microsoft.com/office/powerpoint/2010/main" val="3163450364"/>
-      </p:ext>
-    </p:extLst>
-  </p:cSld>
-  <p:clrMapOvr>
-    <a:masterClrMapping/>
-  </p:clrMapOvr>
-  <p:transition/>
-  <p:timing>
-    <p:tnLst>
-      <p:par>
-        <p:cTn id="1" dur="indefinite" restart="never" nodeType="tmRoot"/>
-      </p:par>
-    </p:tnLst>
-  </p:timing>
-</p:sld>
-</file>
-
-<file path=ppt/slides/slide12.xml><?xml version="1.0" encoding="utf-8"?>
-<p:sld xmlns:a="http://schemas.openxmlformats.org/drawingml/2006/main" xmlns:r="http://schemas.openxmlformats.org/officeDocument/2006/relationships" xmlns:p="http://schemas.openxmlformats.org/presentationml/2006/main">
-  <p:cSld>
-    <p:spTree>
-      <p:nvGrpSpPr>
-        <p:cNvPr id="1" name=""/>
-        <p:cNvGrpSpPr/>
-        <p:nvPr/>
-      </p:nvGrpSpPr>
-      <p:grpSpPr>
-        <a:xfrm>
-          <a:off x="0" y="0"/>
-          <a:ext cx="0" cy="0"/>
-          <a:chOff x="0" y="0"/>
-          <a:chExt cx="0" cy="0"/>
-        </a:xfrm>
-      </p:grpSpPr>
-      <p:sp>
-        <p:nvSpPr>
-          <p:cNvPr id="4" name="Заголовок 1"/>
-          <p:cNvSpPr txBox="1">
-            <a:spLocks/>
-          </p:cNvSpPr>
-          <p:nvPr/>
-        </p:nvSpPr>
-        <p:spPr>
-          <a:xfrm>
-            <a:off x="642910" y="142852"/>
-            <a:ext cx="7772400" cy="528640"/>
-          </a:xfrm>
-          <a:prstGeom prst="rect">
-            <a:avLst/>
-          </a:prstGeom>
-        </p:spPr>
-        <p:txBody>
-          <a:bodyPr vert="horz" lIns="91440" tIns="45720" rIns="91440" bIns="45720" rtlCol="0" anchor="ctr">
-            <a:noAutofit/>
-          </a:bodyPr>
-          <a:lstStyle/>
-          <a:p>
-            <a:pPr lvl="0" algn="ctr">
-              <a:spcBef>
-                <a:spcPct val="0"/>
-              </a:spcBef>
-              <a:defRPr/>
-            </a:pPr>
-            <a:r>
-              <a:rPr lang="en-US" sz="4000" b="1" dirty="0" smtClean="0">
-                <a:solidFill>
-                  <a:schemeClr val="tx1">
-                    <a:lumMod val="65000"/>
-                    <a:lumOff val="35000"/>
-                  </a:schemeClr>
-                </a:solidFill>
-                <a:latin typeface="+mj-lt"/>
-                <a:ea typeface="+mj-ea"/>
-                <a:cs typeface="+mj-cs"/>
-              </a:rPr>
-              <a:t>Implicit Typecasting</a:t>
-            </a:r>
-            <a:endParaRPr kumimoji="0" lang="en-US" sz="4000" b="1" i="0" u="none" strike="noStrike" kern="1200" cap="none" spc="0" normalizeH="0" baseline="0" noProof="0" dirty="0">
-              <a:ln>
-                <a:noFill/>
-              </a:ln>
-              <a:solidFill>
-                <a:schemeClr val="tx1">
-                  <a:lumMod val="65000"/>
-                  <a:lumOff val="35000"/>
-                </a:schemeClr>
-              </a:solidFill>
-              <a:effectLst/>
-              <a:uLnTx/>
-              <a:uFillTx/>
-              <a:latin typeface="+mj-lt"/>
-              <a:ea typeface="+mj-ea"/>
-              <a:cs typeface="+mj-cs"/>
-            </a:endParaRPr>
-          </a:p>
-        </p:txBody>
-      </p:sp>
-      <p:sp>
-        <p:nvSpPr>
-          <p:cNvPr id="2" name="Rectangle 1"/>
-          <p:cNvSpPr/>
-          <p:nvPr/>
-        </p:nvSpPr>
-        <p:spPr>
-          <a:xfrm>
-            <a:off x="323528" y="1196752"/>
-            <a:ext cx="8280920" cy="3139321"/>
-          </a:xfrm>
-          <a:prstGeom prst="rect">
-            <a:avLst/>
-          </a:prstGeom>
-        </p:spPr>
-        <p:style>
-          <a:lnRef idx="1">
-            <a:schemeClr val="accent6"/>
-          </a:lnRef>
-          <a:fillRef idx="2">
-            <a:schemeClr val="accent6"/>
-          </a:fillRef>
-          <a:effectRef idx="1">
-            <a:schemeClr val="accent6"/>
-          </a:effectRef>
-          <a:fontRef idx="minor">
-            <a:schemeClr val="dk1"/>
-          </a:fontRef>
-        </p:style>
-        <p:txBody>
-          <a:bodyPr wrap="square">
-            <a:spAutoFit/>
-          </a:bodyPr>
-          <a:lstStyle/>
-          <a:p>
-            <a:r>
-              <a:rPr lang="en-US" dirty="0" err="1">
-                <a:solidFill>
-                  <a:srgbClr val="0000FF"/>
-                </a:solidFill>
-                <a:latin typeface="Consolas"/>
-              </a:rPr>
-              <a:t>var</a:t>
-            </a:r>
-            <a:r>
-              <a:rPr lang="en-US" dirty="0">
-                <a:solidFill>
-                  <a:prstClr val="black"/>
-                </a:solidFill>
-                <a:latin typeface="Consolas"/>
-              </a:rPr>
-              <a:t> zero = 0;</a:t>
-            </a:r>
-          </a:p>
-          <a:p>
-            <a:endParaRPr lang="en-US" dirty="0">
-              <a:solidFill>
-                <a:prstClr val="black"/>
-              </a:solidFill>
-              <a:latin typeface="Consolas"/>
-            </a:endParaRPr>
-          </a:p>
-          <a:p>
-            <a:r>
-              <a:rPr lang="en-US" dirty="0">
-                <a:solidFill>
-                  <a:srgbClr val="006400"/>
-                </a:solidFill>
-                <a:latin typeface="Consolas"/>
-              </a:rPr>
-              <a:t>/* </a:t>
-            </a:r>
-            <a:r>
-              <a:rPr lang="en-US" dirty="0" err="1" smtClean="0">
-                <a:solidFill>
-                  <a:srgbClr val="006400"/>
-                </a:solidFill>
-                <a:latin typeface="Consolas"/>
-              </a:rPr>
-              <a:t>antipattern</a:t>
-            </a:r>
-            <a:r>
-              <a:rPr lang="en-US" dirty="0" smtClean="0">
-                <a:solidFill>
-                  <a:srgbClr val="006400"/>
-                </a:solidFill>
-                <a:latin typeface="Consolas"/>
-              </a:rPr>
-              <a:t> */</a:t>
-            </a:r>
-            <a:endParaRPr lang="en-US" dirty="0">
-              <a:solidFill>
-                <a:prstClr val="black"/>
-              </a:solidFill>
-              <a:latin typeface="Consolas"/>
-            </a:endParaRPr>
-          </a:p>
-          <a:p>
-            <a:r>
-              <a:rPr lang="en-US" dirty="0">
-                <a:solidFill>
-                  <a:srgbClr val="0000FF"/>
-                </a:solidFill>
-                <a:latin typeface="Consolas"/>
-              </a:rPr>
-              <a:t>if</a:t>
-            </a:r>
-            <a:r>
-              <a:rPr lang="en-US" dirty="0">
-                <a:solidFill>
-                  <a:prstClr val="black"/>
-                </a:solidFill>
-                <a:latin typeface="Consolas"/>
-              </a:rPr>
-              <a:t> (zero == </a:t>
-            </a:r>
-            <a:r>
-              <a:rPr lang="en-US" dirty="0">
-                <a:solidFill>
-                  <a:srgbClr val="0000FF"/>
-                </a:solidFill>
-                <a:latin typeface="Consolas"/>
-              </a:rPr>
-              <a:t>false</a:t>
-            </a:r>
-            <a:r>
-              <a:rPr lang="en-US" dirty="0">
-                <a:solidFill>
-                  <a:prstClr val="black"/>
-                </a:solidFill>
-                <a:latin typeface="Consolas"/>
-              </a:rPr>
-              <a:t>) {</a:t>
-            </a:r>
-          </a:p>
-          <a:p>
-            <a:r>
-              <a:rPr lang="en-US" dirty="0" smtClean="0">
-                <a:solidFill>
-                  <a:srgbClr val="006400"/>
-                </a:solidFill>
-                <a:latin typeface="Consolas"/>
-              </a:rPr>
-              <a:t>	// </a:t>
-            </a:r>
-            <a:r>
-              <a:rPr lang="en-US" dirty="0">
-                <a:solidFill>
-                  <a:srgbClr val="006400"/>
-                </a:solidFill>
-                <a:latin typeface="Consolas"/>
-              </a:rPr>
-              <a:t>this block is executed...</a:t>
-            </a:r>
-            <a:endParaRPr lang="en-US" dirty="0">
-              <a:solidFill>
-                <a:prstClr val="black"/>
-              </a:solidFill>
-              <a:latin typeface="Consolas"/>
-            </a:endParaRPr>
-          </a:p>
-          <a:p>
-            <a:r>
-              <a:rPr lang="en-US" dirty="0">
-                <a:solidFill>
-                  <a:prstClr val="black"/>
-                </a:solidFill>
-                <a:latin typeface="Consolas"/>
-              </a:rPr>
-              <a:t>}</a:t>
-            </a:r>
-          </a:p>
-          <a:p>
-            <a:endParaRPr lang="en-US" dirty="0">
-              <a:solidFill>
-                <a:prstClr val="black"/>
-              </a:solidFill>
-              <a:latin typeface="Consolas"/>
-            </a:endParaRPr>
-          </a:p>
-          <a:p>
-            <a:r>
-              <a:rPr lang="en-US" dirty="0" smtClean="0">
-                <a:solidFill>
-                  <a:srgbClr val="006400"/>
-                </a:solidFill>
-                <a:latin typeface="Consolas"/>
-              </a:rPr>
-              <a:t>// preferred</a:t>
-            </a:r>
-            <a:endParaRPr lang="en-US" dirty="0" smtClean="0">
-              <a:solidFill>
-                <a:prstClr val="black"/>
-              </a:solidFill>
-              <a:latin typeface="Consolas"/>
-            </a:endParaRPr>
-          </a:p>
-          <a:p>
-            <a:r>
-              <a:rPr lang="en-US" dirty="0" smtClean="0">
-                <a:solidFill>
-                  <a:srgbClr val="0000FF"/>
-                </a:solidFill>
-                <a:latin typeface="Consolas"/>
-              </a:rPr>
-              <a:t>if</a:t>
-            </a:r>
-            <a:r>
-              <a:rPr lang="en-US" dirty="0" smtClean="0">
-                <a:solidFill>
-                  <a:prstClr val="black"/>
-                </a:solidFill>
-                <a:latin typeface="Consolas"/>
-              </a:rPr>
-              <a:t> </a:t>
-            </a:r>
-            <a:r>
-              <a:rPr lang="en-US" dirty="0">
-                <a:solidFill>
-                  <a:prstClr val="black"/>
-                </a:solidFill>
-                <a:latin typeface="Consolas"/>
-              </a:rPr>
-              <a:t>(zero === </a:t>
-            </a:r>
-            <a:r>
-              <a:rPr lang="en-US" dirty="0">
-                <a:solidFill>
-                  <a:srgbClr val="0000FF"/>
-                </a:solidFill>
-                <a:latin typeface="Consolas"/>
-              </a:rPr>
-              <a:t>false</a:t>
-            </a:r>
-            <a:r>
-              <a:rPr lang="en-US" dirty="0">
-                <a:solidFill>
-                  <a:prstClr val="black"/>
-                </a:solidFill>
-                <a:latin typeface="Consolas"/>
-              </a:rPr>
-              <a:t>) {</a:t>
-            </a:r>
-          </a:p>
-          <a:p>
-            <a:r>
-              <a:rPr lang="en-US" dirty="0" smtClean="0">
-                <a:solidFill>
-                  <a:srgbClr val="006400"/>
-                </a:solidFill>
-                <a:latin typeface="Consolas"/>
-              </a:rPr>
-              <a:t>	// </a:t>
-            </a:r>
-            <a:r>
-              <a:rPr lang="en-US" dirty="0">
-                <a:solidFill>
-                  <a:srgbClr val="006400"/>
-                </a:solidFill>
-                <a:latin typeface="Consolas"/>
-              </a:rPr>
-              <a:t>not executing because zero is 0, not false</a:t>
-            </a:r>
-            <a:endParaRPr lang="en-US" dirty="0">
-              <a:solidFill>
-                <a:prstClr val="black"/>
-              </a:solidFill>
-              <a:latin typeface="Consolas"/>
-            </a:endParaRPr>
-          </a:p>
-          <a:p>
-            <a:r>
-              <a:rPr lang="en-US" dirty="0" smtClean="0">
-                <a:solidFill>
-                  <a:prstClr val="black"/>
-                </a:solidFill>
-                <a:latin typeface="Consolas"/>
-              </a:rPr>
-              <a:t>}</a:t>
-            </a:r>
-            <a:endParaRPr lang="en-US" dirty="0">
-              <a:solidFill>
-                <a:prstClr val="black"/>
-              </a:solidFill>
-              <a:latin typeface="Consolas"/>
-            </a:endParaRPr>
-          </a:p>
-        </p:txBody>
-      </p:sp>
-    </p:spTree>
-    <p:extLst>
-      <p:ext uri="{BB962C8B-B14F-4D97-AF65-F5344CB8AC3E}">
-        <p14:creationId xmlns:p14="http://schemas.microsoft.com/office/powerpoint/2010/main" val="719728662"/>
-      </p:ext>
-    </p:extLst>
-  </p:cSld>
-  <p:clrMapOvr>
-    <a:masterClrMapping/>
-  </p:clrMapOvr>
-  <p:transition/>
-  <p:timing>
-    <p:tnLst>
-      <p:par>
-        <p:cTn id="1" dur="indefinite" restart="never" nodeType="tmRoot"/>
-      </p:par>
-    </p:tnLst>
-  </p:timing>
-</p:sld>
-</file>
-
-<file path=ppt/slides/slide13.xml><?xml version="1.0" encoding="utf-8"?>
-<p:sld xmlns:a="http://schemas.openxmlformats.org/drawingml/2006/main" xmlns:r="http://schemas.openxmlformats.org/officeDocument/2006/relationships" xmlns:p="http://schemas.openxmlformats.org/presentationml/2006/main">
-  <p:cSld>
-    <p:spTree>
-      <p:nvGrpSpPr>
-        <p:cNvPr id="1" name=""/>
-        <p:cNvGrpSpPr/>
-        <p:nvPr/>
-      </p:nvGrpSpPr>
-      <p:grpSpPr>
-        <a:xfrm>
-          <a:off x="0" y="0"/>
-          <a:ext cx="0" cy="0"/>
-          <a:chOff x="0" y="0"/>
-          <a:chExt cx="0" cy="0"/>
-        </a:xfrm>
-      </p:grpSpPr>
-      <p:sp>
-        <p:nvSpPr>
-          <p:cNvPr id="4" name="Заголовок 1"/>
-          <p:cNvSpPr txBox="1">
-            <a:spLocks/>
-          </p:cNvSpPr>
-          <p:nvPr/>
-        </p:nvSpPr>
-        <p:spPr>
-          <a:xfrm>
-            <a:off x="642910" y="142852"/>
-            <a:ext cx="7772400" cy="528640"/>
-          </a:xfrm>
-          <a:prstGeom prst="rect">
-            <a:avLst/>
-          </a:prstGeom>
-        </p:spPr>
-        <p:txBody>
-          <a:bodyPr vert="horz" lIns="91440" tIns="45720" rIns="91440" bIns="45720" rtlCol="0" anchor="ctr">
-            <a:noAutofit/>
-          </a:bodyPr>
-          <a:lstStyle/>
-          <a:p>
-            <a:pPr lvl="0" algn="ctr">
-              <a:spcBef>
-                <a:spcPct val="0"/>
-              </a:spcBef>
-              <a:defRPr/>
-            </a:pPr>
-            <a:r>
-              <a:rPr lang="en-US" sz="4000" b="1" dirty="0" smtClean="0">
-                <a:solidFill>
-                  <a:schemeClr val="tx1">
-                    <a:lumMod val="65000"/>
-                    <a:lumOff val="35000"/>
-                  </a:schemeClr>
-                </a:solidFill>
-                <a:latin typeface="+mj-lt"/>
-                <a:ea typeface="+mj-ea"/>
-                <a:cs typeface="+mj-cs"/>
-              </a:rPr>
-              <a:t>semicolon</a:t>
-            </a:r>
-            <a:endParaRPr kumimoji="0" lang="en-US" sz="4000" b="1" i="0" u="none" strike="noStrike" kern="1200" cap="none" spc="0" normalizeH="0" baseline="0" noProof="0" dirty="0">
-              <a:ln>
-                <a:noFill/>
-              </a:ln>
-              <a:solidFill>
-                <a:schemeClr val="tx1">
-                  <a:lumMod val="65000"/>
-                  <a:lumOff val="35000"/>
-                </a:schemeClr>
-              </a:solidFill>
-              <a:effectLst/>
-              <a:uLnTx/>
-              <a:uFillTx/>
-              <a:latin typeface="+mj-lt"/>
-              <a:ea typeface="+mj-ea"/>
-              <a:cs typeface="+mj-cs"/>
-            </a:endParaRPr>
-          </a:p>
-        </p:txBody>
-      </p:sp>
-      <p:sp>
-        <p:nvSpPr>
-          <p:cNvPr id="5" name="Rectangle 5"/>
-          <p:cNvSpPr/>
-          <p:nvPr/>
-        </p:nvSpPr>
-        <p:spPr>
-          <a:xfrm>
-            <a:off x="428596" y="928670"/>
-            <a:ext cx="8286808" cy="830997"/>
-          </a:xfrm>
-          <a:prstGeom prst="rect">
-            <a:avLst/>
-          </a:prstGeom>
-        </p:spPr>
-        <p:style>
-          <a:lnRef idx="1">
-            <a:schemeClr val="dk1"/>
-          </a:lnRef>
-          <a:fillRef idx="1001">
-            <a:schemeClr val="lt2"/>
-          </a:fillRef>
-          <a:effectRef idx="1">
-            <a:schemeClr val="dk1"/>
-          </a:effectRef>
-          <a:fontRef idx="minor">
-            <a:schemeClr val="dk1"/>
-          </a:fontRef>
-        </p:style>
-        <p:txBody>
-          <a:bodyPr wrap="square">
-            <a:spAutoFit/>
-          </a:bodyPr>
-          <a:lstStyle/>
-          <a:p>
-            <a:pPr>
-              <a:lnSpc>
-                <a:spcPct val="80000"/>
-              </a:lnSpc>
-              <a:buNone/>
-            </a:pPr>
-            <a:r>
-              <a:rPr lang="en-US" sz="2000" b="1" dirty="0" err="1" smtClean="0"/>
-              <a:t>var</a:t>
-            </a:r>
-            <a:r>
-              <a:rPr lang="en-US" sz="2000" b="1" dirty="0" smtClean="0"/>
-              <a:t> a = b</a:t>
-            </a:r>
-          </a:p>
-          <a:p>
-            <a:pPr>
-              <a:lnSpc>
-                <a:spcPct val="80000"/>
-              </a:lnSpc>
-              <a:buNone/>
-            </a:pPr>
-            <a:r>
-              <a:rPr lang="en-US" sz="2000" b="1" dirty="0" smtClean="0">
-                <a:solidFill>
-                  <a:schemeClr val="bg1">
-                    <a:lumMod val="50000"/>
-                  </a:schemeClr>
-                </a:solidFill>
-              </a:rPr>
-              <a:t>//blah </a:t>
-            </a:r>
-            <a:r>
-              <a:rPr lang="en-US" sz="2000" b="1" dirty="0" err="1" smtClean="0">
-                <a:solidFill>
-                  <a:schemeClr val="bg1">
-                    <a:lumMod val="50000"/>
-                  </a:schemeClr>
-                </a:solidFill>
-              </a:rPr>
-              <a:t>blah</a:t>
-            </a:r>
-            <a:r>
-              <a:rPr lang="en-US" sz="2000" b="1" dirty="0" smtClean="0">
-                <a:solidFill>
-                  <a:schemeClr val="bg1">
-                    <a:lumMod val="50000"/>
-                  </a:schemeClr>
-                </a:solidFill>
-              </a:rPr>
-              <a:t> </a:t>
-            </a:r>
-            <a:r>
-              <a:rPr lang="en-US" sz="2000" b="1" dirty="0" err="1" smtClean="0">
-                <a:solidFill>
-                  <a:schemeClr val="bg1">
-                    <a:lumMod val="50000"/>
-                  </a:schemeClr>
-                </a:solidFill>
-              </a:rPr>
-              <a:t>blah</a:t>
-            </a:r>
-            <a:endParaRPr lang="en-US" sz="2000" b="1" dirty="0" smtClean="0">
-              <a:solidFill>
-                <a:schemeClr val="bg1">
-                  <a:lumMod val="50000"/>
-                </a:schemeClr>
-              </a:solidFill>
-            </a:endParaRPr>
-          </a:p>
-          <a:p>
-            <a:pPr>
-              <a:lnSpc>
-                <a:spcPct val="80000"/>
-              </a:lnSpc>
-              <a:buNone/>
-            </a:pPr>
-            <a:r>
-              <a:rPr lang="en-US" sz="2000" b="1" dirty="0" smtClean="0"/>
-              <a:t>(function() {alert(1)})()</a:t>
-            </a:r>
-          </a:p>
-        </p:txBody>
-      </p:sp>
-    </p:spTree>
-    <p:extLst>
-      <p:ext uri="{BB962C8B-B14F-4D97-AF65-F5344CB8AC3E}">
-        <p14:creationId xmlns:p14="http://schemas.microsoft.com/office/powerpoint/2010/main" val="2084511723"/>
-      </p:ext>
-    </p:extLst>
-  </p:cSld>
-  <p:clrMapOvr>
-    <a:masterClrMapping/>
-  </p:clrMapOvr>
-  <p:transition/>
-  <p:timing>
-    <p:tnLst>
-      <p:par>
-        <p:cTn id="1" dur="indefinite" restart="never" nodeType="tmRoot"/>
-      </p:par>
-    </p:tnLst>
-  </p:timing>
-</p:sld>
-</file>
-
-<file path=ppt/slides/slide14.xml><?xml version="1.0" encoding="utf-8"?>
-<p:sld xmlns:a="http://schemas.openxmlformats.org/drawingml/2006/main" xmlns:r="http://schemas.openxmlformats.org/officeDocument/2006/relationships" xmlns:p="http://schemas.openxmlformats.org/presentationml/2006/main">
-  <p:cSld>
-    <p:spTree>
-      <p:nvGrpSpPr>
-        <p:cNvPr id="1" name=""/>
-        <p:cNvGrpSpPr/>
-        <p:nvPr/>
-      </p:nvGrpSpPr>
-      <p:grpSpPr>
-        <a:xfrm>
-          <a:off x="0" y="0"/>
-          <a:ext cx="0" cy="0"/>
-          <a:chOff x="0" y="0"/>
-          <a:chExt cx="0" cy="0"/>
-        </a:xfrm>
-      </p:grpSpPr>
-      <p:sp>
-        <p:nvSpPr>
-          <p:cNvPr id="2" name="Заголовок 1"/>
-          <p:cNvSpPr>
-            <a:spLocks noGrp="1"/>
-          </p:cNvSpPr>
-          <p:nvPr>
-            <p:ph type="ctrTitle"/>
-          </p:nvPr>
-        </p:nvSpPr>
-        <p:spPr>
-          <a:xfrm>
-            <a:off x="642910" y="142852"/>
-            <a:ext cx="7772400" cy="528640"/>
-          </a:xfrm>
-        </p:spPr>
-        <p:txBody>
-          <a:bodyPr>
-            <a:normAutofit fontScale="90000"/>
-          </a:bodyPr>
-          <a:lstStyle/>
-          <a:p>
-            <a:r>
-              <a:rPr lang="en-US" b="1" dirty="0" smtClean="0">
-                <a:solidFill>
-                  <a:schemeClr val="tx1">
-                    <a:lumMod val="65000"/>
-                    <a:lumOff val="35000"/>
-                  </a:schemeClr>
-                </a:solidFill>
-              </a:rPr>
-              <a:t>With statement</a:t>
-            </a:r>
-            <a:endParaRPr lang="en-US" b="1" dirty="0">
-              <a:solidFill>
-                <a:schemeClr val="tx1">
-                  <a:lumMod val="65000"/>
-                  <a:lumOff val="35000"/>
-                </a:schemeClr>
-              </a:solidFill>
-            </a:endParaRPr>
-          </a:p>
-        </p:txBody>
-      </p:sp>
-      <p:sp>
-        <p:nvSpPr>
-          <p:cNvPr id="5" name="Заголовок 1"/>
-          <p:cNvSpPr txBox="1">
-            <a:spLocks/>
-          </p:cNvSpPr>
-          <p:nvPr/>
-        </p:nvSpPr>
-        <p:spPr>
-          <a:xfrm>
-            <a:off x="571472" y="1285860"/>
-            <a:ext cx="7772400" cy="3786214"/>
-          </a:xfrm>
-          <a:prstGeom prst="rect">
-            <a:avLst/>
-          </a:prstGeom>
-        </p:spPr>
-        <p:txBody>
-          <a:bodyPr vert="horz" lIns="91440" tIns="45720" rIns="91440" bIns="45720" rtlCol="0" anchor="ctr">
-            <a:normAutofit/>
-          </a:bodyPr>
-          <a:lstStyle/>
-          <a:p>
-            <a:pPr>
-              <a:spcBef>
-                <a:spcPct val="0"/>
-              </a:spcBef>
-            </a:pPr>
-            <a:endParaRPr lang="be-BY" smtClean="0"/>
-          </a:p>
-          <a:p>
-            <a:pPr marL="0" marR="0" lvl="0" indent="0" defTabSz="914400" rtl="0" eaLnBrk="1" fontAlgn="auto" latinLnBrk="0" hangingPunct="1">
-              <a:lnSpc>
-                <a:spcPct val="100000"/>
-              </a:lnSpc>
-              <a:spcBef>
-                <a:spcPct val="0"/>
-              </a:spcBef>
-              <a:spcAft>
-                <a:spcPts val="0"/>
-              </a:spcAft>
-              <a:buClrTx/>
-              <a:buSzTx/>
-              <a:buFontTx/>
-              <a:buNone/>
-              <a:tabLst/>
-              <a:defRPr/>
-            </a:pPr>
-            <a:endParaRPr kumimoji="0" lang="be-BY" sz="4400" b="0" i="0" u="none" strike="noStrike" kern="1200" cap="none" spc="0" normalizeH="0" baseline="0" noProof="0" dirty="0" smtClean="0">
-              <a:ln>
-                <a:noFill/>
-              </a:ln>
-              <a:solidFill>
-                <a:schemeClr val="tx1"/>
-              </a:solidFill>
-              <a:effectLst/>
-              <a:uLnTx/>
-              <a:uFillTx/>
-              <a:latin typeface="+mj-lt"/>
-              <a:ea typeface="+mj-ea"/>
-              <a:cs typeface="+mj-cs"/>
-            </a:endParaRPr>
-          </a:p>
-        </p:txBody>
-      </p:sp>
-      <p:sp>
-        <p:nvSpPr>
-          <p:cNvPr id="6" name="Rectangle 5"/>
-          <p:cNvSpPr/>
-          <p:nvPr/>
-        </p:nvSpPr>
-        <p:spPr>
-          <a:xfrm>
-            <a:off x="428596" y="1214422"/>
-            <a:ext cx="8286808" cy="1015663"/>
-          </a:xfrm>
-          <a:prstGeom prst="rect">
-            <a:avLst/>
-          </a:prstGeom>
-        </p:spPr>
-        <p:style>
-          <a:lnRef idx="1">
-            <a:schemeClr val="dk1"/>
-          </a:lnRef>
-          <a:fillRef idx="1001">
-            <a:schemeClr val="lt2"/>
-          </a:fillRef>
-          <a:effectRef idx="1">
-            <a:schemeClr val="dk1"/>
-          </a:effectRef>
-          <a:fontRef idx="minor">
-            <a:schemeClr val="dk1"/>
-          </a:fontRef>
-        </p:style>
-        <p:txBody>
-          <a:bodyPr wrap="square">
-            <a:spAutoFit/>
-          </a:bodyPr>
-          <a:lstStyle/>
-          <a:p>
-            <a:r>
-              <a:rPr lang="en-US" sz="2000" b="1" dirty="0" smtClean="0">
-                <a:solidFill>
-                  <a:srgbClr val="0070C0"/>
-                </a:solidFill>
-              </a:rPr>
-              <a:t>with</a:t>
-            </a:r>
-            <a:r>
-              <a:rPr lang="en-US" sz="2000" b="1" dirty="0" smtClean="0"/>
-              <a:t> (</a:t>
-            </a:r>
-            <a:r>
-              <a:rPr lang="en-US" sz="2000" b="1" dirty="0" err="1" smtClean="0">
-                <a:solidFill>
-                  <a:schemeClr val="accent6">
-                    <a:lumMod val="75000"/>
-                  </a:schemeClr>
-                </a:solidFill>
-              </a:rPr>
-              <a:t>obj</a:t>
-            </a:r>
-            <a:r>
-              <a:rPr lang="en-US" sz="2000" b="1" dirty="0" smtClean="0"/>
-              <a:t>) {</a:t>
-            </a:r>
-          </a:p>
-          <a:p>
-            <a:r>
-              <a:rPr lang="en-US" sz="2000" b="1" dirty="0" smtClean="0"/>
-              <a:t>	</a:t>
-            </a:r>
-            <a:r>
-              <a:rPr lang="en-US" sz="2000" b="1" dirty="0" smtClean="0">
-                <a:solidFill>
-                  <a:schemeClr val="accent6">
-                    <a:lumMod val="75000"/>
-                  </a:schemeClr>
-                </a:solidFill>
-              </a:rPr>
-              <a:t>a</a:t>
-            </a:r>
-            <a:r>
-              <a:rPr lang="en-US" sz="2000" b="1" dirty="0" smtClean="0"/>
-              <a:t> = </a:t>
-            </a:r>
-            <a:r>
-              <a:rPr lang="en-US" sz="2000" b="1" dirty="0" smtClean="0">
-                <a:solidFill>
-                  <a:schemeClr val="accent6">
-                    <a:lumMod val="75000"/>
-                  </a:schemeClr>
-                </a:solidFill>
-              </a:rPr>
-              <a:t>b</a:t>
-            </a:r>
-            <a:r>
-              <a:rPr lang="en-US" sz="2000" b="1" dirty="0" smtClean="0"/>
-              <a:t>;</a:t>
-            </a:r>
-          </a:p>
-          <a:p>
-            <a:r>
-              <a:rPr lang="en-US" sz="2000" b="1" dirty="0" smtClean="0"/>
-              <a:t>}</a:t>
-            </a:r>
-          </a:p>
-        </p:txBody>
-      </p:sp>
-      <p:sp>
-        <p:nvSpPr>
-          <p:cNvPr id="8" name="Rectangle 7"/>
-          <p:cNvSpPr/>
-          <p:nvPr/>
-        </p:nvSpPr>
-        <p:spPr>
-          <a:xfrm>
-            <a:off x="428596" y="2643182"/>
-            <a:ext cx="8286808" cy="1323439"/>
-          </a:xfrm>
-          <a:prstGeom prst="rect">
-            <a:avLst/>
-          </a:prstGeom>
-        </p:spPr>
-        <p:style>
-          <a:lnRef idx="1">
-            <a:schemeClr val="dk1"/>
-          </a:lnRef>
-          <a:fillRef idx="1001">
-            <a:schemeClr val="lt2"/>
-          </a:fillRef>
-          <a:effectRef idx="1">
-            <a:schemeClr val="dk1"/>
-          </a:effectRef>
-          <a:fontRef idx="minor">
-            <a:schemeClr val="dk1"/>
-          </a:fontRef>
-        </p:style>
-        <p:txBody>
-          <a:bodyPr wrap="square">
-            <a:spAutoFit/>
-          </a:bodyPr>
-          <a:lstStyle/>
-          <a:p>
-            <a:r>
-              <a:rPr lang="pt-BR" sz="2000" b="1" dirty="0" smtClean="0">
-                <a:solidFill>
-                  <a:schemeClr val="accent6">
-                    <a:lumMod val="75000"/>
-                  </a:schemeClr>
-                </a:solidFill>
-              </a:rPr>
-              <a:t>a</a:t>
-            </a:r>
-            <a:r>
-              <a:rPr lang="pt-BR" sz="2000" b="1" dirty="0" smtClean="0"/>
-              <a:t> = </a:t>
-            </a:r>
-            <a:r>
-              <a:rPr lang="pt-BR" sz="2000" b="1" dirty="0" smtClean="0">
-                <a:solidFill>
-                  <a:schemeClr val="accent6">
-                    <a:lumMod val="75000"/>
-                  </a:schemeClr>
-                </a:solidFill>
-              </a:rPr>
-              <a:t>b</a:t>
-            </a:r>
-            <a:r>
-              <a:rPr lang="pt-BR" sz="2000" b="1" dirty="0" smtClean="0"/>
-              <a:t>; </a:t>
-            </a:r>
-          </a:p>
-          <a:p>
-            <a:r>
-              <a:rPr lang="pt-BR" sz="2000" b="1" dirty="0" smtClean="0">
-                <a:solidFill>
-                  <a:schemeClr val="accent6">
-                    <a:lumMod val="75000"/>
-                  </a:schemeClr>
-                </a:solidFill>
-              </a:rPr>
-              <a:t>a</a:t>
-            </a:r>
-            <a:r>
-              <a:rPr lang="pt-BR" sz="2000" b="1" dirty="0" smtClean="0"/>
-              <a:t> = </a:t>
-            </a:r>
-            <a:r>
-              <a:rPr lang="pt-BR" sz="2000" b="1" dirty="0" smtClean="0">
-                <a:solidFill>
-                  <a:schemeClr val="accent6">
-                    <a:lumMod val="75000"/>
-                  </a:schemeClr>
-                </a:solidFill>
-              </a:rPr>
-              <a:t>obj</a:t>
-            </a:r>
-            <a:r>
-              <a:rPr lang="pt-BR" sz="2000" b="1" dirty="0" smtClean="0"/>
-              <a:t>.</a:t>
-            </a:r>
-            <a:r>
-              <a:rPr lang="pt-BR" sz="2000" b="1" dirty="0" smtClean="0">
-                <a:solidFill>
-                  <a:schemeClr val="accent6">
-                    <a:lumMod val="75000"/>
-                  </a:schemeClr>
-                </a:solidFill>
-              </a:rPr>
-              <a:t>b</a:t>
-            </a:r>
-            <a:r>
-              <a:rPr lang="pt-BR" sz="2000" b="1" dirty="0" smtClean="0"/>
-              <a:t>; </a:t>
-            </a:r>
-          </a:p>
-          <a:p>
-            <a:r>
-              <a:rPr lang="pt-BR" sz="2000" b="1" dirty="0" smtClean="0">
-                <a:solidFill>
-                  <a:schemeClr val="accent6">
-                    <a:lumMod val="75000"/>
-                  </a:schemeClr>
-                </a:solidFill>
-              </a:rPr>
-              <a:t>obj</a:t>
-            </a:r>
-            <a:r>
-              <a:rPr lang="pt-BR" sz="2000" b="1" dirty="0" smtClean="0"/>
-              <a:t>.</a:t>
-            </a:r>
-            <a:r>
-              <a:rPr lang="pt-BR" sz="2000" b="1" dirty="0" smtClean="0">
-                <a:solidFill>
-                  <a:schemeClr val="accent6">
-                    <a:lumMod val="75000"/>
-                  </a:schemeClr>
-                </a:solidFill>
-              </a:rPr>
-              <a:t>a</a:t>
-            </a:r>
-            <a:r>
-              <a:rPr lang="pt-BR" sz="2000" b="1" dirty="0" smtClean="0"/>
-              <a:t> = </a:t>
-            </a:r>
-            <a:r>
-              <a:rPr lang="pt-BR" sz="2000" b="1" dirty="0" smtClean="0">
-                <a:solidFill>
-                  <a:schemeClr val="accent6">
-                    <a:lumMod val="75000"/>
-                  </a:schemeClr>
-                </a:solidFill>
-              </a:rPr>
-              <a:t>b</a:t>
-            </a:r>
-            <a:r>
-              <a:rPr lang="pt-BR" sz="2000" b="1" dirty="0" smtClean="0"/>
-              <a:t>; </a:t>
-            </a:r>
-          </a:p>
-          <a:p>
-            <a:r>
-              <a:rPr lang="pt-BR" sz="2000" b="1" dirty="0" smtClean="0">
-                <a:solidFill>
-                  <a:schemeClr val="accent6">
-                    <a:lumMod val="75000"/>
-                  </a:schemeClr>
-                </a:solidFill>
-              </a:rPr>
-              <a:t>obj</a:t>
-            </a:r>
-            <a:r>
-              <a:rPr lang="pt-BR" sz="2000" b="1" dirty="0" smtClean="0"/>
-              <a:t>.</a:t>
-            </a:r>
-            <a:r>
-              <a:rPr lang="pt-BR" sz="2000" b="1" dirty="0" smtClean="0">
-                <a:solidFill>
-                  <a:schemeClr val="accent6">
-                    <a:lumMod val="75000"/>
-                  </a:schemeClr>
-                </a:solidFill>
-              </a:rPr>
-              <a:t>a</a:t>
-            </a:r>
-            <a:r>
-              <a:rPr lang="pt-BR" sz="2000" b="1" dirty="0" smtClean="0"/>
-              <a:t> = </a:t>
-            </a:r>
-            <a:r>
-              <a:rPr lang="pt-BR" sz="2000" b="1" dirty="0" smtClean="0">
-                <a:solidFill>
-                  <a:schemeClr val="accent6">
-                    <a:lumMod val="75000"/>
-                  </a:schemeClr>
-                </a:solidFill>
-              </a:rPr>
-              <a:t>obj</a:t>
-            </a:r>
-            <a:r>
-              <a:rPr lang="pt-BR" sz="2000" b="1" dirty="0" smtClean="0"/>
-              <a:t>.</a:t>
-            </a:r>
-            <a:r>
-              <a:rPr lang="pt-BR" sz="2000" b="1" dirty="0" smtClean="0">
-                <a:solidFill>
-                  <a:schemeClr val="accent6">
-                    <a:lumMod val="75000"/>
-                  </a:schemeClr>
-                </a:solidFill>
-              </a:rPr>
-              <a:t>b</a:t>
-            </a:r>
-            <a:r>
-              <a:rPr lang="pt-BR" sz="2000" b="1" dirty="0" smtClean="0"/>
-              <a:t>;</a:t>
-            </a:r>
-            <a:endParaRPr lang="en-US" sz="2000" b="1" dirty="0" smtClean="0"/>
-          </a:p>
-        </p:txBody>
-      </p:sp>
-    </p:spTree>
-    <p:extLst>
-      <p:ext uri="{BB962C8B-B14F-4D97-AF65-F5344CB8AC3E}">
-        <p14:creationId xmlns:p14="http://schemas.microsoft.com/office/powerpoint/2010/main" val="1799072592"/>
-      </p:ext>
-    </p:extLst>
-  </p:cSld>
-  <p:clrMapOvr>
-    <a:masterClrMapping/>
-  </p:clrMapOvr>
-  <p:transition/>
-  <p:timing>
-    <p:tnLst>
-      <p:par>
-        <p:cTn id="1" dur="indefinite" restart="never" nodeType="tmRoot"/>
-      </p:par>
-    </p:tnLst>
-  </p:timing>
-</p:sld>
-</file>
-
-<file path=ppt/slides/slide15.xml><?xml version="1.0" encoding="utf-8"?>
-<p:sld xmlns:a="http://schemas.openxmlformats.org/drawingml/2006/main" xmlns:r="http://schemas.openxmlformats.org/officeDocument/2006/relationships" xmlns:p="http://schemas.openxmlformats.org/presentationml/2006/main">
-  <p:cSld>
-    <p:spTree>
-      <p:nvGrpSpPr>
-        <p:cNvPr id="1" name=""/>
-        <p:cNvGrpSpPr/>
-        <p:nvPr/>
-      </p:nvGrpSpPr>
-      <p:grpSpPr>
-        <a:xfrm>
-          <a:off x="0" y="0"/>
-          <a:ext cx="0" cy="0"/>
-          <a:chOff x="0" y="0"/>
-          <a:chExt cx="0" cy="0"/>
-        </a:xfrm>
-      </p:grpSpPr>
-      <p:sp>
-        <p:nvSpPr>
-          <p:cNvPr id="2" name="Заголовок 1"/>
-          <p:cNvSpPr>
-            <a:spLocks noGrp="1"/>
-          </p:cNvSpPr>
-          <p:nvPr>
-            <p:ph type="ctrTitle"/>
-          </p:nvPr>
-        </p:nvSpPr>
-        <p:spPr>
-          <a:xfrm>
-            <a:off x="642910" y="142852"/>
-            <a:ext cx="7772400" cy="528640"/>
-          </a:xfrm>
-        </p:spPr>
-        <p:txBody>
-          <a:bodyPr>
-            <a:normAutofit fontScale="90000"/>
-          </a:bodyPr>
-          <a:lstStyle/>
-          <a:p>
-            <a:r>
-              <a:rPr lang="en-US" b="1" dirty="0" smtClean="0">
-                <a:solidFill>
-                  <a:schemeClr val="tx1">
-                    <a:lumMod val="65000"/>
-                    <a:lumOff val="35000"/>
-                  </a:schemeClr>
-                </a:solidFill>
-              </a:rPr>
-              <a:t>Identifiers</a:t>
-            </a:r>
-            <a:endParaRPr lang="en-US" b="1" dirty="0">
-              <a:solidFill>
-                <a:schemeClr val="tx1">
-                  <a:lumMod val="65000"/>
-                  <a:lumOff val="35000"/>
-                </a:schemeClr>
-              </a:solidFill>
-            </a:endParaRPr>
-          </a:p>
-        </p:txBody>
-      </p:sp>
-      <p:sp>
-        <p:nvSpPr>
-          <p:cNvPr id="5" name="Заголовок 1"/>
-          <p:cNvSpPr txBox="1">
-            <a:spLocks/>
-          </p:cNvSpPr>
-          <p:nvPr/>
-        </p:nvSpPr>
-        <p:spPr>
-          <a:xfrm>
-            <a:off x="571472" y="1285860"/>
-            <a:ext cx="7772400" cy="3786214"/>
-          </a:xfrm>
-          <a:prstGeom prst="rect">
-            <a:avLst/>
-          </a:prstGeom>
-        </p:spPr>
-        <p:txBody>
-          <a:bodyPr vert="horz" lIns="91440" tIns="45720" rIns="91440" bIns="45720" rtlCol="0" anchor="ctr">
-            <a:normAutofit/>
-          </a:bodyPr>
-          <a:lstStyle/>
-          <a:p>
-            <a:pPr>
-              <a:spcBef>
-                <a:spcPct val="0"/>
-              </a:spcBef>
-            </a:pPr>
-            <a:endParaRPr lang="be-BY" smtClean="0"/>
-          </a:p>
-          <a:p>
-            <a:pPr marL="0" marR="0" lvl="0" indent="0" defTabSz="914400" rtl="0" eaLnBrk="1" fontAlgn="auto" latinLnBrk="0" hangingPunct="1">
-              <a:lnSpc>
-                <a:spcPct val="100000"/>
-              </a:lnSpc>
-              <a:spcBef>
-                <a:spcPct val="0"/>
-              </a:spcBef>
-              <a:spcAft>
-                <a:spcPts val="0"/>
-              </a:spcAft>
-              <a:buClrTx/>
-              <a:buSzTx/>
-              <a:buFontTx/>
-              <a:buNone/>
-              <a:tabLst/>
-              <a:defRPr/>
-            </a:pPr>
-            <a:endParaRPr kumimoji="0" lang="be-BY" sz="4400" b="0" i="0" u="none" strike="noStrike" kern="1200" cap="none" spc="0" normalizeH="0" baseline="0" noProof="0" dirty="0" smtClean="0">
-              <a:ln>
-                <a:noFill/>
-              </a:ln>
-              <a:solidFill>
-                <a:schemeClr val="tx1"/>
-              </a:solidFill>
-              <a:effectLst/>
-              <a:uLnTx/>
-              <a:uFillTx/>
-              <a:latin typeface="+mj-lt"/>
-              <a:ea typeface="+mj-ea"/>
-              <a:cs typeface="+mj-cs"/>
-            </a:endParaRPr>
-          </a:p>
-        </p:txBody>
-      </p:sp>
-      <p:sp>
-        <p:nvSpPr>
-          <p:cNvPr id="7" name="Rectangle 6"/>
-          <p:cNvSpPr/>
-          <p:nvPr/>
-        </p:nvSpPr>
-        <p:spPr>
-          <a:xfrm>
-            <a:off x="642910" y="928670"/>
-            <a:ext cx="7858180" cy="3416320"/>
-          </a:xfrm>
-          <a:prstGeom prst="rect">
-            <a:avLst/>
-          </a:prstGeom>
-        </p:spPr>
-        <p:txBody>
-          <a:bodyPr wrap="square">
-            <a:spAutoFit/>
-          </a:bodyPr>
-          <a:lstStyle/>
-          <a:p>
-            <a:pPr>
-              <a:buFont typeface="Arial" pitchFamily="34" charset="0"/>
-              <a:buChar char="•"/>
-            </a:pPr>
-            <a:r>
-              <a:rPr lang="en-US" sz="2400" b="1" dirty="0" smtClean="0"/>
-              <a:t>  Starts with a letter or _ or $</a:t>
-            </a:r>
-          </a:p>
-          <a:p>
-            <a:pPr>
-              <a:buFont typeface="Arial" pitchFamily="34" charset="0"/>
-              <a:buChar char="•"/>
-            </a:pPr>
-            <a:endParaRPr lang="en-US" sz="2400" b="1" dirty="0" smtClean="0"/>
-          </a:p>
-          <a:p>
-            <a:pPr>
-              <a:buFont typeface="Arial" pitchFamily="34" charset="0"/>
-              <a:buChar char="•"/>
-            </a:pPr>
-            <a:r>
-              <a:rPr lang="en-US" sz="2400" b="1" dirty="0" smtClean="0"/>
-              <a:t>  Followed by zero or more letters, digits, _ or $</a:t>
-            </a:r>
-          </a:p>
-          <a:p>
-            <a:pPr>
-              <a:buFont typeface="Arial" pitchFamily="34" charset="0"/>
-              <a:buChar char="•"/>
-            </a:pPr>
-            <a:endParaRPr lang="en-US" sz="2400" b="1" dirty="0" smtClean="0"/>
-          </a:p>
-          <a:p>
-            <a:pPr>
-              <a:buFont typeface="Arial" pitchFamily="34" charset="0"/>
-              <a:buChar char="•"/>
-            </a:pPr>
-            <a:endParaRPr lang="en-US" sz="2400" b="1" dirty="0" smtClean="0"/>
-          </a:p>
-          <a:p>
-            <a:pPr>
-              <a:buFont typeface="Arial" pitchFamily="34" charset="0"/>
-              <a:buChar char="•"/>
-            </a:pPr>
-            <a:r>
-              <a:rPr lang="en-US" sz="2400" b="1" dirty="0" smtClean="0"/>
-              <a:t>  By convention, all variables, parameters, members, and function names start with lower case</a:t>
-            </a:r>
-          </a:p>
-          <a:p>
-            <a:endParaRPr lang="en-US" sz="2400" b="1" dirty="0" smtClean="0"/>
-          </a:p>
-          <a:p>
-            <a:pPr>
-              <a:buFont typeface="Arial" pitchFamily="34" charset="0"/>
-              <a:buChar char="•"/>
-            </a:pPr>
-            <a:r>
-              <a:rPr lang="en-US" sz="2400" b="1" dirty="0" smtClean="0"/>
-              <a:t>  Except for constructors which start with upper case</a:t>
-            </a:r>
-            <a:endParaRPr lang="en-US" sz="2400" b="1" dirty="0"/>
-          </a:p>
-        </p:txBody>
-      </p:sp>
-    </p:spTree>
-  </p:cSld>
-  <p:clrMapOvr>
-    <a:masterClrMapping/>
-  </p:clrMapOvr>
-  <p:transition/>
-  <p:timing>
-    <p:tnLst>
-      <p:par>
-        <p:cTn id="1" dur="indefinite" restart="never" nodeType="tmRoot"/>
-      </p:par>
-    </p:tnLst>
-  </p:timing>
-</p:sld>
-</file>
-
-<file path=ppt/slides/slide16.xml><?xml version="1.0" encoding="utf-8"?>
-<p:sld xmlns:a="http://schemas.openxmlformats.org/drawingml/2006/main" xmlns:r="http://schemas.openxmlformats.org/officeDocument/2006/relationships" xmlns:p="http://schemas.openxmlformats.org/presentationml/2006/main">
-  <p:cSld>
-    <p:spTree>
-      <p:nvGrpSpPr>
-        <p:cNvPr id="1" name=""/>
-        <p:cNvGrpSpPr/>
-        <p:nvPr/>
-      </p:nvGrpSpPr>
-      <p:grpSpPr>
-        <a:xfrm>
-          <a:off x="0" y="0"/>
-          <a:ext cx="0" cy="0"/>
-          <a:chOff x="0" y="0"/>
-          <a:chExt cx="0" cy="0"/>
-        </a:xfrm>
-      </p:grpSpPr>
-      <p:sp>
-        <p:nvSpPr>
-          <p:cNvPr id="2" name="Заголовок 1"/>
-          <p:cNvSpPr>
-            <a:spLocks noGrp="1"/>
-          </p:cNvSpPr>
-          <p:nvPr>
-            <p:ph type="ctrTitle"/>
-          </p:nvPr>
-        </p:nvSpPr>
-        <p:spPr>
-          <a:xfrm>
-            <a:off x="642910" y="142852"/>
-            <a:ext cx="7772400" cy="528640"/>
-          </a:xfrm>
-        </p:spPr>
-        <p:txBody>
-          <a:bodyPr>
-            <a:normAutofit fontScale="90000"/>
-          </a:bodyPr>
-          <a:lstStyle/>
-          <a:p>
-            <a:r>
-              <a:rPr lang="en-US" b="1" dirty="0" smtClean="0">
-                <a:solidFill>
-                  <a:schemeClr val="tx1">
-                    <a:lumMod val="65000"/>
-                    <a:lumOff val="35000"/>
-                  </a:schemeClr>
-                </a:solidFill>
-              </a:rPr>
-              <a:t>Constants</a:t>
-            </a:r>
-            <a:endParaRPr lang="en-US" b="1" dirty="0">
-              <a:solidFill>
-                <a:schemeClr val="tx1">
-                  <a:lumMod val="65000"/>
-                  <a:lumOff val="35000"/>
-                </a:schemeClr>
-              </a:solidFill>
-            </a:endParaRPr>
-          </a:p>
-        </p:txBody>
-      </p:sp>
-      <p:sp>
-        <p:nvSpPr>
-          <p:cNvPr id="5" name="Заголовок 1"/>
-          <p:cNvSpPr txBox="1">
-            <a:spLocks/>
-          </p:cNvSpPr>
-          <p:nvPr/>
-        </p:nvSpPr>
-        <p:spPr>
-          <a:xfrm>
-            <a:off x="571472" y="1285860"/>
-            <a:ext cx="7772400" cy="3786214"/>
-          </a:xfrm>
-          <a:prstGeom prst="rect">
-            <a:avLst/>
-          </a:prstGeom>
-        </p:spPr>
-        <p:txBody>
-          <a:bodyPr vert="horz" lIns="91440" tIns="45720" rIns="91440" bIns="45720" rtlCol="0" anchor="ctr">
-            <a:normAutofit/>
-          </a:bodyPr>
-          <a:lstStyle/>
-          <a:p>
-            <a:pPr>
-              <a:spcBef>
-                <a:spcPct val="0"/>
-              </a:spcBef>
-            </a:pPr>
-            <a:endParaRPr lang="be-BY" smtClean="0"/>
-          </a:p>
-          <a:p>
-            <a:pPr marL="0" marR="0" lvl="0" indent="0" defTabSz="914400" rtl="0" eaLnBrk="1" fontAlgn="auto" latinLnBrk="0" hangingPunct="1">
-              <a:lnSpc>
-                <a:spcPct val="100000"/>
-              </a:lnSpc>
-              <a:spcBef>
-                <a:spcPct val="0"/>
-              </a:spcBef>
-              <a:spcAft>
-                <a:spcPts val="0"/>
-              </a:spcAft>
-              <a:buClrTx/>
-              <a:buSzTx/>
-              <a:buFontTx/>
-              <a:buNone/>
-              <a:tabLst/>
-              <a:defRPr/>
-            </a:pPr>
-            <a:endParaRPr kumimoji="0" lang="be-BY" sz="4400" b="0" i="0" u="none" strike="noStrike" kern="1200" cap="none" spc="0" normalizeH="0" baseline="0" noProof="0" dirty="0" smtClean="0">
-              <a:ln>
-                <a:noFill/>
-              </a:ln>
-              <a:solidFill>
-                <a:schemeClr val="tx1"/>
-              </a:solidFill>
-              <a:effectLst/>
-              <a:uLnTx/>
-              <a:uFillTx/>
-              <a:latin typeface="+mj-lt"/>
-              <a:ea typeface="+mj-ea"/>
-              <a:cs typeface="+mj-cs"/>
-            </a:endParaRPr>
-          </a:p>
-        </p:txBody>
-      </p:sp>
-      <p:sp>
-        <p:nvSpPr>
-          <p:cNvPr id="6" name="Rectangle 5"/>
-          <p:cNvSpPr/>
-          <p:nvPr/>
-        </p:nvSpPr>
-        <p:spPr>
-          <a:xfrm>
-            <a:off x="734683" y="1048668"/>
-            <a:ext cx="7643866" cy="1569660"/>
-          </a:xfrm>
-          <a:prstGeom prst="rect">
-            <a:avLst/>
-          </a:prstGeom>
-        </p:spPr>
-        <p:style>
-          <a:lnRef idx="2">
-            <a:schemeClr val="accent6"/>
-          </a:lnRef>
-          <a:fillRef idx="1">
-            <a:schemeClr val="lt1"/>
-          </a:fillRef>
-          <a:effectRef idx="0">
-            <a:schemeClr val="accent6"/>
-          </a:effectRef>
-          <a:fontRef idx="minor">
-            <a:schemeClr val="dk1"/>
-          </a:fontRef>
-        </p:style>
-        <p:txBody>
-          <a:bodyPr wrap="square">
-            <a:spAutoFit/>
-          </a:bodyPr>
-          <a:lstStyle/>
-          <a:p>
-            <a:r>
-              <a:rPr lang="en-US" sz="2400" dirty="0" err="1">
-                <a:solidFill>
-                  <a:srgbClr val="0000FF"/>
-                </a:solidFill>
-                <a:highlight>
-                  <a:srgbClr val="FFFFFF"/>
-                </a:highlight>
-                <a:latin typeface="Consolas"/>
-              </a:rPr>
-              <a:t>var</a:t>
-            </a:r>
-            <a:r>
-              <a:rPr lang="en-US" sz="2400" dirty="0">
-                <a:solidFill>
-                  <a:srgbClr val="000000"/>
-                </a:solidFill>
-                <a:highlight>
-                  <a:srgbClr val="FFFFFF"/>
-                </a:highlight>
-                <a:latin typeface="Consolas"/>
-              </a:rPr>
-              <a:t> COLOR_BLUE = </a:t>
-            </a:r>
-            <a:r>
-              <a:rPr lang="en-US" sz="2400" dirty="0">
-                <a:solidFill>
-                  <a:srgbClr val="A31515"/>
-                </a:solidFill>
-                <a:highlight>
-                  <a:srgbClr val="FFFFFF"/>
-                </a:highlight>
-                <a:latin typeface="Consolas"/>
-              </a:rPr>
-              <a:t>"#00F"</a:t>
-            </a:r>
-            <a:r>
-              <a:rPr lang="en-US" sz="2400" dirty="0">
-                <a:solidFill>
-                  <a:srgbClr val="000000"/>
-                </a:solidFill>
-                <a:highlight>
-                  <a:srgbClr val="FFFFFF"/>
-                </a:highlight>
-                <a:latin typeface="Consolas"/>
-              </a:rPr>
-              <a:t>;</a:t>
-            </a:r>
-          </a:p>
-          <a:p>
-            <a:r>
-              <a:rPr lang="en-US" sz="2400" dirty="0" err="1">
-                <a:solidFill>
-                  <a:srgbClr val="0000FF"/>
-                </a:solidFill>
-                <a:highlight>
-                  <a:srgbClr val="FFFFFF"/>
-                </a:highlight>
-                <a:latin typeface="Consolas"/>
-              </a:rPr>
-              <a:t>var</a:t>
-            </a:r>
-            <a:r>
-              <a:rPr lang="en-US" sz="2400" dirty="0">
-                <a:solidFill>
-                  <a:srgbClr val="000000"/>
-                </a:solidFill>
-                <a:highlight>
-                  <a:srgbClr val="FFFFFF"/>
-                </a:highlight>
-                <a:latin typeface="Consolas"/>
-              </a:rPr>
-              <a:t> COLOR_RED = </a:t>
-            </a:r>
-            <a:r>
-              <a:rPr lang="en-US" sz="2400" dirty="0">
-                <a:solidFill>
-                  <a:srgbClr val="A31515"/>
-                </a:solidFill>
-                <a:highlight>
-                  <a:srgbClr val="FFFFFF"/>
-                </a:highlight>
-                <a:latin typeface="Consolas"/>
-              </a:rPr>
-              <a:t>"#0F0"</a:t>
-            </a:r>
-            <a:r>
-              <a:rPr lang="en-US" sz="2400" dirty="0">
-                <a:solidFill>
-                  <a:srgbClr val="000000"/>
-                </a:solidFill>
-                <a:highlight>
-                  <a:srgbClr val="FFFFFF"/>
-                </a:highlight>
-                <a:latin typeface="Consolas"/>
-              </a:rPr>
-              <a:t>;</a:t>
-            </a:r>
-          </a:p>
-          <a:p>
-            <a:r>
-              <a:rPr lang="en-US" sz="2400" dirty="0" err="1">
-                <a:solidFill>
-                  <a:srgbClr val="0000FF"/>
-                </a:solidFill>
-                <a:highlight>
-                  <a:srgbClr val="FFFFFF"/>
-                </a:highlight>
-                <a:latin typeface="Consolas"/>
-              </a:rPr>
-              <a:t>var</a:t>
-            </a:r>
-            <a:r>
-              <a:rPr lang="en-US" sz="2400" dirty="0">
-                <a:solidFill>
-                  <a:srgbClr val="000000"/>
-                </a:solidFill>
-                <a:highlight>
-                  <a:srgbClr val="FFFFFF"/>
-                </a:highlight>
-                <a:latin typeface="Consolas"/>
-              </a:rPr>
-              <a:t> COLOR_GREEN = </a:t>
-            </a:r>
-            <a:r>
-              <a:rPr lang="en-US" sz="2400" dirty="0">
-                <a:solidFill>
-                  <a:srgbClr val="A31515"/>
-                </a:solidFill>
-                <a:highlight>
-                  <a:srgbClr val="FFFFFF"/>
-                </a:highlight>
-                <a:latin typeface="Consolas"/>
-              </a:rPr>
-              <a:t>"#F00"</a:t>
-            </a:r>
-            <a:r>
-              <a:rPr lang="en-US" sz="2400" dirty="0">
-                <a:solidFill>
-                  <a:srgbClr val="000000"/>
-                </a:solidFill>
-                <a:highlight>
-                  <a:srgbClr val="FFFFFF"/>
-                </a:highlight>
-                <a:latin typeface="Consolas"/>
-              </a:rPr>
-              <a:t>;</a:t>
-            </a:r>
-          </a:p>
-          <a:p>
-            <a:r>
-              <a:rPr lang="en-US" sz="2400" dirty="0" err="1">
-                <a:solidFill>
-                  <a:srgbClr val="0000FF"/>
-                </a:solidFill>
-                <a:highlight>
-                  <a:srgbClr val="FFFFFF"/>
-                </a:highlight>
-                <a:latin typeface="Consolas"/>
-              </a:rPr>
-              <a:t>var</a:t>
-            </a:r>
-            <a:r>
-              <a:rPr lang="en-US" sz="2400" dirty="0">
-                <a:solidFill>
-                  <a:srgbClr val="000000"/>
-                </a:solidFill>
-                <a:highlight>
-                  <a:srgbClr val="FFFFFF"/>
-                </a:highlight>
-                <a:latin typeface="Consolas"/>
-              </a:rPr>
-              <a:t> COLOR_ORANGE = </a:t>
-            </a:r>
-            <a:r>
-              <a:rPr lang="en-US" sz="2400" dirty="0">
-                <a:solidFill>
-                  <a:srgbClr val="A31515"/>
-                </a:solidFill>
-                <a:highlight>
-                  <a:srgbClr val="FFFFFF"/>
-                </a:highlight>
-                <a:latin typeface="Consolas"/>
-              </a:rPr>
-              <a:t>"#FF7F00"</a:t>
-            </a:r>
-            <a:r>
-              <a:rPr lang="en-US" sz="2400" dirty="0">
-                <a:solidFill>
-                  <a:srgbClr val="000000"/>
-                </a:solidFill>
-                <a:highlight>
-                  <a:srgbClr val="FFFFFF"/>
-                </a:highlight>
-                <a:latin typeface="Consolas"/>
-              </a:rPr>
-              <a:t>;</a:t>
-            </a:r>
-          </a:p>
-        </p:txBody>
-      </p:sp>
-    </p:spTree>
-    <p:extLst>
-      <p:ext uri="{BB962C8B-B14F-4D97-AF65-F5344CB8AC3E}">
-        <p14:creationId xmlns:p14="http://schemas.microsoft.com/office/powerpoint/2010/main" val="1102375941"/>
-      </p:ext>
-    </p:extLst>
-  </p:cSld>
-  <p:clrMapOvr>
-    <a:masterClrMapping/>
-  </p:clrMapOvr>
-  <p:transition/>
-  <p:timing>
-    <p:tnLst>
-      <p:par>
-        <p:cTn id="1" dur="indefinite" restart="never" nodeType="tmRoot"/>
-      </p:par>
-    </p:tnLst>
-  </p:timing>
-</p:sld>
-</file>
-
-<file path=ppt/slides/slide17.xml><?xml version="1.0" encoding="utf-8"?>
-<p:sld xmlns:a="http://schemas.openxmlformats.org/drawingml/2006/main" xmlns:r="http://schemas.openxmlformats.org/officeDocument/2006/relationships" xmlns:p="http://schemas.openxmlformats.org/presentationml/2006/main">
-  <p:cSld>
-    <p:spTree>
-      <p:nvGrpSpPr>
-        <p:cNvPr id="1" name=""/>
-        <p:cNvGrpSpPr/>
-        <p:nvPr/>
-      </p:nvGrpSpPr>
-      <p:grpSpPr>
-        <a:xfrm>
-          <a:off x="0" y="0"/>
-          <a:ext cx="0" cy="0"/>
-          <a:chOff x="0" y="0"/>
-          <a:chExt cx="0" cy="0"/>
-        </a:xfrm>
-      </p:grpSpPr>
-      <p:sp>
-        <p:nvSpPr>
-          <p:cNvPr id="2" name="Заголовок 1"/>
-          <p:cNvSpPr>
-            <a:spLocks noGrp="1"/>
-          </p:cNvSpPr>
-          <p:nvPr>
-            <p:ph type="ctrTitle"/>
-          </p:nvPr>
-        </p:nvSpPr>
-        <p:spPr>
-          <a:xfrm>
-            <a:off x="642910" y="142852"/>
-            <a:ext cx="7772400" cy="528640"/>
-          </a:xfrm>
-        </p:spPr>
-        <p:txBody>
-          <a:bodyPr>
-            <a:normAutofit fontScale="90000"/>
-          </a:bodyPr>
-          <a:lstStyle/>
-          <a:p>
-            <a:r>
-              <a:rPr lang="en-US" dirty="0" smtClean="0"/>
-              <a:t>Comments</a:t>
-            </a:r>
-            <a:endParaRPr lang="en-US" b="1" dirty="0">
-              <a:solidFill>
-                <a:schemeClr val="tx1">
-                  <a:lumMod val="65000"/>
-                  <a:lumOff val="35000"/>
-                </a:schemeClr>
-              </a:solidFill>
-            </a:endParaRPr>
-          </a:p>
-        </p:txBody>
-      </p:sp>
-      <p:sp>
-        <p:nvSpPr>
-          <p:cNvPr id="3" name="Rectangle 2"/>
-          <p:cNvSpPr/>
-          <p:nvPr/>
-        </p:nvSpPr>
-        <p:spPr>
-          <a:xfrm>
-            <a:off x="755576" y="836712"/>
-            <a:ext cx="5472608" cy="2308324"/>
-          </a:xfrm>
-          <a:prstGeom prst="rect">
-            <a:avLst/>
-          </a:prstGeom>
-        </p:spPr>
-        <p:txBody>
-          <a:bodyPr wrap="square">
-            <a:spAutoFit/>
-          </a:bodyPr>
-          <a:lstStyle/>
-          <a:p>
-            <a:r>
-              <a:rPr lang="en-US" sz="2400" b="1" dirty="0" smtClean="0"/>
-              <a:t>/*</a:t>
-            </a:r>
-          </a:p>
-          <a:p>
-            <a:pPr lvl="1"/>
-            <a:r>
-              <a:rPr lang="en-US" sz="2400" dirty="0">
-                <a:solidFill>
-                  <a:schemeClr val="bg1">
-                    <a:lumMod val="50000"/>
-                  </a:schemeClr>
-                </a:solidFill>
-              </a:rPr>
-              <a:t>When I wrote this, only God and I understood what I was doing</a:t>
-            </a:r>
-          </a:p>
-          <a:p>
-            <a:pPr lvl="1"/>
-            <a:endParaRPr lang="en-US" sz="2400" dirty="0">
-              <a:solidFill>
-                <a:schemeClr val="bg1">
-                  <a:lumMod val="50000"/>
-                </a:schemeClr>
-              </a:solidFill>
-            </a:endParaRPr>
-          </a:p>
-          <a:p>
-            <a:pPr lvl="1"/>
-            <a:r>
-              <a:rPr lang="en-US" sz="2400" dirty="0">
-                <a:solidFill>
-                  <a:schemeClr val="bg1">
-                    <a:lumMod val="50000"/>
-                  </a:schemeClr>
-                </a:solidFill>
-              </a:rPr>
-              <a:t>Now, God only </a:t>
-            </a:r>
-            <a:r>
-              <a:rPr lang="en-US" sz="2400" dirty="0" smtClean="0">
-                <a:solidFill>
-                  <a:schemeClr val="bg1">
-                    <a:lumMod val="50000"/>
-                  </a:schemeClr>
-                </a:solidFill>
-              </a:rPr>
-              <a:t>knows</a:t>
-            </a:r>
-            <a:endParaRPr lang="en-US" sz="2400" dirty="0">
-              <a:solidFill>
-                <a:schemeClr val="bg1">
-                  <a:lumMod val="50000"/>
-                </a:schemeClr>
-              </a:solidFill>
-            </a:endParaRPr>
-          </a:p>
-          <a:p>
-            <a:r>
-              <a:rPr lang="en-US" sz="2400" b="1" dirty="0" smtClean="0"/>
-              <a:t>*/</a:t>
-            </a:r>
-          </a:p>
-        </p:txBody>
-      </p:sp>
-      <p:sp>
-        <p:nvSpPr>
-          <p:cNvPr id="8" name="Rectangle 7"/>
-          <p:cNvSpPr/>
-          <p:nvPr/>
-        </p:nvSpPr>
-        <p:spPr>
-          <a:xfrm>
-            <a:off x="774701" y="3818657"/>
-            <a:ext cx="5472608" cy="461665"/>
-          </a:xfrm>
-          <a:prstGeom prst="rect">
-            <a:avLst/>
-          </a:prstGeom>
-        </p:spPr>
-        <p:txBody>
-          <a:bodyPr wrap="square">
-            <a:spAutoFit/>
-          </a:bodyPr>
-          <a:lstStyle/>
-          <a:p>
-            <a:r>
-              <a:rPr lang="en-US" sz="2400" b="1" dirty="0" smtClean="0"/>
-              <a:t>//</a:t>
-            </a:r>
-            <a:r>
-              <a:rPr lang="en-US" sz="2400" dirty="0" smtClean="0"/>
-              <a:t> </a:t>
-            </a:r>
-            <a:r>
-              <a:rPr lang="en-US" sz="2400" dirty="0">
-                <a:solidFill>
-                  <a:schemeClr val="bg1">
-                    <a:lumMod val="50000"/>
-                  </a:schemeClr>
-                </a:solidFill>
-              </a:rPr>
-              <a:t>Magic. Do not touch.</a:t>
-            </a:r>
-            <a:endParaRPr lang="en-US" sz="2400" dirty="0" smtClean="0">
-              <a:solidFill>
-                <a:schemeClr val="bg1">
-                  <a:lumMod val="50000"/>
-                </a:schemeClr>
-              </a:solidFill>
-            </a:endParaRPr>
-          </a:p>
-        </p:txBody>
-      </p:sp>
-    </p:spTree>
-    <p:extLst>
-      <p:ext uri="{BB962C8B-B14F-4D97-AF65-F5344CB8AC3E}">
-        <p14:creationId xmlns:p14="http://schemas.microsoft.com/office/powerpoint/2010/main" val="828432998"/>
-      </p:ext>
-    </p:extLst>
-  </p:cSld>
-  <p:clrMapOvr>
-    <a:masterClrMapping/>
-  </p:clrMapOvr>
-  <p:transition/>
-  <p:timing>
-    <p:tnLst>
-      <p:par>
-        <p:cTn id="1" dur="indefinite" restart="never" nodeType="tmRoot"/>
-      </p:par>
-    </p:tnLst>
-  </p:timing>
-</p:sld>
-</file>
-
-<file path=ppt/slides/slide18.xml><?xml version="1.0" encoding="utf-8"?>
-<p:sld xmlns:a="http://schemas.openxmlformats.org/drawingml/2006/main" xmlns:r="http://schemas.openxmlformats.org/officeDocument/2006/relationships" xmlns:p="http://schemas.openxmlformats.org/presentationml/2006/main">
-  <p:cSld>
-    <p:spTree>
-      <p:nvGrpSpPr>
-        <p:cNvPr id="1" name=""/>
-        <p:cNvGrpSpPr/>
-        <p:nvPr/>
-      </p:nvGrpSpPr>
-      <p:grpSpPr>
-        <a:xfrm>
-          <a:off x="0" y="0"/>
-          <a:ext cx="0" cy="0"/>
-          <a:chOff x="0" y="0"/>
-          <a:chExt cx="0" cy="0"/>
-        </a:xfrm>
-      </p:grpSpPr>
-      <p:sp>
-        <p:nvSpPr>
-          <p:cNvPr id="3" name="Content Placeholder 2"/>
-          <p:cNvSpPr>
-            <a:spLocks noGrp="1"/>
-          </p:cNvSpPr>
-          <p:nvPr>
-            <p:ph idx="1"/>
-          </p:nvPr>
-        </p:nvSpPr>
-        <p:spPr/>
-        <p:txBody>
-          <a:bodyPr/>
-          <a:lstStyle/>
-          <a:p>
-            <a:pPr marL="0" indent="0" algn="ctr">
-              <a:buNone/>
-            </a:pPr>
-            <a:r>
-              <a:rPr lang="en-US" sz="4000" dirty="0" smtClean="0"/>
-              <a:t>Example</a:t>
-            </a:r>
-            <a:endParaRPr lang="en-US" sz="4000" dirty="0"/>
-          </a:p>
-        </p:txBody>
-      </p:sp>
-    </p:spTree>
-    <p:extLst>
-      <p:ext uri="{BB962C8B-B14F-4D97-AF65-F5344CB8AC3E}">
-        <p14:creationId xmlns:p14="http://schemas.microsoft.com/office/powerpoint/2010/main" val="3342804009"/>
-      </p:ext>
-    </p:extLst>
-  </p:cSld>
-  <p:clrMapOvr>
-    <a:masterClrMapping/>
-  </p:clrMapOvr>
-  <p:timing>
-    <p:tnLst>
-      <p:par>
-        <p:cTn id="1" dur="indefinite" restart="never" nodeType="tmRoot"/>
-      </p:par>
-    </p:tnLst>
-  </p:timing>
-</p:sld>
-</file>
-
-<file path=ppt/slides/slide19.xml><?xml version="1.0" encoding="utf-8"?>
 <p:sld xmlns:a="http://schemas.openxmlformats.org/drawingml/2006/main" xmlns:r="http://schemas.openxmlformats.org/officeDocument/2006/relationships" xmlns:p="http://schemas.openxmlformats.org/presentationml/2006/main">
   <p:cSld>
     <p:spTree>
@@ -8872,633 +5646,7 @@
 </p:sld>
 </file>
 
-<file path=ppt/slides/slide2.xml><?xml version="1.0" encoding="utf-8"?>
-<p:sld xmlns:a="http://schemas.openxmlformats.org/drawingml/2006/main" xmlns:r="http://schemas.openxmlformats.org/officeDocument/2006/relationships" xmlns:p="http://schemas.openxmlformats.org/presentationml/2006/main">
-  <p:cSld>
-    <p:spTree>
-      <p:nvGrpSpPr>
-        <p:cNvPr id="1" name=""/>
-        <p:cNvGrpSpPr/>
-        <p:nvPr/>
-      </p:nvGrpSpPr>
-      <p:grpSpPr>
-        <a:xfrm>
-          <a:off x="0" y="0"/>
-          <a:ext cx="0" cy="0"/>
-          <a:chOff x="0" y="0"/>
-          <a:chExt cx="0" cy="0"/>
-        </a:xfrm>
-      </p:grpSpPr>
-      <p:sp>
-        <p:nvSpPr>
-          <p:cNvPr id="2" name="Заголовок 1"/>
-          <p:cNvSpPr>
-            <a:spLocks noGrp="1"/>
-          </p:cNvSpPr>
-          <p:nvPr>
-            <p:ph type="ctrTitle"/>
-          </p:nvPr>
-        </p:nvSpPr>
-        <p:spPr>
-          <a:xfrm>
-            <a:off x="642910" y="142852"/>
-            <a:ext cx="7772400" cy="528640"/>
-          </a:xfrm>
-        </p:spPr>
-        <p:txBody>
-          <a:bodyPr>
-            <a:normAutofit fontScale="90000"/>
-          </a:bodyPr>
-          <a:lstStyle/>
-          <a:p>
-            <a:r>
-              <a:rPr lang="en-US" b="1" dirty="0" smtClean="0">
-                <a:solidFill>
-                  <a:schemeClr val="tx1">
-                    <a:lumMod val="65000"/>
-                    <a:lumOff val="35000"/>
-                  </a:schemeClr>
-                </a:solidFill>
-              </a:rPr>
-              <a:t>Arrays</a:t>
-            </a:r>
-            <a:endParaRPr lang="en-US" b="1" dirty="0">
-              <a:solidFill>
-                <a:schemeClr val="tx1">
-                  <a:lumMod val="65000"/>
-                  <a:lumOff val="35000"/>
-                </a:schemeClr>
-              </a:solidFill>
-            </a:endParaRPr>
-          </a:p>
-        </p:txBody>
-      </p:sp>
-      <p:sp>
-        <p:nvSpPr>
-          <p:cNvPr id="5" name="Заголовок 1"/>
-          <p:cNvSpPr txBox="1">
-            <a:spLocks/>
-          </p:cNvSpPr>
-          <p:nvPr/>
-        </p:nvSpPr>
-        <p:spPr>
-          <a:xfrm>
-            <a:off x="500034" y="1214422"/>
-            <a:ext cx="7772400" cy="3786214"/>
-          </a:xfrm>
-          <a:prstGeom prst="rect">
-            <a:avLst/>
-          </a:prstGeom>
-        </p:spPr>
-        <p:txBody>
-          <a:bodyPr vert="horz" lIns="91440" tIns="45720" rIns="91440" bIns="45720" rtlCol="0" anchor="ctr">
-            <a:normAutofit/>
-          </a:bodyPr>
-          <a:lstStyle/>
-          <a:p>
-            <a:pPr>
-              <a:spcBef>
-                <a:spcPct val="0"/>
-              </a:spcBef>
-            </a:pPr>
-            <a:endParaRPr lang="be-BY" dirty="0"/>
-          </a:p>
-          <a:p>
-            <a:pPr marL="0" marR="0" lvl="0" indent="0" defTabSz="914400" rtl="0" eaLnBrk="1" fontAlgn="auto" latinLnBrk="0" hangingPunct="1">
-              <a:lnSpc>
-                <a:spcPct val="100000"/>
-              </a:lnSpc>
-              <a:spcBef>
-                <a:spcPct val="0"/>
-              </a:spcBef>
-              <a:spcAft>
-                <a:spcPts val="0"/>
-              </a:spcAft>
-              <a:buClrTx/>
-              <a:buSzTx/>
-              <a:buFontTx/>
-              <a:buNone/>
-              <a:tabLst/>
-              <a:defRPr/>
-            </a:pPr>
-            <a:endParaRPr kumimoji="0" lang="be-BY" sz="4400" b="0" i="0" u="none" strike="noStrike" kern="1200" cap="none" spc="0" normalizeH="0" baseline="0" noProof="0" dirty="0" smtClean="0">
-              <a:ln>
-                <a:noFill/>
-              </a:ln>
-              <a:solidFill>
-                <a:schemeClr val="tx1"/>
-              </a:solidFill>
-              <a:effectLst/>
-              <a:uLnTx/>
-              <a:uFillTx/>
-              <a:latin typeface="+mj-lt"/>
-              <a:ea typeface="+mj-ea"/>
-              <a:cs typeface="+mj-cs"/>
-            </a:endParaRPr>
-          </a:p>
-        </p:txBody>
-      </p:sp>
-      <p:sp>
-        <p:nvSpPr>
-          <p:cNvPr id="4" name="Заголовок 1"/>
-          <p:cNvSpPr txBox="1">
-            <a:spLocks/>
-          </p:cNvSpPr>
-          <p:nvPr/>
-        </p:nvSpPr>
-        <p:spPr>
-          <a:xfrm>
-            <a:off x="723872" y="1438260"/>
-            <a:ext cx="7772400" cy="3786214"/>
-          </a:xfrm>
-          <a:prstGeom prst="rect">
-            <a:avLst/>
-          </a:prstGeom>
-        </p:spPr>
-        <p:txBody>
-          <a:bodyPr vert="horz" lIns="91440" tIns="45720" rIns="91440" bIns="45720" rtlCol="0" anchor="ctr">
-            <a:normAutofit/>
-          </a:bodyPr>
-          <a:lstStyle/>
-          <a:p>
-            <a:pPr>
-              <a:spcBef>
-                <a:spcPct val="0"/>
-              </a:spcBef>
-            </a:pPr>
-            <a:endParaRPr lang="be-BY" dirty="0"/>
-          </a:p>
-          <a:p>
-            <a:pPr marL="0" marR="0" lvl="0" indent="0" defTabSz="914400" rtl="0" eaLnBrk="1" fontAlgn="auto" latinLnBrk="0" hangingPunct="1">
-              <a:lnSpc>
-                <a:spcPct val="100000"/>
-              </a:lnSpc>
-              <a:spcBef>
-                <a:spcPct val="0"/>
-              </a:spcBef>
-              <a:spcAft>
-                <a:spcPts val="0"/>
-              </a:spcAft>
-              <a:buClrTx/>
-              <a:buSzTx/>
-              <a:buFontTx/>
-              <a:buNone/>
-              <a:tabLst/>
-              <a:defRPr/>
-            </a:pPr>
-            <a:endParaRPr kumimoji="0" lang="be-BY" sz="4400" b="0" i="0" u="none" strike="noStrike" kern="1200" cap="none" spc="0" normalizeH="0" baseline="0" noProof="0" dirty="0" smtClean="0">
-              <a:ln>
-                <a:noFill/>
-              </a:ln>
-              <a:solidFill>
-                <a:schemeClr val="tx1"/>
-              </a:solidFill>
-              <a:effectLst/>
-              <a:uLnTx/>
-              <a:uFillTx/>
-              <a:latin typeface="+mj-lt"/>
-              <a:ea typeface="+mj-ea"/>
-              <a:cs typeface="+mj-cs"/>
-            </a:endParaRPr>
-          </a:p>
-        </p:txBody>
-      </p:sp>
-      <p:sp>
-        <p:nvSpPr>
-          <p:cNvPr id="7" name="Rectangle 6"/>
-          <p:cNvSpPr/>
-          <p:nvPr/>
-        </p:nvSpPr>
-        <p:spPr>
-          <a:xfrm>
-            <a:off x="642910" y="2751608"/>
-            <a:ext cx="7929618" cy="2677656"/>
-          </a:xfrm>
-          <a:prstGeom prst="rect">
-            <a:avLst/>
-          </a:prstGeom>
-        </p:spPr>
-        <p:style>
-          <a:lnRef idx="1">
-            <a:schemeClr val="dk1"/>
-          </a:lnRef>
-          <a:fillRef idx="1001">
-            <a:schemeClr val="lt2"/>
-          </a:fillRef>
-          <a:effectRef idx="1">
-            <a:schemeClr val="dk1"/>
-          </a:effectRef>
-          <a:fontRef idx="minor">
-            <a:schemeClr val="dk1"/>
-          </a:fontRef>
-        </p:style>
-        <p:txBody>
-          <a:bodyPr wrap="square">
-            <a:spAutoFit/>
-          </a:bodyPr>
-          <a:lstStyle/>
-          <a:p>
-            <a:r>
-              <a:rPr lang="en-US" sz="2400" b="1" dirty="0" err="1" smtClean="0">
-                <a:solidFill>
-                  <a:srgbClr val="0070C0"/>
-                </a:solidFill>
-              </a:rPr>
-              <a:t>var</a:t>
-            </a:r>
-            <a:r>
-              <a:rPr lang="en-US" sz="2400" b="1" dirty="0" smtClean="0"/>
-              <a:t> </a:t>
-            </a:r>
-            <a:r>
-              <a:rPr lang="en-US" sz="2400" b="1" dirty="0" smtClean="0">
-                <a:solidFill>
-                  <a:schemeClr val="accent6">
-                    <a:lumMod val="75000"/>
-                  </a:schemeClr>
-                </a:solidFill>
-              </a:rPr>
-              <a:t>array</a:t>
-            </a:r>
-            <a:r>
-              <a:rPr lang="en-US" sz="2400" b="1" dirty="0" smtClean="0"/>
-              <a:t> = </a:t>
-            </a:r>
-            <a:r>
-              <a:rPr lang="en-US" sz="2400" b="1" dirty="0" smtClean="0">
-                <a:solidFill>
-                  <a:srgbClr val="0070C0"/>
-                </a:solidFill>
-              </a:rPr>
-              <a:t>new</a:t>
-            </a:r>
-            <a:r>
-              <a:rPr lang="en-US" sz="2400" b="1" dirty="0" smtClean="0"/>
-              <a:t> </a:t>
-            </a:r>
-            <a:r>
-              <a:rPr lang="en-US" sz="2400" b="1" dirty="0" smtClean="0">
-                <a:solidFill>
-                  <a:srgbClr val="0070C0"/>
-                </a:solidFill>
-              </a:rPr>
-              <a:t>Array</a:t>
-            </a:r>
-            <a:r>
-              <a:rPr lang="en-US" sz="2400" b="1" dirty="0" smtClean="0">
-                <a:solidFill>
-                  <a:schemeClr val="tx1"/>
-                </a:solidFill>
-              </a:rPr>
-              <a:t>(</a:t>
-            </a:r>
-            <a:r>
-              <a:rPr lang="en-US" sz="2400" b="1" dirty="0" smtClean="0">
-                <a:solidFill>
-                  <a:srgbClr val="00B050"/>
-                </a:solidFill>
-              </a:rPr>
-              <a:t>1</a:t>
-            </a:r>
-            <a:r>
-              <a:rPr lang="en-US" sz="2400" b="1" dirty="0" smtClean="0"/>
-              <a:t>,</a:t>
-            </a:r>
-            <a:r>
-              <a:rPr lang="en-US" sz="2400" b="1" dirty="0" smtClean="0">
-                <a:solidFill>
-                  <a:srgbClr val="00B050"/>
-                </a:solidFill>
-              </a:rPr>
-              <a:t> 2</a:t>
-            </a:r>
-            <a:r>
-              <a:rPr lang="en-US" sz="2400" b="1" dirty="0" smtClean="0"/>
-              <a:t>,</a:t>
-            </a:r>
-            <a:r>
-              <a:rPr lang="en-US" sz="2400" b="1" dirty="0" smtClean="0">
-                <a:solidFill>
-                  <a:srgbClr val="00B050"/>
-                </a:solidFill>
-              </a:rPr>
-              <a:t> 3</a:t>
-            </a:r>
-            <a:r>
-              <a:rPr lang="en-US" sz="2400" b="1" dirty="0" smtClean="0"/>
-              <a:t>); </a:t>
-            </a:r>
-          </a:p>
-          <a:p>
-            <a:r>
-              <a:rPr lang="en-US" sz="2400" b="1" dirty="0" err="1" smtClean="0">
-                <a:solidFill>
-                  <a:srgbClr val="0070C0"/>
-                </a:solidFill>
-              </a:rPr>
-              <a:t>var</a:t>
-            </a:r>
-            <a:r>
-              <a:rPr lang="en-US" sz="2400" b="1" dirty="0" smtClean="0"/>
-              <a:t> </a:t>
-            </a:r>
-            <a:r>
-              <a:rPr lang="en-US" sz="2400" b="1" dirty="0" smtClean="0">
-                <a:solidFill>
-                  <a:schemeClr val="accent6">
-                    <a:lumMod val="75000"/>
-                  </a:schemeClr>
-                </a:solidFill>
-              </a:rPr>
-              <a:t>array</a:t>
-            </a:r>
-            <a:r>
-              <a:rPr lang="en-US" sz="2400" b="1" dirty="0" smtClean="0"/>
-              <a:t> = [</a:t>
-            </a:r>
-            <a:r>
-              <a:rPr lang="en-US" sz="2400" b="1" dirty="0" smtClean="0">
-                <a:solidFill>
-                  <a:srgbClr val="00B050"/>
-                </a:solidFill>
-              </a:rPr>
-              <a:t>1</a:t>
-            </a:r>
-            <a:r>
-              <a:rPr lang="en-US" sz="2400" b="1" dirty="0" smtClean="0"/>
-              <a:t>,</a:t>
-            </a:r>
-            <a:r>
-              <a:rPr lang="en-US" sz="2400" b="1" dirty="0" smtClean="0">
-                <a:solidFill>
-                  <a:srgbClr val="00B050"/>
-                </a:solidFill>
-              </a:rPr>
-              <a:t>2</a:t>
-            </a:r>
-            <a:r>
-              <a:rPr lang="en-US" sz="2400" b="1" dirty="0" smtClean="0"/>
-              <a:t>,</a:t>
-            </a:r>
-            <a:r>
-              <a:rPr lang="en-US" sz="2400" b="1" dirty="0" smtClean="0">
-                <a:solidFill>
-                  <a:srgbClr val="00B050"/>
-                </a:solidFill>
-              </a:rPr>
-              <a:t>3</a:t>
-            </a:r>
-            <a:r>
-              <a:rPr lang="en-US" sz="2400" b="1" dirty="0" smtClean="0"/>
-              <a:t>];</a:t>
-            </a:r>
-          </a:p>
-          <a:p>
-            <a:r>
-              <a:rPr lang="en-US" sz="2400" b="1" dirty="0" err="1" smtClean="0">
-                <a:solidFill>
-                  <a:srgbClr val="0070C0"/>
-                </a:solidFill>
-              </a:rPr>
-              <a:t>var</a:t>
-            </a:r>
-            <a:r>
-              <a:rPr lang="en-US" sz="2400" b="1" dirty="0" smtClean="0"/>
-              <a:t> </a:t>
-            </a:r>
-            <a:r>
-              <a:rPr lang="en-US" sz="2400" b="1" dirty="0" smtClean="0">
-                <a:solidFill>
-                  <a:schemeClr val="accent6">
-                    <a:lumMod val="75000"/>
-                  </a:schemeClr>
-                </a:solidFill>
-              </a:rPr>
-              <a:t>array</a:t>
-            </a:r>
-            <a:r>
-              <a:rPr lang="en-US" sz="2400" b="1" dirty="0" smtClean="0"/>
-              <a:t> = [</a:t>
-            </a:r>
-            <a:r>
-              <a:rPr lang="en-US" sz="2400" b="1" dirty="0" smtClean="0">
-                <a:solidFill>
-                  <a:srgbClr val="00B050"/>
-                </a:solidFill>
-              </a:rPr>
-              <a:t>1</a:t>
-            </a:r>
-            <a:r>
-              <a:rPr lang="en-US" sz="2400" b="1" dirty="0" smtClean="0"/>
-              <a:t>, </a:t>
-            </a:r>
-            <a:r>
-              <a:rPr lang="en-US" sz="2400" b="1" dirty="0" smtClean="0">
-                <a:solidFill>
-                  <a:srgbClr val="00B050"/>
-                </a:solidFill>
-              </a:rPr>
-              <a:t>"234234"</a:t>
-            </a:r>
-            <a:r>
-              <a:rPr lang="en-US" sz="2400" b="1" dirty="0" smtClean="0"/>
-              <a:t>, </a:t>
-            </a:r>
-            <a:r>
-              <a:rPr lang="en-US" sz="2400" b="1" dirty="0" smtClean="0">
-                <a:solidFill>
-                  <a:srgbClr val="00B050"/>
-                </a:solidFill>
-              </a:rPr>
-              <a:t>true</a:t>
-            </a:r>
-            <a:r>
-              <a:rPr lang="en-US" sz="2400" b="1" dirty="0" smtClean="0"/>
-              <a:t>, </a:t>
-            </a:r>
-            <a:r>
-              <a:rPr lang="en-US" sz="2400" b="1" dirty="0" smtClean="0">
-                <a:solidFill>
-                  <a:srgbClr val="0070C0"/>
-                </a:solidFill>
-              </a:rPr>
-              <a:t>function</a:t>
-            </a:r>
-            <a:r>
-              <a:rPr lang="en-US" sz="2400" b="1" dirty="0" smtClean="0"/>
-              <a:t>() { </a:t>
-            </a:r>
-            <a:r>
-              <a:rPr lang="en-US" sz="2400" b="1" dirty="0" smtClean="0">
-                <a:solidFill>
-                  <a:srgbClr val="0070C0"/>
-                </a:solidFill>
-              </a:rPr>
-              <a:t>alert</a:t>
-            </a:r>
-            <a:r>
-              <a:rPr lang="en-US" sz="2400" b="1" dirty="0" smtClean="0"/>
-              <a:t>(</a:t>
-            </a:r>
-            <a:r>
-              <a:rPr lang="en-US" sz="2400" b="1" dirty="0" smtClean="0">
-                <a:solidFill>
-                  <a:srgbClr val="00B050"/>
-                </a:solidFill>
-              </a:rPr>
-              <a:t>"hello!"</a:t>
-            </a:r>
-            <a:r>
-              <a:rPr lang="en-US" sz="2400" b="1" dirty="0" smtClean="0"/>
-              <a:t>); } ];</a:t>
-            </a:r>
-          </a:p>
-          <a:p>
-            <a:endParaRPr lang="en-US" sz="2400" b="1" dirty="0" smtClean="0"/>
-          </a:p>
-          <a:p>
-            <a:r>
-              <a:rPr lang="en-US" sz="2400" b="1" dirty="0" err="1" smtClean="0">
-                <a:solidFill>
-                  <a:schemeClr val="accent6">
-                    <a:lumMod val="75000"/>
-                  </a:schemeClr>
-                </a:solidFill>
-              </a:rPr>
-              <a:t>array</a:t>
-            </a:r>
-            <a:r>
-              <a:rPr lang="en-US" sz="2400" b="1" dirty="0" err="1" smtClean="0"/>
-              <a:t>.</a:t>
-            </a:r>
-            <a:r>
-              <a:rPr lang="en-US" sz="2400" b="1" dirty="0" err="1" smtClean="0">
-                <a:solidFill>
-                  <a:schemeClr val="accent6">
-                    <a:lumMod val="75000"/>
-                  </a:schemeClr>
-                </a:solidFill>
-              </a:rPr>
-              <a:t>length</a:t>
-            </a:r>
-            <a:endParaRPr lang="en-US" sz="2400" b="1" dirty="0" smtClean="0">
-              <a:solidFill>
-                <a:schemeClr val="accent6">
-                  <a:lumMod val="75000"/>
-                </a:schemeClr>
-              </a:solidFill>
-            </a:endParaRPr>
-          </a:p>
-          <a:p>
-            <a:endParaRPr lang="en-US" sz="2400" b="1" dirty="0" smtClean="0"/>
-          </a:p>
-          <a:p>
-            <a:endParaRPr lang="en-US" sz="2400" b="1" dirty="0" smtClean="0"/>
-          </a:p>
-        </p:txBody>
-      </p:sp>
-      <p:sp>
-        <p:nvSpPr>
-          <p:cNvPr id="6" name="Rectangle 5"/>
-          <p:cNvSpPr/>
-          <p:nvPr/>
-        </p:nvSpPr>
-        <p:spPr>
-          <a:xfrm>
-            <a:off x="571472" y="785794"/>
-            <a:ext cx="7929618" cy="1926681"/>
-          </a:xfrm>
-          <a:prstGeom prst="rect">
-            <a:avLst/>
-          </a:prstGeom>
-        </p:spPr>
-        <p:txBody>
-          <a:bodyPr wrap="square">
-            <a:spAutoFit/>
-          </a:bodyPr>
-          <a:lstStyle/>
-          <a:p>
-            <a:pPr>
-              <a:spcAft>
-                <a:spcPct val="40000"/>
-              </a:spcAft>
-              <a:buFont typeface="Arial" pitchFamily="34" charset="0"/>
-              <a:buChar char="•"/>
-            </a:pPr>
-            <a:r>
-              <a:rPr lang="en-US" sz="2400" b="1" dirty="0" smtClean="0"/>
-              <a:t>  Array inherits from Object.</a:t>
-            </a:r>
-          </a:p>
-          <a:p>
-            <a:pPr>
-              <a:spcAft>
-                <a:spcPct val="40000"/>
-              </a:spcAft>
-              <a:buFont typeface="Arial" pitchFamily="34" charset="0"/>
-              <a:buChar char="•"/>
-            </a:pPr>
-            <a:r>
-              <a:rPr lang="en-US" sz="2400" b="1" dirty="0" smtClean="0"/>
-              <a:t>  Indexes are converted to strings and used as names for retrieving values.</a:t>
-            </a:r>
-          </a:p>
-          <a:p>
-            <a:pPr>
-              <a:spcAft>
-                <a:spcPct val="40000"/>
-              </a:spcAft>
-              <a:buFont typeface="Arial" pitchFamily="34" charset="0"/>
-              <a:buChar char="•"/>
-            </a:pPr>
-            <a:r>
-              <a:rPr lang="en-US" sz="2400" dirty="0" smtClean="0"/>
-              <a:t>  </a:t>
-            </a:r>
-            <a:r>
-              <a:rPr lang="en-US" sz="2400" b="1" dirty="0" smtClean="0"/>
-              <a:t>Arrays</a:t>
-            </a:r>
-            <a:r>
-              <a:rPr lang="en-US" sz="2400" dirty="0" smtClean="0"/>
-              <a:t> </a:t>
-            </a:r>
-            <a:r>
-              <a:rPr lang="en-US" sz="2400" b="1" dirty="0" smtClean="0"/>
-              <a:t>have a special </a:t>
-            </a:r>
-            <a:r>
-              <a:rPr lang="en-US" sz="2400" b="1" dirty="0" smtClean="0">
-                <a:solidFill>
-                  <a:schemeClr val="accent2"/>
-                </a:solidFill>
-              </a:rPr>
-              <a:t>length</a:t>
-            </a:r>
-            <a:r>
-              <a:rPr lang="en-US" sz="2400" b="1" dirty="0" smtClean="0"/>
-              <a:t> member.</a:t>
-            </a:r>
-          </a:p>
-        </p:txBody>
-      </p:sp>
-    </p:spTree>
-  </p:cSld>
-  <p:clrMapOvr>
-    <a:masterClrMapping/>
-  </p:clrMapOvr>
-  <p:transition/>
-  <p:timing>
-    <p:tnLst>
-      <p:par>
-        <p:cTn id="1" dur="indefinite" restart="never" nodeType="tmRoot"/>
-      </p:par>
-    </p:tnLst>
-  </p:timing>
-</p:sld>
-</file>
-
-<file path=ppt/slides/slide20.xml><?xml version="1.0" encoding="utf-8"?>
+<file path=ppt/slides/slide11.xml><?xml version="1.0" encoding="utf-8"?>
 <p:sld xmlns:a="http://schemas.openxmlformats.org/drawingml/2006/main" xmlns:r="http://schemas.openxmlformats.org/officeDocument/2006/relationships" xmlns:p="http://schemas.openxmlformats.org/presentationml/2006/main">
   <p:cSld>
     <p:spTree>
@@ -9639,7 +5787,7 @@
 </p:sld>
 </file>
 
-<file path=ppt/slides/slide21.xml><?xml version="1.0" encoding="utf-8"?>
+<file path=ppt/slides/slide12.xml><?xml version="1.0" encoding="utf-8"?>
 <p:sld xmlns:a="http://schemas.openxmlformats.org/drawingml/2006/main" xmlns:r="http://schemas.openxmlformats.org/officeDocument/2006/relationships" xmlns:p="http://schemas.openxmlformats.org/presentationml/2006/main">
   <p:cSld>
     <p:spTree>
@@ -9907,7 +6055,7 @@
 </p:sld>
 </file>
 
-<file path=ppt/slides/slide22.xml><?xml version="1.0" encoding="utf-8"?>
+<file path=ppt/slides/slide13.xml><?xml version="1.0" encoding="utf-8"?>
 <p:sld xmlns:a="http://schemas.openxmlformats.org/drawingml/2006/main" xmlns:r="http://schemas.openxmlformats.org/officeDocument/2006/relationships" xmlns:p="http://schemas.openxmlformats.org/presentationml/2006/main">
   <p:cSld>
     <p:spTree>
@@ -10315,6 +6463,279 @@
 </p:sld>
 </file>
 
+<file path=ppt/slides/slide2.xml><?xml version="1.0" encoding="utf-8"?>
+<p:sld xmlns:a="http://schemas.openxmlformats.org/drawingml/2006/main" xmlns:r="http://schemas.openxmlformats.org/officeDocument/2006/relationships" xmlns:p="http://schemas.openxmlformats.org/presentationml/2006/main">
+  <p:cSld>
+    <p:spTree>
+      <p:nvGrpSpPr>
+        <p:cNvPr id="1" name=""/>
+        <p:cNvGrpSpPr/>
+        <p:nvPr/>
+      </p:nvGrpSpPr>
+      <p:grpSpPr>
+        <a:xfrm>
+          <a:off x="0" y="0"/>
+          <a:ext cx="0" cy="0"/>
+          <a:chOff x="0" y="0"/>
+          <a:chExt cx="0" cy="0"/>
+        </a:xfrm>
+      </p:grpSpPr>
+      <p:sp>
+        <p:nvSpPr>
+          <p:cNvPr id="90115" name="Rectangle 3"/>
+          <p:cNvSpPr>
+            <a:spLocks noGrp="1" noChangeArrowheads="1"/>
+          </p:cNvSpPr>
+          <p:nvPr>
+            <p:ph type="body" idx="1"/>
+          </p:nvPr>
+        </p:nvSpPr>
+        <p:spPr>
+          <a:xfrm>
+            <a:off x="500034" y="857232"/>
+            <a:ext cx="8229600" cy="4525963"/>
+          </a:xfrm>
+        </p:spPr>
+        <p:txBody>
+          <a:bodyPr>
+            <a:normAutofit/>
+          </a:bodyPr>
+          <a:lstStyle/>
+          <a:p>
+            <a:pPr eaLnBrk="1" hangingPunct="1">
+              <a:lnSpc>
+                <a:spcPct val="80000"/>
+              </a:lnSpc>
+            </a:pPr>
+            <a:r>
+              <a:rPr lang="da-DK" sz="2400" b="1" dirty="0" smtClean="0"/>
+              <a:t>'' == '0'          // false</a:t>
+            </a:r>
+          </a:p>
+          <a:p>
+            <a:pPr eaLnBrk="1" hangingPunct="1">
+              <a:lnSpc>
+                <a:spcPct val="80000"/>
+              </a:lnSpc>
+            </a:pPr>
+            <a:r>
+              <a:rPr lang="da-DK" sz="2400" b="1" dirty="0" smtClean="0"/>
+              <a:t>0 == ''            // true</a:t>
+            </a:r>
+          </a:p>
+          <a:p>
+            <a:pPr eaLnBrk="1" hangingPunct="1">
+              <a:lnSpc>
+                <a:spcPct val="80000"/>
+              </a:lnSpc>
+            </a:pPr>
+            <a:r>
+              <a:rPr lang="da-DK" sz="2400" b="1" dirty="0" smtClean="0"/>
+              <a:t>0 == '0'           // true</a:t>
+            </a:r>
+          </a:p>
+          <a:p>
+            <a:pPr eaLnBrk="1" hangingPunct="1">
+              <a:lnSpc>
+                <a:spcPct val="80000"/>
+              </a:lnSpc>
+            </a:pPr>
+            <a:endParaRPr lang="da-DK" sz="2400" b="1" dirty="0" smtClean="0"/>
+          </a:p>
+          <a:p>
+            <a:pPr eaLnBrk="1" hangingPunct="1">
+              <a:lnSpc>
+                <a:spcPct val="80000"/>
+              </a:lnSpc>
+            </a:pPr>
+            <a:r>
+              <a:rPr lang="da-DK" sz="2400" b="1" dirty="0" smtClean="0"/>
+              <a:t>false == 'false'   // false</a:t>
+            </a:r>
+          </a:p>
+          <a:p>
+            <a:pPr eaLnBrk="1" hangingPunct="1">
+              <a:lnSpc>
+                <a:spcPct val="80000"/>
+              </a:lnSpc>
+            </a:pPr>
+            <a:r>
+              <a:rPr lang="da-DK" sz="2400" b="1" dirty="0" smtClean="0"/>
+              <a:t>false == '0'       // true</a:t>
+            </a:r>
+          </a:p>
+          <a:p>
+            <a:pPr eaLnBrk="1" hangingPunct="1">
+              <a:lnSpc>
+                <a:spcPct val="80000"/>
+              </a:lnSpc>
+            </a:pPr>
+            <a:endParaRPr lang="da-DK" sz="2400" b="1" dirty="0" smtClean="0"/>
+          </a:p>
+          <a:p>
+            <a:pPr eaLnBrk="1" hangingPunct="1">
+              <a:lnSpc>
+                <a:spcPct val="80000"/>
+              </a:lnSpc>
+            </a:pPr>
+            <a:r>
+              <a:rPr lang="da-DK" sz="2400" b="1" dirty="0" smtClean="0"/>
+              <a:t>false == undefined // false</a:t>
+            </a:r>
+          </a:p>
+          <a:p>
+            <a:pPr eaLnBrk="1" hangingPunct="1">
+              <a:lnSpc>
+                <a:spcPct val="80000"/>
+              </a:lnSpc>
+            </a:pPr>
+            <a:r>
+              <a:rPr lang="da-DK" sz="2400" b="1" dirty="0" smtClean="0"/>
+              <a:t>false == null      // false</a:t>
+            </a:r>
+          </a:p>
+          <a:p>
+            <a:pPr eaLnBrk="1" hangingPunct="1">
+              <a:lnSpc>
+                <a:spcPct val="80000"/>
+              </a:lnSpc>
+            </a:pPr>
+            <a:r>
+              <a:rPr lang="da-DK" sz="2400" b="1" dirty="0" smtClean="0"/>
+              <a:t>null == undefined  // true</a:t>
+            </a:r>
+          </a:p>
+          <a:p>
+            <a:pPr eaLnBrk="1" hangingPunct="1">
+              <a:lnSpc>
+                <a:spcPct val="80000"/>
+              </a:lnSpc>
+            </a:pPr>
+            <a:endParaRPr lang="da-DK" sz="2400" b="1" dirty="0" smtClean="0"/>
+          </a:p>
+          <a:p>
+            <a:pPr eaLnBrk="1" hangingPunct="1">
+              <a:lnSpc>
+                <a:spcPct val="80000"/>
+              </a:lnSpc>
+            </a:pPr>
+            <a:r>
+              <a:rPr lang="da-DK" sz="2400" b="1" dirty="0" smtClean="0"/>
+              <a:t>‘ \t\r\n ' == 0    // true</a:t>
+            </a:r>
+            <a:endParaRPr lang="en-US" sz="2400" b="1" dirty="0" smtClean="0"/>
+          </a:p>
+        </p:txBody>
+      </p:sp>
+      <p:sp>
+        <p:nvSpPr>
+          <p:cNvPr id="4" name="Заголовок 1"/>
+          <p:cNvSpPr txBox="1">
+            <a:spLocks/>
+          </p:cNvSpPr>
+          <p:nvPr/>
+        </p:nvSpPr>
+        <p:spPr>
+          <a:xfrm>
+            <a:off x="642910" y="142852"/>
+            <a:ext cx="7772400" cy="528640"/>
+          </a:xfrm>
+          <a:prstGeom prst="rect">
+            <a:avLst/>
+          </a:prstGeom>
+        </p:spPr>
+        <p:txBody>
+          <a:bodyPr vert="horz" lIns="91440" tIns="45720" rIns="91440" bIns="45720" rtlCol="0" anchor="ctr">
+            <a:noAutofit/>
+          </a:bodyPr>
+          <a:lstStyle/>
+          <a:p>
+            <a:pPr marL="0" marR="0" lvl="0" indent="0" algn="ctr" defTabSz="914400" rtl="0" eaLnBrk="1" fontAlgn="auto" latinLnBrk="0" hangingPunct="1">
+              <a:lnSpc>
+                <a:spcPct val="100000"/>
+              </a:lnSpc>
+              <a:spcBef>
+                <a:spcPct val="0"/>
+              </a:spcBef>
+              <a:spcAft>
+                <a:spcPts val="0"/>
+              </a:spcAft>
+              <a:buClrTx/>
+              <a:buSzTx/>
+              <a:buFontTx/>
+              <a:buNone/>
+              <a:tabLst/>
+              <a:defRPr/>
+            </a:pPr>
+            <a:r>
+              <a:rPr lang="en-US" sz="4000" b="1" dirty="0" smtClean="0">
+                <a:solidFill>
+                  <a:schemeClr val="tx1">
+                    <a:lumMod val="65000"/>
+                    <a:lumOff val="35000"/>
+                  </a:schemeClr>
+                </a:solidFill>
+                <a:latin typeface="+mj-lt"/>
+                <a:ea typeface="+mj-ea"/>
+                <a:cs typeface="+mj-cs"/>
+              </a:rPr>
+              <a:t>Evils of type </a:t>
+            </a:r>
+            <a:r>
+              <a:rPr lang="en-US" sz="4000" b="1" dirty="0" smtClean="0">
+                <a:solidFill>
+                  <a:schemeClr val="tx1">
+                    <a:lumMod val="65000"/>
+                    <a:lumOff val="35000"/>
+                  </a:schemeClr>
+                </a:solidFill>
+                <a:latin typeface="+mj-lt"/>
+                <a:ea typeface="+mj-ea"/>
+                <a:cs typeface="+mj-cs"/>
+              </a:rPr>
+              <a:t>coercion (recap)</a:t>
+            </a:r>
+            <a:endParaRPr kumimoji="0" lang="en-US" sz="4000" b="1" i="0" u="none" strike="noStrike" kern="1200" cap="none" spc="0" normalizeH="0" baseline="0" noProof="0" dirty="0">
+              <a:ln>
+                <a:noFill/>
+              </a:ln>
+              <a:solidFill>
+                <a:schemeClr val="tx1">
+                  <a:lumMod val="65000"/>
+                  <a:lumOff val="35000"/>
+                </a:schemeClr>
+              </a:solidFill>
+              <a:effectLst/>
+              <a:uLnTx/>
+              <a:uFillTx/>
+              <a:latin typeface="+mj-lt"/>
+              <a:ea typeface="+mj-ea"/>
+              <a:cs typeface="+mj-cs"/>
+            </a:endParaRPr>
+          </a:p>
+        </p:txBody>
+      </p:sp>
+    </p:spTree>
+    <p:extLst>
+      <p:ext uri="{BB962C8B-B14F-4D97-AF65-F5344CB8AC3E}">
+        <p14:creationId xmlns:p14="http://schemas.microsoft.com/office/powerpoint/2010/main" val="3163450364"/>
+      </p:ext>
+    </p:extLst>
+  </p:cSld>
+  <p:clrMapOvr>
+    <a:masterClrMapping/>
+  </p:clrMapOvr>
+  <p:transition/>
+  <p:timing>
+    <p:tnLst>
+      <p:par>
+        <p:cTn id="1" dur="indefinite" restart="never" nodeType="tmRoot"/>
+      </p:par>
+    </p:tnLst>
+  </p:timing>
+</p:sld>
+</file>
+
 <file path=ppt/slides/slide3.xml><?xml version="1.0" encoding="utf-8"?>
 <p:sld xmlns:a="http://schemas.openxmlformats.org/drawingml/2006/main" xmlns:r="http://schemas.openxmlformats.org/officeDocument/2006/relationships" xmlns:p="http://schemas.openxmlformats.org/presentationml/2006/main">
   <p:cSld>
@@ -10334,102 +6755,56 @@
       </p:grpSpPr>
       <p:sp>
         <p:nvSpPr>
-          <p:cNvPr id="2" name="Заголовок 1"/>
-          <p:cNvSpPr>
-            <a:spLocks noGrp="1"/>
-          </p:cNvSpPr>
-          <p:nvPr>
-            <p:ph type="ctrTitle"/>
-          </p:nvPr>
+          <p:cNvPr id="4" name="Заголовок 1"/>
+          <p:cNvSpPr txBox="1">
+            <a:spLocks/>
+          </p:cNvSpPr>
+          <p:nvPr/>
         </p:nvSpPr>
         <p:spPr>
           <a:xfrm>
             <a:off x="642910" y="142852"/>
             <a:ext cx="7772400" cy="528640"/>
           </a:xfrm>
+          <a:prstGeom prst="rect">
+            <a:avLst/>
+          </a:prstGeom>
         </p:spPr>
         <p:txBody>
-          <a:bodyPr>
-            <a:normAutofit fontScale="90000"/>
+          <a:bodyPr vert="horz" lIns="91440" tIns="45720" rIns="91440" bIns="45720" rtlCol="0" anchor="ctr">
+            <a:noAutofit/>
           </a:bodyPr>
           <a:lstStyle/>
           <a:p>
-            <a:r>
-              <a:rPr lang="en-US" b="1" dirty="0" smtClean="0">
+            <a:pPr lvl="0" algn="ctr">
+              <a:spcBef>
+                <a:spcPct val="0"/>
+              </a:spcBef>
+              <a:defRPr/>
+            </a:pPr>
+            <a:r>
+              <a:rPr lang="en-US" sz="4000" b="1" dirty="0" smtClean="0">
                 <a:solidFill>
                   <a:schemeClr val="tx1">
                     <a:lumMod val="65000"/>
                     <a:lumOff val="35000"/>
                   </a:schemeClr>
                 </a:solidFill>
+                <a:latin typeface="+mj-lt"/>
+                <a:ea typeface="+mj-ea"/>
+                <a:cs typeface="+mj-cs"/>
               </a:rPr>
-              <a:t>Arrays</a:t>
-            </a:r>
-            <a:endParaRPr lang="en-US" b="1" dirty="0">
+              <a:t>Implicit Typecasting</a:t>
+            </a:r>
+            <a:endParaRPr kumimoji="0" lang="en-US" sz="4000" b="1" i="0" u="none" strike="noStrike" kern="1200" cap="none" spc="0" normalizeH="0" baseline="0" noProof="0" dirty="0">
+              <a:ln>
+                <a:noFill/>
+              </a:ln>
               <a:solidFill>
                 <a:schemeClr val="tx1">
                   <a:lumMod val="65000"/>
                   <a:lumOff val="35000"/>
                 </a:schemeClr>
-              </a:solidFill>
-            </a:endParaRPr>
-          </a:p>
-        </p:txBody>
-      </p:sp>
-      <p:sp>
-        <p:nvSpPr>
-          <p:cNvPr id="5" name="Заголовок 1"/>
-          <p:cNvSpPr txBox="1">
-            <a:spLocks/>
-          </p:cNvSpPr>
-          <p:nvPr/>
-        </p:nvSpPr>
-        <p:spPr>
-          <a:xfrm>
-            <a:off x="500034" y="1214422"/>
-            <a:ext cx="7772400" cy="3786214"/>
-          </a:xfrm>
-          <a:prstGeom prst="rect">
-            <a:avLst/>
-          </a:prstGeom>
-        </p:spPr>
-        <p:txBody>
-          <a:bodyPr vert="horz" lIns="91440" tIns="45720" rIns="91440" bIns="45720" rtlCol="0" anchor="ctr">
-            <a:normAutofit/>
-          </a:bodyPr>
-          <a:lstStyle/>
-          <a:p>
-            <a:pPr>
-              <a:spcBef>
-                <a:spcPct val="0"/>
-              </a:spcBef>
-            </a:pPr>
-            <a:endParaRPr lang="be-BY" dirty="0"/>
-          </a:p>
-          <a:p>
-            <a:pPr marL="0" marR="0" lvl="0" indent="0" defTabSz="914400" rtl="0" eaLnBrk="1" fontAlgn="auto" latinLnBrk="0" hangingPunct="1">
-              <a:lnSpc>
-                <a:spcPct val="100000"/>
-              </a:lnSpc>
-              <a:spcBef>
-                <a:spcPct val="0"/>
-              </a:spcBef>
-              <a:spcAft>
-                <a:spcPts val="0"/>
-              </a:spcAft>
-              <a:buClrTx/>
-              <a:buSzTx/>
-              <a:buFontTx/>
-              <a:buNone/>
-              <a:tabLst/>
-              <a:defRPr/>
-            </a:pPr>
-            <a:endParaRPr kumimoji="0" lang="be-BY" sz="4400" b="0" i="0" u="none" strike="noStrike" kern="1200" cap="none" spc="0" normalizeH="0" baseline="0" noProof="0" dirty="0" smtClean="0">
-              <a:ln>
-                <a:noFill/>
-              </a:ln>
-              <a:solidFill>
-                <a:schemeClr val="tx1"/>
               </a:solidFill>
               <a:effectLst/>
               <a:uLnTx/>
@@ -10443,79 +6818,14 @@
       </p:sp>
       <p:sp>
         <p:nvSpPr>
-          <p:cNvPr id="4" name="Заголовок 1"/>
-          <p:cNvSpPr txBox="1">
-            <a:spLocks/>
-          </p:cNvSpPr>
+          <p:cNvPr id="2" name="Rectangle 1"/>
+          <p:cNvSpPr/>
           <p:nvPr/>
         </p:nvSpPr>
         <p:spPr>
           <a:xfrm>
-            <a:off x="723872" y="1438260"/>
-            <a:ext cx="7772400" cy="3786214"/>
-          </a:xfrm>
-          <a:prstGeom prst="rect">
-            <a:avLst/>
-          </a:prstGeom>
-        </p:spPr>
-        <p:txBody>
-          <a:bodyPr vert="horz" lIns="91440" tIns="45720" rIns="91440" bIns="45720" rtlCol="0" anchor="ctr">
-            <a:normAutofit/>
-          </a:bodyPr>
-          <a:lstStyle/>
-          <a:p>
-            <a:pPr>
-              <a:spcBef>
-                <a:spcPct val="0"/>
-              </a:spcBef>
-            </a:pPr>
-            <a:endParaRPr lang="be-BY" dirty="0"/>
-          </a:p>
-          <a:p>
-            <a:pPr marL="0" marR="0" lvl="0" indent="0" defTabSz="914400" rtl="0" eaLnBrk="1" fontAlgn="auto" latinLnBrk="0" hangingPunct="1">
-              <a:lnSpc>
-                <a:spcPct val="100000"/>
-              </a:lnSpc>
-              <a:spcBef>
-                <a:spcPct val="0"/>
-              </a:spcBef>
-              <a:spcAft>
-                <a:spcPts val="0"/>
-              </a:spcAft>
-              <a:buClrTx/>
-              <a:buSzTx/>
-              <a:buFontTx/>
-              <a:buNone/>
-              <a:tabLst/>
-              <a:defRPr/>
-            </a:pPr>
-            <a:endParaRPr kumimoji="0" lang="be-BY" sz="4400" b="0" i="0" u="none" strike="noStrike" kern="1200" cap="none" spc="0" normalizeH="0" baseline="0" noProof="0" dirty="0" smtClean="0">
-              <a:ln>
-                <a:noFill/>
-              </a:ln>
-              <a:solidFill>
-                <a:schemeClr val="tx1"/>
-              </a:solidFill>
-              <a:effectLst/>
-              <a:uLnTx/>
-              <a:uFillTx/>
-              <a:latin typeface="+mj-lt"/>
-              <a:ea typeface="+mj-ea"/>
-              <a:cs typeface="+mj-cs"/>
-            </a:endParaRPr>
-          </a:p>
-        </p:txBody>
-      </p:sp>
-      <p:sp>
-        <p:nvSpPr>
-          <p:cNvPr id="7" name="Rectangle 6"/>
-          <p:cNvSpPr/>
-          <p:nvPr/>
-        </p:nvSpPr>
-        <p:spPr>
-          <a:xfrm>
-            <a:off x="482150" y="764704"/>
-            <a:ext cx="7929618" cy="2677656"/>
+            <a:off x="323528" y="1196752"/>
+            <a:ext cx="8280920" cy="3139321"/>
           </a:xfrm>
           <a:prstGeom prst="rect">
             <a:avLst/>
@@ -10523,13 +6833,13 @@
         </p:spPr>
         <p:style>
           <a:lnRef idx="1">
-            <a:schemeClr val="dk1"/>
+            <a:schemeClr val="accent6"/>
           </a:lnRef>
-          <a:fillRef idx="1001">
-            <a:schemeClr val="lt2"/>
+          <a:fillRef idx="2">
+            <a:schemeClr val="accent6"/>
           </a:fillRef>
           <a:effectRef idx="1">
-            <a:schemeClr val="dk1"/>
+            <a:schemeClr val="accent6"/>
           </a:effectRef>
           <a:fontRef idx="minor">
             <a:schemeClr val="dk1"/>
@@ -10542,238 +6852,263 @@
           <a:lstStyle/>
           <a:p>
             <a:r>
-              <a:rPr lang="en-US" sz="2400" b="1" dirty="0" err="1" smtClean="0">
-                <a:solidFill>
-                  <a:srgbClr val="0070C0"/>
-                </a:solidFill>
+              <a:rPr lang="en-US" dirty="0" err="1">
+                <a:solidFill>
+                  <a:srgbClr val="0000FF"/>
+                </a:solidFill>
+                <a:latin typeface="Consolas"/>
               </a:rPr>
               <a:t>var</a:t>
             </a:r>
             <a:r>
-              <a:rPr lang="en-US" sz="2400" b="1" dirty="0" smtClean="0"/>
+              <a:rPr lang="en-US" dirty="0">
+                <a:solidFill>
+                  <a:prstClr val="black"/>
+                </a:solidFill>
+                <a:latin typeface="Consolas"/>
+              </a:rPr>
+              <a:t> zero = 0;</a:t>
+            </a:r>
+          </a:p>
+          <a:p>
+            <a:endParaRPr lang="en-US" dirty="0">
+              <a:solidFill>
+                <a:prstClr val="black"/>
+              </a:solidFill>
+              <a:latin typeface="Consolas"/>
+            </a:endParaRPr>
+          </a:p>
+          <a:p>
+            <a:r>
+              <a:rPr lang="en-US" dirty="0">
+                <a:solidFill>
+                  <a:srgbClr val="006400"/>
+                </a:solidFill>
+                <a:latin typeface="Consolas"/>
+              </a:rPr>
+              <a:t>/* </a:t>
+            </a:r>
+            <a:r>
+              <a:rPr lang="en-US" dirty="0" err="1" smtClean="0">
+                <a:solidFill>
+                  <a:srgbClr val="006400"/>
+                </a:solidFill>
+                <a:latin typeface="Consolas"/>
+              </a:rPr>
+              <a:t>antipattern</a:t>
+            </a:r>
+            <a:r>
+              <a:rPr lang="en-US" dirty="0" smtClean="0">
+                <a:solidFill>
+                  <a:srgbClr val="006400"/>
+                </a:solidFill>
+                <a:latin typeface="Consolas"/>
+              </a:rPr>
+              <a:t> */</a:t>
+            </a:r>
+            <a:endParaRPr lang="en-US" dirty="0">
+              <a:solidFill>
+                <a:prstClr val="black"/>
+              </a:solidFill>
+              <a:latin typeface="Consolas"/>
+            </a:endParaRPr>
+          </a:p>
+          <a:p>
+            <a:r>
+              <a:rPr lang="en-US" dirty="0">
+                <a:solidFill>
+                  <a:srgbClr val="0000FF"/>
+                </a:solidFill>
+                <a:latin typeface="Consolas"/>
+              </a:rPr>
+              <a:t>if</a:t>
+            </a:r>
+            <a:r>
+              <a:rPr lang="en-US" dirty="0">
+                <a:solidFill>
+                  <a:prstClr val="black"/>
+                </a:solidFill>
+                <a:latin typeface="Consolas"/>
+              </a:rPr>
+              <a:t> (zero == </a:t>
+            </a:r>
+            <a:r>
+              <a:rPr lang="en-US" dirty="0">
+                <a:solidFill>
+                  <a:srgbClr val="0000FF"/>
+                </a:solidFill>
+                <a:latin typeface="Consolas"/>
+              </a:rPr>
+              <a:t>false</a:t>
+            </a:r>
+            <a:r>
+              <a:rPr lang="en-US" dirty="0">
+                <a:solidFill>
+                  <a:prstClr val="black"/>
+                </a:solidFill>
+                <a:latin typeface="Consolas"/>
+              </a:rPr>
+              <a:t>) {</a:t>
+            </a:r>
+          </a:p>
+          <a:p>
+            <a:r>
+              <a:rPr lang="en-US" dirty="0" smtClean="0">
+                <a:solidFill>
+                  <a:srgbClr val="006400"/>
+                </a:solidFill>
+                <a:latin typeface="Consolas"/>
+              </a:rPr>
+              <a:t>	// </a:t>
+            </a:r>
+            <a:r>
+              <a:rPr lang="en-US" dirty="0">
+                <a:solidFill>
+                  <a:srgbClr val="006400"/>
+                </a:solidFill>
+                <a:latin typeface="Consolas"/>
+              </a:rPr>
+              <a:t>this block is executed...</a:t>
+            </a:r>
+            <a:endParaRPr lang="en-US" dirty="0">
+              <a:solidFill>
+                <a:prstClr val="black"/>
+              </a:solidFill>
+              <a:latin typeface="Consolas"/>
+            </a:endParaRPr>
+          </a:p>
+          <a:p>
+            <a:r>
+              <a:rPr lang="en-US" dirty="0">
+                <a:solidFill>
+                  <a:prstClr val="black"/>
+                </a:solidFill>
+                <a:latin typeface="Consolas"/>
+              </a:rPr>
+              <a:t>}</a:t>
+            </a:r>
+          </a:p>
+          <a:p>
+            <a:endParaRPr lang="en-US" dirty="0">
+              <a:solidFill>
+                <a:prstClr val="black"/>
+              </a:solidFill>
+              <a:latin typeface="Consolas"/>
+            </a:endParaRPr>
+          </a:p>
+          <a:p>
+            <a:r>
+              <a:rPr lang="en-US" dirty="0" smtClean="0">
+                <a:solidFill>
+                  <a:srgbClr val="006400"/>
+                </a:solidFill>
+                <a:latin typeface="Consolas"/>
+              </a:rPr>
+              <a:t>// preferred</a:t>
+            </a:r>
+            <a:endParaRPr lang="en-US" dirty="0" smtClean="0">
+              <a:solidFill>
+                <a:prstClr val="black"/>
+              </a:solidFill>
+              <a:latin typeface="Consolas"/>
+            </a:endParaRPr>
+          </a:p>
+          <a:p>
+            <a:r>
+              <a:rPr lang="en-US" dirty="0" smtClean="0">
+                <a:solidFill>
+                  <a:srgbClr val="0000FF"/>
+                </a:solidFill>
+                <a:latin typeface="Consolas"/>
+              </a:rPr>
+              <a:t>if</a:t>
+            </a:r>
+            <a:r>
+              <a:rPr lang="en-US" dirty="0" smtClean="0">
+                <a:solidFill>
+                  <a:prstClr val="black"/>
+                </a:solidFill>
+                <a:latin typeface="Consolas"/>
+              </a:rPr>
               <a:t> </a:t>
             </a:r>
             <a:r>
-              <a:rPr lang="en-US" sz="2400" b="1" dirty="0" smtClean="0">
-                <a:solidFill>
-                  <a:schemeClr val="accent6">
-                    <a:lumMod val="75000"/>
-                  </a:schemeClr>
-                </a:solidFill>
+              <a:rPr lang="en-US" dirty="0">
+                <a:solidFill>
+                  <a:prstClr val="black"/>
+                </a:solidFill>
+                <a:latin typeface="Consolas"/>
               </a:rPr>
-              <a:t>array</a:t>
-            </a:r>
-            <a:r>
-              <a:rPr lang="en-US" sz="2400" b="1" dirty="0" smtClean="0"/>
-              <a:t> = </a:t>
-            </a:r>
-            <a:r>
-              <a:rPr lang="en-US" sz="2400" b="1" dirty="0" smtClean="0">
-                <a:solidFill>
-                  <a:srgbClr val="0070C0"/>
-                </a:solidFill>
+              <a:t>(zero === </a:t>
+            </a:r>
+            <a:r>
+              <a:rPr lang="en-US" dirty="0">
+                <a:solidFill>
+                  <a:srgbClr val="0000FF"/>
+                </a:solidFill>
+                <a:latin typeface="Consolas"/>
               </a:rPr>
-              <a:t>new</a:t>
-            </a:r>
-            <a:r>
-              <a:rPr lang="en-US" sz="2400" b="1" dirty="0" smtClean="0"/>
-              <a:t> </a:t>
-            </a:r>
-            <a:r>
-              <a:rPr lang="en-US" sz="2400" b="1" dirty="0" smtClean="0">
-                <a:solidFill>
-                  <a:srgbClr val="0070C0"/>
-                </a:solidFill>
+              <a:t>false</a:t>
+            </a:r>
+            <a:r>
+              <a:rPr lang="en-US" dirty="0">
+                <a:solidFill>
+                  <a:prstClr val="black"/>
+                </a:solidFill>
+                <a:latin typeface="Consolas"/>
               </a:rPr>
-              <a:t>Array</a:t>
-            </a:r>
-            <a:r>
-              <a:rPr lang="en-US" sz="2400" b="1" dirty="0" smtClean="0">
-                <a:solidFill>
-                  <a:schemeClr val="tx1"/>
-                </a:solidFill>
+              <a:t>) {</a:t>
+            </a:r>
+          </a:p>
+          <a:p>
+            <a:r>
+              <a:rPr lang="en-US" dirty="0" smtClean="0">
+                <a:solidFill>
+                  <a:srgbClr val="006400"/>
+                </a:solidFill>
+                <a:latin typeface="Consolas"/>
               </a:rPr>
-              <a:t>(</a:t>
-            </a:r>
-            <a:r>
-              <a:rPr lang="en-US" sz="2400" b="1" dirty="0" smtClean="0">
-                <a:solidFill>
-                  <a:srgbClr val="00B050"/>
-                </a:solidFill>
+              <a:t>	// </a:t>
+            </a:r>
+            <a:r>
+              <a:rPr lang="en-US" dirty="0">
+                <a:solidFill>
+                  <a:srgbClr val="006400"/>
+                </a:solidFill>
+                <a:latin typeface="Consolas"/>
               </a:rPr>
-              <a:t>3</a:t>
-            </a:r>
-            <a:r>
-              <a:rPr lang="en-US" sz="2400" b="1" dirty="0" smtClean="0"/>
-              <a:t>); </a:t>
-            </a:r>
-          </a:p>
-          <a:p>
-            <a:r>
-              <a:rPr lang="en-US" sz="2400" b="1" dirty="0" smtClean="0"/>
-              <a:t>// </a:t>
-            </a:r>
-            <a:r>
-              <a:rPr lang="en-US" sz="2400" dirty="0"/>
-              <a:t>[undefined, undefined, undefined</a:t>
-            </a:r>
-            <a:r>
-              <a:rPr lang="en-US" sz="2400" dirty="0" smtClean="0"/>
-              <a:t>]</a:t>
-            </a:r>
-          </a:p>
-          <a:p>
-            <a:endParaRPr lang="en-US" sz="2400" dirty="0" smtClean="0"/>
-          </a:p>
-          <a:p>
-            <a:r>
-              <a:rPr lang="en-US" sz="2400" b="1" dirty="0" err="1">
-                <a:solidFill>
-                  <a:srgbClr val="0070C0"/>
-                </a:solidFill>
+              <a:t>not executing because zero is 0, not false</a:t>
+            </a:r>
+            <a:endParaRPr lang="en-US" dirty="0">
+              <a:solidFill>
+                <a:prstClr val="black"/>
+              </a:solidFill>
+              <a:latin typeface="Consolas"/>
+            </a:endParaRPr>
+          </a:p>
+          <a:p>
+            <a:r>
+              <a:rPr lang="en-US" dirty="0" smtClean="0">
+                <a:solidFill>
+                  <a:prstClr val="black"/>
+                </a:solidFill>
+                <a:latin typeface="Consolas"/>
               </a:rPr>
-              <a:t>var</a:t>
-            </a:r>
-            <a:r>
-              <a:rPr lang="en-US" sz="2400" b="1" dirty="0"/>
-              <a:t> </a:t>
-            </a:r>
-            <a:r>
-              <a:rPr lang="en-US" sz="2400" b="1" dirty="0">
-                <a:solidFill>
-                  <a:schemeClr val="accent6">
-                    <a:lumMod val="75000"/>
-                  </a:schemeClr>
-                </a:solidFill>
-              </a:rPr>
-              <a:t>array</a:t>
-            </a:r>
-            <a:r>
-              <a:rPr lang="en-US" sz="2400" b="1" dirty="0"/>
-              <a:t> = </a:t>
-            </a:r>
-            <a:r>
-              <a:rPr lang="en-US" sz="2400" b="1" dirty="0">
-                <a:solidFill>
-                  <a:srgbClr val="0070C0"/>
-                </a:solidFill>
-              </a:rPr>
-              <a:t>new</a:t>
-            </a:r>
-            <a:r>
-              <a:rPr lang="en-US" sz="2400" b="1" dirty="0"/>
-              <a:t> </a:t>
-            </a:r>
-            <a:r>
-              <a:rPr lang="en-US" sz="2400" b="1" dirty="0">
-                <a:solidFill>
-                  <a:srgbClr val="0070C0"/>
-                </a:solidFill>
-              </a:rPr>
-              <a:t>Array</a:t>
-            </a:r>
-            <a:r>
-              <a:rPr lang="en-US" sz="2400" b="1" dirty="0" smtClean="0">
-                <a:solidFill>
-                  <a:schemeClr val="tx1"/>
-                </a:solidFill>
-              </a:rPr>
-              <a:t>(‘</a:t>
-            </a:r>
-            <a:r>
-              <a:rPr lang="en-US" sz="2400" b="1" dirty="0" smtClean="0">
-                <a:solidFill>
-                  <a:srgbClr val="00B050"/>
-                </a:solidFill>
-              </a:rPr>
-              <a:t>3</a:t>
-            </a:r>
-            <a:r>
-              <a:rPr lang="en-US" sz="2400" b="1" dirty="0" smtClean="0">
-                <a:solidFill>
-                  <a:schemeClr val="tx1"/>
-                </a:solidFill>
-              </a:rPr>
-              <a:t>’</a:t>
-            </a:r>
-            <a:r>
-              <a:rPr lang="en-US" sz="2400" b="1" dirty="0" smtClean="0"/>
-              <a:t>); </a:t>
-            </a:r>
-          </a:p>
-          <a:p>
-            <a:r>
-              <a:rPr lang="en-US" sz="2400" b="1" dirty="0" smtClean="0"/>
-              <a:t>// </a:t>
-            </a:r>
-            <a:r>
-              <a:rPr lang="en-US" sz="2400" dirty="0" smtClean="0"/>
-              <a:t>["</a:t>
-            </a:r>
-            <a:r>
-              <a:rPr lang="en-US" sz="2400" dirty="0"/>
-              <a:t>3"]</a:t>
-            </a:r>
-            <a:endParaRPr lang="en-US" sz="2400" b="1" dirty="0" smtClean="0"/>
-          </a:p>
-          <a:p>
-            <a:endParaRPr lang="en-US" sz="2400" b="1" dirty="0" smtClean="0"/>
-          </a:p>
-          <a:p>
-            <a:r>
-              <a:rPr lang="en-US" sz="2400" b="1" dirty="0" err="1">
-                <a:solidFill>
-                  <a:srgbClr val="0070C0"/>
-                </a:solidFill>
-              </a:rPr>
-              <a:t>var</a:t>
-            </a:r>
-            <a:r>
-              <a:rPr lang="en-US" sz="2400" b="1" dirty="0"/>
-              <a:t> </a:t>
-            </a:r>
-            <a:r>
-              <a:rPr lang="en-US" sz="2400" b="1" dirty="0">
-                <a:solidFill>
-                  <a:schemeClr val="accent6">
-                    <a:lumMod val="75000"/>
-                  </a:schemeClr>
-                </a:solidFill>
-              </a:rPr>
-              <a:t>array</a:t>
-            </a:r>
-            <a:r>
-              <a:rPr lang="en-US" sz="2400" b="1" dirty="0"/>
-              <a:t> = </a:t>
-            </a:r>
-            <a:r>
-              <a:rPr lang="en-US" sz="2400" b="1" dirty="0" smtClean="0">
-                <a:solidFill>
-                  <a:schemeClr val="tx1"/>
-                </a:solidFill>
-              </a:rPr>
-              <a:t>[</a:t>
-            </a:r>
-            <a:r>
-              <a:rPr lang="en-US" sz="2400" b="1" dirty="0" smtClean="0">
-                <a:solidFill>
-                  <a:srgbClr val="00B050"/>
-                </a:solidFill>
-              </a:rPr>
-              <a:t>3</a:t>
-            </a:r>
-            <a:r>
-              <a:rPr lang="en-US" sz="2400" b="1" dirty="0" smtClean="0"/>
-              <a:t>]; </a:t>
-            </a:r>
-            <a:endParaRPr lang="en-US" sz="2400" b="1" dirty="0"/>
+              <a:t>}</a:t>
+            </a:r>
+            <a:endParaRPr lang="en-US" dirty="0">
+              <a:solidFill>
+                <a:prstClr val="black"/>
+              </a:solidFill>
+              <a:latin typeface="Consolas"/>
+            </a:endParaRPr>
           </a:p>
         </p:txBody>
       </p:sp>
     </p:spTree>
     <p:extLst>
       <p:ext uri="{BB962C8B-B14F-4D97-AF65-F5344CB8AC3E}">
-        <p14:creationId xmlns:p14="http://schemas.microsoft.com/office/powerpoint/2010/main" val="3722047731"/>
+        <p14:creationId xmlns:p14="http://schemas.microsoft.com/office/powerpoint/2010/main" val="719728662"/>
       </p:ext>
     </p:extLst>
   </p:cSld>
@@ -10810,102 +7145,56 @@
       </p:grpSpPr>
       <p:sp>
         <p:nvSpPr>
-          <p:cNvPr id="2" name="Заголовок 1"/>
-          <p:cNvSpPr>
-            <a:spLocks noGrp="1"/>
-          </p:cNvSpPr>
-          <p:nvPr>
-            <p:ph type="ctrTitle"/>
-          </p:nvPr>
+          <p:cNvPr id="4" name="Заголовок 1"/>
+          <p:cNvSpPr txBox="1">
+            <a:spLocks/>
+          </p:cNvSpPr>
+          <p:nvPr/>
         </p:nvSpPr>
         <p:spPr>
           <a:xfrm>
             <a:off x="642910" y="142852"/>
             <a:ext cx="7772400" cy="528640"/>
           </a:xfrm>
+          <a:prstGeom prst="rect">
+            <a:avLst/>
+          </a:prstGeom>
         </p:spPr>
         <p:txBody>
-          <a:bodyPr>
-            <a:normAutofit fontScale="90000"/>
+          <a:bodyPr vert="horz" lIns="91440" tIns="45720" rIns="91440" bIns="45720" rtlCol="0" anchor="ctr">
+            <a:noAutofit/>
           </a:bodyPr>
           <a:lstStyle/>
           <a:p>
-            <a:r>
-              <a:rPr lang="en-US" b="1" dirty="0" smtClean="0">
+            <a:pPr lvl="0" algn="ctr">
+              <a:spcBef>
+                <a:spcPct val="0"/>
+              </a:spcBef>
+              <a:defRPr/>
+            </a:pPr>
+            <a:r>
+              <a:rPr lang="en-US" sz="4000" b="1" dirty="0" smtClean="0">
                 <a:solidFill>
                   <a:schemeClr val="tx1">
                     <a:lumMod val="65000"/>
                     <a:lumOff val="35000"/>
                   </a:schemeClr>
                 </a:solidFill>
+                <a:latin typeface="+mj-lt"/>
+                <a:ea typeface="+mj-ea"/>
+                <a:cs typeface="+mj-cs"/>
               </a:rPr>
-              <a:t>sort</a:t>
-            </a:r>
-            <a:endParaRPr lang="en-US" b="1" dirty="0">
+              <a:t>semicolon</a:t>
+            </a:r>
+            <a:endParaRPr kumimoji="0" lang="en-US" sz="4000" b="1" i="0" u="none" strike="noStrike" kern="1200" cap="none" spc="0" normalizeH="0" baseline="0" noProof="0" dirty="0">
+              <a:ln>
+                <a:noFill/>
+              </a:ln>
               <a:solidFill>
                 <a:schemeClr val="tx1">
                   <a:lumMod val="65000"/>
                   <a:lumOff val="35000"/>
                 </a:schemeClr>
-              </a:solidFill>
-            </a:endParaRPr>
-          </a:p>
-        </p:txBody>
-      </p:sp>
-      <p:sp>
-        <p:nvSpPr>
-          <p:cNvPr id="5" name="Заголовок 1"/>
-          <p:cNvSpPr txBox="1">
-            <a:spLocks/>
-          </p:cNvSpPr>
-          <p:nvPr/>
-        </p:nvSpPr>
-        <p:spPr>
-          <a:xfrm>
-            <a:off x="500034" y="1214422"/>
-            <a:ext cx="7772400" cy="3786214"/>
-          </a:xfrm>
-          <a:prstGeom prst="rect">
-            <a:avLst/>
-          </a:prstGeom>
-        </p:spPr>
-        <p:txBody>
-          <a:bodyPr vert="horz" lIns="91440" tIns="45720" rIns="91440" bIns="45720" rtlCol="0" anchor="ctr">
-            <a:normAutofit/>
-          </a:bodyPr>
-          <a:lstStyle/>
-          <a:p>
-            <a:pPr>
-              <a:spcBef>
-                <a:spcPct val="0"/>
-              </a:spcBef>
-            </a:pPr>
-            <a:endParaRPr lang="be-BY" dirty="0"/>
-          </a:p>
-          <a:p>
-            <a:pPr marL="0" marR="0" lvl="0" indent="0" defTabSz="914400" rtl="0" eaLnBrk="1" fontAlgn="auto" latinLnBrk="0" hangingPunct="1">
-              <a:lnSpc>
-                <a:spcPct val="100000"/>
-              </a:lnSpc>
-              <a:spcBef>
-                <a:spcPct val="0"/>
-              </a:spcBef>
-              <a:spcAft>
-                <a:spcPts val="0"/>
-              </a:spcAft>
-              <a:buClrTx/>
-              <a:buSzTx/>
-              <a:buFontTx/>
-              <a:buNone/>
-              <a:tabLst/>
-              <a:defRPr/>
-            </a:pPr>
-            <a:endParaRPr kumimoji="0" lang="be-BY" sz="4400" b="0" i="0" u="none" strike="noStrike" kern="1200" cap="none" spc="0" normalizeH="0" baseline="0" noProof="0" dirty="0" smtClean="0">
-              <a:ln>
-                <a:noFill/>
-              </a:ln>
-              <a:solidFill>
-                <a:schemeClr val="tx1"/>
               </a:solidFill>
               <a:effectLst/>
               <a:uLnTx/>
@@ -10919,84 +7208,33 @@
       </p:sp>
       <p:sp>
         <p:nvSpPr>
-          <p:cNvPr id="4" name="Заголовок 1"/>
-          <p:cNvSpPr txBox="1">
-            <a:spLocks/>
-          </p:cNvSpPr>
+          <p:cNvPr id="5" name="Rectangle 5"/>
+          <p:cNvSpPr/>
           <p:nvPr/>
         </p:nvSpPr>
         <p:spPr>
           <a:xfrm>
-            <a:off x="723872" y="1438260"/>
-            <a:ext cx="7772400" cy="3786214"/>
+            <a:off x="428596" y="928670"/>
+            <a:ext cx="8286808" cy="830997"/>
           </a:xfrm>
           <a:prstGeom prst="rect">
             <a:avLst/>
           </a:prstGeom>
         </p:spPr>
-        <p:txBody>
-          <a:bodyPr vert="horz" lIns="91440" tIns="45720" rIns="91440" bIns="45720" rtlCol="0" anchor="ctr">
-            <a:normAutofit/>
-          </a:bodyPr>
-          <a:lstStyle/>
-          <a:p>
-            <a:pPr>
-              <a:spcBef>
-                <a:spcPct val="0"/>
-              </a:spcBef>
-            </a:pPr>
-            <a:endParaRPr lang="be-BY" dirty="0"/>
-          </a:p>
-          <a:p>
-            <a:pPr marL="0" marR="0" lvl="0" indent="0" defTabSz="914400" rtl="0" eaLnBrk="1" fontAlgn="auto" latinLnBrk="0" hangingPunct="1">
-              <a:lnSpc>
-                <a:spcPct val="100000"/>
-              </a:lnSpc>
-              <a:spcBef>
-                <a:spcPct val="0"/>
-              </a:spcBef>
-              <a:spcAft>
-                <a:spcPts val="0"/>
-              </a:spcAft>
-              <a:buClrTx/>
-              <a:buSzTx/>
-              <a:buFontTx/>
-              <a:buNone/>
-              <a:tabLst/>
-              <a:defRPr/>
-            </a:pPr>
-            <a:endParaRPr kumimoji="0" lang="be-BY" sz="4400" b="0" i="0" u="none" strike="noStrike" kern="1200" cap="none" spc="0" normalizeH="0" baseline="0" noProof="0" dirty="0" smtClean="0">
-              <a:ln>
-                <a:noFill/>
-              </a:ln>
-              <a:solidFill>
-                <a:schemeClr val="tx1"/>
-              </a:solidFill>
-              <a:effectLst/>
-              <a:uLnTx/>
-              <a:uFillTx/>
-              <a:latin typeface="+mj-lt"/>
-              <a:ea typeface="+mj-ea"/>
-              <a:cs typeface="+mj-cs"/>
-            </a:endParaRPr>
-          </a:p>
-        </p:txBody>
-      </p:sp>
-      <p:sp>
-        <p:nvSpPr>
-          <p:cNvPr id="6" name="Rectangle 5"/>
-          <p:cNvSpPr/>
-          <p:nvPr/>
-        </p:nvSpPr>
-        <p:spPr>
-          <a:xfrm>
-            <a:off x="571472" y="785794"/>
-            <a:ext cx="7929618" cy="1938992"/>
-          </a:xfrm>
-          <a:prstGeom prst="rect">
-            <a:avLst/>
-          </a:prstGeom>
-        </p:spPr>
+        <p:style>
+          <a:lnRef idx="1">
+            <a:schemeClr val="dk1"/>
+          </a:lnRef>
+          <a:fillRef idx="1001">
+            <a:schemeClr val="lt2"/>
+          </a:fillRef>
+          <a:effectRef idx="1">
+            <a:schemeClr val="dk1"/>
+          </a:effectRef>
+          <a:fontRef idx="minor">
+            <a:schemeClr val="dk1"/>
+          </a:fontRef>
+        </p:style>
         <p:txBody>
           <a:bodyPr wrap="square">
             <a:spAutoFit/>
@@ -11004,70 +7242,95 @@
           <a:lstStyle/>
           <a:p>
             <a:pPr>
-              <a:buFontTx/>
+              <a:lnSpc>
+                <a:spcPct val="80000"/>
+              </a:lnSpc>
               <a:buNone/>
             </a:pPr>
             <a:r>
-              <a:rPr lang="pt-BR" sz="2400" b="1" dirty="0" smtClean="0">
-                <a:latin typeface="Courier New" pitchFamily="49" charset="0"/>
-                <a:cs typeface="Courier New" pitchFamily="49" charset="0"/>
-              </a:rPr>
-              <a:t>var n = [4, 8, 15, 16, 23, 42];</a:t>
+              <a:rPr lang="en-US" sz="2000" b="1" dirty="0" err="1" smtClean="0"/>
+              <a:t>var</a:t>
+            </a:r>
+            <a:r>
+              <a:rPr lang="en-US" sz="2000" b="1" dirty="0" smtClean="0"/>
+              <a:t> a = b</a:t>
             </a:r>
           </a:p>
           <a:p>
             <a:pPr>
-              <a:buFontTx/>
+              <a:lnSpc>
+                <a:spcPct val="80000"/>
+              </a:lnSpc>
               <a:buNone/>
             </a:pPr>
-            <a:endParaRPr lang="pt-BR" sz="2400" b="1" dirty="0" smtClean="0">
-              <a:latin typeface="Courier New" pitchFamily="49" charset="0"/>
-              <a:cs typeface="Courier New" pitchFamily="49" charset="0"/>
+            <a:r>
+              <a:rPr lang="en-US" sz="2000" b="1" dirty="0" smtClean="0">
+                <a:solidFill>
+                  <a:schemeClr val="bg1">
+                    <a:lumMod val="50000"/>
+                  </a:schemeClr>
+                </a:solidFill>
+              </a:rPr>
+              <a:t>//blah </a:t>
+            </a:r>
+            <a:r>
+              <a:rPr lang="en-US" sz="2000" b="1" dirty="0" err="1" smtClean="0">
+                <a:solidFill>
+                  <a:schemeClr val="bg1">
+                    <a:lumMod val="50000"/>
+                  </a:schemeClr>
+                </a:solidFill>
+              </a:rPr>
+              <a:t>blah</a:t>
+            </a:r>
+            <a:r>
+              <a:rPr lang="en-US" sz="2000" b="1" dirty="0" smtClean="0">
+                <a:solidFill>
+                  <a:schemeClr val="bg1">
+                    <a:lumMod val="50000"/>
+                  </a:schemeClr>
+                </a:solidFill>
+              </a:rPr>
+              <a:t> </a:t>
+            </a:r>
+            <a:r>
+              <a:rPr lang="en-US" sz="2000" b="1" dirty="0" err="1" smtClean="0">
+                <a:solidFill>
+                  <a:schemeClr val="bg1">
+                    <a:lumMod val="50000"/>
+                  </a:schemeClr>
+                </a:solidFill>
+              </a:rPr>
+              <a:t>blah</a:t>
+            </a:r>
+            <a:endParaRPr lang="en-US" sz="2000" b="1" dirty="0" smtClean="0">
+              <a:solidFill>
+                <a:schemeClr val="bg1">
+                  <a:lumMod val="50000"/>
+                </a:schemeClr>
+              </a:solidFill>
             </a:endParaRPr>
           </a:p>
           <a:p>
             <a:pPr>
-              <a:buFontTx/>
+              <a:lnSpc>
+                <a:spcPct val="80000"/>
+              </a:lnSpc>
               <a:buNone/>
             </a:pPr>
             <a:r>
-              <a:rPr lang="pt-BR" sz="2400" b="1" dirty="0" smtClean="0">
-                <a:latin typeface="Courier New" pitchFamily="49" charset="0"/>
-                <a:cs typeface="Courier New" pitchFamily="49" charset="0"/>
-              </a:rPr>
-              <a:t>n.sort();</a:t>
-            </a:r>
-          </a:p>
-          <a:p>
-            <a:pPr>
-              <a:buFontTx/>
-              <a:buNone/>
-            </a:pPr>
-            <a:endParaRPr lang="pt-BR" sz="2400" b="1" dirty="0" smtClean="0">
-              <a:latin typeface="Courier New" pitchFamily="49" charset="0"/>
-              <a:cs typeface="Courier New" pitchFamily="49" charset="0"/>
-            </a:endParaRPr>
-          </a:p>
-          <a:p>
-            <a:pPr>
-              <a:buFontTx/>
-              <a:buNone/>
-            </a:pPr>
-            <a:r>
-              <a:rPr lang="pt-BR" sz="2400" b="1" dirty="0" smtClean="0">
-                <a:latin typeface="Courier New" pitchFamily="49" charset="0"/>
-                <a:cs typeface="Courier New" pitchFamily="49" charset="0"/>
-              </a:rPr>
-              <a:t>// n is [15, 16, 23, 4, 42, 8]</a:t>
-            </a:r>
-            <a:endParaRPr lang="en-US" sz="2400" b="1" dirty="0" smtClean="0">
-              <a:latin typeface="Courier New" pitchFamily="49" charset="0"/>
-              <a:cs typeface="Courier New" pitchFamily="49" charset="0"/>
-            </a:endParaRPr>
+              <a:rPr lang="en-US" sz="2000" b="1" dirty="0" smtClean="0"/>
+              <a:t>(function() {alert(1)})()</a:t>
+            </a:r>
           </a:p>
         </p:txBody>
       </p:sp>
     </p:spTree>
+    <p:extLst>
+      <p:ext uri="{BB962C8B-B14F-4D97-AF65-F5344CB8AC3E}">
+        <p14:creationId xmlns:p14="http://schemas.microsoft.com/office/powerpoint/2010/main" val="2084511723"/>
+      </p:ext>
+    </p:extLst>
   </p:cSld>
   <p:clrMapOvr>
     <a:masterClrMapping/>
@@ -11123,8 +7386,15 @@
           <a:lstStyle/>
           <a:p>
             <a:r>
-              <a:rPr lang="en-US" b="1" dirty="0" smtClean="0"/>
-              <a:t>Deleting Elements</a:t>
+              <a:rPr lang="en-US" b="1" dirty="0" smtClean="0">
+                <a:solidFill>
+                  <a:schemeClr val="tx1">
+                    <a:lumMod val="65000"/>
+                    <a:lumOff val="35000"/>
+                  </a:schemeClr>
+                </a:solidFill>
+              </a:rPr>
+              <a:t>With statement</a:t>
             </a:r>
             <a:endParaRPr lang="en-US" b="1" dirty="0">
               <a:solidFill>
@@ -11147,7 +7417,7 @@
         </p:nvSpPr>
         <p:spPr>
           <a:xfrm>
-            <a:off x="500034" y="1214422"/>
+            <a:off x="571472" y="1285860"/>
             <a:ext cx="7772400" cy="3786214"/>
           </a:xfrm>
           <a:prstGeom prst="rect">
@@ -11165,7 +7435,7 @@
                 <a:spcPct val="0"/>
               </a:spcBef>
             </a:pPr>
-            <a:endParaRPr lang="be-BY" dirty="0"/>
+            <a:endParaRPr lang="be-BY" smtClean="0"/>
           </a:p>
           <a:p>
             <a:pPr marL="0" marR="0" lvl="0" indent="0" defTabSz="914400" rtl="0" eaLnBrk="1" fontAlgn="auto" latinLnBrk="0" hangingPunct="1">
@@ -11204,158 +7474,327 @@
       </p:sp>
       <p:sp>
         <p:nvSpPr>
-          <p:cNvPr id="4" name="Заголовок 1"/>
-          <p:cNvSpPr txBox="1">
-            <a:spLocks/>
-          </p:cNvSpPr>
+          <p:cNvPr id="6" name="Rectangle 5"/>
+          <p:cNvSpPr/>
           <p:nvPr/>
         </p:nvSpPr>
         <p:spPr>
           <a:xfrm>
-            <a:off x="723872" y="1438260"/>
-            <a:ext cx="7772400" cy="3786214"/>
+            <a:off x="428596" y="1214422"/>
+            <a:ext cx="8286808" cy="1015663"/>
           </a:xfrm>
           <a:prstGeom prst="rect">
             <a:avLst/>
           </a:prstGeom>
         </p:spPr>
-        <p:txBody>
-          <a:bodyPr vert="horz" lIns="91440" tIns="45720" rIns="91440" bIns="45720" rtlCol="0" anchor="ctr">
-            <a:normAutofit/>
+        <p:style>
+          <a:lnRef idx="1">
+            <a:schemeClr val="dk1"/>
+          </a:lnRef>
+          <a:fillRef idx="1001">
+            <a:schemeClr val="lt2"/>
+          </a:fillRef>
+          <a:effectRef idx="1">
+            <a:schemeClr val="dk1"/>
+          </a:effectRef>
+          <a:fontRef idx="minor">
+            <a:schemeClr val="dk1"/>
+          </a:fontRef>
+        </p:style>
+        <p:txBody>
+          <a:bodyPr wrap="square">
+            <a:spAutoFit/>
           </a:bodyPr>
           <a:lstStyle/>
           <a:p>
-            <a:pPr>
-              <a:spcBef>
-                <a:spcPct val="0"/>
-              </a:spcBef>
-            </a:pPr>
-            <a:endParaRPr lang="be-BY" dirty="0"/>
-          </a:p>
-          <a:p>
-            <a:pPr marL="0" marR="0" lvl="0" indent="0" defTabSz="914400" rtl="0" eaLnBrk="1" fontAlgn="auto" latinLnBrk="0" hangingPunct="1">
-              <a:lnSpc>
-                <a:spcPct val="100000"/>
-              </a:lnSpc>
-              <a:spcBef>
-                <a:spcPct val="0"/>
-              </a:spcBef>
-              <a:spcAft>
-                <a:spcPts val="0"/>
-              </a:spcAft>
-              <a:buClrTx/>
-              <a:buSzTx/>
-              <a:buFontTx/>
-              <a:buNone/>
-              <a:tabLst/>
-              <a:defRPr/>
-            </a:pPr>
-            <a:endParaRPr kumimoji="0" lang="be-BY" sz="4400" b="0" i="0" u="none" strike="noStrike" kern="1200" cap="none" spc="0" normalizeH="0" baseline="0" noProof="0" dirty="0" smtClean="0">
-              <a:ln>
-                <a:noFill/>
-              </a:ln>
-              <a:solidFill>
-                <a:schemeClr val="tx1"/>
-              </a:solidFill>
-              <a:effectLst/>
-              <a:uLnTx/>
-              <a:uFillTx/>
-              <a:latin typeface="+mj-lt"/>
-              <a:ea typeface="+mj-ea"/>
-              <a:cs typeface="+mj-cs"/>
-            </a:endParaRPr>
-          </a:p>
-        </p:txBody>
-      </p:sp>
-      <p:sp>
-        <p:nvSpPr>
-          <p:cNvPr id="6" name="Rectangle 5"/>
+            <a:r>
+              <a:rPr lang="en-US" sz="2000" b="1" dirty="0" smtClean="0">
+                <a:solidFill>
+                  <a:srgbClr val="0070C0"/>
+                </a:solidFill>
+              </a:rPr>
+              <a:t>with</a:t>
+            </a:r>
+            <a:r>
+              <a:rPr lang="en-US" sz="2000" b="1" dirty="0" smtClean="0"/>
+              <a:t> (</a:t>
+            </a:r>
+            <a:r>
+              <a:rPr lang="en-US" sz="2000" b="1" dirty="0" err="1" smtClean="0">
+                <a:solidFill>
+                  <a:schemeClr val="accent6">
+                    <a:lumMod val="75000"/>
+                  </a:schemeClr>
+                </a:solidFill>
+              </a:rPr>
+              <a:t>obj</a:t>
+            </a:r>
+            <a:r>
+              <a:rPr lang="en-US" sz="2000" b="1" dirty="0" smtClean="0"/>
+              <a:t>) {</a:t>
+            </a:r>
+          </a:p>
+          <a:p>
+            <a:r>
+              <a:rPr lang="en-US" sz="2000" b="1" dirty="0" smtClean="0"/>
+              <a:t>	</a:t>
+            </a:r>
+            <a:r>
+              <a:rPr lang="en-US" sz="2000" b="1" dirty="0" smtClean="0">
+                <a:solidFill>
+                  <a:schemeClr val="accent6">
+                    <a:lumMod val="75000"/>
+                  </a:schemeClr>
+                </a:solidFill>
+              </a:rPr>
+              <a:t>a</a:t>
+            </a:r>
+            <a:r>
+              <a:rPr lang="en-US" sz="2000" b="1" dirty="0" smtClean="0"/>
+              <a:t> = </a:t>
+            </a:r>
+            <a:r>
+              <a:rPr lang="en-US" sz="2000" b="1" dirty="0" smtClean="0">
+                <a:solidFill>
+                  <a:schemeClr val="accent6">
+                    <a:lumMod val="75000"/>
+                  </a:schemeClr>
+                </a:solidFill>
+              </a:rPr>
+              <a:t>b</a:t>
+            </a:r>
+            <a:r>
+              <a:rPr lang="en-US" sz="2000" b="1" dirty="0" smtClean="0"/>
+              <a:t>;</a:t>
+            </a:r>
+          </a:p>
+          <a:p>
+            <a:r>
+              <a:rPr lang="en-US" sz="2000" b="1" dirty="0" smtClean="0"/>
+              <a:t>}</a:t>
+            </a:r>
+          </a:p>
+        </p:txBody>
+      </p:sp>
+      <p:sp>
+        <p:nvSpPr>
+          <p:cNvPr id="8" name="Rectangle 7"/>
           <p:cNvSpPr/>
           <p:nvPr/>
         </p:nvSpPr>
         <p:spPr>
           <a:xfrm>
-            <a:off x="571472" y="785794"/>
-            <a:ext cx="7929618" cy="2419124"/>
+            <a:off x="428596" y="2643182"/>
+            <a:ext cx="8286808" cy="1323439"/>
           </a:xfrm>
           <a:prstGeom prst="rect">
             <a:avLst/>
           </a:prstGeom>
         </p:spPr>
+        <p:style>
+          <a:lnRef idx="1">
+            <a:schemeClr val="dk1"/>
+          </a:lnRef>
+          <a:fillRef idx="1001">
+            <a:schemeClr val="lt2"/>
+          </a:fillRef>
+          <a:effectRef idx="1">
+            <a:schemeClr val="dk1"/>
+          </a:effectRef>
+          <a:fontRef idx="minor">
+            <a:schemeClr val="dk1"/>
+          </a:fontRef>
+        </p:style>
         <p:txBody>
           <a:bodyPr wrap="square">
             <a:spAutoFit/>
           </a:bodyPr>
           <a:lstStyle/>
           <a:p>
-            <a:pPr>
-              <a:lnSpc>
-                <a:spcPct val="90000"/>
-              </a:lnSpc>
-            </a:pPr>
-            <a:endParaRPr lang="en-US" sz="2400" b="1" dirty="0" smtClean="0"/>
-          </a:p>
-          <a:p>
-            <a:pPr>
-              <a:lnSpc>
-                <a:spcPct val="90000"/>
-              </a:lnSpc>
-            </a:pPr>
-            <a:r>
-              <a:rPr lang="en-US" sz="2400" b="1" dirty="0" smtClean="0"/>
-              <a:t>delete array[number]</a:t>
-            </a:r>
-            <a:endParaRPr lang="en-US" sz="2400" dirty="0" smtClean="0"/>
-          </a:p>
-          <a:p>
-            <a:pPr>
-              <a:lnSpc>
-                <a:spcPct val="90000"/>
-              </a:lnSpc>
-            </a:pPr>
-            <a:r>
-              <a:rPr lang="en-US" sz="2400" dirty="0" smtClean="0"/>
-              <a:t>Removes the element, but leaves a hole in the numbering.</a:t>
-            </a:r>
-          </a:p>
-          <a:p>
-            <a:pPr>
-              <a:lnSpc>
-                <a:spcPct val="90000"/>
-              </a:lnSpc>
-            </a:pPr>
-            <a:endParaRPr lang="en-US" sz="2400" b="1" dirty="0" smtClean="0"/>
-          </a:p>
-          <a:p>
-            <a:pPr>
-              <a:lnSpc>
-                <a:spcPct val="90000"/>
-              </a:lnSpc>
-            </a:pPr>
-            <a:r>
-              <a:rPr lang="en-US" sz="2400" b="1" dirty="0" err="1" smtClean="0"/>
-              <a:t>array.splice</a:t>
-            </a:r>
-            <a:r>
-              <a:rPr lang="en-US" sz="2400" b="1" dirty="0" smtClean="0"/>
-              <a:t>(number, 1)</a:t>
-            </a:r>
-            <a:endParaRPr lang="en-US" sz="2400" dirty="0" smtClean="0"/>
-          </a:p>
-          <a:p>
-            <a:pPr>
-              <a:lnSpc>
-                <a:spcPct val="90000"/>
-              </a:lnSpc>
-            </a:pPr>
-            <a:r>
-              <a:rPr lang="en-US" sz="2400" dirty="0" smtClean="0"/>
-              <a:t>Removes the element and renumbers all the following elements.</a:t>
-            </a:r>
+            <a:r>
+              <a:rPr lang="pt-BR" sz="2000" b="1" dirty="0" smtClean="0">
+                <a:solidFill>
+                  <a:schemeClr val="accent6">
+                    <a:lumMod val="75000"/>
+                  </a:schemeClr>
+                </a:solidFill>
+              </a:rPr>
+              <a:t>a</a:t>
+            </a:r>
+            <a:r>
+              <a:rPr lang="pt-BR" sz="2000" b="1" dirty="0" smtClean="0"/>
+              <a:t> = </a:t>
+            </a:r>
+            <a:r>
+              <a:rPr lang="pt-BR" sz="2000" b="1" dirty="0" smtClean="0">
+                <a:solidFill>
+                  <a:schemeClr val="accent6">
+                    <a:lumMod val="75000"/>
+                  </a:schemeClr>
+                </a:solidFill>
+              </a:rPr>
+              <a:t>b</a:t>
+            </a:r>
+            <a:r>
+              <a:rPr lang="pt-BR" sz="2000" b="1" dirty="0" smtClean="0"/>
+              <a:t>; </a:t>
+            </a:r>
+          </a:p>
+          <a:p>
+            <a:r>
+              <a:rPr lang="pt-BR" sz="2000" b="1" dirty="0" smtClean="0">
+                <a:solidFill>
+                  <a:schemeClr val="accent6">
+                    <a:lumMod val="75000"/>
+                  </a:schemeClr>
+                </a:solidFill>
+              </a:rPr>
+              <a:t>a</a:t>
+            </a:r>
+            <a:r>
+              <a:rPr lang="pt-BR" sz="2000" b="1" dirty="0" smtClean="0"/>
+              <a:t> = </a:t>
+            </a:r>
+            <a:r>
+              <a:rPr lang="pt-BR" sz="2000" b="1" dirty="0" smtClean="0">
+                <a:solidFill>
+                  <a:schemeClr val="accent6">
+                    <a:lumMod val="75000"/>
+                  </a:schemeClr>
+                </a:solidFill>
+              </a:rPr>
+              <a:t>obj</a:t>
+            </a:r>
+            <a:r>
+              <a:rPr lang="pt-BR" sz="2000" b="1" dirty="0" smtClean="0"/>
+              <a:t>.</a:t>
+            </a:r>
+            <a:r>
+              <a:rPr lang="pt-BR" sz="2000" b="1" dirty="0" smtClean="0">
+                <a:solidFill>
+                  <a:schemeClr val="accent6">
+                    <a:lumMod val="75000"/>
+                  </a:schemeClr>
+                </a:solidFill>
+              </a:rPr>
+              <a:t>b</a:t>
+            </a:r>
+            <a:r>
+              <a:rPr lang="pt-BR" sz="2000" b="1" dirty="0" smtClean="0"/>
+              <a:t>; </a:t>
+            </a:r>
+          </a:p>
+          <a:p>
+            <a:r>
+              <a:rPr lang="pt-BR" sz="2000" b="1" dirty="0" smtClean="0">
+                <a:solidFill>
+                  <a:schemeClr val="accent6">
+                    <a:lumMod val="75000"/>
+                  </a:schemeClr>
+                </a:solidFill>
+              </a:rPr>
+              <a:t>obj</a:t>
+            </a:r>
+            <a:r>
+              <a:rPr lang="pt-BR" sz="2000" b="1" dirty="0" smtClean="0"/>
+              <a:t>.</a:t>
+            </a:r>
+            <a:r>
+              <a:rPr lang="pt-BR" sz="2000" b="1" dirty="0" smtClean="0">
+                <a:solidFill>
+                  <a:schemeClr val="accent6">
+                    <a:lumMod val="75000"/>
+                  </a:schemeClr>
+                </a:solidFill>
+              </a:rPr>
+              <a:t>a</a:t>
+            </a:r>
+            <a:r>
+              <a:rPr lang="pt-BR" sz="2000" b="1" dirty="0" smtClean="0"/>
+              <a:t> = </a:t>
+            </a:r>
+            <a:r>
+              <a:rPr lang="pt-BR" sz="2000" b="1" dirty="0" smtClean="0">
+                <a:solidFill>
+                  <a:schemeClr val="accent6">
+                    <a:lumMod val="75000"/>
+                  </a:schemeClr>
+                </a:solidFill>
+              </a:rPr>
+              <a:t>b</a:t>
+            </a:r>
+            <a:r>
+              <a:rPr lang="pt-BR" sz="2000" b="1" dirty="0" smtClean="0"/>
+              <a:t>; </a:t>
+            </a:r>
+          </a:p>
+          <a:p>
+            <a:r>
+              <a:rPr lang="pt-BR" sz="2000" b="1" dirty="0" smtClean="0">
+                <a:solidFill>
+                  <a:schemeClr val="accent6">
+                    <a:lumMod val="75000"/>
+                  </a:schemeClr>
+                </a:solidFill>
+              </a:rPr>
+              <a:t>obj</a:t>
+            </a:r>
+            <a:r>
+              <a:rPr lang="pt-BR" sz="2000" b="1" dirty="0" smtClean="0"/>
+              <a:t>.</a:t>
+            </a:r>
+            <a:r>
+              <a:rPr lang="pt-BR" sz="2000" b="1" dirty="0" smtClean="0">
+                <a:solidFill>
+                  <a:schemeClr val="accent6">
+                    <a:lumMod val="75000"/>
+                  </a:schemeClr>
+                </a:solidFill>
+              </a:rPr>
+              <a:t>a</a:t>
+            </a:r>
+            <a:r>
+              <a:rPr lang="pt-BR" sz="2000" b="1" dirty="0" smtClean="0"/>
+              <a:t> = </a:t>
+            </a:r>
+            <a:r>
+              <a:rPr lang="pt-BR" sz="2000" b="1" dirty="0" smtClean="0">
+                <a:solidFill>
+                  <a:schemeClr val="accent6">
+                    <a:lumMod val="75000"/>
+                  </a:schemeClr>
+                </a:solidFill>
+              </a:rPr>
+              <a:t>obj</a:t>
+            </a:r>
+            <a:r>
+              <a:rPr lang="pt-BR" sz="2000" b="1" dirty="0" smtClean="0"/>
+              <a:t>.</a:t>
+            </a:r>
+            <a:r>
+              <a:rPr lang="pt-BR" sz="2000" b="1" dirty="0" smtClean="0">
+                <a:solidFill>
+                  <a:schemeClr val="accent6">
+                    <a:lumMod val="75000"/>
+                  </a:schemeClr>
+                </a:solidFill>
+              </a:rPr>
+              <a:t>b</a:t>
+            </a:r>
+            <a:r>
+              <a:rPr lang="pt-BR" sz="2000" b="1" dirty="0" smtClean="0"/>
+              <a:t>;</a:t>
+            </a:r>
+            <a:endParaRPr lang="en-US" sz="2000" b="1" dirty="0" smtClean="0"/>
           </a:p>
         </p:txBody>
       </p:sp>
     </p:spTree>
+    <p:extLst>
+      <p:ext uri="{BB962C8B-B14F-4D97-AF65-F5344CB8AC3E}">
+        <p14:creationId xmlns:p14="http://schemas.microsoft.com/office/powerpoint/2010/main" val="1799072592"/>
+      </p:ext>
+    </p:extLst>
   </p:cSld>
   <p:clrMapOvr>
     <a:masterClrMapping/>
@@ -11411,8 +7850,15 @@
           <a:lstStyle/>
           <a:p>
             <a:r>
-              <a:rPr lang="en-US" b="1" dirty="0" smtClean="0"/>
-              <a:t>Deleting Elements</a:t>
+              <a:rPr lang="en-US" b="1" dirty="0" smtClean="0">
+                <a:solidFill>
+                  <a:schemeClr val="tx1">
+                    <a:lumMod val="65000"/>
+                    <a:lumOff val="35000"/>
+                  </a:schemeClr>
+                </a:solidFill>
+              </a:rPr>
+              <a:t>Identifiers</a:t>
             </a:r>
             <a:endParaRPr lang="en-US" b="1" dirty="0">
               <a:solidFill>
@@ -11435,7 +7881,7 @@
         </p:nvSpPr>
         <p:spPr>
           <a:xfrm>
-            <a:off x="500034" y="1214422"/>
+            <a:off x="571472" y="1285860"/>
             <a:ext cx="7772400" cy="3786214"/>
           </a:xfrm>
           <a:prstGeom prst="rect">
@@ -11453,7 +7899,7 @@
                 <a:spcPct val="0"/>
               </a:spcBef>
             </a:pPr>
-            <a:endParaRPr lang="be-BY" dirty="0"/>
+            <a:endParaRPr lang="be-BY" smtClean="0"/>
           </a:p>
           <a:p>
             <a:pPr marL="0" marR="0" lvl="0" indent="0" defTabSz="914400" rtl="0" eaLnBrk="1" fontAlgn="auto" latinLnBrk="0" hangingPunct="1">
@@ -11492,223 +7938,88 @@
       </p:sp>
       <p:sp>
         <p:nvSpPr>
-          <p:cNvPr id="4" name="Заголовок 1"/>
-          <p:cNvSpPr txBox="1">
-            <a:spLocks/>
-          </p:cNvSpPr>
+          <p:cNvPr id="7" name="Rectangle 6"/>
+          <p:cNvSpPr/>
           <p:nvPr/>
         </p:nvSpPr>
         <p:spPr>
           <a:xfrm>
-            <a:off x="723872" y="1438260"/>
-            <a:ext cx="7772400" cy="3786214"/>
+            <a:off x="642910" y="928670"/>
+            <a:ext cx="7858180" cy="3416320"/>
           </a:xfrm>
           <a:prstGeom prst="rect">
             <a:avLst/>
           </a:prstGeom>
         </p:spPr>
         <p:txBody>
-          <a:bodyPr vert="horz" lIns="91440" tIns="45720" rIns="91440" bIns="45720" rtlCol="0" anchor="ctr">
-            <a:normAutofit/>
-          </a:bodyPr>
-          <a:lstStyle/>
-          <a:p>
-            <a:pPr>
-              <a:spcBef>
-                <a:spcPct val="0"/>
-              </a:spcBef>
-            </a:pPr>
-            <a:endParaRPr lang="be-BY" dirty="0"/>
-          </a:p>
-          <a:p>
-            <a:pPr marL="0" marR="0" lvl="0" indent="0" defTabSz="914400" rtl="0" eaLnBrk="1" fontAlgn="auto" latinLnBrk="0" hangingPunct="1">
-              <a:lnSpc>
-                <a:spcPct val="100000"/>
-              </a:lnSpc>
-              <a:spcBef>
-                <a:spcPct val="0"/>
-              </a:spcBef>
-              <a:spcAft>
-                <a:spcPts val="0"/>
-              </a:spcAft>
-              <a:buClrTx/>
-              <a:buSzTx/>
-              <a:buFontTx/>
-              <a:buNone/>
-              <a:tabLst/>
-              <a:defRPr/>
-            </a:pPr>
-            <a:endParaRPr kumimoji="0" lang="be-BY" sz="4400" b="0" i="0" u="none" strike="noStrike" kern="1200" cap="none" spc="0" normalizeH="0" baseline="0" noProof="0" dirty="0" smtClean="0">
-              <a:ln>
-                <a:noFill/>
-              </a:ln>
-              <a:solidFill>
-                <a:schemeClr val="tx1"/>
-              </a:solidFill>
-              <a:effectLst/>
-              <a:uLnTx/>
-              <a:uFillTx/>
-              <a:latin typeface="+mj-lt"/>
-              <a:ea typeface="+mj-ea"/>
-              <a:cs typeface="+mj-cs"/>
-            </a:endParaRPr>
-          </a:p>
-        </p:txBody>
-      </p:sp>
-      <p:sp>
-        <p:nvSpPr>
-          <p:cNvPr id="6" name="Rectangle 5"/>
-          <p:cNvSpPr/>
-          <p:nvPr/>
-        </p:nvSpPr>
-        <p:spPr>
-          <a:xfrm>
-            <a:off x="571472" y="785794"/>
-            <a:ext cx="7929618" cy="3054362"/>
-          </a:xfrm>
-          <a:prstGeom prst="rect">
-            <a:avLst/>
-          </a:prstGeom>
-        </p:spPr>
-        <p:txBody>
           <a:bodyPr wrap="square">
             <a:spAutoFit/>
           </a:bodyPr>
           <a:lstStyle/>
           <a:p>
             <a:pPr>
-              <a:lnSpc>
-                <a:spcPct val="80000"/>
-              </a:lnSpc>
+              <a:buFont typeface="Arial" pitchFamily="34" charset="0"/>
+              <a:buChar char="•"/>
             </a:pPr>
             <a:r>
-              <a:rPr lang="en-US" sz="2400" b="1" dirty="0" err="1" smtClean="0"/>
-              <a:t>myArray</a:t>
-            </a:r>
-            <a:r>
               <a:rPr lang="en-US" sz="2400" b="1" dirty="0" smtClean="0"/>
-              <a:t> = ['a', </a:t>
-            </a:r>
-            <a:r>
-              <a:rPr lang="en-US" sz="2400" b="1" dirty="0" smtClean="0">
-                <a:solidFill>
-                  <a:srgbClr val="00B050"/>
-                </a:solidFill>
-              </a:rPr>
-              <a:t>'b'</a:t>
-            </a:r>
-            <a:r>
-              <a:rPr lang="en-US" sz="2400" b="1" dirty="0" smtClean="0"/>
-              <a:t>, 'c', 'd'];</a:t>
+              <a:t>  Starts with a letter or _ or $</a:t>
             </a:r>
           </a:p>
           <a:p>
             <a:pPr>
-              <a:lnSpc>
-                <a:spcPct val="80000"/>
-              </a:lnSpc>
+              <a:buFont typeface="Arial" pitchFamily="34" charset="0"/>
+              <a:buChar char="•"/>
             </a:pPr>
             <a:endParaRPr lang="en-US" sz="2400" b="1" dirty="0" smtClean="0"/>
           </a:p>
           <a:p>
             <a:pPr>
-              <a:lnSpc>
-                <a:spcPct val="80000"/>
-              </a:lnSpc>
+              <a:buFont typeface="Arial" pitchFamily="34" charset="0"/>
+              <a:buChar char="•"/>
             </a:pPr>
             <a:r>
               <a:rPr lang="en-US" sz="2400" b="1" dirty="0" smtClean="0"/>
-              <a:t>delete </a:t>
-            </a:r>
-            <a:r>
-              <a:rPr lang="en-US" sz="2400" b="1" dirty="0" err="1" smtClean="0"/>
-              <a:t>myArray</a:t>
-            </a:r>
-            <a:r>
-              <a:rPr lang="en-US" sz="2400" b="1" dirty="0" smtClean="0"/>
-              <a:t>[1];</a:t>
+              <a:t>  Followed by zero or more letters, digits, _ or $</a:t>
             </a:r>
           </a:p>
           <a:p>
             <a:pPr>
-              <a:lnSpc>
-                <a:spcPct val="80000"/>
-              </a:lnSpc>
+              <a:buFont typeface="Arial" pitchFamily="34" charset="0"/>
+              <a:buChar char="•"/>
             </a:pPr>
             <a:endParaRPr lang="en-US" sz="2400" b="1" dirty="0" smtClean="0"/>
           </a:p>
           <a:p>
             <a:pPr>
-              <a:lnSpc>
-                <a:spcPct val="80000"/>
-              </a:lnSpc>
-            </a:pPr>
-            <a:r>
-              <a:rPr lang="en-US" sz="2400" b="1" dirty="0" smtClean="0"/>
-              <a:t>// ['a', </a:t>
-            </a:r>
-            <a:r>
-              <a:rPr lang="en-US" sz="2400" b="1" dirty="0" smtClean="0">
-                <a:solidFill>
-                  <a:srgbClr val="00B050"/>
-                </a:solidFill>
-              </a:rPr>
-              <a:t>undefined</a:t>
-            </a:r>
-            <a:r>
-              <a:rPr lang="en-US" sz="2400" b="1" dirty="0" smtClean="0"/>
-              <a:t>, 'c', 'd']</a:t>
-            </a:r>
-          </a:p>
-          <a:p>
-            <a:pPr>
-              <a:lnSpc>
-                <a:spcPct val="80000"/>
-              </a:lnSpc>
+              <a:buFont typeface="Arial" pitchFamily="34" charset="0"/>
+              <a:buChar char="•"/>
             </a:pPr>
             <a:endParaRPr lang="en-US" sz="2400" b="1" dirty="0" smtClean="0"/>
           </a:p>
           <a:p>
             <a:pPr>
-              <a:lnSpc>
-                <a:spcPct val="80000"/>
-              </a:lnSpc>
+              <a:buFont typeface="Arial" pitchFamily="34" charset="0"/>
+              <a:buChar char="•"/>
             </a:pPr>
+            <a:r>
+              <a:rPr lang="en-US" sz="2400" b="1" dirty="0" smtClean="0"/>
+              <a:t>  By convention, all variables, parameters, members, and function names start with lower case</a:t>
+            </a:r>
+          </a:p>
+          <a:p>
             <a:endParaRPr lang="en-US" sz="2400" b="1" dirty="0" smtClean="0"/>
           </a:p>
           <a:p>
             <a:pPr>
-              <a:lnSpc>
-                <a:spcPct val="80000"/>
-              </a:lnSpc>
+              <a:buFont typeface="Arial" pitchFamily="34" charset="0"/>
+              <a:buChar char="•"/>
             </a:pPr>
             <a:r>
-              <a:rPr lang="en-US" sz="2400" b="1" dirty="0" err="1" smtClean="0"/>
-              <a:t>myArray.splice</a:t>
-            </a:r>
-            <a:r>
               <a:rPr lang="en-US" sz="2400" b="1" dirty="0" smtClean="0"/>
-              <a:t>(1, 1);</a:t>
-            </a:r>
-          </a:p>
-          <a:p>
-            <a:pPr>
-              <a:lnSpc>
-                <a:spcPct val="80000"/>
-              </a:lnSpc>
-            </a:pPr>
-            <a:endParaRPr lang="en-US" sz="2400" b="1" dirty="0" smtClean="0"/>
-          </a:p>
-          <a:p>
-            <a:pPr>
-              <a:lnSpc>
-                <a:spcPct val="80000"/>
-              </a:lnSpc>
-            </a:pPr>
-            <a:r>
-              <a:rPr lang="en-US" sz="2400" b="1" dirty="0" smtClean="0"/>
-              <a:t>// ['a', 'c', 'd']</a:t>
-            </a:r>
+              <a:t>  Except for constructors which start with upper case</a:t>
+            </a:r>
+            <a:endParaRPr lang="en-US" sz="2400" b="1" dirty="0"/>
           </a:p>
         </p:txBody>
       </p:sp>
@@ -11776,7 +8087,7 @@
                   </a:schemeClr>
                 </a:solidFill>
               </a:rPr>
-              <a:t>Array methods</a:t>
+              <a:t>Constants</a:t>
             </a:r>
             <a:endParaRPr lang="en-US" b="1" dirty="0">
               <a:solidFill>
@@ -11799,7 +8110,7 @@
         </p:nvSpPr>
         <p:spPr>
           <a:xfrm>
-            <a:off x="500034" y="1214422"/>
+            <a:off x="571472" y="1285860"/>
             <a:ext cx="7772400" cy="3786214"/>
           </a:xfrm>
           <a:prstGeom prst="rect">
@@ -11817,7 +8128,7 @@
                 <a:spcPct val="0"/>
               </a:spcBef>
             </a:pPr>
-            <a:endParaRPr lang="be-BY" dirty="0"/>
+            <a:endParaRPr lang="be-BY" smtClean="0"/>
           </a:p>
           <a:p>
             <a:pPr marL="0" marR="0" lvl="0" indent="0" defTabSz="914400" rtl="0" eaLnBrk="1" fontAlgn="auto" latinLnBrk="0" hangingPunct="1">
@@ -11856,93 +8167,28 @@
       </p:sp>
       <p:sp>
         <p:nvSpPr>
-          <p:cNvPr id="4" name="Заголовок 1"/>
-          <p:cNvSpPr txBox="1">
-            <a:spLocks/>
-          </p:cNvSpPr>
+          <p:cNvPr id="6" name="Rectangle 5"/>
+          <p:cNvSpPr/>
           <p:nvPr/>
         </p:nvSpPr>
         <p:spPr>
           <a:xfrm>
-            <a:off x="723872" y="1438260"/>
-            <a:ext cx="7772400" cy="3786214"/>
-          </a:xfrm>
-          <a:prstGeom prst="rect">
-            <a:avLst/>
-          </a:prstGeom>
-        </p:spPr>
-        <p:txBody>
-          <a:bodyPr vert="horz" lIns="91440" tIns="45720" rIns="91440" bIns="45720" rtlCol="0" anchor="ctr">
-            <a:normAutofit/>
-          </a:bodyPr>
-          <a:lstStyle/>
-          <a:p>
-            <a:pPr>
-              <a:spcBef>
-                <a:spcPct val="0"/>
-              </a:spcBef>
-            </a:pPr>
-            <a:endParaRPr lang="be-BY" dirty="0"/>
-          </a:p>
-          <a:p>
-            <a:pPr marL="0" marR="0" lvl="0" indent="0" defTabSz="914400" rtl="0" eaLnBrk="1" fontAlgn="auto" latinLnBrk="0" hangingPunct="1">
-              <a:lnSpc>
-                <a:spcPct val="100000"/>
-              </a:lnSpc>
-              <a:spcBef>
-                <a:spcPct val="0"/>
-              </a:spcBef>
-              <a:spcAft>
-                <a:spcPts val="0"/>
-              </a:spcAft>
-              <a:buClrTx/>
-              <a:buSzTx/>
-              <a:buFontTx/>
-              <a:buNone/>
-              <a:tabLst/>
-              <a:defRPr/>
-            </a:pPr>
-            <a:endParaRPr kumimoji="0" lang="be-BY" sz="4400" b="0" i="0" u="none" strike="noStrike" kern="1200" cap="none" spc="0" normalizeH="0" baseline="0" noProof="0" dirty="0" smtClean="0">
-              <a:ln>
-                <a:noFill/>
-              </a:ln>
-              <a:solidFill>
-                <a:schemeClr val="tx1"/>
-              </a:solidFill>
-              <a:effectLst/>
-              <a:uLnTx/>
-              <a:uFillTx/>
-              <a:latin typeface="+mj-lt"/>
-              <a:ea typeface="+mj-ea"/>
-              <a:cs typeface="+mj-cs"/>
-            </a:endParaRPr>
-          </a:p>
-        </p:txBody>
-      </p:sp>
-      <p:sp>
-        <p:nvSpPr>
-          <p:cNvPr id="8" name="Rectangle 7"/>
-          <p:cNvSpPr/>
-          <p:nvPr/>
-        </p:nvSpPr>
-        <p:spPr>
-          <a:xfrm>
-            <a:off x="714348" y="714356"/>
-            <a:ext cx="8215370" cy="5632311"/>
+            <a:off x="734683" y="1048668"/>
+            <a:ext cx="7643866" cy="1569660"/>
           </a:xfrm>
           <a:prstGeom prst="rect">
             <a:avLst/>
           </a:prstGeom>
         </p:spPr>
         <p:style>
-          <a:lnRef idx="1">
-            <a:schemeClr val="dk1"/>
+          <a:lnRef idx="2">
+            <a:schemeClr val="accent6"/>
           </a:lnRef>
-          <a:fillRef idx="1001">
-            <a:schemeClr val="lt2"/>
+          <a:fillRef idx="1">
+            <a:schemeClr val="lt1"/>
           </a:fillRef>
-          <a:effectRef idx="1">
-            <a:schemeClr val="dk1"/>
+          <a:effectRef idx="0">
+            <a:schemeClr val="accent6"/>
           </a:effectRef>
           <a:fontRef idx="minor">
             <a:schemeClr val="dk1"/>
@@ -11954,731 +8200,213 @@
           </a:bodyPr>
           <a:lstStyle/>
           <a:p>
-            <a:pPr marL="457200" indent="-457200">
-              <a:lnSpc>
-                <a:spcPct val="150000"/>
-              </a:lnSpc>
-              <a:buClr>
-                <a:schemeClr val="tx1"/>
-              </a:buClr>
-              <a:buFont typeface="+mj-lt"/>
-              <a:buAutoNum type="arabicPeriod"/>
-            </a:pPr>
-            <a:r>
-              <a:rPr lang="en-US" sz="2400" b="1" dirty="0" err="1" smtClean="0">
-                <a:solidFill>
-                  <a:srgbClr val="0070C0"/>
-                </a:solidFill>
+            <a:r>
+              <a:rPr lang="en-US" sz="2400" dirty="0" err="1">
+                <a:solidFill>
+                  <a:srgbClr val="0000FF"/>
+                </a:solidFill>
+                <a:highlight>
+                  <a:srgbClr val="FFFFFF"/>
+                </a:highlight>
+                <a:latin typeface="Consolas"/>
               </a:rPr>
               <a:t>var</a:t>
             </a:r>
             <a:r>
-              <a:rPr lang="en-US" sz="2400" b="1" dirty="0" smtClean="0"/>
-              <a:t> </a:t>
-            </a:r>
-            <a:r>
-              <a:rPr lang="en-US" sz="2400" b="1" dirty="0" err="1" smtClean="0">
-                <a:solidFill>
-                  <a:schemeClr val="accent6">
-                    <a:lumMod val="75000"/>
-                  </a:schemeClr>
-                </a:solidFill>
+              <a:rPr lang="en-US" sz="2400" dirty="0">
+                <a:solidFill>
+                  <a:srgbClr val="000000"/>
+                </a:solidFill>
+                <a:highlight>
+                  <a:srgbClr val="FFFFFF"/>
+                </a:highlight>
+                <a:latin typeface="Consolas"/>
               </a:rPr>
-              <a:t>arrayAsString</a:t>
-            </a:r>
-            <a:r>
-              <a:rPr lang="en-US" sz="2400" b="1" dirty="0" smtClean="0"/>
-              <a:t> = </a:t>
-            </a:r>
-            <a:r>
-              <a:rPr lang="en-US" sz="2400" b="1" dirty="0" err="1" smtClean="0">
-                <a:solidFill>
-                  <a:schemeClr val="accent6">
-                    <a:lumMod val="75000"/>
-                  </a:schemeClr>
-                </a:solidFill>
+              <a:t> COLOR_BLUE = </a:t>
+            </a:r>
+            <a:r>
+              <a:rPr lang="en-US" sz="2400" dirty="0">
+                <a:solidFill>
+                  <a:srgbClr val="A31515"/>
+                </a:solidFill>
+                <a:highlight>
+                  <a:srgbClr val="FFFFFF"/>
+                </a:highlight>
+                <a:latin typeface="Consolas"/>
               </a:rPr>
-              <a:t>array</a:t>
-            </a:r>
-            <a:r>
-              <a:rPr lang="en-US" sz="2400" b="1" dirty="0" err="1" smtClean="0"/>
-              <a:t>.</a:t>
-            </a:r>
-            <a:r>
-              <a:rPr lang="en-US" sz="2400" b="1" dirty="0" err="1" smtClean="0">
-                <a:solidFill>
-                  <a:srgbClr val="0070C0"/>
-                </a:solidFill>
+              <a:t>"#00F"</a:t>
+            </a:r>
+            <a:r>
+              <a:rPr lang="en-US" sz="2400" dirty="0">
+                <a:solidFill>
+                  <a:srgbClr val="000000"/>
+                </a:solidFill>
+                <a:highlight>
+                  <a:srgbClr val="FFFFFF"/>
+                </a:highlight>
+                <a:latin typeface="Consolas"/>
               </a:rPr>
-              <a:t>join</a:t>
-            </a:r>
-            <a:r>
-              <a:rPr lang="en-US" sz="2400" b="1" dirty="0" smtClean="0"/>
-              <a:t>(</a:t>
-            </a:r>
-            <a:r>
-              <a:rPr lang="en-US" sz="2400" b="1" dirty="0" smtClean="0">
-                <a:solidFill>
-                  <a:srgbClr val="00B050"/>
-                </a:solidFill>
-              </a:rPr>
-              <a:t>"separator"</a:t>
-            </a:r>
-            <a:r>
-              <a:rPr lang="en-US" sz="2400" b="1" dirty="0" smtClean="0"/>
-              <a:t>);</a:t>
-            </a:r>
-          </a:p>
-          <a:p>
-            <a:pPr marL="457200" indent="-457200">
-              <a:lnSpc>
-                <a:spcPct val="150000"/>
-              </a:lnSpc>
-              <a:buClr>
-                <a:schemeClr val="tx1"/>
-              </a:buClr>
-              <a:buFont typeface="+mj-lt"/>
-              <a:buAutoNum type="arabicPeriod"/>
-            </a:pPr>
-            <a:r>
-              <a:rPr lang="en-US" sz="2400" b="1" dirty="0" err="1" smtClean="0">
-                <a:solidFill>
-                  <a:schemeClr val="accent6">
-                    <a:lumMod val="75000"/>
-                  </a:schemeClr>
-                </a:solidFill>
-              </a:rPr>
-              <a:t>array</a:t>
-            </a:r>
-            <a:r>
-              <a:rPr lang="en-US" sz="2400" b="1" dirty="0" err="1" smtClean="0"/>
-              <a:t>.</a:t>
-            </a:r>
-            <a:r>
-              <a:rPr lang="en-US" sz="2400" b="1" dirty="0" err="1" smtClean="0">
-                <a:solidFill>
-                  <a:srgbClr val="0070C0"/>
-                </a:solidFill>
-              </a:rPr>
-              <a:t>reverse</a:t>
-            </a:r>
-            <a:r>
-              <a:rPr lang="en-US" sz="2400" b="1" dirty="0" smtClean="0"/>
-              <a:t>();</a:t>
-            </a:r>
-          </a:p>
-          <a:p>
-            <a:pPr marL="457200" indent="-457200">
-              <a:lnSpc>
-                <a:spcPct val="150000"/>
-              </a:lnSpc>
-              <a:buClr>
-                <a:schemeClr val="tx1"/>
-              </a:buClr>
-              <a:buFont typeface="+mj-lt"/>
-              <a:buAutoNum type="arabicPeriod"/>
-            </a:pPr>
-            <a:r>
-              <a:rPr lang="en-US" sz="2400" b="1" dirty="0" err="1" smtClean="0">
-                <a:solidFill>
-                  <a:schemeClr val="accent6">
-                    <a:lumMod val="75000"/>
-                  </a:schemeClr>
-                </a:solidFill>
-              </a:rPr>
-              <a:t>array</a:t>
-            </a:r>
-            <a:r>
-              <a:rPr lang="en-US" sz="2400" b="1" dirty="0" err="1" smtClean="0"/>
-              <a:t>.</a:t>
-            </a:r>
-            <a:r>
-              <a:rPr lang="en-US" sz="2400" b="1" dirty="0" err="1" smtClean="0">
-                <a:solidFill>
-                  <a:srgbClr val="0070C0"/>
-                </a:solidFill>
-              </a:rPr>
-              <a:t>sort</a:t>
-            </a:r>
-            <a:r>
-              <a:rPr lang="en-US" sz="2400" b="1" dirty="0" smtClean="0"/>
-              <a:t>(</a:t>
-            </a:r>
-            <a:r>
-              <a:rPr lang="en-US" sz="2400" b="1" dirty="0" smtClean="0">
-                <a:solidFill>
-                  <a:srgbClr val="00B050"/>
-                </a:solidFill>
-              </a:rPr>
-              <a:t>/* options: comparison function */</a:t>
-            </a:r>
-            <a:r>
-              <a:rPr lang="en-US" sz="2400" b="1" dirty="0" smtClean="0"/>
-              <a:t>);//</a:t>
-            </a:r>
-            <a:r>
-              <a:rPr lang="en-US" sz="2400" b="1" dirty="0" smtClean="0">
-                <a:solidFill>
-                  <a:srgbClr val="FF0000"/>
-                </a:solidFill>
-              </a:rPr>
-              <a:t>important</a:t>
-            </a:r>
-          </a:p>
-          <a:p>
-            <a:pPr marL="457200" indent="-457200">
-              <a:lnSpc>
-                <a:spcPct val="150000"/>
-              </a:lnSpc>
-              <a:buClr>
-                <a:schemeClr val="tx1"/>
-              </a:buClr>
-              <a:buFont typeface="+mj-lt"/>
-              <a:buAutoNum type="arabicPeriod"/>
-            </a:pPr>
-            <a:r>
-              <a:rPr lang="en-US" sz="2400" b="1" dirty="0" err="1" smtClean="0">
-                <a:solidFill>
-                  <a:srgbClr val="0070C0"/>
-                </a:solidFill>
+              <a:t>;</a:t>
+            </a:r>
+          </a:p>
+          <a:p>
+            <a:r>
+              <a:rPr lang="en-US" sz="2400" dirty="0" err="1">
+                <a:solidFill>
+                  <a:srgbClr val="0000FF"/>
+                </a:solidFill>
+                <a:highlight>
+                  <a:srgbClr val="FFFFFF"/>
+                </a:highlight>
+                <a:latin typeface="Consolas"/>
               </a:rPr>
               <a:t>var</a:t>
             </a:r>
             <a:r>
-              <a:rPr lang="en-US" sz="2400" b="1" dirty="0" smtClean="0"/>
-              <a:t> </a:t>
-            </a:r>
-            <a:r>
-              <a:rPr lang="en-US" sz="2400" b="1" dirty="0" err="1" smtClean="0">
-                <a:solidFill>
-                  <a:schemeClr val="accent6">
-                    <a:lumMod val="75000"/>
-                  </a:schemeClr>
-                </a:solidFill>
+              <a:rPr lang="en-US" sz="2400" dirty="0">
+                <a:solidFill>
+                  <a:srgbClr val="000000"/>
+                </a:solidFill>
+                <a:highlight>
+                  <a:srgbClr val="FFFFFF"/>
+                </a:highlight>
+                <a:latin typeface="Consolas"/>
               </a:rPr>
-              <a:t>newArray</a:t>
-            </a:r>
-            <a:r>
-              <a:rPr lang="en-US" sz="2400" b="1" dirty="0" smtClean="0"/>
-              <a:t> = </a:t>
-            </a:r>
-            <a:r>
-              <a:rPr lang="en-US" sz="2400" b="1" dirty="0" err="1" smtClean="0">
-                <a:solidFill>
-                  <a:schemeClr val="accent6">
-                    <a:lumMod val="75000"/>
-                  </a:schemeClr>
-                </a:solidFill>
+              <a:t> COLOR_RED = </a:t>
+            </a:r>
+            <a:r>
+              <a:rPr lang="en-US" sz="2400" dirty="0">
+                <a:solidFill>
+                  <a:srgbClr val="A31515"/>
+                </a:solidFill>
+                <a:highlight>
+                  <a:srgbClr val="FFFFFF"/>
+                </a:highlight>
+                <a:latin typeface="Consolas"/>
               </a:rPr>
-              <a:t>array</a:t>
-            </a:r>
-            <a:r>
-              <a:rPr lang="en-US" sz="2400" b="1" dirty="0" err="1" smtClean="0"/>
-              <a:t>.</a:t>
-            </a:r>
-            <a:r>
-              <a:rPr lang="en-US" sz="2400" b="1" dirty="0" err="1" smtClean="0">
-                <a:solidFill>
-                  <a:srgbClr val="0070C0"/>
-                </a:solidFill>
+              <a:t>"#0F0"</a:t>
+            </a:r>
+            <a:r>
+              <a:rPr lang="en-US" sz="2400" dirty="0">
+                <a:solidFill>
+                  <a:srgbClr val="000000"/>
+                </a:solidFill>
+                <a:highlight>
+                  <a:srgbClr val="FFFFFF"/>
+                </a:highlight>
+                <a:latin typeface="Consolas"/>
               </a:rPr>
-              <a:t>concat</a:t>
-            </a:r>
-            <a:r>
-              <a:rPr lang="en-US" sz="2400" b="1" dirty="0" smtClean="0"/>
-              <a:t>(</a:t>
-            </a:r>
-            <a:r>
-              <a:rPr lang="en-US" sz="2400" b="1" dirty="0" smtClean="0">
-                <a:solidFill>
-                  <a:srgbClr val="00B050"/>
-                </a:solidFill>
-              </a:rPr>
-              <a:t>"array"</a:t>
-            </a:r>
-            <a:r>
-              <a:rPr lang="en-US" sz="2400" b="1" dirty="0" smtClean="0"/>
-              <a:t>);</a:t>
-            </a:r>
-          </a:p>
-          <a:p>
-            <a:pPr marL="457200" indent="-457200">
-              <a:lnSpc>
-                <a:spcPct val="150000"/>
-              </a:lnSpc>
-              <a:buClr>
-                <a:schemeClr val="tx1"/>
-              </a:buClr>
-              <a:buFont typeface="+mj-lt"/>
-              <a:buAutoNum type="arabicPeriod"/>
-            </a:pPr>
-            <a:r>
-              <a:rPr lang="en-US" sz="2400" b="1" dirty="0" err="1" smtClean="0">
-                <a:solidFill>
-                  <a:srgbClr val="0070C0"/>
-                </a:solidFill>
+              <a:t>;</a:t>
+            </a:r>
+          </a:p>
+          <a:p>
+            <a:r>
+              <a:rPr lang="en-US" sz="2400" dirty="0" err="1">
+                <a:solidFill>
+                  <a:srgbClr val="0000FF"/>
+                </a:solidFill>
+                <a:highlight>
+                  <a:srgbClr val="FFFFFF"/>
+                </a:highlight>
+                <a:latin typeface="Consolas"/>
               </a:rPr>
               <a:t>var</a:t>
             </a:r>
             <a:r>
-              <a:rPr lang="en-US" sz="2400" b="1" dirty="0" smtClean="0"/>
-              <a:t> </a:t>
-            </a:r>
-            <a:r>
-              <a:rPr lang="en-US" sz="2400" b="1" dirty="0" err="1" smtClean="0">
-                <a:solidFill>
-                  <a:schemeClr val="accent6">
-                    <a:lumMod val="75000"/>
-                  </a:schemeClr>
-                </a:solidFill>
+              <a:rPr lang="en-US" sz="2400" dirty="0">
+                <a:solidFill>
+                  <a:srgbClr val="000000"/>
+                </a:solidFill>
+                <a:highlight>
+                  <a:srgbClr val="FFFFFF"/>
+                </a:highlight>
+                <a:latin typeface="Consolas"/>
               </a:rPr>
-              <a:t>subarray</a:t>
-            </a:r>
-            <a:r>
-              <a:rPr lang="en-US" sz="2400" b="1" dirty="0" smtClean="0"/>
-              <a:t> = </a:t>
-            </a:r>
-            <a:r>
-              <a:rPr lang="en-US" sz="2400" b="1" dirty="0" err="1" smtClean="0">
-                <a:solidFill>
-                  <a:schemeClr val="accent6">
-                    <a:lumMod val="75000"/>
-                  </a:schemeClr>
-                </a:solidFill>
+              <a:t> COLOR_GREEN = </a:t>
+            </a:r>
+            <a:r>
+              <a:rPr lang="en-US" sz="2400" dirty="0">
+                <a:solidFill>
+                  <a:srgbClr val="A31515"/>
+                </a:solidFill>
+                <a:highlight>
+                  <a:srgbClr val="FFFFFF"/>
+                </a:highlight>
+                <a:latin typeface="Consolas"/>
               </a:rPr>
-              <a:t>array</a:t>
-            </a:r>
-            <a:r>
-              <a:rPr lang="en-US" sz="2400" b="1" dirty="0" err="1" smtClean="0"/>
-              <a:t>.</a:t>
-            </a:r>
-            <a:r>
-              <a:rPr lang="en-US" sz="2400" b="1" dirty="0" err="1" smtClean="0">
-                <a:solidFill>
-                  <a:srgbClr val="0070C0"/>
-                </a:solidFill>
+              <a:t>"#F00"</a:t>
+            </a:r>
+            <a:r>
+              <a:rPr lang="en-US" sz="2400" dirty="0">
+                <a:solidFill>
+                  <a:srgbClr val="000000"/>
+                </a:solidFill>
+                <a:highlight>
+                  <a:srgbClr val="FFFFFF"/>
+                </a:highlight>
+                <a:latin typeface="Consolas"/>
               </a:rPr>
-              <a:t>slice</a:t>
-            </a:r>
-            <a:r>
-              <a:rPr lang="en-US" sz="2400" b="1" dirty="0" smtClean="0"/>
-              <a:t>(</a:t>
-            </a:r>
-            <a:r>
-              <a:rPr lang="en-US" sz="2400" b="1" dirty="0" smtClean="0">
-                <a:solidFill>
-                  <a:srgbClr val="00B050"/>
-                </a:solidFill>
-              </a:rPr>
-              <a:t>“</a:t>
-            </a:r>
-            <a:r>
-              <a:rPr lang="en-US" sz="2400" b="1" dirty="0" err="1" smtClean="0">
-                <a:solidFill>
-                  <a:srgbClr val="00B050"/>
-                </a:solidFill>
-              </a:rPr>
-              <a:t>startIndex”</a:t>
-            </a:r>
-            <a:r>
-              <a:rPr lang="en-US" sz="2400" b="1" dirty="0" err="1" smtClean="0"/>
-              <a:t>,</a:t>
-            </a:r>
-            <a:r>
-              <a:rPr lang="en-US" sz="2400" b="1" dirty="0" err="1" smtClean="0">
-                <a:solidFill>
-                  <a:srgbClr val="00B050"/>
-                </a:solidFill>
-              </a:rPr>
-              <a:t>”lastIndex</a:t>
-            </a:r>
-            <a:r>
-              <a:rPr lang="en-US" sz="2400" b="1" dirty="0" smtClean="0">
-                <a:solidFill>
-                  <a:srgbClr val="00B050"/>
-                </a:solidFill>
-              </a:rPr>
-              <a:t>”</a:t>
-            </a:r>
-            <a:r>
-              <a:rPr lang="en-US" sz="2400" b="1" dirty="0" smtClean="0"/>
-              <a:t>);</a:t>
-            </a:r>
-          </a:p>
-          <a:p>
-            <a:pPr marL="457200" indent="-457200">
-              <a:lnSpc>
-                <a:spcPct val="150000"/>
-              </a:lnSpc>
-              <a:buClr>
-                <a:schemeClr val="tx1"/>
-              </a:buClr>
-              <a:buFont typeface="+mj-lt"/>
-              <a:buAutoNum type="arabicPeriod"/>
-            </a:pPr>
-            <a:r>
-              <a:rPr lang="en-US" sz="2400" b="1" dirty="0" err="1" smtClean="0">
-                <a:solidFill>
-                  <a:schemeClr val="accent6">
-                    <a:lumMod val="75000"/>
-                  </a:schemeClr>
-                </a:solidFill>
-              </a:rPr>
-              <a:t>array</a:t>
-            </a:r>
-            <a:r>
-              <a:rPr lang="en-US" sz="2400" b="1" dirty="0" err="1" smtClean="0"/>
-              <a:t>.</a:t>
-            </a:r>
-            <a:r>
-              <a:rPr lang="en-US" sz="2400" b="1" dirty="0" err="1" smtClean="0">
-                <a:solidFill>
-                  <a:srgbClr val="0070C0"/>
-                </a:solidFill>
-              </a:rPr>
-              <a:t>splice</a:t>
-            </a:r>
-            <a:r>
-              <a:rPr lang="en-US" sz="2400" b="1" dirty="0" smtClean="0"/>
-              <a:t>(</a:t>
-            </a:r>
-            <a:r>
-              <a:rPr lang="en-US" sz="2400" b="1" dirty="0" smtClean="0">
-                <a:solidFill>
-                  <a:srgbClr val="00B050"/>
-                </a:solidFill>
-              </a:rPr>
-              <a:t>“</a:t>
-            </a:r>
-            <a:r>
-              <a:rPr lang="en-US" sz="2400" b="1" dirty="0" err="1" smtClean="0">
-                <a:solidFill>
-                  <a:srgbClr val="00B050"/>
-                </a:solidFill>
-              </a:rPr>
-              <a:t>startIndex”</a:t>
-            </a:r>
-            <a:r>
-              <a:rPr lang="en-US" sz="2400" b="1" dirty="0" err="1" smtClean="0"/>
-              <a:t>,</a:t>
-            </a:r>
-            <a:r>
-              <a:rPr lang="en-US" sz="2400" b="1" dirty="0" err="1" smtClean="0">
-                <a:solidFill>
-                  <a:srgbClr val="00B050"/>
-                </a:solidFill>
-              </a:rPr>
-              <a:t>”itemsToRemove</a:t>
-            </a:r>
-            <a:r>
-              <a:rPr lang="en-US" sz="2400" b="1" dirty="0" smtClean="0">
-                <a:solidFill>
-                  <a:srgbClr val="00B050"/>
-                </a:solidFill>
-              </a:rPr>
-              <a:t>”</a:t>
-            </a:r>
-            <a:r>
-              <a:rPr lang="en-US" sz="2400" b="1" dirty="0" smtClean="0"/>
-              <a:t>,</a:t>
-            </a:r>
-            <a:r>
-              <a:rPr lang="en-US" sz="2400" b="1" dirty="0" smtClean="0">
-                <a:solidFill>
-                  <a:srgbClr val="00B050"/>
-                </a:solidFill>
-              </a:rPr>
-              <a:t>/*new items*/</a:t>
-            </a:r>
-            <a:r>
-              <a:rPr lang="en-US" sz="2400" b="1" dirty="0" smtClean="0"/>
-              <a:t>);</a:t>
-            </a:r>
-          </a:p>
-          <a:p>
-            <a:pPr marL="457200" indent="-457200">
-              <a:lnSpc>
-                <a:spcPct val="150000"/>
-              </a:lnSpc>
-              <a:buClr>
-                <a:schemeClr val="tx1"/>
-              </a:buClr>
-              <a:buFont typeface="+mj-lt"/>
-              <a:buAutoNum type="arabicPeriod"/>
-            </a:pPr>
-            <a:r>
-              <a:rPr lang="en-US" sz="2400" b="1" dirty="0" err="1" smtClean="0">
-                <a:solidFill>
-                  <a:srgbClr val="0070C0"/>
-                </a:solidFill>
+              <a:t>;</a:t>
+            </a:r>
+          </a:p>
+          <a:p>
+            <a:r>
+              <a:rPr lang="en-US" sz="2400" dirty="0" err="1">
+                <a:solidFill>
+                  <a:srgbClr val="0000FF"/>
+                </a:solidFill>
+                <a:highlight>
+                  <a:srgbClr val="FFFFFF"/>
+                </a:highlight>
+                <a:latin typeface="Consolas"/>
               </a:rPr>
               <a:t>var</a:t>
             </a:r>
             <a:r>
-              <a:rPr lang="en-US" sz="2400" b="1" dirty="0" smtClean="0"/>
-              <a:t> </a:t>
-            </a:r>
-            <a:r>
-              <a:rPr lang="en-US" sz="2400" b="1" dirty="0" err="1" smtClean="0">
-                <a:solidFill>
-                  <a:schemeClr val="accent6">
-                    <a:lumMod val="75000"/>
-                  </a:schemeClr>
-                </a:solidFill>
+              <a:rPr lang="en-US" sz="2400" dirty="0">
+                <a:solidFill>
+                  <a:srgbClr val="000000"/>
+                </a:solidFill>
+                <a:highlight>
+                  <a:srgbClr val="FFFFFF"/>
+                </a:highlight>
+                <a:latin typeface="Consolas"/>
               </a:rPr>
-              <a:t>newArrayLength</a:t>
-            </a:r>
-            <a:r>
-              <a:rPr lang="en-US" sz="2400" b="1" dirty="0" smtClean="0"/>
-              <a:t> = </a:t>
-            </a:r>
-            <a:r>
-              <a:rPr lang="en-US" sz="2400" b="1" dirty="0" err="1" smtClean="0">
-                <a:solidFill>
-                  <a:schemeClr val="accent6">
-                    <a:lumMod val="75000"/>
-                  </a:schemeClr>
-                </a:solidFill>
+              <a:t> COLOR_ORANGE = </a:t>
+            </a:r>
+            <a:r>
+              <a:rPr lang="en-US" sz="2400" dirty="0">
+                <a:solidFill>
+                  <a:srgbClr val="A31515"/>
+                </a:solidFill>
+                <a:highlight>
+                  <a:srgbClr val="FFFFFF"/>
+                </a:highlight>
+                <a:latin typeface="Consolas"/>
               </a:rPr>
-              <a:t>array</a:t>
-            </a:r>
-            <a:r>
-              <a:rPr lang="en-US" sz="2400" b="1" dirty="0" err="1" smtClean="0"/>
-              <a:t>.</a:t>
-            </a:r>
-            <a:r>
-              <a:rPr lang="en-US" sz="2400" b="1" dirty="0" err="1" smtClean="0">
-                <a:solidFill>
-                  <a:srgbClr val="0070C0"/>
-                </a:solidFill>
+              <a:t>"#FF7F00"</a:t>
+            </a:r>
+            <a:r>
+              <a:rPr lang="en-US" sz="2400" dirty="0">
+                <a:solidFill>
+                  <a:srgbClr val="000000"/>
+                </a:solidFill>
+                <a:highlight>
+                  <a:srgbClr val="FFFFFF"/>
+                </a:highlight>
+                <a:latin typeface="Consolas"/>
               </a:rPr>
-              <a:t>push</a:t>
-            </a:r>
-            <a:r>
-              <a:rPr lang="en-US" sz="2400" b="1" dirty="0" smtClean="0"/>
-              <a:t>(</a:t>
-            </a:r>
-            <a:r>
-              <a:rPr lang="en-US" sz="2400" b="1" dirty="0" smtClean="0">
-                <a:solidFill>
-                  <a:srgbClr val="00B050"/>
-                </a:solidFill>
-              </a:rPr>
-              <a:t>“value”</a:t>
-            </a:r>
-            <a:r>
-              <a:rPr lang="en-US" sz="2400" b="1" dirty="0" smtClean="0"/>
-              <a:t>);</a:t>
-            </a:r>
-          </a:p>
-          <a:p>
-            <a:pPr marL="457200" indent="-457200">
-              <a:lnSpc>
-                <a:spcPct val="150000"/>
-              </a:lnSpc>
-              <a:buClr>
-                <a:schemeClr val="tx1"/>
-              </a:buClr>
-              <a:buFont typeface="+mj-lt"/>
-              <a:buAutoNum type="arabicPeriod"/>
-            </a:pPr>
-            <a:r>
-              <a:rPr lang="en-US" sz="2400" b="1" dirty="0" err="1" smtClean="0">
-                <a:solidFill>
-                  <a:srgbClr val="0070C0"/>
-                </a:solidFill>
-              </a:rPr>
-              <a:t>var</a:t>
-            </a:r>
-            <a:r>
-              <a:rPr lang="en-US" sz="2400" b="1" dirty="0" smtClean="0"/>
-              <a:t> </a:t>
-            </a:r>
-            <a:r>
-              <a:rPr lang="en-US" sz="2400" b="1" dirty="0" err="1" smtClean="0">
-                <a:solidFill>
-                  <a:schemeClr val="accent6">
-                    <a:lumMod val="75000"/>
-                  </a:schemeClr>
-                </a:solidFill>
-              </a:rPr>
-              <a:t>removedValue</a:t>
-            </a:r>
-            <a:r>
-              <a:rPr lang="en-US" sz="2400" b="1" dirty="0" smtClean="0"/>
-              <a:t>= </a:t>
-            </a:r>
-            <a:r>
-              <a:rPr lang="en-US" sz="2400" b="1" dirty="0" smtClean="0">
-                <a:solidFill>
-                  <a:schemeClr val="accent6">
-                    <a:lumMod val="75000"/>
-                  </a:schemeClr>
-                </a:solidFill>
-              </a:rPr>
-              <a:t>array</a:t>
-            </a:r>
-            <a:r>
-              <a:rPr lang="en-US" sz="2400" b="1" dirty="0" smtClean="0"/>
-              <a:t>.</a:t>
-            </a:r>
-            <a:r>
-              <a:rPr lang="en-US" sz="2400" b="1" dirty="0" smtClean="0">
-                <a:solidFill>
-                  <a:srgbClr val="0070C0"/>
-                </a:solidFill>
-              </a:rPr>
-              <a:t>pop</a:t>
-            </a:r>
-            <a:r>
-              <a:rPr lang="en-US" sz="2400" b="1" dirty="0" smtClean="0"/>
-              <a:t>();</a:t>
-            </a:r>
-          </a:p>
-          <a:p>
-            <a:pPr marL="457200" indent="-457200">
-              <a:lnSpc>
-                <a:spcPct val="150000"/>
-              </a:lnSpc>
-              <a:buClr>
-                <a:schemeClr val="tx1"/>
-              </a:buClr>
-              <a:buFont typeface="+mj-lt"/>
-              <a:buAutoNum type="arabicPeriod"/>
-            </a:pPr>
-            <a:r>
-              <a:rPr lang="en-US" sz="2400" b="1" dirty="0" err="1" smtClean="0">
-                <a:solidFill>
-                  <a:srgbClr val="0070C0"/>
-                </a:solidFill>
-              </a:rPr>
-              <a:t>var</a:t>
-            </a:r>
-            <a:r>
-              <a:rPr lang="en-US" sz="2400" b="1" dirty="0" smtClean="0"/>
-              <a:t> </a:t>
-            </a:r>
-            <a:r>
-              <a:rPr lang="en-US" sz="2400" b="1" dirty="0" err="1" smtClean="0">
-                <a:solidFill>
-                  <a:schemeClr val="accent6">
-                    <a:lumMod val="75000"/>
-                  </a:schemeClr>
-                </a:solidFill>
-              </a:rPr>
-              <a:t>newArrayLength</a:t>
-            </a:r>
-            <a:r>
-              <a:rPr lang="en-US" sz="2400" b="1" dirty="0" smtClean="0"/>
-              <a:t> = </a:t>
-            </a:r>
-            <a:r>
-              <a:rPr lang="en-US" sz="2400" b="1" dirty="0" err="1" smtClean="0">
-                <a:solidFill>
-                  <a:schemeClr val="accent6">
-                    <a:lumMod val="75000"/>
-                  </a:schemeClr>
-                </a:solidFill>
-              </a:rPr>
-              <a:t>array</a:t>
-            </a:r>
-            <a:r>
-              <a:rPr lang="en-US" sz="2400" b="1" dirty="0" err="1" smtClean="0"/>
-              <a:t>.</a:t>
-            </a:r>
-            <a:r>
-              <a:rPr lang="en-US" sz="2400" b="1" dirty="0" err="1" smtClean="0">
-                <a:solidFill>
-                  <a:srgbClr val="0070C0"/>
-                </a:solidFill>
-              </a:rPr>
-              <a:t>unshift</a:t>
-            </a:r>
-            <a:r>
-              <a:rPr lang="en-US" sz="2400" b="1" dirty="0" smtClean="0"/>
-              <a:t>(</a:t>
-            </a:r>
-            <a:r>
-              <a:rPr lang="en-US" sz="2400" b="1" dirty="0" smtClean="0">
-                <a:solidFill>
-                  <a:srgbClr val="00B050"/>
-                </a:solidFill>
-              </a:rPr>
-              <a:t>“value”</a:t>
-            </a:r>
-            <a:r>
-              <a:rPr lang="en-US" sz="2400" b="1" dirty="0" smtClean="0"/>
-              <a:t>) ;</a:t>
-            </a:r>
-          </a:p>
-          <a:p>
-            <a:pPr marL="457200" indent="-457200">
-              <a:lnSpc>
-                <a:spcPct val="150000"/>
-              </a:lnSpc>
-              <a:buClr>
-                <a:schemeClr val="tx1"/>
-              </a:buClr>
-              <a:buFont typeface="+mj-lt"/>
-              <a:buAutoNum type="arabicPeriod"/>
-            </a:pPr>
-            <a:r>
-              <a:rPr lang="en-US" sz="2400" b="1" dirty="0" err="1" smtClean="0">
-                <a:solidFill>
-                  <a:srgbClr val="0070C0"/>
-                </a:solidFill>
-              </a:rPr>
-              <a:t>var</a:t>
-            </a:r>
-            <a:r>
-              <a:rPr lang="en-US" sz="2400" b="1" dirty="0" smtClean="0"/>
-              <a:t> </a:t>
-            </a:r>
-            <a:r>
-              <a:rPr lang="en-US" sz="2400" b="1" dirty="0" err="1" smtClean="0">
-                <a:solidFill>
-                  <a:schemeClr val="accent6">
-                    <a:lumMod val="75000"/>
-                  </a:schemeClr>
-                </a:solidFill>
-              </a:rPr>
-              <a:t>removedValue</a:t>
-            </a:r>
-            <a:r>
-              <a:rPr lang="en-US" sz="2400" b="1" dirty="0" smtClean="0"/>
-              <a:t>= </a:t>
-            </a:r>
-            <a:r>
-              <a:rPr lang="en-US" sz="2400" b="1" dirty="0" err="1" smtClean="0">
-                <a:solidFill>
-                  <a:schemeClr val="accent6">
-                    <a:lumMod val="75000"/>
-                  </a:schemeClr>
-                </a:solidFill>
-              </a:rPr>
-              <a:t>array</a:t>
-            </a:r>
-            <a:r>
-              <a:rPr lang="en-US" sz="2400" b="1" dirty="0" err="1" smtClean="0"/>
-              <a:t>.</a:t>
-            </a:r>
-            <a:r>
-              <a:rPr lang="en-US" sz="2400" b="1" dirty="0" err="1" smtClean="0">
-                <a:solidFill>
-                  <a:srgbClr val="0070C0"/>
-                </a:solidFill>
-              </a:rPr>
-              <a:t>shift</a:t>
-            </a:r>
-            <a:r>
-              <a:rPr lang="en-US" sz="2400" b="1" dirty="0" smtClean="0"/>
-              <a:t>();</a:t>
-            </a:r>
-            <a:endParaRPr lang="en-US" sz="2400" b="1" dirty="0"/>
+              <a:t>;</a:t>
+            </a:r>
           </a:p>
         </p:txBody>
       </p:sp>
     </p:spTree>
+    <p:extLst>
+      <p:ext uri="{BB962C8B-B14F-4D97-AF65-F5344CB8AC3E}">
+        <p14:creationId xmlns:p14="http://schemas.microsoft.com/office/powerpoint/2010/main" val="1102375941"/>
+      </p:ext>
+    </p:extLst>
   </p:cSld>
   <p:clrMapOvr>
     <a:masterClrMapping/>
@@ -12734,8 +8462,8 @@
           <a:lstStyle/>
           <a:p>
             <a:r>
-              <a:rPr lang="en-US" b="1" dirty="0" smtClean="0"/>
-              <a:t>WAT</a:t>
+              <a:rPr lang="en-US" dirty="0" smtClean="0"/>
+              <a:t>Comments</a:t>
             </a:r>
             <a:endParaRPr lang="en-US" b="1" dirty="0">
               <a:solidFill>
@@ -12750,14 +8478,14 @@
       </p:sp>
       <p:sp>
         <p:nvSpPr>
-          <p:cNvPr id="7" name="Rectangle 6"/>
+          <p:cNvPr id="3" name="Rectangle 2"/>
           <p:cNvSpPr/>
           <p:nvPr/>
         </p:nvSpPr>
         <p:spPr>
           <a:xfrm>
-            <a:off x="490439" y="1484784"/>
-            <a:ext cx="8208912" cy="523220"/>
+            <a:off x="755576" y="836712"/>
+            <a:ext cx="5472608" cy="2308324"/>
           </a:xfrm>
           <a:prstGeom prst="rect">
             <a:avLst/>
@@ -12770,10 +8498,26 @@
           <a:lstStyle/>
           <a:p>
             <a:r>
-              <a:rPr lang="en" sz="2800" b="1" dirty="0"/>
-              <a:t>2 == [[[[2]]]]</a:t>
-            </a:r>
-            <a:endParaRPr lang="en-US" sz="2800" b="1" dirty="0" smtClean="0">
+              <a:rPr lang="en-US" sz="2400" b="1" dirty="0" smtClean="0"/>
+              <a:t>/*</a:t>
+            </a:r>
+          </a:p>
+          <a:p>
+            <a:pPr lvl="1"/>
+            <a:r>
+              <a:rPr lang="en-US" sz="2400" dirty="0">
+                <a:solidFill>
+                  <a:schemeClr val="bg1">
+                    <a:lumMod val="50000"/>
+                  </a:schemeClr>
+                </a:solidFill>
+              </a:rPr>
+              <a:t>When I wrote this, only God and I understood what I was doing</a:t>
+            </a:r>
+          </a:p>
+          <a:p>
+            <a:pPr lvl="1"/>
+            <a:endParaRPr lang="en-US" sz="2400" dirty="0">
               <a:solidFill>
                 <a:schemeClr val="bg1">
                   <a:lumMod val="50000"/>
@@ -12781,12 +8525,97 @@
               </a:solidFill>
             </a:endParaRPr>
           </a:p>
+          <a:p>
+            <a:pPr lvl="1"/>
+            <a:r>
+              <a:rPr lang="en-US" sz="2400" dirty="0">
+                <a:solidFill>
+                  <a:schemeClr val="bg1">
+                    <a:lumMod val="50000"/>
+                  </a:schemeClr>
+                </a:solidFill>
+              </a:rPr>
+              <a:t>Now, God only </a:t>
+            </a:r>
+            <a:r>
+              <a:rPr lang="en-US" sz="2400" dirty="0" smtClean="0">
+                <a:solidFill>
+                  <a:schemeClr val="bg1">
+                    <a:lumMod val="50000"/>
+                  </a:schemeClr>
+                </a:solidFill>
+              </a:rPr>
+              <a:t>knows</a:t>
+            </a:r>
+            <a:endParaRPr lang="en-US" sz="2400" dirty="0">
+              <a:solidFill>
+                <a:schemeClr val="bg1">
+                  <a:lumMod val="50000"/>
+                </a:schemeClr>
+              </a:solidFill>
+            </a:endParaRPr>
+          </a:p>
+          <a:p>
+            <a:r>
+              <a:rPr lang="en-US" sz="2400" b="1" dirty="0" smtClean="0"/>
+              <a:t>*/</a:t>
+            </a:r>
+          </a:p>
+        </p:txBody>
+      </p:sp>
+      <p:sp>
+        <p:nvSpPr>
+          <p:cNvPr id="8" name="Rectangle 7"/>
+          <p:cNvSpPr/>
+          <p:nvPr/>
+        </p:nvSpPr>
+        <p:spPr>
+          <a:xfrm>
+            <a:off x="774701" y="3818657"/>
+            <a:ext cx="5472608" cy="461665"/>
+          </a:xfrm>
+          <a:prstGeom prst="rect">
+            <a:avLst/>
+          </a:prstGeom>
+        </p:spPr>
+        <p:txBody>
+          <a:bodyPr wrap="square">
+            <a:spAutoFit/>
+          </a:bodyPr>
+          <a:lstStyle/>
+          <a:p>
+            <a:r>
+              <a:rPr lang="en-US" sz="2400" b="1" dirty="0" smtClean="0"/>
+              <a:t>//</a:t>
+            </a:r>
+            <a:r>
+              <a:rPr lang="en-US" sz="2400" dirty="0" smtClean="0"/>
+              <a:t> </a:t>
+            </a:r>
+            <a:r>
+              <a:rPr lang="en-US" sz="2400" dirty="0">
+                <a:solidFill>
+                  <a:schemeClr val="bg1">
+                    <a:lumMod val="50000"/>
+                  </a:schemeClr>
+                </a:solidFill>
+              </a:rPr>
+              <a:t>Magic. Do not touch.</a:t>
+            </a:r>
+            <a:endParaRPr lang="en-US" sz="2400" dirty="0" smtClean="0">
+              <a:solidFill>
+                <a:schemeClr val="bg1">
+                  <a:lumMod val="50000"/>
+                </a:schemeClr>
+              </a:solidFill>
+            </a:endParaRPr>
+          </a:p>
         </p:txBody>
       </p:sp>
     </p:spTree>
     <p:extLst>
       <p:ext uri="{BB962C8B-B14F-4D97-AF65-F5344CB8AC3E}">
-        <p14:creationId xmlns:p14="http://schemas.microsoft.com/office/powerpoint/2010/main" val="3402822212"/>
+        <p14:creationId xmlns:p14="http://schemas.microsoft.com/office/powerpoint/2010/main" val="828432998"/>
       </p:ext>
     </p:extLst>
   </p:cSld>
@@ -12823,274 +8652,40 @@
       </p:grpSpPr>
       <p:sp>
         <p:nvSpPr>
-          <p:cNvPr id="2" name="Заголовок 1"/>
-          <p:cNvSpPr>
-            <a:spLocks noGrp="1"/>
-          </p:cNvSpPr>
-          <p:nvPr>
-            <p:ph type="ctrTitle"/>
-          </p:nvPr>
-        </p:nvSpPr>
-        <p:spPr>
-          <a:xfrm>
-            <a:off x="642910" y="142852"/>
-            <a:ext cx="7772400" cy="528640"/>
-          </a:xfrm>
-        </p:spPr>
-        <p:txBody>
-          <a:bodyPr>
-            <a:normAutofit fontScale="90000"/>
-          </a:bodyPr>
-          <a:lstStyle/>
-          <a:p>
-            <a:r>
-              <a:rPr lang="en-US" b="1" dirty="0" smtClean="0">
-                <a:solidFill>
-                  <a:schemeClr val="tx1">
-                    <a:lumMod val="65000"/>
-                    <a:lumOff val="35000"/>
-                  </a:schemeClr>
-                </a:solidFill>
-              </a:rPr>
-              <a:t>Unusual operators</a:t>
-            </a:r>
-            <a:endParaRPr lang="en-US" b="1" dirty="0">
-              <a:solidFill>
-                <a:schemeClr val="tx1">
-                  <a:lumMod val="65000"/>
-                  <a:lumOff val="35000"/>
-                </a:schemeClr>
-              </a:solidFill>
-            </a:endParaRPr>
-          </a:p>
-        </p:txBody>
-      </p:sp>
-      <p:sp>
-        <p:nvSpPr>
-          <p:cNvPr id="5" name="Заголовок 1"/>
-          <p:cNvSpPr txBox="1">
-            <a:spLocks/>
-          </p:cNvSpPr>
-          <p:nvPr/>
-        </p:nvSpPr>
-        <p:spPr>
-          <a:xfrm>
-            <a:off x="571472" y="1285860"/>
-            <a:ext cx="7772400" cy="3786214"/>
-          </a:xfrm>
-          <a:prstGeom prst="rect">
-            <a:avLst/>
-          </a:prstGeom>
-        </p:spPr>
-        <p:txBody>
-          <a:bodyPr vert="horz" lIns="91440" tIns="45720" rIns="91440" bIns="45720" rtlCol="0" anchor="ctr">
-            <a:normAutofit/>
-          </a:bodyPr>
-          <a:lstStyle/>
-          <a:p>
-            <a:pPr>
-              <a:spcBef>
-                <a:spcPct val="0"/>
-              </a:spcBef>
+          <p:cNvPr id="3" name="Content Placeholder 2"/>
+          <p:cNvSpPr>
+            <a:spLocks noGrp="1"/>
+          </p:cNvSpPr>
+          <p:nvPr>
+            <p:ph idx="1"/>
+          </p:nvPr>
+        </p:nvSpPr>
+        <p:spPr/>
+        <p:txBody>
+          <a:bodyPr/>
+          <a:lstStyle/>
+          <a:p>
+            <a:pPr marL="0" indent="0" algn="ctr">
+              <a:buNone/>
             </a:pPr>
-            <a:endParaRPr lang="be-BY" smtClean="0"/>
-          </a:p>
-          <a:p>
-            <a:pPr marL="0" marR="0" lvl="0" indent="0" defTabSz="914400" rtl="0" eaLnBrk="1" fontAlgn="auto" latinLnBrk="0" hangingPunct="1">
-              <a:lnSpc>
-                <a:spcPct val="100000"/>
-              </a:lnSpc>
-              <a:spcBef>
-                <a:spcPct val="0"/>
-              </a:spcBef>
-              <a:spcAft>
-                <a:spcPts val="0"/>
-              </a:spcAft>
-              <a:buClrTx/>
-              <a:buSzTx/>
-              <a:buFontTx/>
-              <a:buNone/>
-              <a:tabLst/>
-              <a:defRPr/>
-            </a:pPr>
-            <a:endParaRPr kumimoji="0" lang="be-BY" sz="4400" b="0" i="0" u="none" strike="noStrike" kern="1200" cap="none" spc="0" normalizeH="0" baseline="0" noProof="0" dirty="0" smtClean="0">
-              <a:ln>
-                <a:noFill/>
-              </a:ln>
-              <a:solidFill>
-                <a:schemeClr val="tx1"/>
-              </a:solidFill>
-              <a:effectLst/>
-              <a:uLnTx/>
-              <a:uFillTx/>
-              <a:latin typeface="+mj-lt"/>
-              <a:ea typeface="+mj-ea"/>
-              <a:cs typeface="+mj-cs"/>
-            </a:endParaRPr>
-          </a:p>
-        </p:txBody>
-      </p:sp>
-      <p:sp>
-        <p:nvSpPr>
-          <p:cNvPr id="10" name="Rectangle 9"/>
-          <p:cNvSpPr/>
-          <p:nvPr/>
-        </p:nvSpPr>
-        <p:spPr>
-          <a:xfrm>
-            <a:off x="928662" y="1714488"/>
-            <a:ext cx="7572428" cy="2308324"/>
-          </a:xfrm>
-          <a:prstGeom prst="rect">
-            <a:avLst/>
-          </a:prstGeom>
-        </p:spPr>
-        <p:txBody>
-          <a:bodyPr wrap="square">
-            <a:spAutoFit/>
-          </a:bodyPr>
-          <a:lstStyle/>
-          <a:p>
-            <a:pPr marL="457200" indent="-457200">
-              <a:buFont typeface="+mj-lt"/>
-              <a:buAutoNum type="alphaUcPeriod"/>
-            </a:pPr>
-            <a:r>
-              <a:rPr lang="en-US" sz="2400" dirty="0" smtClean="0"/>
-              <a:t>Addition (</a:t>
-            </a:r>
-            <a:r>
-              <a:rPr lang="en-US" sz="2400" b="1" dirty="0" smtClean="0"/>
-              <a:t>+</a:t>
-            </a:r>
-            <a:r>
-              <a:rPr lang="en-US" sz="2400" dirty="0" smtClean="0"/>
-              <a:t>)</a:t>
-            </a:r>
-          </a:p>
-          <a:p>
-            <a:pPr marL="457200" indent="-457200">
-              <a:buFont typeface="+mj-lt"/>
-              <a:buAutoNum type="alphaUcPeriod"/>
-            </a:pPr>
-            <a:r>
-              <a:rPr lang="en-US" sz="2400" dirty="0" smtClean="0"/>
-              <a:t>Equality (</a:t>
-            </a:r>
-            <a:r>
-              <a:rPr lang="en-US" sz="2400" b="1" dirty="0" smtClean="0"/>
-              <a:t>==</a:t>
-            </a:r>
-            <a:r>
-              <a:rPr lang="en-US" sz="2400" dirty="0" smtClean="0"/>
-              <a:t>) and Identity (</a:t>
-            </a:r>
-            <a:r>
-              <a:rPr lang="en-US" sz="2400" b="1" dirty="0" smtClean="0"/>
-              <a:t>===</a:t>
-            </a:r>
-            <a:r>
-              <a:rPr lang="en-US" sz="2400" dirty="0" smtClean="0"/>
-              <a:t>)</a:t>
-            </a:r>
-          </a:p>
-          <a:p>
-            <a:pPr marL="457200" indent="-457200">
-              <a:buFont typeface="+mj-lt"/>
-              <a:buAutoNum type="alphaUcPeriod"/>
-            </a:pPr>
-            <a:r>
-              <a:rPr lang="en-US" sz="2400" dirty="0" smtClean="0"/>
-              <a:t>Comparison Operators</a:t>
-            </a:r>
-          </a:p>
-          <a:p>
-            <a:pPr marL="457200" indent="-457200">
-              <a:buFont typeface="+mj-lt"/>
-              <a:buAutoNum type="alphaUcPeriod"/>
-            </a:pPr>
-            <a:r>
-              <a:rPr lang="en-US" sz="2400" dirty="0" smtClean="0"/>
-              <a:t>The </a:t>
-            </a:r>
-            <a:r>
-              <a:rPr lang="en-US" sz="2400" b="1" dirty="0" smtClean="0">
-                <a:solidFill>
-                  <a:srgbClr val="0070C0"/>
-                </a:solidFill>
-              </a:rPr>
-              <a:t>in</a:t>
-            </a:r>
-            <a:r>
-              <a:rPr lang="en-US" sz="2400" dirty="0" smtClean="0"/>
-              <a:t> Operator</a:t>
-            </a:r>
-          </a:p>
-          <a:p>
-            <a:pPr marL="457200" indent="-457200">
-              <a:buFont typeface="+mj-lt"/>
-              <a:buAutoNum type="alphaUcPeriod"/>
-            </a:pPr>
-            <a:r>
-              <a:rPr lang="en-US" sz="2400" dirty="0" smtClean="0"/>
-              <a:t>Logical </a:t>
-            </a:r>
-            <a:r>
-              <a:rPr lang="en-US" sz="2400" b="1" dirty="0" smtClean="0">
-                <a:solidFill>
-                  <a:srgbClr val="0070C0"/>
-                </a:solidFill>
-              </a:rPr>
-              <a:t>OR </a:t>
-            </a:r>
-            <a:r>
-              <a:rPr lang="en-US" sz="2400" dirty="0" smtClean="0"/>
-              <a:t>(</a:t>
-            </a:r>
-            <a:r>
-              <a:rPr lang="en-US" sz="2400" b="1" dirty="0" smtClean="0"/>
-              <a:t>||</a:t>
-            </a:r>
-            <a:r>
-              <a:rPr lang="en-US" sz="2400" dirty="0" smtClean="0"/>
-              <a:t>)</a:t>
-            </a:r>
-          </a:p>
-          <a:p>
-            <a:pPr marL="457200" indent="-457200">
-              <a:buFont typeface="+mj-lt"/>
-              <a:buAutoNum type="alphaUcPeriod"/>
-            </a:pPr>
-            <a:r>
-              <a:rPr lang="en-US" sz="2400" dirty="0" smtClean="0"/>
-              <a:t>The </a:t>
-            </a:r>
-            <a:r>
-              <a:rPr lang="en-US" sz="2400" b="1" dirty="0" smtClean="0">
-                <a:solidFill>
-                  <a:srgbClr val="0070C0"/>
-                </a:solidFill>
-              </a:rPr>
-              <a:t>delete</a:t>
-            </a:r>
-            <a:r>
-              <a:rPr lang="en-US" sz="2400" dirty="0" smtClean="0"/>
-              <a:t> Operator</a:t>
-            </a:r>
+            <a:r>
+              <a:rPr lang="en-US" sz="4000" dirty="0" smtClean="0"/>
+              <a:t>Example</a:t>
+            </a:r>
+            <a:endParaRPr lang="en-US" sz="4000" dirty="0"/>
           </a:p>
         </p:txBody>
       </p:sp>
     </p:spTree>
     <p:extLst>
       <p:ext uri="{BB962C8B-B14F-4D97-AF65-F5344CB8AC3E}">
-        <p14:creationId xmlns:p14="http://schemas.microsoft.com/office/powerpoint/2010/main" val="421312873"/>
+        <p14:creationId xmlns:p14="http://schemas.microsoft.com/office/powerpoint/2010/main" val="3342804009"/>
       </p:ext>
     </p:extLst>
   </p:cSld>
   <p:clrMapOvr>
     <a:masterClrMapping/>
   </p:clrMapOvr>
-  <p:transition/>
   <p:timing>
     <p:tnLst>
       <p:par>

--- a/js-data-types/Data_types.pptx
+++ b/js-data-types/Data_types.pptx
@@ -5,22 +5,23 @@
     <p:sldMasterId id="2147483936" r:id="rId1"/>
   </p:sldMasterIdLst>
   <p:notesMasterIdLst>
-    <p:notesMasterId r:id="rId15"/>
+    <p:notesMasterId r:id="rId16"/>
   </p:notesMasterIdLst>
   <p:sldIdLst>
-    <p:sldId id="284" r:id="rId2"/>
-    <p:sldId id="417" r:id="rId3"/>
-    <p:sldId id="418" r:id="rId4"/>
-    <p:sldId id="419" r:id="rId5"/>
-    <p:sldId id="420" r:id="rId6"/>
-    <p:sldId id="304" r:id="rId7"/>
-    <p:sldId id="461" r:id="rId8"/>
-    <p:sldId id="348" r:id="rId9"/>
-    <p:sldId id="441" r:id="rId10"/>
-    <p:sldId id="353" r:id="rId11"/>
-    <p:sldId id="436" r:id="rId12"/>
-    <p:sldId id="292" r:id="rId13"/>
-    <p:sldId id="305" r:id="rId14"/>
+    <p:sldId id="442" r:id="rId2"/>
+    <p:sldId id="444" r:id="rId3"/>
+    <p:sldId id="445" r:id="rId4"/>
+    <p:sldId id="446" r:id="rId5"/>
+    <p:sldId id="447" r:id="rId6"/>
+    <p:sldId id="443" r:id="rId7"/>
+    <p:sldId id="417" r:id="rId8"/>
+    <p:sldId id="418" r:id="rId9"/>
+    <p:sldId id="419" r:id="rId10"/>
+    <p:sldId id="420" r:id="rId11"/>
+    <p:sldId id="304" r:id="rId12"/>
+    <p:sldId id="441" r:id="rId13"/>
+    <p:sldId id="353" r:id="rId14"/>
+    <p:sldId id="305" r:id="rId15"/>
   </p:sldIdLst>
   <p:sldSz cx="9144000" cy="6858000" type="screen4x3"/>
   <p:notesSz cx="6858000" cy="9144000"/>
@@ -221,7 +222,7 @@
             <a:fld id="{83C55866-C109-46F5-A1A5-A583FE70736B}" type="datetimeFigureOut">
               <a:rPr lang="be-BY" smtClean="0"/>
               <a:pPr/>
-              <a:t>28.08.2015</a:t>
+              <a:t>31.08.2015</a:t>
             </a:fld>
             <a:endParaRPr lang="be-BY"/>
           </a:p>
@@ -533,12 +534,10 @@
         </p:nvSpPr>
         <p:spPr/>
         <p:txBody>
-          <a:bodyPr>
-            <a:normAutofit/>
-          </a:bodyPr>
-          <a:lstStyle/>
-          <a:p>
-            <a:endParaRPr lang="en-US" i="0" dirty="0"/>
+          <a:bodyPr/>
+          <a:lstStyle/>
+          <a:p>
+            <a:endParaRPr lang="en-US" dirty="0"/>
           </a:p>
         </p:txBody>
       </p:sp>
@@ -560,7 +559,7 @@
             <a:fld id="{B6DB43F0-FEFD-424B-AFAA-1D3C2B01CC9C}" type="slidenum">
               <a:rPr lang="be-BY" smtClean="0"/>
               <a:pPr/>
-              <a:t>1</a:t>
+              <a:t>7</a:t>
             </a:fld>
             <a:endParaRPr lang="be-BY"/>
           </a:p>
@@ -569,7 +568,7 @@
     </p:spTree>
     <p:extLst>
       <p:ext uri="{BB962C8B-B14F-4D97-AF65-F5344CB8AC3E}">
-        <p14:creationId xmlns:p14="http://schemas.microsoft.com/office/powerpoint/2010/main" val="454907774"/>
+        <p14:creationId xmlns:p14="http://schemas.microsoft.com/office/powerpoint/2010/main" val="2547060751"/>
       </p:ext>
     </p:extLst>
   </p:cSld>
@@ -645,7 +644,7 @@
             <a:fld id="{B6DB43F0-FEFD-424B-AFAA-1D3C2B01CC9C}" type="slidenum">
               <a:rPr lang="be-BY" smtClean="0"/>
               <a:pPr/>
-              <a:t>2</a:t>
+              <a:t>8</a:t>
             </a:fld>
             <a:endParaRPr lang="be-BY"/>
           </a:p>
@@ -705,7 +704,9 @@
         </p:nvSpPr>
         <p:spPr/>
         <p:txBody>
-          <a:bodyPr/>
+          <a:bodyPr>
+            <a:normAutofit/>
+          </a:bodyPr>
           <a:lstStyle/>
           <a:p>
             <a:endParaRPr lang="en-US" dirty="0"/>
@@ -730,7 +731,7 @@
             <a:fld id="{B6DB43F0-FEFD-424B-AFAA-1D3C2B01CC9C}" type="slidenum">
               <a:rPr lang="be-BY" smtClean="0"/>
               <a:pPr/>
-              <a:t>3</a:t>
+              <a:t>10</a:t>
             </a:fld>
             <a:endParaRPr lang="be-BY"/>
           </a:p>
@@ -739,7 +740,7 @@
     </p:spTree>
     <p:extLst>
       <p:ext uri="{BB962C8B-B14F-4D97-AF65-F5344CB8AC3E}">
-        <p14:creationId xmlns:p14="http://schemas.microsoft.com/office/powerpoint/2010/main" val="2547060751"/>
+        <p14:creationId xmlns:p14="http://schemas.microsoft.com/office/powerpoint/2010/main" val="369111961"/>
       </p:ext>
     </p:extLst>
   </p:cSld>
@@ -795,7 +796,7 @@
           </a:bodyPr>
           <a:lstStyle/>
           <a:p>
-            <a:endParaRPr lang="en-US" dirty="0"/>
+            <a:endParaRPr lang="en-US" i="0" dirty="0"/>
           </a:p>
         </p:txBody>
       </p:sp>
@@ -817,7 +818,7 @@
             <a:fld id="{B6DB43F0-FEFD-424B-AFAA-1D3C2B01CC9C}" type="slidenum">
               <a:rPr lang="be-BY" smtClean="0"/>
               <a:pPr/>
-              <a:t>5</a:t>
+              <a:t>11</a:t>
             </a:fld>
             <a:endParaRPr lang="be-BY"/>
           </a:p>
@@ -826,7 +827,7 @@
     </p:spTree>
     <p:extLst>
       <p:ext uri="{BB962C8B-B14F-4D97-AF65-F5344CB8AC3E}">
-        <p14:creationId xmlns:p14="http://schemas.microsoft.com/office/powerpoint/2010/main" val="369111961"/>
+        <p14:creationId xmlns:p14="http://schemas.microsoft.com/office/powerpoint/2010/main" val="1703317087"/>
       </p:ext>
     </p:extLst>
   </p:cSld>
@@ -882,7 +883,7 @@
           </a:bodyPr>
           <a:lstStyle/>
           <a:p>
-            <a:endParaRPr lang="en-US" i="0" dirty="0"/>
+            <a:endParaRPr lang="ru-RU" baseline="0" dirty="0" smtClean="0"/>
           </a:p>
         </p:txBody>
       </p:sp>
@@ -904,7 +905,7 @@
             <a:fld id="{B6DB43F0-FEFD-424B-AFAA-1D3C2B01CC9C}" type="slidenum">
               <a:rPr lang="be-BY" smtClean="0"/>
               <a:pPr/>
-              <a:t>6</a:t>
+              <a:t>13</a:t>
             </a:fld>
             <a:endParaRPr lang="be-BY"/>
           </a:p>
@@ -913,7 +914,7 @@
     </p:spTree>
     <p:extLst>
       <p:ext uri="{BB962C8B-B14F-4D97-AF65-F5344CB8AC3E}">
-        <p14:creationId xmlns:p14="http://schemas.microsoft.com/office/powerpoint/2010/main" val="1703317087"/>
+        <p14:creationId xmlns:p14="http://schemas.microsoft.com/office/powerpoint/2010/main" val="2053847389"/>
       </p:ext>
     </p:extLst>
   </p:cSld>
@@ -964,12 +965,10 @@
         </p:nvSpPr>
         <p:spPr/>
         <p:txBody>
-          <a:bodyPr>
-            <a:normAutofit/>
-          </a:bodyPr>
-          <a:lstStyle/>
-          <a:p>
-            <a:endParaRPr lang="en-US" i="0" dirty="0"/>
+          <a:bodyPr/>
+          <a:lstStyle/>
+          <a:p>
+            <a:endParaRPr lang="en-US"/>
           </a:p>
         </p:txBody>
       </p:sp>
@@ -991,266 +990,7 @@
             <a:fld id="{B6DB43F0-FEFD-424B-AFAA-1D3C2B01CC9C}" type="slidenum">
               <a:rPr lang="be-BY" smtClean="0"/>
               <a:pPr/>
-              <a:t>7</a:t>
-            </a:fld>
-            <a:endParaRPr lang="be-BY"/>
-          </a:p>
-        </p:txBody>
-      </p:sp>
-    </p:spTree>
-    <p:extLst>
-      <p:ext uri="{BB962C8B-B14F-4D97-AF65-F5344CB8AC3E}">
-        <p14:creationId xmlns:p14="http://schemas.microsoft.com/office/powerpoint/2010/main" val="43877703"/>
-      </p:ext>
-    </p:extLst>
-  </p:cSld>
-  <p:clrMapOvr>
-    <a:masterClrMapping/>
-  </p:clrMapOvr>
-</p:notes>
-</file>
-
-<file path=ppt/notesSlides/notesSlide7.xml><?xml version="1.0" encoding="utf-8"?>
-<p:notes xmlns:a="http://schemas.openxmlformats.org/drawingml/2006/main" xmlns:r="http://schemas.openxmlformats.org/officeDocument/2006/relationships" xmlns:p="http://schemas.openxmlformats.org/presentationml/2006/main">
-  <p:cSld>
-    <p:spTree>
-      <p:nvGrpSpPr>
-        <p:cNvPr id="1" name=""/>
-        <p:cNvGrpSpPr/>
-        <p:nvPr/>
-      </p:nvGrpSpPr>
-      <p:grpSpPr>
-        <a:xfrm>
-          <a:off x="0" y="0"/>
-          <a:ext cx="0" cy="0"/>
-          <a:chOff x="0" y="0"/>
-          <a:chExt cx="0" cy="0"/>
-        </a:xfrm>
-      </p:grpSpPr>
-      <p:sp>
-        <p:nvSpPr>
-          <p:cNvPr id="2" name="Slide Image Placeholder 1"/>
-          <p:cNvSpPr>
-            <a:spLocks noGrp="1" noRot="1" noChangeAspect="1"/>
-          </p:cNvSpPr>
-          <p:nvPr>
-            <p:ph type="sldImg"/>
-          </p:nvPr>
-        </p:nvSpPr>
-        <p:spPr/>
-      </p:sp>
-      <p:sp>
-        <p:nvSpPr>
-          <p:cNvPr id="3" name="Notes Placeholder 2"/>
-          <p:cNvSpPr>
-            <a:spLocks noGrp="1"/>
-          </p:cNvSpPr>
-          <p:nvPr>
-            <p:ph type="body" idx="1"/>
-          </p:nvPr>
-        </p:nvSpPr>
-        <p:spPr/>
-        <p:txBody>
-          <a:bodyPr>
-            <a:normAutofit/>
-          </a:bodyPr>
-          <a:lstStyle/>
-          <a:p>
-            <a:endParaRPr lang="en-US" i="0" dirty="0"/>
-          </a:p>
-        </p:txBody>
-      </p:sp>
-      <p:sp>
-        <p:nvSpPr>
-          <p:cNvPr id="4" name="Slide Number Placeholder 3"/>
-          <p:cNvSpPr>
-            <a:spLocks noGrp="1"/>
-          </p:cNvSpPr>
-          <p:nvPr>
-            <p:ph type="sldNum" sz="quarter" idx="10"/>
-          </p:nvPr>
-        </p:nvSpPr>
-        <p:spPr/>
-        <p:txBody>
-          <a:bodyPr/>
-          <a:lstStyle/>
-          <a:p>
-            <a:fld id="{B6DB43F0-FEFD-424B-AFAA-1D3C2B01CC9C}" type="slidenum">
-              <a:rPr lang="be-BY" smtClean="0"/>
-              <a:pPr/>
-              <a:t>8</a:t>
-            </a:fld>
-            <a:endParaRPr lang="be-BY"/>
-          </a:p>
-        </p:txBody>
-      </p:sp>
-    </p:spTree>
-    <p:extLst>
-      <p:ext uri="{BB962C8B-B14F-4D97-AF65-F5344CB8AC3E}">
-        <p14:creationId xmlns:p14="http://schemas.microsoft.com/office/powerpoint/2010/main" val="365853423"/>
-      </p:ext>
-    </p:extLst>
-  </p:cSld>
-  <p:clrMapOvr>
-    <a:masterClrMapping/>
-  </p:clrMapOvr>
-</p:notes>
-</file>
-
-<file path=ppt/notesSlides/notesSlide8.xml><?xml version="1.0" encoding="utf-8"?>
-<p:notes xmlns:a="http://schemas.openxmlformats.org/drawingml/2006/main" xmlns:r="http://schemas.openxmlformats.org/officeDocument/2006/relationships" xmlns:p="http://schemas.openxmlformats.org/presentationml/2006/main">
-  <p:cSld>
-    <p:spTree>
-      <p:nvGrpSpPr>
-        <p:cNvPr id="1" name=""/>
-        <p:cNvGrpSpPr/>
-        <p:nvPr/>
-      </p:nvGrpSpPr>
-      <p:grpSpPr>
-        <a:xfrm>
-          <a:off x="0" y="0"/>
-          <a:ext cx="0" cy="0"/>
-          <a:chOff x="0" y="0"/>
-          <a:chExt cx="0" cy="0"/>
-        </a:xfrm>
-      </p:grpSpPr>
-      <p:sp>
-        <p:nvSpPr>
-          <p:cNvPr id="2" name="Slide Image Placeholder 1"/>
-          <p:cNvSpPr>
-            <a:spLocks noGrp="1" noRot="1" noChangeAspect="1"/>
-          </p:cNvSpPr>
-          <p:nvPr>
-            <p:ph type="sldImg"/>
-          </p:nvPr>
-        </p:nvSpPr>
-        <p:spPr/>
-      </p:sp>
-      <p:sp>
-        <p:nvSpPr>
-          <p:cNvPr id="3" name="Notes Placeholder 2"/>
-          <p:cNvSpPr>
-            <a:spLocks noGrp="1"/>
-          </p:cNvSpPr>
-          <p:nvPr>
-            <p:ph type="body" idx="1"/>
-          </p:nvPr>
-        </p:nvSpPr>
-        <p:spPr/>
-        <p:txBody>
-          <a:bodyPr>
-            <a:normAutofit/>
-          </a:bodyPr>
-          <a:lstStyle/>
-          <a:p>
-            <a:endParaRPr lang="ru-RU" baseline="0" dirty="0" smtClean="0"/>
-          </a:p>
-        </p:txBody>
-      </p:sp>
-      <p:sp>
-        <p:nvSpPr>
-          <p:cNvPr id="4" name="Slide Number Placeholder 3"/>
-          <p:cNvSpPr>
-            <a:spLocks noGrp="1"/>
-          </p:cNvSpPr>
-          <p:nvPr>
-            <p:ph type="sldNum" sz="quarter" idx="10"/>
-          </p:nvPr>
-        </p:nvSpPr>
-        <p:spPr/>
-        <p:txBody>
-          <a:bodyPr/>
-          <a:lstStyle/>
-          <a:p>
-            <a:fld id="{B6DB43F0-FEFD-424B-AFAA-1D3C2B01CC9C}" type="slidenum">
-              <a:rPr lang="be-BY" smtClean="0"/>
-              <a:pPr/>
-              <a:t>10</a:t>
-            </a:fld>
-            <a:endParaRPr lang="be-BY"/>
-          </a:p>
-        </p:txBody>
-      </p:sp>
-    </p:spTree>
-    <p:extLst>
-      <p:ext uri="{BB962C8B-B14F-4D97-AF65-F5344CB8AC3E}">
-        <p14:creationId xmlns:p14="http://schemas.microsoft.com/office/powerpoint/2010/main" val="2053847389"/>
-      </p:ext>
-    </p:extLst>
-  </p:cSld>
-  <p:clrMapOvr>
-    <a:masterClrMapping/>
-  </p:clrMapOvr>
-</p:notes>
-</file>
-
-<file path=ppt/notesSlides/notesSlide9.xml><?xml version="1.0" encoding="utf-8"?>
-<p:notes xmlns:a="http://schemas.openxmlformats.org/drawingml/2006/main" xmlns:r="http://schemas.openxmlformats.org/officeDocument/2006/relationships" xmlns:p="http://schemas.openxmlformats.org/presentationml/2006/main">
-  <p:cSld>
-    <p:spTree>
-      <p:nvGrpSpPr>
-        <p:cNvPr id="1" name=""/>
-        <p:cNvGrpSpPr/>
-        <p:nvPr/>
-      </p:nvGrpSpPr>
-      <p:grpSpPr>
-        <a:xfrm>
-          <a:off x="0" y="0"/>
-          <a:ext cx="0" cy="0"/>
-          <a:chOff x="0" y="0"/>
-          <a:chExt cx="0" cy="0"/>
-        </a:xfrm>
-      </p:grpSpPr>
-      <p:sp>
-        <p:nvSpPr>
-          <p:cNvPr id="2" name="Slide Image Placeholder 1"/>
-          <p:cNvSpPr>
-            <a:spLocks noGrp="1" noRot="1" noChangeAspect="1"/>
-          </p:cNvSpPr>
-          <p:nvPr>
-            <p:ph type="sldImg"/>
-          </p:nvPr>
-        </p:nvSpPr>
-        <p:spPr/>
-      </p:sp>
-      <p:sp>
-        <p:nvSpPr>
-          <p:cNvPr id="3" name="Notes Placeholder 2"/>
-          <p:cNvSpPr>
-            <a:spLocks noGrp="1"/>
-          </p:cNvSpPr>
-          <p:nvPr>
-            <p:ph type="body" idx="1"/>
-          </p:nvPr>
-        </p:nvSpPr>
-        <p:spPr/>
-        <p:txBody>
-          <a:bodyPr/>
-          <a:lstStyle/>
-          <a:p>
-            <a:endParaRPr lang="en-US"/>
-          </a:p>
-        </p:txBody>
-      </p:sp>
-      <p:sp>
-        <p:nvSpPr>
-          <p:cNvPr id="4" name="Slide Number Placeholder 3"/>
-          <p:cNvSpPr>
-            <a:spLocks noGrp="1"/>
-          </p:cNvSpPr>
-          <p:nvPr>
-            <p:ph type="sldNum" sz="quarter" idx="10"/>
-          </p:nvPr>
-        </p:nvSpPr>
-        <p:spPr/>
-        <p:txBody>
-          <a:bodyPr/>
-          <a:lstStyle/>
-          <a:p>
-            <a:fld id="{B6DB43F0-FEFD-424B-AFAA-1D3C2B01CC9C}" type="slidenum">
-              <a:rPr lang="be-BY" smtClean="0"/>
-              <a:pPr/>
-              <a:t>13</a:t>
+              <a:t>14</a:t>
             </a:fld>
             <a:endParaRPr lang="be-BY"/>
           </a:p>
@@ -1451,7 +1191,7 @@
             <a:fld id="{ADF9D30C-D1AE-43D8-9AC8-81DD3F555E58}" type="datetimeFigureOut">
               <a:rPr lang="be-BY" smtClean="0"/>
               <a:pPr/>
-              <a:t>28.08.2015</a:t>
+              <a:t>31.08.2015</a:t>
             </a:fld>
             <a:endParaRPr lang="be-BY"/>
           </a:p>
@@ -1618,7 +1358,7 @@
             <a:fld id="{ADF9D30C-D1AE-43D8-9AC8-81DD3F555E58}" type="datetimeFigureOut">
               <a:rPr lang="be-BY" smtClean="0"/>
               <a:pPr/>
-              <a:t>28.08.2015</a:t>
+              <a:t>31.08.2015</a:t>
             </a:fld>
             <a:endParaRPr lang="be-BY"/>
           </a:p>
@@ -1795,7 +1535,7 @@
             <a:fld id="{ADF9D30C-D1AE-43D8-9AC8-81DD3F555E58}" type="datetimeFigureOut">
               <a:rPr lang="be-BY" smtClean="0"/>
               <a:pPr/>
-              <a:t>28.08.2015</a:t>
+              <a:t>31.08.2015</a:t>
             </a:fld>
             <a:endParaRPr lang="be-BY"/>
           </a:p>
@@ -1962,7 +1702,7 @@
             <a:fld id="{ADF9D30C-D1AE-43D8-9AC8-81DD3F555E58}" type="datetimeFigureOut">
               <a:rPr lang="be-BY" smtClean="0"/>
               <a:pPr/>
-              <a:t>28.08.2015</a:t>
+              <a:t>31.08.2015</a:t>
             </a:fld>
             <a:endParaRPr lang="be-BY"/>
           </a:p>
@@ -2205,7 +1945,7 @@
             <a:fld id="{ADF9D30C-D1AE-43D8-9AC8-81DD3F555E58}" type="datetimeFigureOut">
               <a:rPr lang="be-BY" smtClean="0"/>
               <a:pPr/>
-              <a:t>28.08.2015</a:t>
+              <a:t>31.08.2015</a:t>
             </a:fld>
             <a:endParaRPr lang="be-BY"/>
           </a:p>
@@ -2490,7 +2230,7 @@
             <a:fld id="{ADF9D30C-D1AE-43D8-9AC8-81DD3F555E58}" type="datetimeFigureOut">
               <a:rPr lang="be-BY" smtClean="0"/>
               <a:pPr/>
-              <a:t>28.08.2015</a:t>
+              <a:t>31.08.2015</a:t>
             </a:fld>
             <a:endParaRPr lang="be-BY"/>
           </a:p>
@@ -2909,7 +2649,7 @@
             <a:fld id="{ADF9D30C-D1AE-43D8-9AC8-81DD3F555E58}" type="datetimeFigureOut">
               <a:rPr lang="be-BY" smtClean="0"/>
               <a:pPr/>
-              <a:t>28.08.2015</a:t>
+              <a:t>31.08.2015</a:t>
             </a:fld>
             <a:endParaRPr lang="be-BY"/>
           </a:p>
@@ -3024,7 +2764,7 @@
             <a:fld id="{ADF9D30C-D1AE-43D8-9AC8-81DD3F555E58}" type="datetimeFigureOut">
               <a:rPr lang="be-BY" smtClean="0"/>
               <a:pPr/>
-              <a:t>28.08.2015</a:t>
+              <a:t>31.08.2015</a:t>
             </a:fld>
             <a:endParaRPr lang="be-BY"/>
           </a:p>
@@ -3116,7 +2856,7 @@
             <a:fld id="{ADF9D30C-D1AE-43D8-9AC8-81DD3F555E58}" type="datetimeFigureOut">
               <a:rPr lang="be-BY" smtClean="0"/>
               <a:pPr/>
-              <a:t>28.08.2015</a:t>
+              <a:t>31.08.2015</a:t>
             </a:fld>
             <a:endParaRPr lang="be-BY"/>
           </a:p>
@@ -3390,7 +3130,7 @@
             <a:fld id="{ADF9D30C-D1AE-43D8-9AC8-81DD3F555E58}" type="datetimeFigureOut">
               <a:rPr lang="be-BY" smtClean="0"/>
               <a:pPr/>
-              <a:t>28.08.2015</a:t>
+              <a:t>31.08.2015</a:t>
             </a:fld>
             <a:endParaRPr lang="be-BY"/>
           </a:p>
@@ -3640,7 +3380,7 @@
             <a:fld id="{ADF9D30C-D1AE-43D8-9AC8-81DD3F555E58}" type="datetimeFigureOut">
               <a:rPr lang="be-BY" smtClean="0"/>
               <a:pPr/>
-              <a:t>28.08.2015</a:t>
+              <a:t>31.08.2015</a:t>
             </a:fld>
             <a:endParaRPr lang="be-BY"/>
           </a:p>
@@ -3850,7 +3590,7 @@
             <a:fld id="{ADF9D30C-D1AE-43D8-9AC8-81DD3F555E58}" type="datetimeFigureOut">
               <a:rPr lang="be-BY" smtClean="0"/>
               <a:pPr/>
-              <a:t>28.08.2015</a:t>
+              <a:t>31.08.2015</a:t>
             </a:fld>
             <a:endParaRPr lang="be-BY"/>
           </a:p>
@@ -4223,6 +3963,85 @@
       </p:grpSpPr>
       <p:sp>
         <p:nvSpPr>
+          <p:cNvPr id="2" name="Title 1"/>
+          <p:cNvSpPr>
+            <a:spLocks noGrp="1"/>
+          </p:cNvSpPr>
+          <p:nvPr>
+            <p:ph type="ctrTitle"/>
+          </p:nvPr>
+        </p:nvSpPr>
+        <p:spPr/>
+        <p:txBody>
+          <a:bodyPr/>
+          <a:lstStyle/>
+          <a:p>
+            <a:r>
+              <a:rPr lang="en-US" dirty="0" smtClean="0"/>
+              <a:t>Lecture III</a:t>
+            </a:r>
+            <a:endParaRPr lang="en-US" dirty="0"/>
+          </a:p>
+        </p:txBody>
+      </p:sp>
+      <p:sp>
+        <p:nvSpPr>
+          <p:cNvPr id="3" name="Subtitle 2"/>
+          <p:cNvSpPr>
+            <a:spLocks noGrp="1"/>
+          </p:cNvSpPr>
+          <p:nvPr>
+            <p:ph type="subTitle" idx="1"/>
+          </p:nvPr>
+        </p:nvSpPr>
+        <p:spPr/>
+        <p:txBody>
+          <a:bodyPr/>
+          <a:lstStyle/>
+          <a:p>
+            <a:endParaRPr lang="en-US"/>
+          </a:p>
+        </p:txBody>
+      </p:sp>
+    </p:spTree>
+    <p:extLst>
+      <p:ext uri="{BB962C8B-B14F-4D97-AF65-F5344CB8AC3E}">
+        <p14:creationId xmlns:p14="http://schemas.microsoft.com/office/powerpoint/2010/main" val="1681903036"/>
+      </p:ext>
+    </p:extLst>
+  </p:cSld>
+  <p:clrMapOvr>
+    <a:masterClrMapping/>
+  </p:clrMapOvr>
+  <p:timing>
+    <p:tnLst>
+      <p:par>
+        <p:cTn id="1" dur="indefinite" restart="never" nodeType="tmRoot"/>
+      </p:par>
+    </p:tnLst>
+  </p:timing>
+</p:sld>
+</file>
+
+<file path=ppt/slides/slide10.xml><?xml version="1.0" encoding="utf-8"?>
+<p:sld xmlns:a="http://schemas.openxmlformats.org/drawingml/2006/main" xmlns:r="http://schemas.openxmlformats.org/officeDocument/2006/relationships" xmlns:p="http://schemas.openxmlformats.org/presentationml/2006/main">
+  <p:cSld>
+    <p:spTree>
+      <p:nvGrpSpPr>
+        <p:cNvPr id="1" name=""/>
+        <p:cNvGrpSpPr/>
+        <p:nvPr/>
+      </p:nvGrpSpPr>
+      <p:grpSpPr>
+        <a:xfrm>
+          <a:off x="0" y="0"/>
+          <a:ext cx="0" cy="0"/>
+          <a:chOff x="0" y="0"/>
+          <a:chExt cx="0" cy="0"/>
+        </a:xfrm>
+      </p:grpSpPr>
+      <p:sp>
+        <p:nvSpPr>
           <p:cNvPr id="2" name="Заголовок 1"/>
           <p:cNvSpPr>
             <a:spLocks noGrp="1"/>
@@ -4239,15 +4058,22 @@
         </p:spPr>
         <p:txBody>
           <a:bodyPr>
-            <a:noAutofit/>
+            <a:normAutofit fontScale="90000"/>
           </a:bodyPr>
           <a:lstStyle/>
           <a:p>
             <a:r>
-              <a:rPr lang="en-US" sz="3200" b="1" dirty="0"/>
-              <a:t>Strategy of passing arguments to function</a:t>
-            </a:r>
-            <a:endParaRPr lang="en-US" sz="3200" b="1" dirty="0">
+              <a:rPr lang="en-US" b="1" dirty="0" smtClean="0">
+                <a:solidFill>
+                  <a:schemeClr val="tx1">
+                    <a:lumMod val="65000"/>
+                    <a:lumOff val="35000"/>
+                  </a:schemeClr>
+                </a:solidFill>
+              </a:rPr>
+              <a:t>With statement</a:t>
+            </a:r>
+            <a:endParaRPr lang="en-US" b="1" dirty="0">
               <a:solidFill>
                 <a:schemeClr val="tx1">
                   <a:lumMod val="65000"/>
@@ -4325,71 +4151,14 @@
       </p:sp>
       <p:sp>
         <p:nvSpPr>
-          <p:cNvPr id="13" name="Rectangle 12"/>
+          <p:cNvPr id="6" name="Rectangle 5"/>
           <p:cNvSpPr/>
           <p:nvPr/>
         </p:nvSpPr>
         <p:spPr>
           <a:xfrm>
-            <a:off x="323528" y="1412776"/>
-            <a:ext cx="7572428" cy="1200329"/>
-          </a:xfrm>
-          <a:prstGeom prst="rect">
-            <a:avLst/>
-          </a:prstGeom>
-        </p:spPr>
-        <p:txBody>
-          <a:bodyPr wrap="square">
-            <a:spAutoFit/>
-          </a:bodyPr>
-          <a:lstStyle/>
-          <a:p>
-            <a:r>
-              <a:rPr lang="en-US" sz="2400" dirty="0" smtClean="0"/>
-              <a:t>Primitive types are manipulated </a:t>
-            </a:r>
-            <a:r>
-              <a:rPr lang="en-US" sz="2400" u="sng" dirty="0" smtClean="0"/>
-              <a:t>by value</a:t>
-            </a:r>
-            <a:r>
-              <a:rPr lang="en-US" sz="2400" dirty="0" smtClean="0"/>
-              <a:t>.</a:t>
-            </a:r>
-          </a:p>
-          <a:p>
-            <a:r>
-              <a:rPr lang="en-US" sz="2400" dirty="0" smtClean="0"/>
-              <a:t> </a:t>
-            </a:r>
-          </a:p>
-          <a:p>
-            <a:r>
-              <a:rPr lang="en-US" sz="2400" dirty="0" smtClean="0"/>
-              <a:t>Object types are manipulated </a:t>
-            </a:r>
-            <a:r>
-              <a:rPr lang="en-US" sz="2400" u="sng" dirty="0" smtClean="0"/>
-              <a:t>by sharing</a:t>
-            </a:r>
-            <a:r>
-              <a:rPr lang="en-US" sz="2400" dirty="0" smtClean="0"/>
-              <a:t>.</a:t>
-            </a:r>
-            <a:endParaRPr lang="en-US" sz="2400" dirty="0"/>
-          </a:p>
-        </p:txBody>
-      </p:sp>
-      <p:sp>
-        <p:nvSpPr>
-          <p:cNvPr id="3" name="TextBox 2"/>
-          <p:cNvSpPr txBox="1"/>
-          <p:nvPr/>
-        </p:nvSpPr>
-        <p:spPr>
-          <a:xfrm>
-            <a:off x="467544" y="2763750"/>
-            <a:ext cx="7272808" cy="2308324"/>
+            <a:off x="428596" y="1214422"/>
+            <a:ext cx="8286808" cy="1015663"/>
           </a:xfrm>
           <a:prstGeom prst="rect">
             <a:avLst/>
@@ -4399,8 +4168,8 @@
           <a:lnRef idx="1">
             <a:schemeClr val="dk1"/>
           </a:lnRef>
-          <a:fillRef idx="2">
-            <a:schemeClr val="dk1"/>
+          <a:fillRef idx="1001">
+            <a:schemeClr val="lt2"/>
           </a:fillRef>
           <a:effectRef idx="1">
             <a:schemeClr val="dk1"/>
@@ -4410,93 +4179,524 @@
           </a:fontRef>
         </p:style>
         <p:txBody>
-          <a:bodyPr wrap="square" rtlCol="0">
+          <a:bodyPr wrap="square">
             <a:spAutoFit/>
           </a:bodyPr>
           <a:lstStyle/>
           <a:p>
             <a:r>
-              <a:rPr lang="en-US" dirty="0"/>
-              <a:t>function x(t){</a:t>
-            </a:r>
-          </a:p>
-          <a:p>
-            <a:pPr lvl="1"/>
-            <a:r>
-              <a:rPr lang="en-US" dirty="0" err="1"/>
-              <a:t>t.a</a:t>
-            </a:r>
-            <a:r>
-              <a:rPr lang="en-US" dirty="0"/>
-              <a:t> = 5;</a:t>
-            </a:r>
-          </a:p>
-          <a:p>
-            <a:pPr lvl="1"/>
-            <a:r>
-              <a:rPr lang="en-US" dirty="0"/>
-              <a:t>t = {};</a:t>
-            </a:r>
-          </a:p>
-          <a:p>
-            <a:r>
-              <a:rPr lang="en-US" dirty="0"/>
+              <a:rPr lang="en-US" sz="2000" b="1" dirty="0" smtClean="0">
+                <a:solidFill>
+                  <a:srgbClr val="0070C0"/>
+                </a:solidFill>
+              </a:rPr>
+              <a:t>with</a:t>
+            </a:r>
+            <a:r>
+              <a:rPr lang="en-US" sz="2000" b="1" dirty="0" smtClean="0"/>
+              <a:t> (</a:t>
+            </a:r>
+            <a:r>
+              <a:rPr lang="en-US" sz="2000" b="1" dirty="0" err="1" smtClean="0">
+                <a:solidFill>
+                  <a:schemeClr val="accent6">
+                    <a:lumMod val="75000"/>
+                  </a:schemeClr>
+                </a:solidFill>
+              </a:rPr>
+              <a:t>obj</a:t>
+            </a:r>
+            <a:r>
+              <a:rPr lang="en-US" sz="2000" b="1" dirty="0" smtClean="0"/>
+              <a:t>) {</a:t>
+            </a:r>
+          </a:p>
+          <a:p>
+            <a:r>
+              <a:rPr lang="en-US" sz="2000" b="1" dirty="0" smtClean="0"/>
+              <a:t>	</a:t>
+            </a:r>
+            <a:r>
+              <a:rPr lang="en-US" sz="2000" b="1" dirty="0" smtClean="0">
+                <a:solidFill>
+                  <a:schemeClr val="accent6">
+                    <a:lumMod val="75000"/>
+                  </a:schemeClr>
+                </a:solidFill>
+              </a:rPr>
+              <a:t>a</a:t>
+            </a:r>
+            <a:r>
+              <a:rPr lang="en-US" sz="2000" b="1" dirty="0" smtClean="0"/>
+              <a:t> = </a:t>
+            </a:r>
+            <a:r>
+              <a:rPr lang="en-US" sz="2000" b="1" dirty="0" smtClean="0">
+                <a:solidFill>
+                  <a:schemeClr val="accent6">
+                    <a:lumMod val="75000"/>
+                  </a:schemeClr>
+                </a:solidFill>
+              </a:rPr>
+              <a:t>b</a:t>
+            </a:r>
+            <a:r>
+              <a:rPr lang="en-US" sz="2000" b="1" dirty="0" smtClean="0"/>
+              <a:t>;</a:t>
+            </a:r>
+          </a:p>
+          <a:p>
+            <a:r>
+              <a:rPr lang="en-US" sz="2000" b="1" dirty="0" smtClean="0"/>
               <a:t>}</a:t>
             </a:r>
           </a:p>
-          <a:p>
-            <a:endParaRPr lang="en-US" dirty="0"/>
-          </a:p>
-          <a:p>
-            <a:r>
-              <a:rPr lang="en-US" dirty="0" err="1"/>
-              <a:t>var</a:t>
-            </a:r>
-            <a:r>
-              <a:rPr lang="en-US" dirty="0"/>
-              <a:t> </a:t>
-            </a:r>
-            <a:r>
-              <a:rPr lang="en-US" dirty="0" err="1"/>
+        </p:txBody>
+      </p:sp>
+      <p:sp>
+        <p:nvSpPr>
+          <p:cNvPr id="8" name="Rectangle 7"/>
+          <p:cNvSpPr/>
+          <p:nvPr/>
+        </p:nvSpPr>
+        <p:spPr>
+          <a:xfrm>
+            <a:off x="428596" y="2643182"/>
+            <a:ext cx="8286808" cy="1323439"/>
+          </a:xfrm>
+          <a:prstGeom prst="rect">
+            <a:avLst/>
+          </a:prstGeom>
+        </p:spPr>
+        <p:style>
+          <a:lnRef idx="1">
+            <a:schemeClr val="dk1"/>
+          </a:lnRef>
+          <a:fillRef idx="1001">
+            <a:schemeClr val="lt2"/>
+          </a:fillRef>
+          <a:effectRef idx="1">
+            <a:schemeClr val="dk1"/>
+          </a:effectRef>
+          <a:fontRef idx="minor">
+            <a:schemeClr val="dk1"/>
+          </a:fontRef>
+        </p:style>
+        <p:txBody>
+          <a:bodyPr wrap="square">
+            <a:spAutoFit/>
+          </a:bodyPr>
+          <a:lstStyle/>
+          <a:p>
+            <a:r>
+              <a:rPr lang="pt-BR" sz="2000" b="1" dirty="0" smtClean="0">
+                <a:solidFill>
+                  <a:schemeClr val="accent6">
+                    <a:lumMod val="75000"/>
+                  </a:schemeClr>
+                </a:solidFill>
+              </a:rPr>
+              <a:t>a</a:t>
+            </a:r>
+            <a:r>
+              <a:rPr lang="pt-BR" sz="2000" b="1" dirty="0" smtClean="0"/>
+              <a:t> = </a:t>
+            </a:r>
+            <a:r>
+              <a:rPr lang="pt-BR" sz="2000" b="1" dirty="0" smtClean="0">
+                <a:solidFill>
+                  <a:schemeClr val="accent6">
+                    <a:lumMod val="75000"/>
+                  </a:schemeClr>
+                </a:solidFill>
+              </a:rPr>
+              <a:t>b</a:t>
+            </a:r>
+            <a:r>
+              <a:rPr lang="pt-BR" sz="2000" b="1" dirty="0" smtClean="0"/>
+              <a:t>; </a:t>
+            </a:r>
+          </a:p>
+          <a:p>
+            <a:r>
+              <a:rPr lang="pt-BR" sz="2000" b="1" dirty="0" smtClean="0">
+                <a:solidFill>
+                  <a:schemeClr val="accent6">
+                    <a:lumMod val="75000"/>
+                  </a:schemeClr>
+                </a:solidFill>
+              </a:rPr>
+              <a:t>a</a:t>
+            </a:r>
+            <a:r>
+              <a:rPr lang="pt-BR" sz="2000" b="1" dirty="0" smtClean="0"/>
+              <a:t> = </a:t>
+            </a:r>
+            <a:r>
+              <a:rPr lang="pt-BR" sz="2000" b="1" dirty="0" smtClean="0">
+                <a:solidFill>
+                  <a:schemeClr val="accent6">
+                    <a:lumMod val="75000"/>
+                  </a:schemeClr>
+                </a:solidFill>
+              </a:rPr>
               <a:t>obj</a:t>
             </a:r>
             <a:r>
-              <a:rPr lang="en-US" dirty="0"/>
-              <a:t> = {};</a:t>
-            </a:r>
-          </a:p>
-          <a:p>
-            <a:r>
-              <a:rPr lang="en-US" dirty="0"/>
-              <a:t>x(</a:t>
-            </a:r>
-            <a:r>
-              <a:rPr lang="en-US" dirty="0" err="1"/>
+              <a:rPr lang="pt-BR" sz="2000" b="1" dirty="0" smtClean="0"/>
+              <a:t>.</a:t>
+            </a:r>
+            <a:r>
+              <a:rPr lang="pt-BR" sz="2000" b="1" dirty="0" smtClean="0">
+                <a:solidFill>
+                  <a:schemeClr val="accent6">
+                    <a:lumMod val="75000"/>
+                  </a:schemeClr>
+                </a:solidFill>
+              </a:rPr>
+              <a:t>b</a:t>
+            </a:r>
+            <a:r>
+              <a:rPr lang="pt-BR" sz="2000" b="1" dirty="0" smtClean="0"/>
+              <a:t>; </a:t>
+            </a:r>
+          </a:p>
+          <a:p>
+            <a:r>
+              <a:rPr lang="pt-BR" sz="2000" b="1" dirty="0" smtClean="0">
+                <a:solidFill>
+                  <a:schemeClr val="accent6">
+                    <a:lumMod val="75000"/>
+                  </a:schemeClr>
+                </a:solidFill>
+              </a:rPr>
               <a:t>obj</a:t>
             </a:r>
             <a:r>
-              <a:rPr lang="en-US" dirty="0"/>
-              <a:t>)</a:t>
-            </a:r>
-          </a:p>
-          <a:p>
-            <a:r>
-              <a:rPr lang="en-US" dirty="0"/>
-              <a:t>c</a:t>
-            </a:r>
-            <a:r>
-              <a:rPr lang="en-US" dirty="0" smtClean="0"/>
-              <a:t>onsole.log(</a:t>
-            </a:r>
-            <a:r>
-              <a:rPr lang="en-US" dirty="0" err="1" smtClean="0"/>
+              <a:rPr lang="pt-BR" sz="2000" b="1" dirty="0" smtClean="0"/>
+              <a:t>.</a:t>
+            </a:r>
+            <a:r>
+              <a:rPr lang="pt-BR" sz="2000" b="1" dirty="0" smtClean="0">
+                <a:solidFill>
+                  <a:schemeClr val="accent6">
+                    <a:lumMod val="75000"/>
+                  </a:schemeClr>
+                </a:solidFill>
+              </a:rPr>
+              <a:t>a</a:t>
+            </a:r>
+            <a:r>
+              <a:rPr lang="pt-BR" sz="2000" b="1" dirty="0" smtClean="0"/>
+              <a:t> = </a:t>
+            </a:r>
+            <a:r>
+              <a:rPr lang="pt-BR" sz="2000" b="1" dirty="0" smtClean="0">
+                <a:solidFill>
+                  <a:schemeClr val="accent6">
+                    <a:lumMod val="75000"/>
+                  </a:schemeClr>
+                </a:solidFill>
+              </a:rPr>
+              <a:t>b</a:t>
+            </a:r>
+            <a:r>
+              <a:rPr lang="pt-BR" sz="2000" b="1" dirty="0" smtClean="0"/>
+              <a:t>; </a:t>
+            </a:r>
+          </a:p>
+          <a:p>
+            <a:r>
+              <a:rPr lang="pt-BR" sz="2000" b="1" dirty="0" smtClean="0">
+                <a:solidFill>
+                  <a:schemeClr val="accent6">
+                    <a:lumMod val="75000"/>
+                  </a:schemeClr>
+                </a:solidFill>
+              </a:rPr>
               <a:t>obj</a:t>
             </a:r>
             <a:r>
-              <a:rPr lang="en-US" dirty="0" smtClean="0"/>
-              <a:t>)</a:t>
-            </a:r>
-            <a:endParaRPr lang="en-US" dirty="0"/>
+              <a:rPr lang="pt-BR" sz="2000" b="1" dirty="0" smtClean="0"/>
+              <a:t>.</a:t>
+            </a:r>
+            <a:r>
+              <a:rPr lang="pt-BR" sz="2000" b="1" dirty="0" smtClean="0">
+                <a:solidFill>
+                  <a:schemeClr val="accent6">
+                    <a:lumMod val="75000"/>
+                  </a:schemeClr>
+                </a:solidFill>
+              </a:rPr>
+              <a:t>a</a:t>
+            </a:r>
+            <a:r>
+              <a:rPr lang="pt-BR" sz="2000" b="1" dirty="0" smtClean="0"/>
+              <a:t> = </a:t>
+            </a:r>
+            <a:r>
+              <a:rPr lang="pt-BR" sz="2000" b="1" dirty="0" smtClean="0">
+                <a:solidFill>
+                  <a:schemeClr val="accent6">
+                    <a:lumMod val="75000"/>
+                  </a:schemeClr>
+                </a:solidFill>
+              </a:rPr>
+              <a:t>obj</a:t>
+            </a:r>
+            <a:r>
+              <a:rPr lang="pt-BR" sz="2000" b="1" dirty="0" smtClean="0"/>
+              <a:t>.</a:t>
+            </a:r>
+            <a:r>
+              <a:rPr lang="pt-BR" sz="2000" b="1" dirty="0" smtClean="0">
+                <a:solidFill>
+                  <a:schemeClr val="accent6">
+                    <a:lumMod val="75000"/>
+                  </a:schemeClr>
+                </a:solidFill>
+              </a:rPr>
+              <a:t>b</a:t>
+            </a:r>
+            <a:r>
+              <a:rPr lang="pt-BR" sz="2000" b="1" dirty="0" smtClean="0"/>
+              <a:t>;</a:t>
+            </a:r>
+            <a:endParaRPr lang="en-US" sz="2000" b="1" dirty="0" smtClean="0"/>
+          </a:p>
+        </p:txBody>
+      </p:sp>
+    </p:spTree>
+    <p:extLst>
+      <p:ext uri="{BB962C8B-B14F-4D97-AF65-F5344CB8AC3E}">
+        <p14:creationId xmlns:p14="http://schemas.microsoft.com/office/powerpoint/2010/main" val="1799072592"/>
+      </p:ext>
+    </p:extLst>
+  </p:cSld>
+  <p:clrMapOvr>
+    <a:masterClrMapping/>
+  </p:clrMapOvr>
+  <p:transition/>
+  <p:timing>
+    <p:tnLst>
+      <p:par>
+        <p:cTn id="1" dur="indefinite" restart="never" nodeType="tmRoot"/>
+      </p:par>
+    </p:tnLst>
+  </p:timing>
+</p:sld>
+</file>
+
+<file path=ppt/slides/slide11.xml><?xml version="1.0" encoding="utf-8"?>
+<p:sld xmlns:a="http://schemas.openxmlformats.org/drawingml/2006/main" xmlns:r="http://schemas.openxmlformats.org/officeDocument/2006/relationships" xmlns:p="http://schemas.openxmlformats.org/presentationml/2006/main">
+  <p:cSld>
+    <p:spTree>
+      <p:nvGrpSpPr>
+        <p:cNvPr id="1" name=""/>
+        <p:cNvGrpSpPr/>
+        <p:nvPr/>
+      </p:nvGrpSpPr>
+      <p:grpSpPr>
+        <a:xfrm>
+          <a:off x="0" y="0"/>
+          <a:ext cx="0" cy="0"/>
+          <a:chOff x="0" y="0"/>
+          <a:chExt cx="0" cy="0"/>
+        </a:xfrm>
+      </p:grpSpPr>
+      <p:sp>
+        <p:nvSpPr>
+          <p:cNvPr id="2" name="Заголовок 1"/>
+          <p:cNvSpPr>
+            <a:spLocks noGrp="1"/>
+          </p:cNvSpPr>
+          <p:nvPr>
+            <p:ph type="ctrTitle"/>
+          </p:nvPr>
+        </p:nvSpPr>
+        <p:spPr>
+          <a:xfrm>
+            <a:off x="642910" y="142852"/>
+            <a:ext cx="7772400" cy="528640"/>
+          </a:xfrm>
+        </p:spPr>
+        <p:txBody>
+          <a:bodyPr>
+            <a:normAutofit fontScale="90000"/>
+          </a:bodyPr>
+          <a:lstStyle/>
+          <a:p>
+            <a:r>
+              <a:rPr lang="en-US" b="1" dirty="0" smtClean="0">
+                <a:solidFill>
+                  <a:schemeClr val="tx1">
+                    <a:lumMod val="65000"/>
+                    <a:lumOff val="35000"/>
+                  </a:schemeClr>
+                </a:solidFill>
+              </a:rPr>
+              <a:t>Identifiers</a:t>
+            </a:r>
+            <a:endParaRPr lang="en-US" b="1" dirty="0">
+              <a:solidFill>
+                <a:schemeClr val="tx1">
+                  <a:lumMod val="65000"/>
+                  <a:lumOff val="35000"/>
+                </a:schemeClr>
+              </a:solidFill>
+            </a:endParaRPr>
+          </a:p>
+        </p:txBody>
+      </p:sp>
+      <p:sp>
+        <p:nvSpPr>
+          <p:cNvPr id="5" name="Заголовок 1"/>
+          <p:cNvSpPr txBox="1">
+            <a:spLocks/>
+          </p:cNvSpPr>
+          <p:nvPr/>
+        </p:nvSpPr>
+        <p:spPr>
+          <a:xfrm>
+            <a:off x="571472" y="1285860"/>
+            <a:ext cx="7772400" cy="3786214"/>
+          </a:xfrm>
+          <a:prstGeom prst="rect">
+            <a:avLst/>
+          </a:prstGeom>
+        </p:spPr>
+        <p:txBody>
+          <a:bodyPr vert="horz" lIns="91440" tIns="45720" rIns="91440" bIns="45720" rtlCol="0" anchor="ctr">
+            <a:normAutofit/>
+          </a:bodyPr>
+          <a:lstStyle/>
+          <a:p>
+            <a:pPr>
+              <a:spcBef>
+                <a:spcPct val="0"/>
+              </a:spcBef>
+            </a:pPr>
+            <a:endParaRPr lang="be-BY" smtClean="0"/>
+          </a:p>
+          <a:p>
+            <a:pPr marL="0" marR="0" lvl="0" indent="0" defTabSz="914400" rtl="0" eaLnBrk="1" fontAlgn="auto" latinLnBrk="0" hangingPunct="1">
+              <a:lnSpc>
+                <a:spcPct val="100000"/>
+              </a:lnSpc>
+              <a:spcBef>
+                <a:spcPct val="0"/>
+              </a:spcBef>
+              <a:spcAft>
+                <a:spcPts val="0"/>
+              </a:spcAft>
+              <a:buClrTx/>
+              <a:buSzTx/>
+              <a:buFontTx/>
+              <a:buNone/>
+              <a:tabLst/>
+              <a:defRPr/>
+            </a:pPr>
+            <a:endParaRPr kumimoji="0" lang="be-BY" sz="4400" b="0" i="0" u="none" strike="noStrike" kern="1200" cap="none" spc="0" normalizeH="0" baseline="0" noProof="0" dirty="0" smtClean="0">
+              <a:ln>
+                <a:noFill/>
+              </a:ln>
+              <a:solidFill>
+                <a:schemeClr val="tx1"/>
+              </a:solidFill>
+              <a:effectLst/>
+              <a:uLnTx/>
+              <a:uFillTx/>
+              <a:latin typeface="+mj-lt"/>
+              <a:ea typeface="+mj-ea"/>
+              <a:cs typeface="+mj-cs"/>
+            </a:endParaRPr>
+          </a:p>
+        </p:txBody>
+      </p:sp>
+      <p:sp>
+        <p:nvSpPr>
+          <p:cNvPr id="7" name="Rectangle 6"/>
+          <p:cNvSpPr/>
+          <p:nvPr/>
+        </p:nvSpPr>
+        <p:spPr>
+          <a:xfrm>
+            <a:off x="642910" y="928670"/>
+            <a:ext cx="7858180" cy="3416320"/>
+          </a:xfrm>
+          <a:prstGeom prst="rect">
+            <a:avLst/>
+          </a:prstGeom>
+        </p:spPr>
+        <p:txBody>
+          <a:bodyPr wrap="square">
+            <a:spAutoFit/>
+          </a:bodyPr>
+          <a:lstStyle/>
+          <a:p>
+            <a:pPr>
+              <a:buFont typeface="Arial" pitchFamily="34" charset="0"/>
+              <a:buChar char="•"/>
+            </a:pPr>
+            <a:r>
+              <a:rPr lang="en-US" sz="2400" b="1" dirty="0" smtClean="0"/>
+              <a:t>  Starts with a letter or _ or $</a:t>
+            </a:r>
+          </a:p>
+          <a:p>
+            <a:pPr>
+              <a:buFont typeface="Arial" pitchFamily="34" charset="0"/>
+              <a:buChar char="•"/>
+            </a:pPr>
+            <a:endParaRPr lang="en-US" sz="2400" b="1" dirty="0" smtClean="0"/>
+          </a:p>
+          <a:p>
+            <a:pPr>
+              <a:buFont typeface="Arial" pitchFamily="34" charset="0"/>
+              <a:buChar char="•"/>
+            </a:pPr>
+            <a:r>
+              <a:rPr lang="en-US" sz="2400" b="1" dirty="0" smtClean="0"/>
+              <a:t>  Followed by zero or more letters, digits, _ or $</a:t>
+            </a:r>
+          </a:p>
+          <a:p>
+            <a:pPr>
+              <a:buFont typeface="Arial" pitchFamily="34" charset="0"/>
+              <a:buChar char="•"/>
+            </a:pPr>
+            <a:endParaRPr lang="en-US" sz="2400" b="1" dirty="0" smtClean="0"/>
+          </a:p>
+          <a:p>
+            <a:pPr>
+              <a:buFont typeface="Arial" pitchFamily="34" charset="0"/>
+              <a:buChar char="•"/>
+            </a:pPr>
+            <a:endParaRPr lang="en-US" sz="2400" b="1" dirty="0" smtClean="0"/>
+          </a:p>
+          <a:p>
+            <a:pPr>
+              <a:buFont typeface="Arial" pitchFamily="34" charset="0"/>
+              <a:buChar char="•"/>
+            </a:pPr>
+            <a:r>
+              <a:rPr lang="en-US" sz="2400" b="1" dirty="0" smtClean="0"/>
+              <a:t>  By convention, all variables, parameters, members, and function names start with lower case</a:t>
+            </a:r>
+          </a:p>
+          <a:p>
+            <a:endParaRPr lang="en-US" sz="2400" b="1" dirty="0" smtClean="0"/>
+          </a:p>
+          <a:p>
+            <a:pPr>
+              <a:buFont typeface="Arial" pitchFamily="34" charset="0"/>
+              <a:buChar char="•"/>
+            </a:pPr>
+            <a:r>
+              <a:rPr lang="en-US" sz="2400" b="1" dirty="0" smtClean="0"/>
+              <a:t>  Except for constructors which start with upper case</a:t>
+            </a:r>
+            <a:endParaRPr lang="en-US" sz="2400" b="1" dirty="0"/>
           </a:p>
         </p:txBody>
       </p:sp>
@@ -4516,7 +4716,70 @@
 </p:sld>
 </file>
 
-<file path=ppt/slides/slide10.xml><?xml version="1.0" encoding="utf-8"?>
+<file path=ppt/slides/slide12.xml><?xml version="1.0" encoding="utf-8"?>
+<p:sld xmlns:a="http://schemas.openxmlformats.org/drawingml/2006/main" xmlns:r="http://schemas.openxmlformats.org/officeDocument/2006/relationships" xmlns:p="http://schemas.openxmlformats.org/presentationml/2006/main">
+  <p:cSld>
+    <p:spTree>
+      <p:nvGrpSpPr>
+        <p:cNvPr id="1" name=""/>
+        <p:cNvGrpSpPr/>
+        <p:nvPr/>
+      </p:nvGrpSpPr>
+      <p:grpSpPr>
+        <a:xfrm>
+          <a:off x="0" y="0"/>
+          <a:ext cx="0" cy="0"/>
+          <a:chOff x="0" y="0"/>
+          <a:chExt cx="0" cy="0"/>
+        </a:xfrm>
+      </p:grpSpPr>
+      <p:sp>
+        <p:nvSpPr>
+          <p:cNvPr id="3" name="Content Placeholder 2"/>
+          <p:cNvSpPr>
+            <a:spLocks noGrp="1"/>
+          </p:cNvSpPr>
+          <p:nvPr>
+            <p:ph idx="1"/>
+          </p:nvPr>
+        </p:nvSpPr>
+        <p:spPr/>
+        <p:txBody>
+          <a:bodyPr/>
+          <a:lstStyle/>
+          <a:p>
+            <a:pPr marL="0" indent="0" algn="ctr">
+              <a:buNone/>
+            </a:pPr>
+            <a:r>
+              <a:rPr lang="en-US" sz="4000" dirty="0" smtClean="0"/>
+              <a:t>Example</a:t>
+            </a:r>
+            <a:endParaRPr lang="en-US" sz="4000" dirty="0"/>
+          </a:p>
+        </p:txBody>
+      </p:sp>
+    </p:spTree>
+    <p:extLst>
+      <p:ext uri="{BB962C8B-B14F-4D97-AF65-F5344CB8AC3E}">
+        <p14:creationId xmlns:p14="http://schemas.microsoft.com/office/powerpoint/2010/main" val="3342804009"/>
+      </p:ext>
+    </p:extLst>
+  </p:cSld>
+  <p:clrMapOvr>
+    <a:masterClrMapping/>
+  </p:clrMapOvr>
+  <p:timing>
+    <p:tnLst>
+      <p:par>
+        <p:cTn id="1" dur="indefinite" restart="never" nodeType="tmRoot"/>
+      </p:par>
+    </p:tnLst>
+  </p:timing>
+</p:sld>
+</file>
+
+<file path=ppt/slides/slide13.xml><?xml version="1.0" encoding="utf-8"?>
 <p:sld xmlns:a="http://schemas.openxmlformats.org/drawingml/2006/main" xmlns:r="http://schemas.openxmlformats.org/officeDocument/2006/relationships" xmlns:p="http://schemas.openxmlformats.org/presentationml/2006/main">
   <p:cSld>
     <p:spTree>
@@ -5646,7 +5909,7 @@
 </p:sld>
 </file>
 
-<file path=ppt/slides/slide11.xml><?xml version="1.0" encoding="utf-8"?>
+<file path=ppt/slides/slide14.xml><?xml version="1.0" encoding="utf-8"?>
 <p:sld xmlns:a="http://schemas.openxmlformats.org/drawingml/2006/main" xmlns:r="http://schemas.openxmlformats.org/officeDocument/2006/relationships" xmlns:p="http://schemas.openxmlformats.org/presentationml/2006/main">
   <p:cSld>
     <p:spTree>
@@ -5665,415 +5928,6 @@
       </p:grpSpPr>
       <p:sp>
         <p:nvSpPr>
-          <p:cNvPr id="2" name="Title 1"/>
-          <p:cNvSpPr>
-            <a:spLocks noGrp="1"/>
-          </p:cNvSpPr>
-          <p:nvPr>
-            <p:ph type="title"/>
-          </p:nvPr>
-        </p:nvSpPr>
-        <p:spPr/>
-        <p:txBody>
-          <a:bodyPr/>
-          <a:lstStyle/>
-          <a:p>
-            <a:endParaRPr lang="en-US"/>
-          </a:p>
-        </p:txBody>
-      </p:sp>
-      <p:sp>
-        <p:nvSpPr>
-          <p:cNvPr id="3" name="Content Placeholder 2"/>
-          <p:cNvSpPr>
-            <a:spLocks noGrp="1"/>
-          </p:cNvSpPr>
-          <p:nvPr>
-            <p:ph idx="1"/>
-          </p:nvPr>
-        </p:nvSpPr>
-        <p:spPr>
-          <a:xfrm>
-            <a:off x="457200" y="1600200"/>
-            <a:ext cx="8229600" cy="523220"/>
-          </a:xfrm>
-        </p:spPr>
-        <p:txBody>
-          <a:bodyPr wrap="square">
-            <a:spAutoFit/>
-          </a:bodyPr>
-          <a:lstStyle/>
-          <a:p>
-            <a:pPr marL="0" indent="0">
-              <a:buNone/>
-            </a:pPr>
-            <a:endParaRPr lang="en-US" sz="2800" b="1" dirty="0"/>
-          </a:p>
-        </p:txBody>
-      </p:sp>
-      <p:sp>
-        <p:nvSpPr>
-          <p:cNvPr id="4" name="Rectangle 3"/>
-          <p:cNvSpPr/>
-          <p:nvPr/>
-        </p:nvSpPr>
-        <p:spPr>
-          <a:xfrm>
-            <a:off x="1331640" y="2348880"/>
-            <a:ext cx="6912768" cy="2000548"/>
-          </a:xfrm>
-          <a:prstGeom prst="rect">
-            <a:avLst/>
-          </a:prstGeom>
-        </p:spPr>
-        <p:txBody>
-          <a:bodyPr wrap="square">
-            <a:spAutoFit/>
-          </a:bodyPr>
-          <a:lstStyle/>
-          <a:p>
-            <a:r>
-              <a:rPr lang="en-US" sz="3200" b="1" dirty="0"/>
-              <a:t>There are only two kinds of languages: the ones people complain about and the ones nobody uses</a:t>
-            </a:r>
-            <a:r>
-              <a:rPr lang="ru-RU" sz="2800" b="1" dirty="0"/>
-              <a:t/>
-            </a:r>
-            <a:br>
-              <a:rPr lang="ru-RU" sz="2800" b="1" dirty="0"/>
-            </a:br>
-            <a:r>
-              <a:rPr lang="en-US" sz="2800" b="1" dirty="0"/>
-              <a:t>			 </a:t>
-            </a:r>
-            <a:r>
-              <a:rPr lang="ru-RU" sz="2800" b="1" dirty="0" smtClean="0"/>
-              <a:t>	</a:t>
-            </a:r>
-            <a:r>
-              <a:rPr lang="ru-RU" sz="2800" dirty="0" err="1" smtClean="0"/>
-              <a:t>Bjarne</a:t>
-            </a:r>
-            <a:r>
-              <a:rPr lang="ru-RU" sz="2800" dirty="0" smtClean="0"/>
-              <a:t> </a:t>
-            </a:r>
-            <a:r>
-              <a:rPr lang="ru-RU" sz="2800" dirty="0" err="1"/>
-              <a:t>Stroustrup</a:t>
-            </a:r>
-            <a:endParaRPr lang="en-US" sz="2800" dirty="0"/>
-          </a:p>
-        </p:txBody>
-      </p:sp>
-    </p:spTree>
-    <p:extLst>
-      <p:ext uri="{BB962C8B-B14F-4D97-AF65-F5344CB8AC3E}">
-        <p14:creationId xmlns:p14="http://schemas.microsoft.com/office/powerpoint/2010/main" val="3413957035"/>
-      </p:ext>
-    </p:extLst>
-  </p:cSld>
-  <p:clrMapOvr>
-    <a:masterClrMapping/>
-  </p:clrMapOvr>
-  <p:timing>
-    <p:tnLst>
-      <p:par>
-        <p:cTn id="1" dur="indefinite" restart="never" nodeType="tmRoot"/>
-      </p:par>
-    </p:tnLst>
-  </p:timing>
-</p:sld>
-</file>
-
-<file path=ppt/slides/slide12.xml><?xml version="1.0" encoding="utf-8"?>
-<p:sld xmlns:a="http://schemas.openxmlformats.org/drawingml/2006/main" xmlns:r="http://schemas.openxmlformats.org/officeDocument/2006/relationships" xmlns:p="http://schemas.openxmlformats.org/presentationml/2006/main">
-  <p:cSld>
-    <p:spTree>
-      <p:nvGrpSpPr>
-        <p:cNvPr id="1" name=""/>
-        <p:cNvGrpSpPr/>
-        <p:nvPr/>
-      </p:nvGrpSpPr>
-      <p:grpSpPr>
-        <a:xfrm>
-          <a:off x="0" y="0"/>
-          <a:ext cx="0" cy="0"/>
-          <a:chOff x="0" y="0"/>
-          <a:chExt cx="0" cy="0"/>
-        </a:xfrm>
-      </p:grpSpPr>
-      <p:pic>
-        <p:nvPicPr>
-          <p:cNvPr id="7" name="Picture 3" descr="C:\Documents and Settings\Ivan_Kirkorau\Local Settings\Temporary Internet Files\Content.IE5\LJAS7Y4L\MPj04395360000[1].jpg"/>
-          <p:cNvPicPr>
-            <a:picLocks noChangeAspect="1" noChangeArrowheads="1"/>
-          </p:cNvPicPr>
-          <p:nvPr/>
-        </p:nvPicPr>
-        <p:blipFill>
-          <a:blip r:embed="rId2" cstate="print">
-            <a:grayscl/>
-          </a:blip>
-          <a:srcRect l="7256" r="13584"/>
-          <a:stretch>
-            <a:fillRect/>
-          </a:stretch>
-        </p:blipFill>
-        <p:spPr bwMode="auto">
-          <a:xfrm>
-            <a:off x="0" y="0"/>
-            <a:ext cx="9144000" cy="6215742"/>
-          </a:xfrm>
-          <a:prstGeom prst="rect">
-            <a:avLst/>
-          </a:prstGeom>
-          <a:noFill/>
-        </p:spPr>
-      </p:pic>
-      <p:sp>
-        <p:nvSpPr>
-          <p:cNvPr id="8" name="Rectangle 9"/>
-          <p:cNvSpPr/>
-          <p:nvPr/>
-        </p:nvSpPr>
-        <p:spPr>
-          <a:xfrm>
-            <a:off x="2438400" y="838200"/>
-            <a:ext cx="6705600" cy="1143000"/>
-          </a:xfrm>
-          <a:prstGeom prst="rect">
-            <a:avLst/>
-          </a:prstGeom>
-          <a:solidFill>
-            <a:schemeClr val="lt1">
-              <a:alpha val="85000"/>
-            </a:schemeClr>
-          </a:solidFill>
-        </p:spPr>
-        <p:style>
-          <a:lnRef idx="2">
-            <a:schemeClr val="accent4"/>
-          </a:lnRef>
-          <a:fillRef idx="1">
-            <a:schemeClr val="lt1"/>
-          </a:fillRef>
-          <a:effectRef idx="0">
-            <a:schemeClr val="accent4"/>
-          </a:effectRef>
-          <a:fontRef idx="minor">
-            <a:schemeClr val="dk1"/>
-          </a:fontRef>
-        </p:style>
-        <p:txBody>
-          <a:bodyPr rtlCol="0" anchor="ctr"/>
-          <a:lstStyle/>
-          <a:p>
-            <a:pPr algn="ctr"/>
-            <a:r>
-              <a:rPr lang="en-US" sz="4000" b="1" cap="all" dirty="0" smtClean="0">
-                <a:ln w="9000" cmpd="sng">
-                  <a:solidFill>
-                    <a:schemeClr val="accent4">
-                      <a:shade val="50000"/>
-                      <a:satMod val="120000"/>
-                    </a:schemeClr>
-                  </a:solidFill>
-                  <a:prstDash val="solid"/>
-                </a:ln>
-                <a:gradFill>
-                  <a:gsLst>
-                    <a:gs pos="0">
-                      <a:schemeClr val="accent4">
-                        <a:shade val="20000"/>
-                        <a:satMod val="245000"/>
-                      </a:schemeClr>
-                    </a:gs>
-                    <a:gs pos="43000">
-                      <a:schemeClr val="accent4">
-                        <a:satMod val="255000"/>
-                      </a:schemeClr>
-                    </a:gs>
-                    <a:gs pos="48000">
-                      <a:schemeClr val="accent4">
-                        <a:shade val="85000"/>
-                        <a:satMod val="255000"/>
-                      </a:schemeClr>
-                    </a:gs>
-                    <a:gs pos="100000">
-                      <a:schemeClr val="accent4">
-                        <a:shade val="20000"/>
-                        <a:satMod val="245000"/>
-                      </a:schemeClr>
-                    </a:gs>
-                  </a:gsLst>
-                  <a:lin ang="5400000"/>
-                </a:gradFill>
-                <a:effectLst>
-                  <a:reflection blurRad="12700" stA="28000" endPos="45000" dist="1000" dir="5400000" sy="-100000" algn="bl" rotWithShape="0"/>
-                </a:effectLst>
-              </a:rPr>
-              <a:t>Questions?</a:t>
-            </a:r>
-            <a:endParaRPr lang="en-US" sz="4000" dirty="0"/>
-          </a:p>
-        </p:txBody>
-      </p:sp>
-    </p:spTree>
-  </p:cSld>
-  <p:clrMapOvr>
-    <a:masterClrMapping/>
-  </p:clrMapOvr>
-  <p:timing>
-    <p:tnLst>
-      <p:par>
-        <p:cTn id="1" dur="indefinite" restart="never" nodeType="tmRoot">
-          <p:childTnLst>
-            <p:seq concurrent="1" nextAc="seek">
-              <p:cTn id="2" dur="indefinite" nodeType="mainSeq">
-                <p:childTnLst>
-                  <p:par>
-                    <p:cTn id="3" fill="hold">
-                      <p:stCondLst>
-                        <p:cond delay="indefinite"/>
-                        <p:cond evt="onBegin" delay="0">
-                          <p:tn val="2"/>
-                        </p:cond>
-                      </p:stCondLst>
-                      <p:childTnLst>
-                        <p:par>
-                          <p:cTn id="4" fill="hold">
-                            <p:stCondLst>
-                              <p:cond delay="0"/>
-                            </p:stCondLst>
-                            <p:childTnLst>
-                              <p:par>
-                                <p:cTn id="5" presetID="2" presetClass="entr" presetSubtype="2" fill="hold" grpId="0" nodeType="afterEffect">
-                                  <p:stCondLst>
-                                    <p:cond delay="0"/>
-                                  </p:stCondLst>
-                                  <p:childTnLst>
-                                    <p:set>
-                                      <p:cBhvr>
-                                        <p:cTn id="6" dur="1" fill="hold">
-                                          <p:stCondLst>
-                                            <p:cond delay="0"/>
-                                          </p:stCondLst>
-                                        </p:cTn>
-                                        <p:tgtEl>
-                                          <p:spTgt spid="8"/>
-                                        </p:tgtEl>
-                                        <p:attrNameLst>
-                                          <p:attrName>style.visibility</p:attrName>
-                                        </p:attrNameLst>
-                                      </p:cBhvr>
-                                      <p:to>
-                                        <p:strVal val="visible"/>
-                                      </p:to>
-                                    </p:set>
-                                    <p:anim calcmode="lin" valueType="num">
-                                      <p:cBhvr additive="base">
-                                        <p:cTn id="7" dur="500" fill="hold"/>
-                                        <p:tgtEl>
-                                          <p:spTgt spid="8"/>
-                                        </p:tgtEl>
-                                        <p:attrNameLst>
-                                          <p:attrName>ppt_x</p:attrName>
-                                        </p:attrNameLst>
-                                      </p:cBhvr>
-                                      <p:tavLst>
-                                        <p:tav tm="0">
-                                          <p:val>
-                                            <p:strVal val="1+#ppt_w/2"/>
-                                          </p:val>
-                                        </p:tav>
-                                        <p:tav tm="100000">
-                                          <p:val>
-                                            <p:strVal val="#ppt_x"/>
-                                          </p:val>
-                                        </p:tav>
-                                      </p:tavLst>
-                                    </p:anim>
-                                    <p:anim calcmode="lin" valueType="num">
-                                      <p:cBhvr additive="base">
-                                        <p:cTn id="8" dur="500" fill="hold"/>
-                                        <p:tgtEl>
-                                          <p:spTgt spid="8"/>
-                                        </p:tgtEl>
-                                        <p:attrNameLst>
-                                          <p:attrName>ppt_y</p:attrName>
-                                        </p:attrNameLst>
-                                      </p:cBhvr>
-                                      <p:tavLst>
-                                        <p:tav tm="0">
-                                          <p:val>
-                                            <p:strVal val="#ppt_y"/>
-                                          </p:val>
-                                        </p:tav>
-                                        <p:tav tm="100000">
-                                          <p:val>
-                                            <p:strVal val="#ppt_y"/>
-                                          </p:val>
-                                        </p:tav>
-                                      </p:tavLst>
-                                    </p:anim>
-                                  </p:childTnLst>
-                                </p:cTn>
-                              </p:par>
-                            </p:childTnLst>
-                          </p:cTn>
-                        </p:par>
-                      </p:childTnLst>
-                    </p:cTn>
-                  </p:par>
-                </p:childTnLst>
-              </p:cTn>
-              <p:prevCondLst>
-                <p:cond evt="onPrev" delay="0">
-                  <p:tgtEl>
-                    <p:sldTgt/>
-                  </p:tgtEl>
-                </p:cond>
-              </p:prevCondLst>
-              <p:nextCondLst>
-                <p:cond evt="onNext" delay="0">
-                  <p:tgtEl>
-                    <p:sldTgt/>
-                  </p:tgtEl>
-                </p:cond>
-              </p:nextCondLst>
-            </p:seq>
-          </p:childTnLst>
-        </p:cTn>
-      </p:par>
-    </p:tnLst>
-    <p:bldLst>
-      <p:bldP spid="8" grpId="0" animBg="1"/>
-    </p:bldLst>
-  </p:timing>
-</p:sld>
-</file>
-
-<file path=ppt/slides/slide13.xml><?xml version="1.0" encoding="utf-8"?>
-<p:sld xmlns:a="http://schemas.openxmlformats.org/drawingml/2006/main" xmlns:r="http://schemas.openxmlformats.org/officeDocument/2006/relationships" xmlns:p="http://schemas.openxmlformats.org/presentationml/2006/main">
-  <p:cSld>
-    <p:spTree>
-      <p:nvGrpSpPr>
-        <p:cNvPr id="1" name=""/>
-        <p:cNvGrpSpPr/>
-        <p:nvPr/>
-      </p:nvGrpSpPr>
-      <p:grpSpPr>
-        <a:xfrm>
-          <a:off x="0" y="0"/>
-          <a:ext cx="0" cy="0"/>
-          <a:chOff x="0" y="0"/>
-          <a:chExt cx="0" cy="0"/>
-        </a:xfrm>
-      </p:grpSpPr>
-      <p:sp>
-        <p:nvSpPr>
           <p:cNvPr id="2" name="Заголовок 1"/>
           <p:cNvSpPr>
             <a:spLocks noGrp="1"/>
@@ -6103,26 +5957,7 @@
                   </a:schemeClr>
                 </a:solidFill>
               </a:rPr>
-              <a:t>REFERENCES (</a:t>
-            </a:r>
-            <a:r>
-              <a:rPr lang="en-US" b="1" dirty="0" smtClean="0">
-                <a:solidFill>
-                  <a:srgbClr val="FF0000"/>
-                </a:solidFill>
-              </a:rPr>
-              <a:t>TODO</a:t>
-            </a:r>
-            <a:r>
-              <a:rPr lang="en-US" b="1" dirty="0" smtClean="0">
-                <a:solidFill>
-                  <a:schemeClr val="tx1">
-                    <a:lumMod val="65000"/>
-                    <a:lumOff val="35000"/>
-                  </a:schemeClr>
-                </a:solidFill>
-              </a:rPr>
-              <a:t>)</a:t>
+              <a:t>REFERENCES </a:t>
             </a:r>
             <a:endParaRPr lang="be-BY" b="1" dirty="0">
               <a:solidFill>
@@ -6218,7 +6053,7 @@
         <p:spPr>
           <a:xfrm>
             <a:off x="299686" y="1510902"/>
-            <a:ext cx="8275044" cy="4247317"/>
+            <a:ext cx="8275044" cy="2585323"/>
           </a:xfrm>
           <a:prstGeom prst="rect">
             <a:avLst/>
@@ -6260,14 +6095,6 @@
               <a:rPr lang="en-US" b="1" dirty="0"/>
               <a:t>by David Flanagan </a:t>
             </a:r>
-          </a:p>
-          <a:p>
-            <a:pPr>
-              <a:spcBef>
-                <a:spcPct val="0"/>
-              </a:spcBef>
-              <a:defRPr/>
-            </a:pPr>
             <a:endParaRPr lang="en-US" b="1" dirty="0" smtClean="0"/>
           </a:p>
           <a:p>
@@ -6287,18 +6114,9 @@
               <a:defRPr/>
             </a:pPr>
             <a:r>
-              <a:rPr lang="en-US" b="1" dirty="0">
-                <a:hlinkClick r:id="rId4"/>
-              </a:rPr>
-              <a:t>http://javascript.crockford.com</a:t>
-            </a:r>
-            <a:r>
-              <a:rPr lang="en-US" b="1" dirty="0" smtClean="0">
-                <a:hlinkClick r:id="rId4"/>
-              </a:rPr>
-              <a:t>/</a:t>
-            </a:r>
-            <a:endParaRPr lang="en-US" b="1" dirty="0" smtClean="0"/>
+              <a:rPr lang="en-US" b="1" dirty="0"/>
+              <a:t>Speaking JavaScript: An In-Depth Guide for Programmers</a:t>
+            </a:r>
           </a:p>
           <a:p>
             <a:pPr>
@@ -6307,28 +6125,22 @@
               </a:spcBef>
               <a:defRPr/>
             </a:pPr>
-            <a:endParaRPr lang="en-US" b="1" dirty="0"/>
-          </a:p>
-          <a:p>
-            <a:pPr>
-              <a:spcBef>
-                <a:spcPct val="0"/>
-              </a:spcBef>
-              <a:defRPr/>
-            </a:pPr>
-            <a:r>
-              <a:rPr lang="en-US" b="1" dirty="0">
-                <a:hlinkClick r:id="rId5"/>
-              </a:rPr>
-              <a:t>http://developer.yahoo.com/yui/theater</a:t>
-            </a:r>
-            <a:r>
-              <a:rPr lang="en-US" b="1" dirty="0" smtClean="0">
-                <a:hlinkClick r:id="rId5"/>
-              </a:rPr>
-              <a:t>/</a:t>
-            </a:r>
-            <a:endParaRPr lang="en-US" b="1" dirty="0" smtClean="0"/>
+            <a:r>
+              <a:rPr lang="en-US" b="1" dirty="0" smtClean="0"/>
+              <a:t>by </a:t>
+            </a:r>
+            <a:r>
+              <a:rPr lang="en-US" b="1" dirty="0"/>
+              <a:t>Dr. Axel </a:t>
+            </a:r>
+            <a:r>
+              <a:rPr lang="en-US" b="1" dirty="0" err="1"/>
+              <a:t>Rauschmayer</a:t>
+            </a:r>
+            <a:r>
+              <a:rPr lang="en-US" b="1" dirty="0" smtClean="0"/>
+              <a:t> </a:t>
+            </a:r>
           </a:p>
           <a:p>
             <a:pPr>
@@ -6338,7 +6150,7 @@
               <a:defRPr/>
             </a:pPr>
             <a:endParaRPr lang="en-US" dirty="0" smtClean="0">
-              <a:hlinkClick r:id="rId6"/>
+              <a:hlinkClick r:id="rId4"/>
             </a:endParaRPr>
           </a:p>
           <a:p>
@@ -6350,13 +6162,13 @@
             </a:pPr>
             <a:r>
               <a:rPr lang="en-US" b="1" dirty="0" smtClean="0">
-                <a:hlinkClick r:id="rId6"/>
+                <a:hlinkClick r:id="rId4"/>
               </a:rPr>
               <a:t>http</a:t>
             </a:r>
             <a:r>
               <a:rPr lang="en-US" b="1" dirty="0">
-                <a:hlinkClick r:id="rId6"/>
+                <a:hlinkClick r:id="rId4"/>
               </a:rPr>
               <a:t>://dmitrysoshnikov.com</a:t>
             </a:r>
@@ -6380,71 +6192,23 @@
             </a:pPr>
             <a:r>
               <a:rPr lang="en-US" b="1" dirty="0">
-                <a:hlinkClick r:id="rId7"/>
+                <a:hlinkClick r:id="rId5"/>
               </a:rPr>
-              <a:t>http://j</a:t>
+              <a:t>http</a:t>
+            </a:r>
+            <a:r>
+              <a:rPr lang="en-US" b="1" dirty="0" smtClean="0">
+                <a:hlinkClick r:id="rId5"/>
+              </a:rPr>
+              <a:t>://learn.j</a:t>
             </a:r>
             <a:r>
               <a:rPr lang="fr-FR" b="1" dirty="0" smtClean="0">
-                <a:hlinkClick r:id="rId7"/>
+                <a:hlinkClick r:id="rId5"/>
               </a:rPr>
               <a:t>avascript.ru</a:t>
             </a:r>
             <a:endParaRPr lang="fr-FR" b="1" dirty="0" smtClean="0"/>
-          </a:p>
-          <a:p>
-            <a:pPr lvl="0">
-              <a:spcBef>
-                <a:spcPct val="0"/>
-              </a:spcBef>
-              <a:defRPr/>
-            </a:pPr>
-            <a:endParaRPr lang="fr-FR" b="1" dirty="0"/>
-          </a:p>
-          <a:p>
-            <a:pPr lvl="0">
-              <a:spcBef>
-                <a:spcPct val="0"/>
-              </a:spcBef>
-              <a:defRPr/>
-            </a:pPr>
-            <a:r>
-              <a:rPr lang="en-US" b="1" dirty="0">
-                <a:hlinkClick r:id="rId8"/>
-              </a:rPr>
-              <a:t>http://</a:t>
-            </a:r>
-            <a:r>
-              <a:rPr lang="en-US" b="1" dirty="0" smtClean="0">
-                <a:hlinkClick r:id="rId8"/>
-              </a:rPr>
-              <a:t>www.w3schools.com</a:t>
-            </a:r>
-            <a:endParaRPr lang="fr-FR" b="1" dirty="0"/>
-          </a:p>
-          <a:p>
-            <a:pPr lvl="0">
-              <a:spcBef>
-                <a:spcPct val="0"/>
-              </a:spcBef>
-              <a:defRPr/>
-            </a:pPr>
-            <a:endParaRPr lang="fr-FR" b="1" dirty="0"/>
-          </a:p>
-          <a:p>
-            <a:pPr lvl="0">
-              <a:spcBef>
-                <a:spcPct val="0"/>
-              </a:spcBef>
-              <a:defRPr/>
-            </a:pPr>
-            <a:r>
-              <a:rPr lang="en-US" b="1" dirty="0">
-                <a:hlinkClick r:id="rId9"/>
-              </a:rPr>
-              <a:t>http://google-styleguide.googlecode.com/svn/trunk/javascriptguide.xml</a:t>
-            </a:r>
-            <a:endParaRPr lang="fr-FR" b="1" dirty="0"/>
           </a:p>
         </p:txBody>
       </p:sp>
@@ -6482,250 +6246,62 @@
       </p:grpSpPr>
       <p:sp>
         <p:nvSpPr>
-          <p:cNvPr id="90115" name="Rectangle 3"/>
-          <p:cNvSpPr>
-            <a:spLocks noGrp="1" noChangeArrowheads="1"/>
-          </p:cNvSpPr>
-          <p:nvPr>
-            <p:ph type="body" idx="1"/>
-          </p:nvPr>
-        </p:nvSpPr>
+          <p:cNvPr id="2" name="Title 1"/>
+          <p:cNvSpPr>
+            <a:spLocks noGrp="1"/>
+          </p:cNvSpPr>
+          <p:nvPr>
+            <p:ph type="title"/>
+          </p:nvPr>
+        </p:nvSpPr>
+        <p:spPr/>
+        <p:txBody>
+          <a:bodyPr/>
+          <a:lstStyle/>
+          <a:p>
+            <a:endParaRPr lang="en-US"/>
+          </a:p>
+        </p:txBody>
+      </p:sp>
+      <p:pic>
+        <p:nvPicPr>
+          <p:cNvPr id="4" name="Content Placeholder 3"/>
+          <p:cNvPicPr>
+            <a:picLocks noGrp="1" noChangeAspect="1"/>
+          </p:cNvPicPr>
+          <p:nvPr>
+            <p:ph idx="1"/>
+          </p:nvPr>
+        </p:nvPicPr>
+        <p:blipFill>
+          <a:blip r:embed="rId2" cstate="print">
+            <a:extLst>
+              <a:ext uri="{28A0092B-C50C-407E-A947-70E740481C1C}">
+                <a14:useLocalDpi xmlns:a14="http://schemas.microsoft.com/office/drawing/2010/main" val="0"/>
+              </a:ext>
+            </a:extLst>
+          </a:blip>
+          <a:stretch>
+            <a:fillRect/>
+          </a:stretch>
+        </p:blipFill>
         <p:spPr>
           <a:xfrm>
-            <a:off x="500034" y="857232"/>
-            <a:ext cx="8229600" cy="4525963"/>
+            <a:off x="2555776" y="161255"/>
+            <a:ext cx="4464496" cy="6696745"/>
           </a:xfrm>
         </p:spPr>
-        <p:txBody>
-          <a:bodyPr>
-            <a:normAutofit/>
-          </a:bodyPr>
-          <a:lstStyle/>
-          <a:p>
-            <a:pPr eaLnBrk="1" hangingPunct="1">
-              <a:lnSpc>
-                <a:spcPct val="80000"/>
-              </a:lnSpc>
-            </a:pPr>
-            <a:r>
-              <a:rPr lang="da-DK" sz="2400" b="1" dirty="0" smtClean="0"/>
-              <a:t>'' == '0'          // false</a:t>
-            </a:r>
-          </a:p>
-          <a:p>
-            <a:pPr eaLnBrk="1" hangingPunct="1">
-              <a:lnSpc>
-                <a:spcPct val="80000"/>
-              </a:lnSpc>
-            </a:pPr>
-            <a:r>
-              <a:rPr lang="da-DK" sz="2400" b="1" dirty="0" smtClean="0"/>
-              <a:t>0 == ''            // true</a:t>
-            </a:r>
-          </a:p>
-          <a:p>
-            <a:pPr eaLnBrk="1" hangingPunct="1">
-              <a:lnSpc>
-                <a:spcPct val="80000"/>
-              </a:lnSpc>
-            </a:pPr>
-            <a:r>
-              <a:rPr lang="da-DK" sz="2400" b="1" dirty="0" smtClean="0"/>
-              <a:t>0 == '0'           // true</a:t>
-            </a:r>
-          </a:p>
-          <a:p>
-            <a:pPr eaLnBrk="1" hangingPunct="1">
-              <a:lnSpc>
-                <a:spcPct val="80000"/>
-              </a:lnSpc>
-            </a:pPr>
-            <a:endParaRPr lang="da-DK" sz="2400" b="1" dirty="0" smtClean="0"/>
-          </a:p>
-          <a:p>
-            <a:pPr eaLnBrk="1" hangingPunct="1">
-              <a:lnSpc>
-                <a:spcPct val="80000"/>
-              </a:lnSpc>
-            </a:pPr>
-            <a:r>
-              <a:rPr lang="da-DK" sz="2400" b="1" dirty="0" smtClean="0"/>
-              <a:t>false == 'false'   // false</a:t>
-            </a:r>
-          </a:p>
-          <a:p>
-            <a:pPr eaLnBrk="1" hangingPunct="1">
-              <a:lnSpc>
-                <a:spcPct val="80000"/>
-              </a:lnSpc>
-            </a:pPr>
-            <a:r>
-              <a:rPr lang="da-DK" sz="2400" b="1" dirty="0" smtClean="0"/>
-              <a:t>false == '0'       // true</a:t>
-            </a:r>
-          </a:p>
-          <a:p>
-            <a:pPr eaLnBrk="1" hangingPunct="1">
-              <a:lnSpc>
-                <a:spcPct val="80000"/>
-              </a:lnSpc>
-            </a:pPr>
-            <a:endParaRPr lang="da-DK" sz="2400" b="1" dirty="0" smtClean="0"/>
-          </a:p>
-          <a:p>
-            <a:pPr eaLnBrk="1" hangingPunct="1">
-              <a:lnSpc>
-                <a:spcPct val="80000"/>
-              </a:lnSpc>
-            </a:pPr>
-            <a:r>
-              <a:rPr lang="da-DK" sz="2400" b="1" dirty="0" smtClean="0"/>
-              <a:t>false == undefined // false</a:t>
-            </a:r>
-          </a:p>
-          <a:p>
-            <a:pPr eaLnBrk="1" hangingPunct="1">
-              <a:lnSpc>
-                <a:spcPct val="80000"/>
-              </a:lnSpc>
-            </a:pPr>
-            <a:r>
-              <a:rPr lang="da-DK" sz="2400" b="1" dirty="0" smtClean="0"/>
-              <a:t>false == null      // false</a:t>
-            </a:r>
-          </a:p>
-          <a:p>
-            <a:pPr eaLnBrk="1" hangingPunct="1">
-              <a:lnSpc>
-                <a:spcPct val="80000"/>
-              </a:lnSpc>
-            </a:pPr>
-            <a:r>
-              <a:rPr lang="da-DK" sz="2400" b="1" dirty="0" smtClean="0"/>
-              <a:t>null == undefined  // true</a:t>
-            </a:r>
-          </a:p>
-          <a:p>
-            <a:pPr eaLnBrk="1" hangingPunct="1">
-              <a:lnSpc>
-                <a:spcPct val="80000"/>
-              </a:lnSpc>
-            </a:pPr>
-            <a:endParaRPr lang="da-DK" sz="2400" b="1" dirty="0" smtClean="0"/>
-          </a:p>
-          <a:p>
-            <a:pPr eaLnBrk="1" hangingPunct="1">
-              <a:lnSpc>
-                <a:spcPct val="80000"/>
-              </a:lnSpc>
-            </a:pPr>
-            <a:r>
-              <a:rPr lang="da-DK" sz="2400" b="1" dirty="0" smtClean="0"/>
-              <a:t>‘ \t\r\n ' == 0    // true</a:t>
-            </a:r>
-            <a:endParaRPr lang="en-US" sz="2400" b="1" dirty="0" smtClean="0"/>
-          </a:p>
-        </p:txBody>
-      </p:sp>
-      <p:sp>
-        <p:nvSpPr>
-          <p:cNvPr id="4" name="Заголовок 1"/>
-          <p:cNvSpPr txBox="1">
-            <a:spLocks/>
-          </p:cNvSpPr>
-          <p:nvPr/>
-        </p:nvSpPr>
-        <p:spPr>
-          <a:xfrm>
-            <a:off x="642910" y="142852"/>
-            <a:ext cx="7772400" cy="528640"/>
-          </a:xfrm>
-          <a:prstGeom prst="rect">
-            <a:avLst/>
-          </a:prstGeom>
-        </p:spPr>
-        <p:txBody>
-          <a:bodyPr vert="horz" lIns="91440" tIns="45720" rIns="91440" bIns="45720" rtlCol="0" anchor="ctr">
-            <a:noAutofit/>
-          </a:bodyPr>
-          <a:lstStyle/>
-          <a:p>
-            <a:pPr marL="0" marR="0" lvl="0" indent="0" algn="ctr" defTabSz="914400" rtl="0" eaLnBrk="1" fontAlgn="auto" latinLnBrk="0" hangingPunct="1">
-              <a:lnSpc>
-                <a:spcPct val="100000"/>
-              </a:lnSpc>
-              <a:spcBef>
-                <a:spcPct val="0"/>
-              </a:spcBef>
-              <a:spcAft>
-                <a:spcPts val="0"/>
-              </a:spcAft>
-              <a:buClrTx/>
-              <a:buSzTx/>
-              <a:buFontTx/>
-              <a:buNone/>
-              <a:tabLst/>
-              <a:defRPr/>
-            </a:pPr>
-            <a:r>
-              <a:rPr lang="en-US" sz="4000" b="1" dirty="0" smtClean="0">
-                <a:solidFill>
-                  <a:schemeClr val="tx1">
-                    <a:lumMod val="65000"/>
-                    <a:lumOff val="35000"/>
-                  </a:schemeClr>
-                </a:solidFill>
-                <a:latin typeface="+mj-lt"/>
-                <a:ea typeface="+mj-ea"/>
-                <a:cs typeface="+mj-cs"/>
-              </a:rPr>
-              <a:t>Evils of type </a:t>
-            </a:r>
-            <a:r>
-              <a:rPr lang="en-US" sz="4000" b="1" dirty="0" smtClean="0">
-                <a:solidFill>
-                  <a:schemeClr val="tx1">
-                    <a:lumMod val="65000"/>
-                    <a:lumOff val="35000"/>
-                  </a:schemeClr>
-                </a:solidFill>
-                <a:latin typeface="+mj-lt"/>
-                <a:ea typeface="+mj-ea"/>
-                <a:cs typeface="+mj-cs"/>
-              </a:rPr>
-              <a:t>coercion (recap)</a:t>
-            </a:r>
-            <a:endParaRPr kumimoji="0" lang="en-US" sz="4000" b="1" i="0" u="none" strike="noStrike" kern="1200" cap="none" spc="0" normalizeH="0" baseline="0" noProof="0" dirty="0">
-              <a:ln>
-                <a:noFill/>
-              </a:ln>
-              <a:solidFill>
-                <a:schemeClr val="tx1">
-                  <a:lumMod val="65000"/>
-                  <a:lumOff val="35000"/>
-                </a:schemeClr>
-              </a:solidFill>
-              <a:effectLst/>
-              <a:uLnTx/>
-              <a:uFillTx/>
-              <a:latin typeface="+mj-lt"/>
-              <a:ea typeface="+mj-ea"/>
-              <a:cs typeface="+mj-cs"/>
-            </a:endParaRPr>
-          </a:p>
-        </p:txBody>
-      </p:sp>
+      </p:pic>
     </p:spTree>
     <p:extLst>
       <p:ext uri="{BB962C8B-B14F-4D97-AF65-F5344CB8AC3E}">
-        <p14:creationId xmlns:p14="http://schemas.microsoft.com/office/powerpoint/2010/main" val="3163450364"/>
+        <p14:creationId xmlns:p14="http://schemas.microsoft.com/office/powerpoint/2010/main" val="745167624"/>
       </p:ext>
     </p:extLst>
   </p:cSld>
   <p:clrMapOvr>
     <a:masterClrMapping/>
   </p:clrMapOvr>
-  <p:transition/>
   <p:timing>
     <p:tnLst>
       <p:par>
@@ -6755,367 +6331,62 @@
       </p:grpSpPr>
       <p:sp>
         <p:nvSpPr>
-          <p:cNvPr id="4" name="Заголовок 1"/>
-          <p:cNvSpPr txBox="1">
-            <a:spLocks/>
-          </p:cNvSpPr>
-          <p:nvPr/>
-        </p:nvSpPr>
+          <p:cNvPr id="2" name="Title 1"/>
+          <p:cNvSpPr>
+            <a:spLocks noGrp="1"/>
+          </p:cNvSpPr>
+          <p:nvPr>
+            <p:ph type="title"/>
+          </p:nvPr>
+        </p:nvSpPr>
+        <p:spPr/>
+        <p:txBody>
+          <a:bodyPr/>
+          <a:lstStyle/>
+          <a:p>
+            <a:endParaRPr lang="en-US"/>
+          </a:p>
+        </p:txBody>
+      </p:sp>
+      <p:pic>
+        <p:nvPicPr>
+          <p:cNvPr id="4" name="Content Placeholder 3"/>
+          <p:cNvPicPr>
+            <a:picLocks noGrp="1" noChangeAspect="1"/>
+          </p:cNvPicPr>
+          <p:nvPr>
+            <p:ph idx="1"/>
+          </p:nvPr>
+        </p:nvPicPr>
+        <p:blipFill>
+          <a:blip r:embed="rId2">
+            <a:extLst>
+              <a:ext uri="{28A0092B-C50C-407E-A947-70E740481C1C}">
+                <a14:useLocalDpi xmlns:a14="http://schemas.microsoft.com/office/drawing/2010/main" val="0"/>
+              </a:ext>
+            </a:extLst>
+          </a:blip>
+          <a:stretch>
+            <a:fillRect/>
+          </a:stretch>
+        </p:blipFill>
         <p:spPr>
           <a:xfrm>
-            <a:off x="642910" y="142852"/>
-            <a:ext cx="7772400" cy="528640"/>
+            <a:off x="0" y="844325"/>
+            <a:ext cx="9144000" cy="5143500"/>
           </a:xfrm>
-          <a:prstGeom prst="rect">
-            <a:avLst/>
-          </a:prstGeom>
         </p:spPr>
-        <p:txBody>
-          <a:bodyPr vert="horz" lIns="91440" tIns="45720" rIns="91440" bIns="45720" rtlCol="0" anchor="ctr">
-            <a:noAutofit/>
-          </a:bodyPr>
-          <a:lstStyle/>
-          <a:p>
-            <a:pPr lvl="0" algn="ctr">
-              <a:spcBef>
-                <a:spcPct val="0"/>
-              </a:spcBef>
-              <a:defRPr/>
-            </a:pPr>
-            <a:r>
-              <a:rPr lang="en-US" sz="4000" b="1" dirty="0" smtClean="0">
-                <a:solidFill>
-                  <a:schemeClr val="tx1">
-                    <a:lumMod val="65000"/>
-                    <a:lumOff val="35000"/>
-                  </a:schemeClr>
-                </a:solidFill>
-                <a:latin typeface="+mj-lt"/>
-                <a:ea typeface="+mj-ea"/>
-                <a:cs typeface="+mj-cs"/>
-              </a:rPr>
-              <a:t>Implicit Typecasting</a:t>
-            </a:r>
-            <a:endParaRPr kumimoji="0" lang="en-US" sz="4000" b="1" i="0" u="none" strike="noStrike" kern="1200" cap="none" spc="0" normalizeH="0" baseline="0" noProof="0" dirty="0">
-              <a:ln>
-                <a:noFill/>
-              </a:ln>
-              <a:solidFill>
-                <a:schemeClr val="tx1">
-                  <a:lumMod val="65000"/>
-                  <a:lumOff val="35000"/>
-                </a:schemeClr>
-              </a:solidFill>
-              <a:effectLst/>
-              <a:uLnTx/>
-              <a:uFillTx/>
-              <a:latin typeface="+mj-lt"/>
-              <a:ea typeface="+mj-ea"/>
-              <a:cs typeface="+mj-cs"/>
-            </a:endParaRPr>
-          </a:p>
-        </p:txBody>
-      </p:sp>
-      <p:sp>
-        <p:nvSpPr>
-          <p:cNvPr id="2" name="Rectangle 1"/>
-          <p:cNvSpPr/>
-          <p:nvPr/>
-        </p:nvSpPr>
-        <p:spPr>
-          <a:xfrm>
-            <a:off x="323528" y="1196752"/>
-            <a:ext cx="8280920" cy="3139321"/>
-          </a:xfrm>
-          <a:prstGeom prst="rect">
-            <a:avLst/>
-          </a:prstGeom>
-        </p:spPr>
-        <p:style>
-          <a:lnRef idx="1">
-            <a:schemeClr val="accent6"/>
-          </a:lnRef>
-          <a:fillRef idx="2">
-            <a:schemeClr val="accent6"/>
-          </a:fillRef>
-          <a:effectRef idx="1">
-            <a:schemeClr val="accent6"/>
-          </a:effectRef>
-          <a:fontRef idx="minor">
-            <a:schemeClr val="dk1"/>
-          </a:fontRef>
-        </p:style>
-        <p:txBody>
-          <a:bodyPr wrap="square">
-            <a:spAutoFit/>
-          </a:bodyPr>
-          <a:lstStyle/>
-          <a:p>
-            <a:r>
-              <a:rPr lang="en-US" dirty="0" err="1">
-                <a:solidFill>
-                  <a:srgbClr val="0000FF"/>
-                </a:solidFill>
-                <a:latin typeface="Consolas"/>
-              </a:rPr>
-              <a:t>var</a:t>
-            </a:r>
-            <a:r>
-              <a:rPr lang="en-US" dirty="0">
-                <a:solidFill>
-                  <a:prstClr val="black"/>
-                </a:solidFill>
-                <a:latin typeface="Consolas"/>
-              </a:rPr>
-              <a:t> zero = 0;</a:t>
-            </a:r>
-          </a:p>
-          <a:p>
-            <a:endParaRPr lang="en-US" dirty="0">
-              <a:solidFill>
-                <a:prstClr val="black"/>
-              </a:solidFill>
-              <a:latin typeface="Consolas"/>
-            </a:endParaRPr>
-          </a:p>
-          <a:p>
-            <a:r>
-              <a:rPr lang="en-US" dirty="0">
-                <a:solidFill>
-                  <a:srgbClr val="006400"/>
-                </a:solidFill>
-                <a:latin typeface="Consolas"/>
-              </a:rPr>
-              <a:t>/* </a:t>
-            </a:r>
-            <a:r>
-              <a:rPr lang="en-US" dirty="0" err="1" smtClean="0">
-                <a:solidFill>
-                  <a:srgbClr val="006400"/>
-                </a:solidFill>
-                <a:latin typeface="Consolas"/>
-              </a:rPr>
-              <a:t>antipattern</a:t>
-            </a:r>
-            <a:r>
-              <a:rPr lang="en-US" dirty="0" smtClean="0">
-                <a:solidFill>
-                  <a:srgbClr val="006400"/>
-                </a:solidFill>
-                <a:latin typeface="Consolas"/>
-              </a:rPr>
-              <a:t> */</a:t>
-            </a:r>
-            <a:endParaRPr lang="en-US" dirty="0">
-              <a:solidFill>
-                <a:prstClr val="black"/>
-              </a:solidFill>
-              <a:latin typeface="Consolas"/>
-            </a:endParaRPr>
-          </a:p>
-          <a:p>
-            <a:r>
-              <a:rPr lang="en-US" dirty="0">
-                <a:solidFill>
-                  <a:srgbClr val="0000FF"/>
-                </a:solidFill>
-                <a:latin typeface="Consolas"/>
-              </a:rPr>
-              <a:t>if</a:t>
-            </a:r>
-            <a:r>
-              <a:rPr lang="en-US" dirty="0">
-                <a:solidFill>
-                  <a:prstClr val="black"/>
-                </a:solidFill>
-                <a:latin typeface="Consolas"/>
-              </a:rPr>
-              <a:t> (zero == </a:t>
-            </a:r>
-            <a:r>
-              <a:rPr lang="en-US" dirty="0">
-                <a:solidFill>
-                  <a:srgbClr val="0000FF"/>
-                </a:solidFill>
-                <a:latin typeface="Consolas"/>
-              </a:rPr>
-              <a:t>false</a:t>
-            </a:r>
-            <a:r>
-              <a:rPr lang="en-US" dirty="0">
-                <a:solidFill>
-                  <a:prstClr val="black"/>
-                </a:solidFill>
-                <a:latin typeface="Consolas"/>
-              </a:rPr>
-              <a:t>) {</a:t>
-            </a:r>
-          </a:p>
-          <a:p>
-            <a:r>
-              <a:rPr lang="en-US" dirty="0" smtClean="0">
-                <a:solidFill>
-                  <a:srgbClr val="006400"/>
-                </a:solidFill>
-                <a:latin typeface="Consolas"/>
-              </a:rPr>
-              <a:t>	// </a:t>
-            </a:r>
-            <a:r>
-              <a:rPr lang="en-US" dirty="0">
-                <a:solidFill>
-                  <a:srgbClr val="006400"/>
-                </a:solidFill>
-                <a:latin typeface="Consolas"/>
-              </a:rPr>
-              <a:t>this block is executed...</a:t>
-            </a:r>
-            <a:endParaRPr lang="en-US" dirty="0">
-              <a:solidFill>
-                <a:prstClr val="black"/>
-              </a:solidFill>
-              <a:latin typeface="Consolas"/>
-            </a:endParaRPr>
-          </a:p>
-          <a:p>
-            <a:r>
-              <a:rPr lang="en-US" dirty="0">
-                <a:solidFill>
-                  <a:prstClr val="black"/>
-                </a:solidFill>
-                <a:latin typeface="Consolas"/>
-              </a:rPr>
-              <a:t>}</a:t>
-            </a:r>
-          </a:p>
-          <a:p>
-            <a:endParaRPr lang="en-US" dirty="0">
-              <a:solidFill>
-                <a:prstClr val="black"/>
-              </a:solidFill>
-              <a:latin typeface="Consolas"/>
-            </a:endParaRPr>
-          </a:p>
-          <a:p>
-            <a:r>
-              <a:rPr lang="en-US" dirty="0" smtClean="0">
-                <a:solidFill>
-                  <a:srgbClr val="006400"/>
-                </a:solidFill>
-                <a:latin typeface="Consolas"/>
-              </a:rPr>
-              <a:t>// preferred</a:t>
-            </a:r>
-            <a:endParaRPr lang="en-US" dirty="0" smtClean="0">
-              <a:solidFill>
-                <a:prstClr val="black"/>
-              </a:solidFill>
-              <a:latin typeface="Consolas"/>
-            </a:endParaRPr>
-          </a:p>
-          <a:p>
-            <a:r>
-              <a:rPr lang="en-US" dirty="0" smtClean="0">
-                <a:solidFill>
-                  <a:srgbClr val="0000FF"/>
-                </a:solidFill>
-                <a:latin typeface="Consolas"/>
-              </a:rPr>
-              <a:t>if</a:t>
-            </a:r>
-            <a:r>
-              <a:rPr lang="en-US" dirty="0" smtClean="0">
-                <a:solidFill>
-                  <a:prstClr val="black"/>
-                </a:solidFill>
-                <a:latin typeface="Consolas"/>
-              </a:rPr>
-              <a:t> </a:t>
-            </a:r>
-            <a:r>
-              <a:rPr lang="en-US" dirty="0">
-                <a:solidFill>
-                  <a:prstClr val="black"/>
-                </a:solidFill>
-                <a:latin typeface="Consolas"/>
-              </a:rPr>
-              <a:t>(zero === </a:t>
-            </a:r>
-            <a:r>
-              <a:rPr lang="en-US" dirty="0">
-                <a:solidFill>
-                  <a:srgbClr val="0000FF"/>
-                </a:solidFill>
-                <a:latin typeface="Consolas"/>
-              </a:rPr>
-              <a:t>false</a:t>
-            </a:r>
-            <a:r>
-              <a:rPr lang="en-US" dirty="0">
-                <a:solidFill>
-                  <a:prstClr val="black"/>
-                </a:solidFill>
-                <a:latin typeface="Consolas"/>
-              </a:rPr>
-              <a:t>) {</a:t>
-            </a:r>
-          </a:p>
-          <a:p>
-            <a:r>
-              <a:rPr lang="en-US" dirty="0" smtClean="0">
-                <a:solidFill>
-                  <a:srgbClr val="006400"/>
-                </a:solidFill>
-                <a:latin typeface="Consolas"/>
-              </a:rPr>
-              <a:t>	// </a:t>
-            </a:r>
-            <a:r>
-              <a:rPr lang="en-US" dirty="0">
-                <a:solidFill>
-                  <a:srgbClr val="006400"/>
-                </a:solidFill>
-                <a:latin typeface="Consolas"/>
-              </a:rPr>
-              <a:t>not executing because zero is 0, not false</a:t>
-            </a:r>
-            <a:endParaRPr lang="en-US" dirty="0">
-              <a:solidFill>
-                <a:prstClr val="black"/>
-              </a:solidFill>
-              <a:latin typeface="Consolas"/>
-            </a:endParaRPr>
-          </a:p>
-          <a:p>
-            <a:r>
-              <a:rPr lang="en-US" dirty="0" smtClean="0">
-                <a:solidFill>
-                  <a:prstClr val="black"/>
-                </a:solidFill>
-                <a:latin typeface="Consolas"/>
-              </a:rPr>
-              <a:t>}</a:t>
-            </a:r>
-            <a:endParaRPr lang="en-US" dirty="0">
-              <a:solidFill>
-                <a:prstClr val="black"/>
-              </a:solidFill>
-              <a:latin typeface="Consolas"/>
-            </a:endParaRPr>
-          </a:p>
-        </p:txBody>
-      </p:sp>
+      </p:pic>
     </p:spTree>
     <p:extLst>
       <p:ext uri="{BB962C8B-B14F-4D97-AF65-F5344CB8AC3E}">
-        <p14:creationId xmlns:p14="http://schemas.microsoft.com/office/powerpoint/2010/main" val="719728662"/>
+        <p14:creationId xmlns:p14="http://schemas.microsoft.com/office/powerpoint/2010/main" val="613597390"/>
       </p:ext>
     </p:extLst>
   </p:cSld>
   <p:clrMapOvr>
     <a:masterClrMapping/>
   </p:clrMapOvr>
-  <p:transition/>
   <p:timing>
     <p:tnLst>
       <p:par>
@@ -7145,197 +6416,62 @@
       </p:grpSpPr>
       <p:sp>
         <p:nvSpPr>
-          <p:cNvPr id="4" name="Заголовок 1"/>
-          <p:cNvSpPr txBox="1">
-            <a:spLocks/>
-          </p:cNvSpPr>
-          <p:nvPr/>
-        </p:nvSpPr>
+          <p:cNvPr id="2" name="Title 1"/>
+          <p:cNvSpPr>
+            <a:spLocks noGrp="1"/>
+          </p:cNvSpPr>
+          <p:nvPr>
+            <p:ph type="title"/>
+          </p:nvPr>
+        </p:nvSpPr>
+        <p:spPr/>
+        <p:txBody>
+          <a:bodyPr/>
+          <a:lstStyle/>
+          <a:p>
+            <a:endParaRPr lang="en-US" dirty="0"/>
+          </a:p>
+        </p:txBody>
+      </p:sp>
+      <p:pic>
+        <p:nvPicPr>
+          <p:cNvPr id="4" name="Content Placeholder 3"/>
+          <p:cNvPicPr>
+            <a:picLocks noGrp="1" noChangeAspect="1"/>
+          </p:cNvPicPr>
+          <p:nvPr>
+            <p:ph idx="1"/>
+          </p:nvPr>
+        </p:nvPicPr>
+        <p:blipFill>
+          <a:blip r:embed="rId2">
+            <a:extLst>
+              <a:ext uri="{28A0092B-C50C-407E-A947-70E740481C1C}">
+                <a14:useLocalDpi xmlns:a14="http://schemas.microsoft.com/office/drawing/2010/main" val="0"/>
+              </a:ext>
+            </a:extLst>
+          </a:blip>
+          <a:stretch>
+            <a:fillRect/>
+          </a:stretch>
+        </p:blipFill>
         <p:spPr>
           <a:xfrm>
-            <a:off x="642910" y="142852"/>
-            <a:ext cx="7772400" cy="528640"/>
+            <a:off x="1691680" y="620688"/>
+            <a:ext cx="5616624" cy="4958888"/>
           </a:xfrm>
-          <a:prstGeom prst="rect">
-            <a:avLst/>
-          </a:prstGeom>
         </p:spPr>
-        <p:txBody>
-          <a:bodyPr vert="horz" lIns="91440" tIns="45720" rIns="91440" bIns="45720" rtlCol="0" anchor="ctr">
-            <a:noAutofit/>
-          </a:bodyPr>
-          <a:lstStyle/>
-          <a:p>
-            <a:pPr lvl="0" algn="ctr">
-              <a:spcBef>
-                <a:spcPct val="0"/>
-              </a:spcBef>
-              <a:defRPr/>
-            </a:pPr>
-            <a:r>
-              <a:rPr lang="en-US" sz="4000" b="1" dirty="0" smtClean="0">
-                <a:solidFill>
-                  <a:schemeClr val="tx1">
-                    <a:lumMod val="65000"/>
-                    <a:lumOff val="35000"/>
-                  </a:schemeClr>
-                </a:solidFill>
-                <a:latin typeface="+mj-lt"/>
-                <a:ea typeface="+mj-ea"/>
-                <a:cs typeface="+mj-cs"/>
-              </a:rPr>
-              <a:t>semicolon</a:t>
-            </a:r>
-            <a:endParaRPr kumimoji="0" lang="en-US" sz="4000" b="1" i="0" u="none" strike="noStrike" kern="1200" cap="none" spc="0" normalizeH="0" baseline="0" noProof="0" dirty="0">
-              <a:ln>
-                <a:noFill/>
-              </a:ln>
-              <a:solidFill>
-                <a:schemeClr val="tx1">
-                  <a:lumMod val="65000"/>
-                  <a:lumOff val="35000"/>
-                </a:schemeClr>
-              </a:solidFill>
-              <a:effectLst/>
-              <a:uLnTx/>
-              <a:uFillTx/>
-              <a:latin typeface="+mj-lt"/>
-              <a:ea typeface="+mj-ea"/>
-              <a:cs typeface="+mj-cs"/>
-            </a:endParaRPr>
-          </a:p>
-        </p:txBody>
-      </p:sp>
-      <p:sp>
-        <p:nvSpPr>
-          <p:cNvPr id="5" name="Rectangle 5"/>
-          <p:cNvSpPr/>
-          <p:nvPr/>
-        </p:nvSpPr>
-        <p:spPr>
-          <a:xfrm>
-            <a:off x="428596" y="928670"/>
-            <a:ext cx="8286808" cy="830997"/>
-          </a:xfrm>
-          <a:prstGeom prst="rect">
-            <a:avLst/>
-          </a:prstGeom>
-        </p:spPr>
-        <p:style>
-          <a:lnRef idx="1">
-            <a:schemeClr val="dk1"/>
-          </a:lnRef>
-          <a:fillRef idx="1001">
-            <a:schemeClr val="lt2"/>
-          </a:fillRef>
-          <a:effectRef idx="1">
-            <a:schemeClr val="dk1"/>
-          </a:effectRef>
-          <a:fontRef idx="minor">
-            <a:schemeClr val="dk1"/>
-          </a:fontRef>
-        </p:style>
-        <p:txBody>
-          <a:bodyPr wrap="square">
-            <a:spAutoFit/>
-          </a:bodyPr>
-          <a:lstStyle/>
-          <a:p>
-            <a:pPr>
-              <a:lnSpc>
-                <a:spcPct val="80000"/>
-              </a:lnSpc>
-              <a:buNone/>
-            </a:pPr>
-            <a:r>
-              <a:rPr lang="en-US" sz="2000" b="1" dirty="0" err="1" smtClean="0"/>
-              <a:t>var</a:t>
-            </a:r>
-            <a:r>
-              <a:rPr lang="en-US" sz="2000" b="1" dirty="0" smtClean="0"/>
-              <a:t> a = b</a:t>
-            </a:r>
-          </a:p>
-          <a:p>
-            <a:pPr>
-              <a:lnSpc>
-                <a:spcPct val="80000"/>
-              </a:lnSpc>
-              <a:buNone/>
-            </a:pPr>
-            <a:r>
-              <a:rPr lang="en-US" sz="2000" b="1" dirty="0" smtClean="0">
-                <a:solidFill>
-                  <a:schemeClr val="bg1">
-                    <a:lumMod val="50000"/>
-                  </a:schemeClr>
-                </a:solidFill>
-              </a:rPr>
-              <a:t>//blah </a:t>
-            </a:r>
-            <a:r>
-              <a:rPr lang="en-US" sz="2000" b="1" dirty="0" err="1" smtClean="0">
-                <a:solidFill>
-                  <a:schemeClr val="bg1">
-                    <a:lumMod val="50000"/>
-                  </a:schemeClr>
-                </a:solidFill>
-              </a:rPr>
-              <a:t>blah</a:t>
-            </a:r>
-            <a:r>
-              <a:rPr lang="en-US" sz="2000" b="1" dirty="0" smtClean="0">
-                <a:solidFill>
-                  <a:schemeClr val="bg1">
-                    <a:lumMod val="50000"/>
-                  </a:schemeClr>
-                </a:solidFill>
-              </a:rPr>
-              <a:t> </a:t>
-            </a:r>
-            <a:r>
-              <a:rPr lang="en-US" sz="2000" b="1" dirty="0" err="1" smtClean="0">
-                <a:solidFill>
-                  <a:schemeClr val="bg1">
-                    <a:lumMod val="50000"/>
-                  </a:schemeClr>
-                </a:solidFill>
-              </a:rPr>
-              <a:t>blah</a:t>
-            </a:r>
-            <a:endParaRPr lang="en-US" sz="2000" b="1" dirty="0" smtClean="0">
-              <a:solidFill>
-                <a:schemeClr val="bg1">
-                  <a:lumMod val="50000"/>
-                </a:schemeClr>
-              </a:solidFill>
-            </a:endParaRPr>
-          </a:p>
-          <a:p>
-            <a:pPr>
-              <a:lnSpc>
-                <a:spcPct val="80000"/>
-              </a:lnSpc>
-              <a:buNone/>
-            </a:pPr>
-            <a:r>
-              <a:rPr lang="en-US" sz="2000" b="1" dirty="0" smtClean="0"/>
-              <a:t>(function() {alert(1)})()</a:t>
-            </a:r>
-          </a:p>
-        </p:txBody>
-      </p:sp>
+      </p:pic>
     </p:spTree>
     <p:extLst>
       <p:ext uri="{BB962C8B-B14F-4D97-AF65-F5344CB8AC3E}">
-        <p14:creationId xmlns:p14="http://schemas.microsoft.com/office/powerpoint/2010/main" val="2084511723"/>
+        <p14:creationId xmlns:p14="http://schemas.microsoft.com/office/powerpoint/2010/main" val="2196938961"/>
       </p:ext>
     </p:extLst>
   </p:cSld>
   <p:clrMapOvr>
     <a:masterClrMapping/>
   </p:clrMapOvr>
-  <p:transition/>
   <p:timing>
     <p:tnLst>
       <p:par>
@@ -7365,441 +6501,89 @@
       </p:grpSpPr>
       <p:sp>
         <p:nvSpPr>
-          <p:cNvPr id="2" name="Заголовок 1"/>
-          <p:cNvSpPr>
-            <a:spLocks noGrp="1"/>
-          </p:cNvSpPr>
-          <p:nvPr>
-            <p:ph type="ctrTitle"/>
-          </p:nvPr>
-        </p:nvSpPr>
-        <p:spPr>
-          <a:xfrm>
-            <a:off x="642910" y="142852"/>
-            <a:ext cx="7772400" cy="528640"/>
-          </a:xfrm>
-        </p:spPr>
-        <p:txBody>
-          <a:bodyPr>
-            <a:normAutofit fontScale="90000"/>
-          </a:bodyPr>
-          <a:lstStyle/>
-          <a:p>
-            <a:r>
-              <a:rPr lang="en-US" b="1" dirty="0" smtClean="0">
-                <a:solidFill>
-                  <a:schemeClr val="tx1">
-                    <a:lumMod val="65000"/>
-                    <a:lumOff val="35000"/>
-                  </a:schemeClr>
-                </a:solidFill>
-              </a:rPr>
-              <a:t>With statement</a:t>
-            </a:r>
-            <a:endParaRPr lang="en-US" b="1" dirty="0">
-              <a:solidFill>
-                <a:schemeClr val="tx1">
-                  <a:lumMod val="65000"/>
-                  <a:lumOff val="35000"/>
-                </a:schemeClr>
-              </a:solidFill>
-            </a:endParaRPr>
-          </a:p>
-        </p:txBody>
-      </p:sp>
-      <p:sp>
-        <p:nvSpPr>
-          <p:cNvPr id="5" name="Заголовок 1"/>
-          <p:cNvSpPr txBox="1">
-            <a:spLocks/>
-          </p:cNvSpPr>
-          <p:nvPr/>
-        </p:nvSpPr>
-        <p:spPr>
-          <a:xfrm>
-            <a:off x="571472" y="1285860"/>
-            <a:ext cx="7772400" cy="3786214"/>
-          </a:xfrm>
-          <a:prstGeom prst="rect">
-            <a:avLst/>
-          </a:prstGeom>
-        </p:spPr>
-        <p:txBody>
-          <a:bodyPr vert="horz" lIns="91440" tIns="45720" rIns="91440" bIns="45720" rtlCol="0" anchor="ctr">
-            <a:normAutofit/>
-          </a:bodyPr>
-          <a:lstStyle/>
-          <a:p>
-            <a:pPr>
-              <a:spcBef>
-                <a:spcPct val="0"/>
-              </a:spcBef>
+          <p:cNvPr id="2" name="Title 1"/>
+          <p:cNvSpPr>
+            <a:spLocks noGrp="1"/>
+          </p:cNvSpPr>
+          <p:nvPr>
+            <p:ph type="title"/>
+          </p:nvPr>
+        </p:nvSpPr>
+        <p:spPr/>
+        <p:txBody>
+          <a:bodyPr/>
+          <a:lstStyle/>
+          <a:p>
+            <a:r>
+              <a:rPr lang="en-US" dirty="0" smtClean="0"/>
+              <a:t>Example</a:t>
+            </a:r>
+            <a:endParaRPr lang="en-US" dirty="0"/>
+          </a:p>
+        </p:txBody>
+      </p:sp>
+      <p:sp>
+        <p:nvSpPr>
+          <p:cNvPr id="3" name="Content Placeholder 2"/>
+          <p:cNvSpPr>
+            <a:spLocks noGrp="1"/>
+          </p:cNvSpPr>
+          <p:nvPr>
+            <p:ph idx="1"/>
+          </p:nvPr>
+        </p:nvSpPr>
+        <p:spPr/>
+        <p:txBody>
+          <a:bodyPr/>
+          <a:lstStyle/>
+          <a:p>
+            <a:pPr marL="0" indent="0">
+              <a:buNone/>
             </a:pPr>
-            <a:endParaRPr lang="be-BY" smtClean="0"/>
-          </a:p>
-          <a:p>
-            <a:pPr marL="0" marR="0" lvl="0" indent="0" defTabSz="914400" rtl="0" eaLnBrk="1" fontAlgn="auto" latinLnBrk="0" hangingPunct="1">
-              <a:lnSpc>
-                <a:spcPct val="100000"/>
-              </a:lnSpc>
-              <a:spcBef>
-                <a:spcPct val="0"/>
-              </a:spcBef>
-              <a:spcAft>
-                <a:spcPts val="0"/>
-              </a:spcAft>
-              <a:buClrTx/>
-              <a:buSzTx/>
-              <a:buFontTx/>
+            <a:r>
+              <a:rPr lang="en-US" dirty="0" err="1" smtClean="0"/>
+              <a:t>var</a:t>
+            </a:r>
+            <a:r>
+              <a:rPr lang="en-US" dirty="0" smtClean="0"/>
+              <a:t> a = 2;</a:t>
+            </a:r>
+          </a:p>
+          <a:p>
+            <a:pPr marL="0" indent="0">
               <a:buNone/>
-              <a:tabLst/>
-              <a:defRPr/>
             </a:pPr>
-            <a:endParaRPr kumimoji="0" lang="be-BY" sz="4400" b="0" i="0" u="none" strike="noStrike" kern="1200" cap="none" spc="0" normalizeH="0" baseline="0" noProof="0" dirty="0" smtClean="0">
-              <a:ln>
-                <a:noFill/>
-              </a:ln>
-              <a:solidFill>
-                <a:schemeClr val="tx1"/>
-              </a:solidFill>
-              <a:effectLst/>
-              <a:uLnTx/>
-              <a:uFillTx/>
-              <a:latin typeface="+mj-lt"/>
-              <a:ea typeface="+mj-ea"/>
-              <a:cs typeface="+mj-cs"/>
-            </a:endParaRPr>
-          </a:p>
-        </p:txBody>
-      </p:sp>
-      <p:sp>
-        <p:nvSpPr>
-          <p:cNvPr id="6" name="Rectangle 5"/>
-          <p:cNvSpPr/>
-          <p:nvPr/>
-        </p:nvSpPr>
-        <p:spPr>
-          <a:xfrm>
-            <a:off x="428596" y="1214422"/>
-            <a:ext cx="8286808" cy="1015663"/>
-          </a:xfrm>
-          <a:prstGeom prst="rect">
-            <a:avLst/>
-          </a:prstGeom>
-        </p:spPr>
-        <p:style>
-          <a:lnRef idx="1">
-            <a:schemeClr val="dk1"/>
-          </a:lnRef>
-          <a:fillRef idx="1001">
-            <a:schemeClr val="lt2"/>
-          </a:fillRef>
-          <a:effectRef idx="1">
-            <a:schemeClr val="dk1"/>
-          </a:effectRef>
-          <a:fontRef idx="minor">
-            <a:schemeClr val="dk1"/>
-          </a:fontRef>
-        </p:style>
-        <p:txBody>
-          <a:bodyPr wrap="square">
-            <a:spAutoFit/>
-          </a:bodyPr>
-          <a:lstStyle/>
-          <a:p>
-            <a:r>
-              <a:rPr lang="en-US" sz="2000" b="1" dirty="0" smtClean="0">
-                <a:solidFill>
-                  <a:srgbClr val="0070C0"/>
-                </a:solidFill>
-              </a:rPr>
-              <a:t>with</a:t>
-            </a:r>
-            <a:r>
-              <a:rPr lang="en-US" sz="2000" b="1" dirty="0" smtClean="0"/>
-              <a:t> (</a:t>
-            </a:r>
-            <a:r>
-              <a:rPr lang="en-US" sz="2000" b="1" dirty="0" err="1" smtClean="0">
-                <a:solidFill>
-                  <a:schemeClr val="accent6">
-                    <a:lumMod val="75000"/>
-                  </a:schemeClr>
-                </a:solidFill>
-              </a:rPr>
-              <a:t>obj</a:t>
-            </a:r>
-            <a:r>
-              <a:rPr lang="en-US" sz="2000" b="1" dirty="0" smtClean="0"/>
-              <a:t>) {</a:t>
-            </a:r>
-          </a:p>
-          <a:p>
-            <a:r>
-              <a:rPr lang="en-US" sz="2000" b="1" dirty="0" smtClean="0"/>
-              <a:t>	</a:t>
-            </a:r>
-            <a:r>
-              <a:rPr lang="en-US" sz="2000" b="1" dirty="0" smtClean="0">
-                <a:solidFill>
-                  <a:schemeClr val="accent6">
-                    <a:lumMod val="75000"/>
-                  </a:schemeClr>
-                </a:solidFill>
-              </a:rPr>
-              <a:t>a</a:t>
-            </a:r>
-            <a:r>
-              <a:rPr lang="en-US" sz="2000" b="1" dirty="0" smtClean="0"/>
-              <a:t> = </a:t>
-            </a:r>
-            <a:r>
-              <a:rPr lang="en-US" sz="2000" b="1" dirty="0" smtClean="0">
-                <a:solidFill>
-                  <a:schemeClr val="accent6">
-                    <a:lumMod val="75000"/>
-                  </a:schemeClr>
-                </a:solidFill>
-              </a:rPr>
-              <a:t>b</a:t>
-            </a:r>
-            <a:r>
-              <a:rPr lang="en-US" sz="2000" b="1" dirty="0" smtClean="0"/>
-              <a:t>;</a:t>
-            </a:r>
-          </a:p>
-          <a:p>
-            <a:r>
-              <a:rPr lang="en-US" sz="2000" b="1" dirty="0" smtClean="0"/>
-              <a:t>}</a:t>
-            </a:r>
-          </a:p>
-        </p:txBody>
-      </p:sp>
-      <p:sp>
-        <p:nvSpPr>
-          <p:cNvPr id="8" name="Rectangle 7"/>
-          <p:cNvSpPr/>
-          <p:nvPr/>
-        </p:nvSpPr>
-        <p:spPr>
-          <a:xfrm>
-            <a:off x="428596" y="2643182"/>
-            <a:ext cx="8286808" cy="1323439"/>
-          </a:xfrm>
-          <a:prstGeom prst="rect">
-            <a:avLst/>
-          </a:prstGeom>
-        </p:spPr>
-        <p:style>
-          <a:lnRef idx="1">
-            <a:schemeClr val="dk1"/>
-          </a:lnRef>
-          <a:fillRef idx="1001">
-            <a:schemeClr val="lt2"/>
-          </a:fillRef>
-          <a:effectRef idx="1">
-            <a:schemeClr val="dk1"/>
-          </a:effectRef>
-          <a:fontRef idx="minor">
-            <a:schemeClr val="dk1"/>
-          </a:fontRef>
-        </p:style>
-        <p:txBody>
-          <a:bodyPr wrap="square">
-            <a:spAutoFit/>
-          </a:bodyPr>
-          <a:lstStyle/>
-          <a:p>
-            <a:r>
-              <a:rPr lang="pt-BR" sz="2000" b="1" dirty="0" smtClean="0">
-                <a:solidFill>
-                  <a:schemeClr val="accent6">
-                    <a:lumMod val="75000"/>
-                  </a:schemeClr>
-                </a:solidFill>
-              </a:rPr>
-              <a:t>a</a:t>
-            </a:r>
-            <a:r>
-              <a:rPr lang="pt-BR" sz="2000" b="1" dirty="0" smtClean="0"/>
-              <a:t> = </a:t>
-            </a:r>
-            <a:r>
-              <a:rPr lang="pt-BR" sz="2000" b="1" dirty="0" smtClean="0">
-                <a:solidFill>
-                  <a:schemeClr val="accent6">
-                    <a:lumMod val="75000"/>
-                  </a:schemeClr>
-                </a:solidFill>
-              </a:rPr>
-              <a:t>b</a:t>
-            </a:r>
-            <a:r>
-              <a:rPr lang="pt-BR" sz="2000" b="1" dirty="0" smtClean="0"/>
-              <a:t>; </a:t>
-            </a:r>
-          </a:p>
-          <a:p>
-            <a:r>
-              <a:rPr lang="pt-BR" sz="2000" b="1" dirty="0" smtClean="0">
-                <a:solidFill>
-                  <a:schemeClr val="accent6">
-                    <a:lumMod val="75000"/>
-                  </a:schemeClr>
-                </a:solidFill>
-              </a:rPr>
-              <a:t>a</a:t>
-            </a:r>
-            <a:r>
-              <a:rPr lang="pt-BR" sz="2000" b="1" dirty="0" smtClean="0"/>
-              <a:t> = </a:t>
-            </a:r>
-            <a:r>
-              <a:rPr lang="pt-BR" sz="2000" b="1" dirty="0" smtClean="0">
-                <a:solidFill>
-                  <a:schemeClr val="accent6">
-                    <a:lumMod val="75000"/>
-                  </a:schemeClr>
-                </a:solidFill>
-              </a:rPr>
-              <a:t>obj</a:t>
-            </a:r>
-            <a:r>
-              <a:rPr lang="pt-BR" sz="2000" b="1" dirty="0" smtClean="0"/>
-              <a:t>.</a:t>
-            </a:r>
-            <a:r>
-              <a:rPr lang="pt-BR" sz="2000" b="1" dirty="0" smtClean="0">
-                <a:solidFill>
-                  <a:schemeClr val="accent6">
-                    <a:lumMod val="75000"/>
-                  </a:schemeClr>
-                </a:solidFill>
-              </a:rPr>
-              <a:t>b</a:t>
-            </a:r>
-            <a:r>
-              <a:rPr lang="pt-BR" sz="2000" b="1" dirty="0" smtClean="0"/>
-              <a:t>; </a:t>
-            </a:r>
-          </a:p>
-          <a:p>
-            <a:r>
-              <a:rPr lang="pt-BR" sz="2000" b="1" dirty="0" smtClean="0">
-                <a:solidFill>
-                  <a:schemeClr val="accent6">
-                    <a:lumMod val="75000"/>
-                  </a:schemeClr>
-                </a:solidFill>
-              </a:rPr>
-              <a:t>obj</a:t>
-            </a:r>
-            <a:r>
-              <a:rPr lang="pt-BR" sz="2000" b="1" dirty="0" smtClean="0"/>
-              <a:t>.</a:t>
-            </a:r>
-            <a:r>
-              <a:rPr lang="pt-BR" sz="2000" b="1" dirty="0" smtClean="0">
-                <a:solidFill>
-                  <a:schemeClr val="accent6">
-                    <a:lumMod val="75000"/>
-                  </a:schemeClr>
-                </a:solidFill>
-              </a:rPr>
-              <a:t>a</a:t>
-            </a:r>
-            <a:r>
-              <a:rPr lang="pt-BR" sz="2000" b="1" dirty="0" smtClean="0"/>
-              <a:t> = </a:t>
-            </a:r>
-            <a:r>
-              <a:rPr lang="pt-BR" sz="2000" b="1" dirty="0" smtClean="0">
-                <a:solidFill>
-                  <a:schemeClr val="accent6">
-                    <a:lumMod val="75000"/>
-                  </a:schemeClr>
-                </a:solidFill>
-              </a:rPr>
-              <a:t>b</a:t>
-            </a:r>
-            <a:r>
-              <a:rPr lang="pt-BR" sz="2000" b="1" dirty="0" smtClean="0"/>
-              <a:t>; </a:t>
-            </a:r>
-          </a:p>
-          <a:p>
-            <a:r>
-              <a:rPr lang="pt-BR" sz="2000" b="1" dirty="0" smtClean="0">
-                <a:solidFill>
-                  <a:schemeClr val="accent6">
-                    <a:lumMod val="75000"/>
-                  </a:schemeClr>
-                </a:solidFill>
-              </a:rPr>
-              <a:t>obj</a:t>
-            </a:r>
-            <a:r>
-              <a:rPr lang="pt-BR" sz="2000" b="1" dirty="0" smtClean="0"/>
-              <a:t>.</a:t>
-            </a:r>
-            <a:r>
-              <a:rPr lang="pt-BR" sz="2000" b="1" dirty="0" smtClean="0">
-                <a:solidFill>
-                  <a:schemeClr val="accent6">
-                    <a:lumMod val="75000"/>
-                  </a:schemeClr>
-                </a:solidFill>
-              </a:rPr>
-              <a:t>a</a:t>
-            </a:r>
-            <a:r>
-              <a:rPr lang="pt-BR" sz="2000" b="1" dirty="0" smtClean="0"/>
-              <a:t> = </a:t>
-            </a:r>
-            <a:r>
-              <a:rPr lang="pt-BR" sz="2000" b="1" dirty="0" smtClean="0">
-                <a:solidFill>
-                  <a:schemeClr val="accent6">
-                    <a:lumMod val="75000"/>
-                  </a:schemeClr>
-                </a:solidFill>
-              </a:rPr>
-              <a:t>obj</a:t>
-            </a:r>
-            <a:r>
-              <a:rPr lang="pt-BR" sz="2000" b="1" dirty="0" smtClean="0"/>
-              <a:t>.</a:t>
-            </a:r>
-            <a:r>
-              <a:rPr lang="pt-BR" sz="2000" b="1" dirty="0" smtClean="0">
-                <a:solidFill>
-                  <a:schemeClr val="accent6">
-                    <a:lumMod val="75000"/>
-                  </a:schemeClr>
-                </a:solidFill>
-              </a:rPr>
-              <a:t>b</a:t>
-            </a:r>
-            <a:r>
-              <a:rPr lang="pt-BR" sz="2000" b="1" dirty="0" smtClean="0"/>
-              <a:t>;</a:t>
-            </a:r>
-            <a:endParaRPr lang="en-US" sz="2000" b="1" dirty="0" smtClean="0"/>
+            <a:r>
+              <a:rPr lang="en-US" dirty="0" err="1" smtClean="0"/>
+              <a:t>var</a:t>
+            </a:r>
+            <a:r>
+              <a:rPr lang="en-US" dirty="0" smtClean="0"/>
+              <a:t> b = 2;</a:t>
+            </a:r>
+          </a:p>
+          <a:p>
+            <a:pPr marL="0" indent="0">
+              <a:buNone/>
+            </a:pPr>
+            <a:r>
+              <a:rPr lang="en-US" smtClean="0"/>
+              <a:t>console.log(a + b);</a:t>
+            </a:r>
+            <a:endParaRPr lang="en-US" dirty="0"/>
           </a:p>
         </p:txBody>
       </p:sp>
     </p:spTree>
     <p:extLst>
       <p:ext uri="{BB962C8B-B14F-4D97-AF65-F5344CB8AC3E}">
-        <p14:creationId xmlns:p14="http://schemas.microsoft.com/office/powerpoint/2010/main" val="1799072592"/>
+        <p14:creationId xmlns:p14="http://schemas.microsoft.com/office/powerpoint/2010/main" val="2718475538"/>
       </p:ext>
     </p:extLst>
   </p:cSld>
   <p:clrMapOvr>
     <a:masterClrMapping/>
   </p:clrMapOvr>
-  <p:transition/>
   <p:timing>
     <p:tnLst>
       <p:par>
@@ -7829,206 +6613,60 @@
       </p:grpSpPr>
       <p:sp>
         <p:nvSpPr>
-          <p:cNvPr id="2" name="Заголовок 1"/>
-          <p:cNvSpPr>
-            <a:spLocks noGrp="1"/>
-          </p:cNvSpPr>
-          <p:nvPr>
-            <p:ph type="ctrTitle"/>
-          </p:nvPr>
-        </p:nvSpPr>
-        <p:spPr>
-          <a:xfrm>
-            <a:off x="642910" y="142852"/>
-            <a:ext cx="7772400" cy="528640"/>
-          </a:xfrm>
-        </p:spPr>
-        <p:txBody>
-          <a:bodyPr>
-            <a:normAutofit fontScale="90000"/>
-          </a:bodyPr>
-          <a:lstStyle/>
-          <a:p>
-            <a:r>
-              <a:rPr lang="en-US" b="1" dirty="0" smtClean="0">
-                <a:solidFill>
-                  <a:schemeClr val="tx1">
-                    <a:lumMod val="65000"/>
-                    <a:lumOff val="35000"/>
-                  </a:schemeClr>
-                </a:solidFill>
-              </a:rPr>
-              <a:t>Identifiers</a:t>
-            </a:r>
-            <a:endParaRPr lang="en-US" b="1" dirty="0">
-              <a:solidFill>
-                <a:schemeClr val="tx1">
-                  <a:lumMod val="65000"/>
-                  <a:lumOff val="35000"/>
-                </a:schemeClr>
-              </a:solidFill>
-            </a:endParaRPr>
-          </a:p>
-        </p:txBody>
-      </p:sp>
-      <p:sp>
-        <p:nvSpPr>
-          <p:cNvPr id="5" name="Заголовок 1"/>
-          <p:cNvSpPr txBox="1">
-            <a:spLocks/>
-          </p:cNvSpPr>
-          <p:nvPr/>
-        </p:nvSpPr>
-        <p:spPr>
-          <a:xfrm>
-            <a:off x="571472" y="1285860"/>
-            <a:ext cx="7772400" cy="3786214"/>
-          </a:xfrm>
-          <a:prstGeom prst="rect">
-            <a:avLst/>
-          </a:prstGeom>
-        </p:spPr>
-        <p:txBody>
-          <a:bodyPr vert="horz" lIns="91440" tIns="45720" rIns="91440" bIns="45720" rtlCol="0" anchor="ctr">
-            <a:normAutofit/>
-          </a:bodyPr>
-          <a:lstStyle/>
-          <a:p>
-            <a:pPr>
-              <a:spcBef>
-                <a:spcPct val="0"/>
-              </a:spcBef>
-            </a:pPr>
-            <a:endParaRPr lang="be-BY" smtClean="0"/>
-          </a:p>
-          <a:p>
-            <a:pPr marL="0" marR="0" lvl="0" indent="0" defTabSz="914400" rtl="0" eaLnBrk="1" fontAlgn="auto" latinLnBrk="0" hangingPunct="1">
-              <a:lnSpc>
-                <a:spcPct val="100000"/>
-              </a:lnSpc>
-              <a:spcBef>
-                <a:spcPct val="0"/>
-              </a:spcBef>
-              <a:spcAft>
-                <a:spcPts val="0"/>
-              </a:spcAft>
-              <a:buClrTx/>
-              <a:buSzTx/>
-              <a:buFontTx/>
-              <a:buNone/>
-              <a:tabLst/>
-              <a:defRPr/>
-            </a:pPr>
-            <a:endParaRPr kumimoji="0" lang="be-BY" sz="4400" b="0" i="0" u="none" strike="noStrike" kern="1200" cap="none" spc="0" normalizeH="0" baseline="0" noProof="0" dirty="0" smtClean="0">
-              <a:ln>
-                <a:noFill/>
-              </a:ln>
-              <a:solidFill>
-                <a:schemeClr val="tx1"/>
-              </a:solidFill>
-              <a:effectLst/>
-              <a:uLnTx/>
-              <a:uFillTx/>
-              <a:latin typeface="+mj-lt"/>
-              <a:ea typeface="+mj-ea"/>
-              <a:cs typeface="+mj-cs"/>
-            </a:endParaRPr>
-          </a:p>
-        </p:txBody>
-      </p:sp>
-      <p:sp>
-        <p:nvSpPr>
-          <p:cNvPr id="7" name="Rectangle 6"/>
-          <p:cNvSpPr/>
-          <p:nvPr/>
-        </p:nvSpPr>
-        <p:spPr>
-          <a:xfrm>
-            <a:off x="642910" y="928670"/>
-            <a:ext cx="7858180" cy="3416320"/>
-          </a:xfrm>
-          <a:prstGeom prst="rect">
-            <a:avLst/>
-          </a:prstGeom>
-        </p:spPr>
-        <p:txBody>
-          <a:bodyPr wrap="square">
-            <a:spAutoFit/>
-          </a:bodyPr>
-          <a:lstStyle/>
-          <a:p>
-            <a:pPr>
-              <a:buFont typeface="Arial" pitchFamily="34" charset="0"/>
-              <a:buChar char="•"/>
-            </a:pPr>
-            <a:r>
-              <a:rPr lang="en-US" sz="2400" b="1" dirty="0" smtClean="0"/>
-              <a:t>  Starts with a letter or _ or $</a:t>
-            </a:r>
-          </a:p>
-          <a:p>
-            <a:pPr>
-              <a:buFont typeface="Arial" pitchFamily="34" charset="0"/>
-              <a:buChar char="•"/>
-            </a:pPr>
-            <a:endParaRPr lang="en-US" sz="2400" b="1" dirty="0" smtClean="0"/>
-          </a:p>
-          <a:p>
-            <a:pPr>
-              <a:buFont typeface="Arial" pitchFamily="34" charset="0"/>
-              <a:buChar char="•"/>
-            </a:pPr>
-            <a:r>
-              <a:rPr lang="en-US" sz="2400" b="1" dirty="0" smtClean="0"/>
-              <a:t>  Followed by zero or more letters, digits, _ or $</a:t>
-            </a:r>
-          </a:p>
-          <a:p>
-            <a:pPr>
-              <a:buFont typeface="Arial" pitchFamily="34" charset="0"/>
-              <a:buChar char="•"/>
-            </a:pPr>
-            <a:endParaRPr lang="en-US" sz="2400" b="1" dirty="0" smtClean="0"/>
-          </a:p>
-          <a:p>
-            <a:pPr>
-              <a:buFont typeface="Arial" pitchFamily="34" charset="0"/>
-              <a:buChar char="•"/>
-            </a:pPr>
-            <a:endParaRPr lang="en-US" sz="2400" b="1" dirty="0" smtClean="0"/>
-          </a:p>
-          <a:p>
-            <a:pPr>
-              <a:buFont typeface="Arial" pitchFamily="34" charset="0"/>
-              <a:buChar char="•"/>
-            </a:pPr>
-            <a:r>
-              <a:rPr lang="en-US" sz="2400" b="1" dirty="0" smtClean="0"/>
-              <a:t>  By convention, all variables, parameters, members, and function names start with lower case</a:t>
-            </a:r>
-          </a:p>
-          <a:p>
-            <a:endParaRPr lang="en-US" sz="2400" b="1" dirty="0" smtClean="0"/>
-          </a:p>
-          <a:p>
-            <a:pPr>
-              <a:buFont typeface="Arial" pitchFamily="34" charset="0"/>
-              <a:buChar char="•"/>
-            </a:pPr>
-            <a:r>
-              <a:rPr lang="en-US" sz="2400" b="1" dirty="0" smtClean="0"/>
-              <a:t>  Except for constructors which start with upper case</a:t>
-            </a:r>
-            <a:endParaRPr lang="en-US" sz="2400" b="1" dirty="0"/>
+          <p:cNvPr id="2" name="Title 1"/>
+          <p:cNvSpPr>
+            <a:spLocks noGrp="1"/>
+          </p:cNvSpPr>
+          <p:nvPr>
+            <p:ph type="title"/>
+          </p:nvPr>
+        </p:nvSpPr>
+        <p:spPr/>
+        <p:txBody>
+          <a:bodyPr/>
+          <a:lstStyle/>
+          <a:p>
+            <a:r>
+              <a:rPr lang="en-US" dirty="0" smtClean="0"/>
+              <a:t>Recap </a:t>
+            </a:r>
+            <a:r>
+              <a:rPr lang="en-US" smtClean="0"/>
+              <a:t>of lecture II</a:t>
+            </a:r>
+            <a:endParaRPr lang="en-US" dirty="0"/>
+          </a:p>
+        </p:txBody>
+      </p:sp>
+      <p:sp>
+        <p:nvSpPr>
+          <p:cNvPr id="3" name="Content Placeholder 2"/>
+          <p:cNvSpPr>
+            <a:spLocks noGrp="1"/>
+          </p:cNvSpPr>
+          <p:nvPr>
+            <p:ph idx="1"/>
+          </p:nvPr>
+        </p:nvSpPr>
+        <p:spPr/>
+        <p:txBody>
+          <a:bodyPr/>
+          <a:lstStyle/>
+          <a:p>
+            <a:endParaRPr lang="en-US"/>
           </a:p>
         </p:txBody>
       </p:sp>
     </p:spTree>
+    <p:extLst>
+      <p:ext uri="{BB962C8B-B14F-4D97-AF65-F5344CB8AC3E}">
+        <p14:creationId xmlns:p14="http://schemas.microsoft.com/office/powerpoint/2010/main" val="1421494001"/>
+      </p:ext>
+    </p:extLst>
   </p:cSld>
   <p:clrMapOvr>
     <a:masterClrMapping/>
   </p:clrMapOvr>
-  <p:transition/>
   <p:timing>
     <p:tnLst>
       <p:par>
@@ -8058,80 +6696,175 @@
       </p:grpSpPr>
       <p:sp>
         <p:nvSpPr>
-          <p:cNvPr id="2" name="Заголовок 1"/>
-          <p:cNvSpPr>
-            <a:spLocks noGrp="1"/>
-          </p:cNvSpPr>
-          <p:nvPr>
-            <p:ph type="ctrTitle"/>
-          </p:nvPr>
+          <p:cNvPr id="90115" name="Rectangle 3"/>
+          <p:cNvSpPr>
+            <a:spLocks noGrp="1" noChangeArrowheads="1"/>
+          </p:cNvSpPr>
+          <p:nvPr>
+            <p:ph type="body" idx="1"/>
+          </p:nvPr>
+        </p:nvSpPr>
+        <p:spPr>
+          <a:xfrm>
+            <a:off x="500034" y="857232"/>
+            <a:ext cx="8229600" cy="4525963"/>
+          </a:xfrm>
+        </p:spPr>
+        <p:txBody>
+          <a:bodyPr>
+            <a:normAutofit/>
+          </a:bodyPr>
+          <a:lstStyle/>
+          <a:p>
+            <a:pPr eaLnBrk="1" hangingPunct="1">
+              <a:lnSpc>
+                <a:spcPct val="80000"/>
+              </a:lnSpc>
+            </a:pPr>
+            <a:r>
+              <a:rPr lang="da-DK" sz="2400" b="1" dirty="0" smtClean="0"/>
+              <a:t>'' == '0'          // false</a:t>
+            </a:r>
+          </a:p>
+          <a:p>
+            <a:pPr eaLnBrk="1" hangingPunct="1">
+              <a:lnSpc>
+                <a:spcPct val="80000"/>
+              </a:lnSpc>
+            </a:pPr>
+            <a:r>
+              <a:rPr lang="da-DK" sz="2400" b="1" dirty="0" smtClean="0"/>
+              <a:t>0 == ''            // true</a:t>
+            </a:r>
+          </a:p>
+          <a:p>
+            <a:pPr eaLnBrk="1" hangingPunct="1">
+              <a:lnSpc>
+                <a:spcPct val="80000"/>
+              </a:lnSpc>
+            </a:pPr>
+            <a:r>
+              <a:rPr lang="da-DK" sz="2400" b="1" dirty="0" smtClean="0"/>
+              <a:t>0 == '0'           // true</a:t>
+            </a:r>
+          </a:p>
+          <a:p>
+            <a:pPr eaLnBrk="1" hangingPunct="1">
+              <a:lnSpc>
+                <a:spcPct val="80000"/>
+              </a:lnSpc>
+            </a:pPr>
+            <a:endParaRPr lang="da-DK" sz="2400" b="1" dirty="0" smtClean="0"/>
+          </a:p>
+          <a:p>
+            <a:pPr eaLnBrk="1" hangingPunct="1">
+              <a:lnSpc>
+                <a:spcPct val="80000"/>
+              </a:lnSpc>
+            </a:pPr>
+            <a:r>
+              <a:rPr lang="da-DK" sz="2400" b="1" dirty="0" smtClean="0"/>
+              <a:t>false == 'false'   // false</a:t>
+            </a:r>
+          </a:p>
+          <a:p>
+            <a:pPr eaLnBrk="1" hangingPunct="1">
+              <a:lnSpc>
+                <a:spcPct val="80000"/>
+              </a:lnSpc>
+            </a:pPr>
+            <a:r>
+              <a:rPr lang="da-DK" sz="2400" b="1" dirty="0" smtClean="0"/>
+              <a:t>false == '0'       // true</a:t>
+            </a:r>
+          </a:p>
+          <a:p>
+            <a:pPr eaLnBrk="1" hangingPunct="1">
+              <a:lnSpc>
+                <a:spcPct val="80000"/>
+              </a:lnSpc>
+            </a:pPr>
+            <a:endParaRPr lang="da-DK" sz="2400" b="1" dirty="0" smtClean="0"/>
+          </a:p>
+          <a:p>
+            <a:pPr eaLnBrk="1" hangingPunct="1">
+              <a:lnSpc>
+                <a:spcPct val="80000"/>
+              </a:lnSpc>
+            </a:pPr>
+            <a:r>
+              <a:rPr lang="da-DK" sz="2400" b="1" dirty="0" smtClean="0"/>
+              <a:t>false == undefined // false</a:t>
+            </a:r>
+          </a:p>
+          <a:p>
+            <a:pPr eaLnBrk="1" hangingPunct="1">
+              <a:lnSpc>
+                <a:spcPct val="80000"/>
+              </a:lnSpc>
+            </a:pPr>
+            <a:r>
+              <a:rPr lang="da-DK" sz="2400" b="1" dirty="0" smtClean="0"/>
+              <a:t>false == null      // false</a:t>
+            </a:r>
+          </a:p>
+          <a:p>
+            <a:pPr eaLnBrk="1" hangingPunct="1">
+              <a:lnSpc>
+                <a:spcPct val="80000"/>
+              </a:lnSpc>
+            </a:pPr>
+            <a:r>
+              <a:rPr lang="da-DK" sz="2400" b="1" dirty="0" smtClean="0"/>
+              <a:t>null == undefined  // true</a:t>
+            </a:r>
+          </a:p>
+          <a:p>
+            <a:pPr eaLnBrk="1" hangingPunct="1">
+              <a:lnSpc>
+                <a:spcPct val="80000"/>
+              </a:lnSpc>
+            </a:pPr>
+            <a:endParaRPr lang="da-DK" sz="2400" b="1" dirty="0" smtClean="0"/>
+          </a:p>
+          <a:p>
+            <a:pPr eaLnBrk="1" hangingPunct="1">
+              <a:lnSpc>
+                <a:spcPct val="80000"/>
+              </a:lnSpc>
+            </a:pPr>
+            <a:r>
+              <a:rPr lang="da-DK" sz="2400" b="1" dirty="0" smtClean="0"/>
+              <a:t>‘ \t\r\n ' == 0    // true</a:t>
+            </a:r>
+            <a:endParaRPr lang="en-US" sz="2400" b="1" dirty="0" smtClean="0"/>
+          </a:p>
+        </p:txBody>
+      </p:sp>
+      <p:sp>
+        <p:nvSpPr>
+          <p:cNvPr id="4" name="Заголовок 1"/>
+          <p:cNvSpPr txBox="1">
+            <a:spLocks/>
+          </p:cNvSpPr>
+          <p:nvPr/>
         </p:nvSpPr>
         <p:spPr>
           <a:xfrm>
             <a:off x="642910" y="142852"/>
             <a:ext cx="7772400" cy="528640"/>
           </a:xfrm>
-        </p:spPr>
-        <p:txBody>
-          <a:bodyPr>
-            <a:normAutofit fontScale="90000"/>
-          </a:bodyPr>
-          <a:lstStyle/>
-          <a:p>
-            <a:r>
-              <a:rPr lang="en-US" b="1" dirty="0" smtClean="0">
-                <a:solidFill>
-                  <a:schemeClr val="tx1">
-                    <a:lumMod val="65000"/>
-                    <a:lumOff val="35000"/>
-                  </a:schemeClr>
-                </a:solidFill>
-              </a:rPr>
-              <a:t>Constants</a:t>
-            </a:r>
-            <a:endParaRPr lang="en-US" b="1" dirty="0">
-              <a:solidFill>
-                <a:schemeClr val="tx1">
-                  <a:lumMod val="65000"/>
-                  <a:lumOff val="35000"/>
-                </a:schemeClr>
-              </a:solidFill>
-            </a:endParaRPr>
-          </a:p>
-        </p:txBody>
-      </p:sp>
-      <p:sp>
-        <p:nvSpPr>
-          <p:cNvPr id="5" name="Заголовок 1"/>
-          <p:cNvSpPr txBox="1">
-            <a:spLocks/>
-          </p:cNvSpPr>
-          <p:nvPr/>
-        </p:nvSpPr>
-        <p:spPr>
-          <a:xfrm>
-            <a:off x="571472" y="1285860"/>
-            <a:ext cx="7772400" cy="3786214"/>
-          </a:xfrm>
           <a:prstGeom prst="rect">
             <a:avLst/>
           </a:prstGeom>
         </p:spPr>
         <p:txBody>
           <a:bodyPr vert="horz" lIns="91440" tIns="45720" rIns="91440" bIns="45720" rtlCol="0" anchor="ctr">
-            <a:normAutofit/>
+            <a:noAutofit/>
           </a:bodyPr>
           <a:lstStyle/>
           <a:p>
-            <a:pPr>
-              <a:spcBef>
-                <a:spcPct val="0"/>
-              </a:spcBef>
-            </a:pPr>
-            <a:endParaRPr lang="be-BY" smtClean="0"/>
-          </a:p>
-          <a:p>
-            <a:pPr marL="0" marR="0" lvl="0" indent="0" defTabSz="914400" rtl="0" eaLnBrk="1" fontAlgn="auto" latinLnBrk="0" hangingPunct="1">
+            <a:pPr marL="0" marR="0" lvl="0" indent="0" algn="ctr" defTabSz="914400" rtl="0" eaLnBrk="1" fontAlgn="auto" latinLnBrk="0" hangingPunct="1">
               <a:lnSpc>
                 <a:spcPct val="100000"/>
               </a:lnSpc>
@@ -8148,12 +6881,29 @@
               <a:tabLst/>
               <a:defRPr/>
             </a:pPr>
-            <a:endParaRPr kumimoji="0" lang="be-BY" sz="4400" b="0" i="0" u="none" strike="noStrike" kern="1200" cap="none" spc="0" normalizeH="0" baseline="0" noProof="0" dirty="0" smtClean="0">
+            <a:r>
+              <a:rPr lang="en-US" sz="4000" b="1" dirty="0" smtClean="0">
+                <a:solidFill>
+                  <a:schemeClr val="tx1">
+                    <a:lumMod val="65000"/>
+                    <a:lumOff val="35000"/>
+                  </a:schemeClr>
+                </a:solidFill>
+                <a:latin typeface="+mj-lt"/>
+                <a:ea typeface="+mj-ea"/>
+                <a:cs typeface="+mj-cs"/>
+              </a:rPr>
+              <a:t>Evils of type coercion (recap)</a:t>
+            </a:r>
+            <a:endParaRPr kumimoji="0" lang="en-US" sz="4000" b="1" i="0" u="none" strike="noStrike" kern="1200" cap="none" spc="0" normalizeH="0" baseline="0" noProof="0" dirty="0">
               <a:ln>
                 <a:noFill/>
               </a:ln>
               <a:solidFill>
-                <a:schemeClr val="tx1"/>
+                <a:schemeClr val="tx1">
+                  <a:lumMod val="65000"/>
+                  <a:lumOff val="35000"/>
+                </a:schemeClr>
               </a:solidFill>
               <a:effectLst/>
               <a:uLnTx/>
@@ -8165,246 +6915,10 @@
           </a:p>
         </p:txBody>
       </p:sp>
-      <p:sp>
-        <p:nvSpPr>
-          <p:cNvPr id="6" name="Rectangle 5"/>
-          <p:cNvSpPr/>
-          <p:nvPr/>
-        </p:nvSpPr>
-        <p:spPr>
-          <a:xfrm>
-            <a:off x="734683" y="1048668"/>
-            <a:ext cx="7643866" cy="1569660"/>
-          </a:xfrm>
-          <a:prstGeom prst="rect">
-            <a:avLst/>
-          </a:prstGeom>
-        </p:spPr>
-        <p:style>
-          <a:lnRef idx="2">
-            <a:schemeClr val="accent6"/>
-          </a:lnRef>
-          <a:fillRef idx="1">
-            <a:schemeClr val="lt1"/>
-          </a:fillRef>
-          <a:effectRef idx="0">
-            <a:schemeClr val="accent6"/>
-          </a:effectRef>
-          <a:fontRef idx="minor">
-            <a:schemeClr val="dk1"/>
-          </a:fontRef>
-        </p:style>
-        <p:txBody>
-          <a:bodyPr wrap="square">
-            <a:spAutoFit/>
-          </a:bodyPr>
-          <a:lstStyle/>
-          <a:p>
-            <a:r>
-              <a:rPr lang="en-US" sz="2400" dirty="0" err="1">
-                <a:solidFill>
-                  <a:srgbClr val="0000FF"/>
-                </a:solidFill>
-                <a:highlight>
-                  <a:srgbClr val="FFFFFF"/>
-                </a:highlight>
-                <a:latin typeface="Consolas"/>
-              </a:rPr>
-              <a:t>var</a:t>
-            </a:r>
-            <a:r>
-              <a:rPr lang="en-US" sz="2400" dirty="0">
-                <a:solidFill>
-                  <a:srgbClr val="000000"/>
-                </a:solidFill>
-                <a:highlight>
-                  <a:srgbClr val="FFFFFF"/>
-                </a:highlight>
-                <a:latin typeface="Consolas"/>
-              </a:rPr>
-              <a:t> COLOR_BLUE = </a:t>
-            </a:r>
-            <a:r>
-              <a:rPr lang="en-US" sz="2400" dirty="0">
-                <a:solidFill>
-                  <a:srgbClr val="A31515"/>
-                </a:solidFill>
-                <a:highlight>
-                  <a:srgbClr val="FFFFFF"/>
-                </a:highlight>
-                <a:latin typeface="Consolas"/>
-              </a:rPr>
-              <a:t>"#00F"</a:t>
-            </a:r>
-            <a:r>
-              <a:rPr lang="en-US" sz="2400" dirty="0">
-                <a:solidFill>
-                  <a:srgbClr val="000000"/>
-                </a:solidFill>
-                <a:highlight>
-                  <a:srgbClr val="FFFFFF"/>
-                </a:highlight>
-                <a:latin typeface="Consolas"/>
-              </a:rPr>
-              <a:t>;</a:t>
-            </a:r>
-          </a:p>
-          <a:p>
-            <a:r>
-              <a:rPr lang="en-US" sz="2400" dirty="0" err="1">
-                <a:solidFill>
-                  <a:srgbClr val="0000FF"/>
-                </a:solidFill>
-                <a:highlight>
-                  <a:srgbClr val="FFFFFF"/>
-                </a:highlight>
-                <a:latin typeface="Consolas"/>
-              </a:rPr>
-              <a:t>var</a:t>
-            </a:r>
-            <a:r>
-              <a:rPr lang="en-US" sz="2400" dirty="0">
-                <a:solidFill>
-                  <a:srgbClr val="000000"/>
-                </a:solidFill>
-                <a:highlight>
-                  <a:srgbClr val="FFFFFF"/>
-                </a:highlight>
-                <a:latin typeface="Consolas"/>
-              </a:rPr>
-              <a:t> COLOR_RED = </a:t>
-            </a:r>
-            <a:r>
-              <a:rPr lang="en-US" sz="2400" dirty="0">
-                <a:solidFill>
-                  <a:srgbClr val="A31515"/>
-                </a:solidFill>
-                <a:highlight>
-                  <a:srgbClr val="FFFFFF"/>
-                </a:highlight>
-                <a:latin typeface="Consolas"/>
-              </a:rPr>
-              <a:t>"#0F0"</a:t>
-            </a:r>
-            <a:r>
-              <a:rPr lang="en-US" sz="2400" dirty="0">
-                <a:solidFill>
-                  <a:srgbClr val="000000"/>
-                </a:solidFill>
-                <a:highlight>
-                  <a:srgbClr val="FFFFFF"/>
-                </a:highlight>
-                <a:latin typeface="Consolas"/>
-              </a:rPr>
-              <a:t>;</a:t>
-            </a:r>
-          </a:p>
-          <a:p>
-            <a:r>
-              <a:rPr lang="en-US" sz="2400" dirty="0" err="1">
-                <a:solidFill>
-                  <a:srgbClr val="0000FF"/>
-                </a:solidFill>
-                <a:highlight>
-                  <a:srgbClr val="FFFFFF"/>
-                </a:highlight>
-                <a:latin typeface="Consolas"/>
-              </a:rPr>
-              <a:t>var</a:t>
-            </a:r>
-            <a:r>
-              <a:rPr lang="en-US" sz="2400" dirty="0">
-                <a:solidFill>
-                  <a:srgbClr val="000000"/>
-                </a:solidFill>
-                <a:highlight>
-                  <a:srgbClr val="FFFFFF"/>
-                </a:highlight>
-                <a:latin typeface="Consolas"/>
-              </a:rPr>
-              <a:t> COLOR_GREEN = </a:t>
-            </a:r>
-            <a:r>
-              <a:rPr lang="en-US" sz="2400" dirty="0">
-                <a:solidFill>
-                  <a:srgbClr val="A31515"/>
-                </a:solidFill>
-                <a:highlight>
-                  <a:srgbClr val="FFFFFF"/>
-                </a:highlight>
-                <a:latin typeface="Consolas"/>
-              </a:rPr>
-              <a:t>"#F00"</a:t>
-            </a:r>
-            <a:r>
-              <a:rPr lang="en-US" sz="2400" dirty="0">
-                <a:solidFill>
-                  <a:srgbClr val="000000"/>
-                </a:solidFill>
-                <a:highlight>
-                  <a:srgbClr val="FFFFFF"/>
-                </a:highlight>
-                <a:latin typeface="Consolas"/>
-              </a:rPr>
-              <a:t>;</a:t>
-            </a:r>
-          </a:p>
-          <a:p>
-            <a:r>
-              <a:rPr lang="en-US" sz="2400" dirty="0" err="1">
-                <a:solidFill>
-                  <a:srgbClr val="0000FF"/>
-                </a:solidFill>
-                <a:highlight>
-                  <a:srgbClr val="FFFFFF"/>
-                </a:highlight>
-                <a:latin typeface="Consolas"/>
-              </a:rPr>
-              <a:t>var</a:t>
-            </a:r>
-            <a:r>
-              <a:rPr lang="en-US" sz="2400" dirty="0">
-                <a:solidFill>
-                  <a:srgbClr val="000000"/>
-                </a:solidFill>
-                <a:highlight>
-                  <a:srgbClr val="FFFFFF"/>
-                </a:highlight>
-                <a:latin typeface="Consolas"/>
-              </a:rPr>
-              <a:t> COLOR_ORANGE = </a:t>
-            </a:r>
-            <a:r>
-              <a:rPr lang="en-US" sz="2400" dirty="0">
-                <a:solidFill>
-                  <a:srgbClr val="A31515"/>
-                </a:solidFill>
-                <a:highlight>
-                  <a:srgbClr val="FFFFFF"/>
-                </a:highlight>
-                <a:latin typeface="Consolas"/>
-              </a:rPr>
-              <a:t>"#FF7F00"</a:t>
-            </a:r>
-            <a:r>
-              <a:rPr lang="en-US" sz="2400" dirty="0">
-                <a:solidFill>
-                  <a:srgbClr val="000000"/>
-                </a:solidFill>
-                <a:highlight>
-                  <a:srgbClr val="FFFFFF"/>
-                </a:highlight>
-                <a:latin typeface="Consolas"/>
-              </a:rPr>
-              <a:t>;</a:t>
-            </a:r>
-          </a:p>
-        </p:txBody>
-      </p:sp>
     </p:spTree>
     <p:extLst>
       <p:ext uri="{BB962C8B-B14F-4D97-AF65-F5344CB8AC3E}">
-        <p14:creationId xmlns:p14="http://schemas.microsoft.com/office/powerpoint/2010/main" val="1102375941"/>
+        <p14:creationId xmlns:p14="http://schemas.microsoft.com/office/powerpoint/2010/main" val="3163450364"/>
       </p:ext>
     </p:extLst>
   </p:cSld>
@@ -8441,56 +6955,96 @@
       </p:grpSpPr>
       <p:sp>
         <p:nvSpPr>
-          <p:cNvPr id="2" name="Заголовок 1"/>
-          <p:cNvSpPr>
-            <a:spLocks noGrp="1"/>
-          </p:cNvSpPr>
-          <p:nvPr>
-            <p:ph type="ctrTitle"/>
-          </p:nvPr>
+          <p:cNvPr id="4" name="Заголовок 1"/>
+          <p:cNvSpPr txBox="1">
+            <a:spLocks/>
+          </p:cNvSpPr>
+          <p:nvPr/>
         </p:nvSpPr>
         <p:spPr>
           <a:xfrm>
             <a:off x="642910" y="142852"/>
             <a:ext cx="7772400" cy="528640"/>
           </a:xfrm>
+          <a:prstGeom prst="rect">
+            <a:avLst/>
+          </a:prstGeom>
         </p:spPr>
         <p:txBody>
-          <a:bodyPr>
-            <a:normAutofit fontScale="90000"/>
+          <a:bodyPr vert="horz" lIns="91440" tIns="45720" rIns="91440" bIns="45720" rtlCol="0" anchor="ctr">
+            <a:noAutofit/>
           </a:bodyPr>
           <a:lstStyle/>
           <a:p>
-            <a:r>
-              <a:rPr lang="en-US" dirty="0" smtClean="0"/>
-              <a:t>Comments</a:t>
-            </a:r>
-            <a:endParaRPr lang="en-US" b="1" dirty="0">
+            <a:pPr lvl="0" algn="ctr">
+              <a:spcBef>
+                <a:spcPct val="0"/>
+              </a:spcBef>
+              <a:defRPr/>
+            </a:pPr>
+            <a:r>
+              <a:rPr lang="en-US" sz="4000" b="1" dirty="0" smtClean="0">
+                <a:solidFill>
+                  <a:schemeClr val="tx1">
+                    <a:lumMod val="65000"/>
+                    <a:lumOff val="35000"/>
+                  </a:schemeClr>
+                </a:solidFill>
+                <a:latin typeface="+mj-lt"/>
+                <a:ea typeface="+mj-ea"/>
+                <a:cs typeface="+mj-cs"/>
+              </a:rPr>
+              <a:t>Implicit Typecasting</a:t>
+            </a:r>
+            <a:endParaRPr kumimoji="0" lang="en-US" sz="4000" b="1" i="0" u="none" strike="noStrike" kern="1200" cap="none" spc="0" normalizeH="0" baseline="0" noProof="0" dirty="0">
+              <a:ln>
+                <a:noFill/>
+              </a:ln>
               <a:solidFill>
                 <a:schemeClr val="tx1">
                   <a:lumMod val="65000"/>
                   <a:lumOff val="35000"/>
                 </a:schemeClr>
               </a:solidFill>
+              <a:effectLst/>
+              <a:uLnTx/>
+              <a:uFillTx/>
+              <a:latin typeface="+mj-lt"/>
+              <a:ea typeface="+mj-ea"/>
+              <a:cs typeface="+mj-cs"/>
             </a:endParaRPr>
           </a:p>
         </p:txBody>
       </p:sp>
       <p:sp>
         <p:nvSpPr>
-          <p:cNvPr id="3" name="Rectangle 2"/>
+          <p:cNvPr id="2" name="Rectangle 1"/>
           <p:cNvSpPr/>
           <p:nvPr/>
         </p:nvSpPr>
         <p:spPr>
           <a:xfrm>
-            <a:off x="755576" y="836712"/>
-            <a:ext cx="5472608" cy="2308324"/>
+            <a:off x="323528" y="1196752"/>
+            <a:ext cx="8280920" cy="3139321"/>
           </a:xfrm>
           <a:prstGeom prst="rect">
             <a:avLst/>
           </a:prstGeom>
         </p:spPr>
+        <p:style>
+          <a:lnRef idx="1">
+            <a:schemeClr val="accent6"/>
+          </a:lnRef>
+          <a:fillRef idx="2">
+            <a:schemeClr val="accent6"/>
+          </a:fillRef>
+          <a:effectRef idx="1">
+            <a:schemeClr val="accent6"/>
+          </a:effectRef>
+          <a:fontRef idx="minor">
+            <a:schemeClr val="dk1"/>
+          </a:fontRef>
+        </p:style>
         <p:txBody>
           <a:bodyPr wrap="square">
             <a:spAutoFit/>
@@ -8498,116 +7052,255 @@
           <a:lstStyle/>
           <a:p>
             <a:r>
-              <a:rPr lang="en-US" sz="2400" b="1" dirty="0" smtClean="0"/>
-              <a:t>/*</a:t>
-            </a:r>
-          </a:p>
-          <a:p>
-            <a:pPr lvl="1"/>
-            <a:r>
-              <a:rPr lang="en-US" sz="2400" dirty="0">
+              <a:rPr lang="en-US" dirty="0" err="1">
                 <a:solidFill>
-                  <a:schemeClr val="bg1">
-                    <a:lumMod val="50000"/>
-                  </a:schemeClr>
+                  <a:srgbClr val="0000FF"/>
                 </a:solidFill>
+                <a:latin typeface="Consolas"/>
               </a:rPr>
-              <a:t>When I wrote this, only God and I understood what I was doing</a:t>
-            </a:r>
-          </a:p>
-          <a:p>
-            <a:pPr lvl="1"/>
-            <a:endParaRPr lang="en-US" sz="2400" dirty="0">
+              <a:t>var</a:t>
+            </a:r>
+            <a:r>
+              <a:rPr lang="en-US" dirty="0">
+                <a:solidFill>
+                  <a:prstClr val="black"/>
+                </a:solidFill>
+                <a:latin typeface="Consolas"/>
+              </a:rPr>
+              <a:t> zero = 0;</a:t>
+            </a:r>
+          </a:p>
+          <a:p>
+            <a:endParaRPr lang="en-US" dirty="0">
               <a:solidFill>
-                <a:schemeClr val="bg1">
-                  <a:lumMod val="50000"/>
-                </a:schemeClr>
+                <a:prstClr val="black"/>
               </a:solidFill>
+              <a:latin typeface="Consolas"/>
             </a:endParaRPr>
           </a:p>
           <a:p>
-            <a:pPr lvl="1"/>
-            <a:r>
-              <a:rPr lang="en-US" sz="2400" dirty="0">
+            <a:r>
+              <a:rPr lang="en-US" dirty="0">
                 <a:solidFill>
-                  <a:schemeClr val="bg1">
-                    <a:lumMod val="50000"/>
-                  </a:schemeClr>
+                  <a:srgbClr val="006400"/>
                 </a:solidFill>
+                <a:latin typeface="Consolas"/>
               </a:rPr>
-              <a:t>Now, God only </a:t>
-            </a:r>
-            <a:r>
-              <a:rPr lang="en-US" sz="2400" dirty="0" smtClean="0">
+              <a:t>/* </a:t>
+            </a:r>
+            <a:r>
+              <a:rPr lang="en-US" dirty="0" err="1" smtClean="0">
                 <a:solidFill>
-                  <a:schemeClr val="bg1">
-                    <a:lumMod val="50000"/>
-                  </a:schemeClr>
+                  <a:srgbClr val="006400"/>
                 </a:solidFill>
+                <a:latin typeface="Consolas"/>
               </a:rPr>
-              <a:t>knows</a:t>
-            </a:r>
-            <a:endParaRPr lang="en-US" sz="2400" dirty="0">
+              <a:t>antipattern</a:t>
+            </a:r>
+            <a:r>
+              <a:rPr lang="en-US" dirty="0" smtClean="0">
+                <a:solidFill>
+                  <a:srgbClr val="006400"/>
+                </a:solidFill>
+                <a:latin typeface="Consolas"/>
+              </a:rPr>
+              <a:t> */</a:t>
+            </a:r>
+            <a:endParaRPr lang="en-US" dirty="0">
               <a:solidFill>
-                <a:schemeClr val="bg1">
-                  <a:lumMod val="50000"/>
-                </a:schemeClr>
+                <a:prstClr val="black"/>
               </a:solidFill>
+              <a:latin typeface="Consolas"/>
             </a:endParaRPr>
           </a:p>
           <a:p>
             <a:r>
-              <a:rPr lang="en-US" sz="2400" b="1" dirty="0" smtClean="0"/>
-              <a:t>*/</a:t>
-            </a:r>
-          </a:p>
-        </p:txBody>
-      </p:sp>
-      <p:sp>
-        <p:nvSpPr>
-          <p:cNvPr id="8" name="Rectangle 7"/>
-          <p:cNvSpPr/>
-          <p:nvPr/>
-        </p:nvSpPr>
-        <p:spPr>
-          <a:xfrm>
-            <a:off x="774701" y="3818657"/>
-            <a:ext cx="5472608" cy="461665"/>
-          </a:xfrm>
-          <a:prstGeom prst="rect">
-            <a:avLst/>
-          </a:prstGeom>
-        </p:spPr>
-        <p:txBody>
-          <a:bodyPr wrap="square">
-            <a:spAutoFit/>
-          </a:bodyPr>
-          <a:lstStyle/>
-          <a:p>
-            <a:r>
-              <a:rPr lang="en-US" sz="2400" b="1" dirty="0" smtClean="0"/>
-              <a:t>//</a:t>
-            </a:r>
-            <a:r>
-              <a:rPr lang="en-US" sz="2400" dirty="0" smtClean="0"/>
+              <a:rPr lang="en-US" dirty="0">
+                <a:solidFill>
+                  <a:srgbClr val="0000FF"/>
+                </a:solidFill>
+                <a:latin typeface="Consolas"/>
+              </a:rPr>
+              <a:t>if</a:t>
+            </a:r>
+            <a:r>
+              <a:rPr lang="en-US" dirty="0">
+                <a:solidFill>
+                  <a:prstClr val="black"/>
+                </a:solidFill>
+                <a:latin typeface="Consolas"/>
+              </a:rPr>
+              <a:t> (zero == </a:t>
+            </a:r>
+            <a:r>
+              <a:rPr lang="en-US" dirty="0">
+                <a:solidFill>
+                  <a:srgbClr val="0000FF"/>
+                </a:solidFill>
+                <a:latin typeface="Consolas"/>
+              </a:rPr>
+              <a:t>false</a:t>
+            </a:r>
+            <a:r>
+              <a:rPr lang="en-US" dirty="0">
+                <a:solidFill>
+                  <a:prstClr val="black"/>
+                </a:solidFill>
+                <a:latin typeface="Consolas"/>
+              </a:rPr>
+              <a:t>) {</a:t>
+            </a:r>
+          </a:p>
+          <a:p>
+            <a:r>
+              <a:rPr lang="en-US" dirty="0" smtClean="0">
+                <a:solidFill>
+                  <a:srgbClr val="006400"/>
+                </a:solidFill>
+                <a:latin typeface="Consolas"/>
+              </a:rPr>
+              <a:t>	// </a:t>
+            </a:r>
+            <a:r>
+              <a:rPr lang="en-US" dirty="0">
+                <a:solidFill>
+                  <a:srgbClr val="006400"/>
+                </a:solidFill>
+                <a:latin typeface="Consolas"/>
+              </a:rPr>
+              <a:t>this block is executed...</a:t>
+            </a:r>
+            <a:endParaRPr lang="en-US" dirty="0">
+              <a:solidFill>
+                <a:prstClr val="black"/>
+              </a:solidFill>
+              <a:latin typeface="Consolas"/>
+            </a:endParaRPr>
+          </a:p>
+          <a:p>
+            <a:r>
+              <a:rPr lang="en-US" dirty="0">
+                <a:solidFill>
+                  <a:prstClr val="black"/>
+                </a:solidFill>
+                <a:latin typeface="Consolas"/>
+              </a:rPr>
+              <a:t>}</a:t>
+            </a:r>
+          </a:p>
+          <a:p>
+            <a:endParaRPr lang="en-US" dirty="0">
+              <a:solidFill>
+                <a:prstClr val="black"/>
+              </a:solidFill>
+              <a:latin typeface="Consolas"/>
+            </a:endParaRPr>
+          </a:p>
+          <a:p>
+            <a:r>
+              <a:rPr lang="en-US" dirty="0" smtClean="0">
+                <a:solidFill>
+                  <a:srgbClr val="006400"/>
+                </a:solidFill>
+                <a:latin typeface="Consolas"/>
+              </a:rPr>
+              <a:t>// preferred</a:t>
+            </a:r>
+            <a:endParaRPr lang="en-US" dirty="0" smtClean="0">
+              <a:solidFill>
+                <a:prstClr val="black"/>
+              </a:solidFill>
+              <a:latin typeface="Consolas"/>
+            </a:endParaRPr>
+          </a:p>
+          <a:p>
+            <a:r>
+              <a:rPr lang="en-US" dirty="0" smtClean="0">
+                <a:solidFill>
+                  <a:srgbClr val="0000FF"/>
+                </a:solidFill>
+                <a:latin typeface="Consolas"/>
+              </a:rPr>
+              <a:t>if</a:t>
+            </a:r>
+            <a:r>
+              <a:rPr lang="en-US" dirty="0" smtClean="0">
+                <a:solidFill>
+                  <a:prstClr val="black"/>
+                </a:solidFill>
+                <a:latin typeface="Consolas"/>
+              </a:rPr>
               <a:t> </a:t>
             </a:r>
             <a:r>
-              <a:rPr lang="en-US" sz="2400" dirty="0">
+              <a:rPr lang="en-US" dirty="0">
                 <a:solidFill>
-                  <a:schemeClr val="bg1">
-                    <a:lumMod val="50000"/>
-                  </a:schemeClr>
+                  <a:prstClr val="black"/>
                 </a:solidFill>
+                <a:latin typeface="Consolas"/>
               </a:rPr>
-              <a:t>Magic. Do not touch.</a:t>
-            </a:r>
-            <a:endParaRPr lang="en-US" sz="2400" dirty="0" smtClean="0">
+              <a:t>(zero === </a:t>
+            </a:r>
+            <a:r>
+              <a:rPr lang="en-US" dirty="0">
+                <a:solidFill>
+                  <a:srgbClr val="0000FF"/>
+                </a:solidFill>
+                <a:latin typeface="Consolas"/>
+              </a:rPr>
+              <a:t>false</a:t>
+            </a:r>
+            <a:r>
+              <a:rPr lang="en-US" dirty="0">
+                <a:solidFill>
+                  <a:prstClr val="black"/>
+                </a:solidFill>
+                <a:latin typeface="Consolas"/>
+              </a:rPr>
+              <a:t>) {</a:t>
+            </a:r>
+          </a:p>
+          <a:p>
+            <a:r>
+              <a:rPr lang="en-US" dirty="0" smtClean="0">
+                <a:solidFill>
+                  <a:srgbClr val="006400"/>
+                </a:solidFill>
+                <a:latin typeface="Consolas"/>
+              </a:rPr>
+              <a:t>	// </a:t>
+            </a:r>
+            <a:r>
+              <a:rPr lang="en-US" dirty="0">
+                <a:solidFill>
+                  <a:srgbClr val="006400"/>
+                </a:solidFill>
+                <a:latin typeface="Consolas"/>
+              </a:rPr>
+              <a:t>not executing because zero is 0, not false</a:t>
+            </a:r>
+            <a:endParaRPr lang="en-US" dirty="0">
               <a:solidFill>
-                <a:schemeClr val="bg1">
-                  <a:lumMod val="50000"/>
-                </a:schemeClr>
+                <a:prstClr val="black"/>
               </a:solidFill>
+              <a:latin typeface="Consolas"/>
+            </a:endParaRPr>
+          </a:p>
+          <a:p>
+            <a:r>
+              <a:rPr lang="en-US" dirty="0" smtClean="0">
+                <a:solidFill>
+                  <a:prstClr val="black"/>
+                </a:solidFill>
+                <a:latin typeface="Consolas"/>
+              </a:rPr>
+              <a:t>}</a:t>
+            </a:r>
+            <a:endParaRPr lang="en-US" dirty="0">
+              <a:solidFill>
+                <a:prstClr val="black"/>
+              </a:solidFill>
+              <a:latin typeface="Consolas"/>
             </a:endParaRPr>
           </a:p>
         </p:txBody>
@@ -8615,7 +7308,7 @@
     </p:spTree>
     <p:extLst>
       <p:ext uri="{BB962C8B-B14F-4D97-AF65-F5344CB8AC3E}">
-        <p14:creationId xmlns:p14="http://schemas.microsoft.com/office/powerpoint/2010/main" val="828432998"/>
+        <p14:creationId xmlns:p14="http://schemas.microsoft.com/office/powerpoint/2010/main" val="719728662"/>
       </p:ext>
     </p:extLst>
   </p:cSld>
@@ -8652,40 +7345,197 @@
       </p:grpSpPr>
       <p:sp>
         <p:nvSpPr>
-          <p:cNvPr id="3" name="Content Placeholder 2"/>
-          <p:cNvSpPr>
-            <a:spLocks noGrp="1"/>
-          </p:cNvSpPr>
-          <p:nvPr>
-            <p:ph idx="1"/>
-          </p:nvPr>
-        </p:nvSpPr>
-        <p:spPr/>
-        <p:txBody>
-          <a:bodyPr/>
-          <a:lstStyle/>
-          <a:p>
-            <a:pPr marL="0" indent="0" algn="ctr">
+          <p:cNvPr id="4" name="Заголовок 1"/>
+          <p:cNvSpPr txBox="1">
+            <a:spLocks/>
+          </p:cNvSpPr>
+          <p:nvPr/>
+        </p:nvSpPr>
+        <p:spPr>
+          <a:xfrm>
+            <a:off x="642910" y="142852"/>
+            <a:ext cx="7772400" cy="528640"/>
+          </a:xfrm>
+          <a:prstGeom prst="rect">
+            <a:avLst/>
+          </a:prstGeom>
+        </p:spPr>
+        <p:txBody>
+          <a:bodyPr vert="horz" lIns="91440" tIns="45720" rIns="91440" bIns="45720" rtlCol="0" anchor="ctr">
+            <a:noAutofit/>
+          </a:bodyPr>
+          <a:lstStyle/>
+          <a:p>
+            <a:pPr lvl="0" algn="ctr">
+              <a:spcBef>
+                <a:spcPct val="0"/>
+              </a:spcBef>
+              <a:defRPr/>
+            </a:pPr>
+            <a:r>
+              <a:rPr lang="en-US" sz="4000" b="1" dirty="0" smtClean="0">
+                <a:solidFill>
+                  <a:schemeClr val="tx1">
+                    <a:lumMod val="65000"/>
+                    <a:lumOff val="35000"/>
+                  </a:schemeClr>
+                </a:solidFill>
+                <a:latin typeface="+mj-lt"/>
+                <a:ea typeface="+mj-ea"/>
+                <a:cs typeface="+mj-cs"/>
+              </a:rPr>
+              <a:t>semicolon</a:t>
+            </a:r>
+            <a:endParaRPr kumimoji="0" lang="en-US" sz="4000" b="1" i="0" u="none" strike="noStrike" kern="1200" cap="none" spc="0" normalizeH="0" baseline="0" noProof="0" dirty="0">
+              <a:ln>
+                <a:noFill/>
+              </a:ln>
+              <a:solidFill>
+                <a:schemeClr val="tx1">
+                  <a:lumMod val="65000"/>
+                  <a:lumOff val="35000"/>
+                </a:schemeClr>
+              </a:solidFill>
+              <a:effectLst/>
+              <a:uLnTx/>
+              <a:uFillTx/>
+              <a:latin typeface="+mj-lt"/>
+              <a:ea typeface="+mj-ea"/>
+              <a:cs typeface="+mj-cs"/>
+            </a:endParaRPr>
+          </a:p>
+        </p:txBody>
+      </p:sp>
+      <p:sp>
+        <p:nvSpPr>
+          <p:cNvPr id="5" name="Rectangle 5"/>
+          <p:cNvSpPr/>
+          <p:nvPr/>
+        </p:nvSpPr>
+        <p:spPr>
+          <a:xfrm>
+            <a:off x="428596" y="928670"/>
+            <a:ext cx="8286808" cy="830997"/>
+          </a:xfrm>
+          <a:prstGeom prst="rect">
+            <a:avLst/>
+          </a:prstGeom>
+        </p:spPr>
+        <p:style>
+          <a:lnRef idx="1">
+            <a:schemeClr val="dk1"/>
+          </a:lnRef>
+          <a:fillRef idx="1001">
+            <a:schemeClr val="lt2"/>
+          </a:fillRef>
+          <a:effectRef idx="1">
+            <a:schemeClr val="dk1"/>
+          </a:effectRef>
+          <a:fontRef idx="minor">
+            <a:schemeClr val="dk1"/>
+          </a:fontRef>
+        </p:style>
+        <p:txBody>
+          <a:bodyPr wrap="square">
+            <a:spAutoFit/>
+          </a:bodyPr>
+          <a:lstStyle/>
+          <a:p>
+            <a:pPr>
+              <a:lnSpc>
+                <a:spcPct val="80000"/>
+              </a:lnSpc>
               <a:buNone/>
             </a:pPr>
             <a:r>
-              <a:rPr lang="en-US" sz="4000" dirty="0" smtClean="0"/>
-              <a:t>Example</a:t>
-            </a:r>
-            <a:endParaRPr lang="en-US" sz="4000" dirty="0"/>
+              <a:rPr lang="en-US" sz="2000" b="1" dirty="0" err="1" smtClean="0"/>
+              <a:t>var</a:t>
+            </a:r>
+            <a:r>
+              <a:rPr lang="en-US" sz="2000" b="1" dirty="0" smtClean="0"/>
+              <a:t> a = b</a:t>
+            </a:r>
+          </a:p>
+          <a:p>
+            <a:pPr>
+              <a:lnSpc>
+                <a:spcPct val="80000"/>
+              </a:lnSpc>
+              <a:buNone/>
+            </a:pPr>
+            <a:r>
+              <a:rPr lang="en-US" sz="2000" b="1" dirty="0" smtClean="0">
+                <a:solidFill>
+                  <a:schemeClr val="bg1">
+                    <a:lumMod val="50000"/>
+                  </a:schemeClr>
+                </a:solidFill>
+              </a:rPr>
+              <a:t>//blah </a:t>
+            </a:r>
+            <a:r>
+              <a:rPr lang="en-US" sz="2000" b="1" dirty="0" err="1" smtClean="0">
+                <a:solidFill>
+                  <a:schemeClr val="bg1">
+                    <a:lumMod val="50000"/>
+                  </a:schemeClr>
+                </a:solidFill>
+              </a:rPr>
+              <a:t>blah</a:t>
+            </a:r>
+            <a:r>
+              <a:rPr lang="en-US" sz="2000" b="1" dirty="0" smtClean="0">
+                <a:solidFill>
+                  <a:schemeClr val="bg1">
+                    <a:lumMod val="50000"/>
+                  </a:schemeClr>
+                </a:solidFill>
+              </a:rPr>
+              <a:t> </a:t>
+            </a:r>
+            <a:r>
+              <a:rPr lang="en-US" sz="2000" b="1" dirty="0" err="1" smtClean="0">
+                <a:solidFill>
+                  <a:schemeClr val="bg1">
+                    <a:lumMod val="50000"/>
+                  </a:schemeClr>
+                </a:solidFill>
+              </a:rPr>
+              <a:t>blah</a:t>
+            </a:r>
+            <a:endParaRPr lang="en-US" sz="2000" b="1" dirty="0" smtClean="0">
+              <a:solidFill>
+                <a:schemeClr val="bg1">
+                  <a:lumMod val="50000"/>
+                </a:schemeClr>
+              </a:solidFill>
+            </a:endParaRPr>
+          </a:p>
+          <a:p>
+            <a:pPr>
+              <a:lnSpc>
+                <a:spcPct val="80000"/>
+              </a:lnSpc>
+              <a:buNone/>
+            </a:pPr>
+            <a:r>
+              <a:rPr lang="en-US" sz="2000" b="1" dirty="0" smtClean="0"/>
+              <a:t>(function() {alert(1)})()</a:t>
+            </a:r>
           </a:p>
         </p:txBody>
       </p:sp>
     </p:spTree>
     <p:extLst>
       <p:ext uri="{BB962C8B-B14F-4D97-AF65-F5344CB8AC3E}">
-        <p14:creationId xmlns:p14="http://schemas.microsoft.com/office/powerpoint/2010/main" val="3342804009"/>
+        <p14:creationId xmlns:p14="http://schemas.microsoft.com/office/powerpoint/2010/main" val="2084511723"/>
       </p:ext>
     </p:extLst>
   </p:cSld>
   <p:clrMapOvr>
     <a:masterClrMapping/>
   </p:clrMapOvr>
+  <p:transition/>
   <p:timing>
     <p:tnLst>
       <p:par>
